--- a/slides/05-fregression.pptx
+++ b/slides/05-fregression.pptx
@@ -5,10 +5,15 @@
     <p:sldMasterId id="2147483684" r:id="rId1"/>
   </p:sldMasterIdLst>
   <p:notesMasterIdLst>
-    <p:notesMasterId r:id="rId3"/>
+    <p:notesMasterId r:id="rId8"/>
   </p:notesMasterIdLst>
   <p:sldIdLst>
     <p:sldId id="256" r:id="rId2"/>
+    <p:sldId id="257" r:id="rId3"/>
+    <p:sldId id="258" r:id="rId4"/>
+    <p:sldId id="259" r:id="rId5"/>
+    <p:sldId id="260" r:id="rId6"/>
+    <p:sldId id="261" r:id="rId7"/>
   </p:sldIdLst>
   <p:sldSz cx="12192000" cy="6858000"/>
   <p:notesSz cx="6858000" cy="9144000"/>
@@ -197,7 +202,7 @@
           <a:p>
             <a:fld id="{C3BDFCC3-9444-904F-8BDC-F0A1FF6E28DC}" type="datetimeFigureOut">
               <a:rPr lang="en-GB" smtClean="0"/>
-              <a:t>11/06/2024</a:t>
+              <a:t>13/07/2024</a:t>
             </a:fld>
             <a:endParaRPr lang="en-GB"/>
           </a:p>
@@ -595,7 +600,7 @@
           <a:p>
             <a:fld id="{C6CF10CA-94B3-504B-A812-19B0C18E6A91}" type="datetimeFigureOut">
               <a:rPr lang="en-GB" smtClean="0"/>
-              <a:t>11/06/2024</a:t>
+              <a:t>13/07/2024</a:t>
             </a:fld>
             <a:endParaRPr lang="en-GB"/>
           </a:p>
@@ -765,7 +770,7 @@
           <a:p>
             <a:fld id="{C6CF10CA-94B3-504B-A812-19B0C18E6A91}" type="datetimeFigureOut">
               <a:rPr lang="en-GB" smtClean="0"/>
-              <a:t>11/06/2024</a:t>
+              <a:t>13/07/2024</a:t>
             </a:fld>
             <a:endParaRPr lang="en-GB"/>
           </a:p>
@@ -945,7 +950,7 @@
           <a:p>
             <a:fld id="{C6CF10CA-94B3-504B-A812-19B0C18E6A91}" type="datetimeFigureOut">
               <a:rPr lang="en-GB" smtClean="0"/>
-              <a:t>11/06/2024</a:t>
+              <a:t>13/07/2024</a:t>
             </a:fld>
             <a:endParaRPr lang="en-GB"/>
           </a:p>
@@ -1115,7 +1120,7 @@
           <a:p>
             <a:fld id="{C6CF10CA-94B3-504B-A812-19B0C18E6A91}" type="datetimeFigureOut">
               <a:rPr lang="en-GB" smtClean="0"/>
-              <a:t>11/06/2024</a:t>
+              <a:t>13/07/2024</a:t>
             </a:fld>
             <a:endParaRPr lang="en-GB"/>
           </a:p>
@@ -1361,7 +1366,7 @@
           <a:p>
             <a:fld id="{C6CF10CA-94B3-504B-A812-19B0C18E6A91}" type="datetimeFigureOut">
               <a:rPr lang="en-GB" smtClean="0"/>
-              <a:t>11/06/2024</a:t>
+              <a:t>13/07/2024</a:t>
             </a:fld>
             <a:endParaRPr lang="en-GB"/>
           </a:p>
@@ -1593,7 +1598,7 @@
           <a:p>
             <a:fld id="{C6CF10CA-94B3-504B-A812-19B0C18E6A91}" type="datetimeFigureOut">
               <a:rPr lang="en-GB" smtClean="0"/>
-              <a:t>11/06/2024</a:t>
+              <a:t>13/07/2024</a:t>
             </a:fld>
             <a:endParaRPr lang="en-GB"/>
           </a:p>
@@ -1960,7 +1965,7 @@
           <a:p>
             <a:fld id="{C6CF10CA-94B3-504B-A812-19B0C18E6A91}" type="datetimeFigureOut">
               <a:rPr lang="en-GB" smtClean="0"/>
-              <a:t>11/06/2024</a:t>
+              <a:t>13/07/2024</a:t>
             </a:fld>
             <a:endParaRPr lang="en-GB"/>
           </a:p>
@@ -2078,7 +2083,7 @@
           <a:p>
             <a:fld id="{C6CF10CA-94B3-504B-A812-19B0C18E6A91}" type="datetimeFigureOut">
               <a:rPr lang="en-GB" smtClean="0"/>
-              <a:t>11/06/2024</a:t>
+              <a:t>13/07/2024</a:t>
             </a:fld>
             <a:endParaRPr lang="en-GB"/>
           </a:p>
@@ -2173,7 +2178,7 @@
           <a:p>
             <a:fld id="{C6CF10CA-94B3-504B-A812-19B0C18E6A91}" type="datetimeFigureOut">
               <a:rPr lang="en-GB" smtClean="0"/>
-              <a:t>11/06/2024</a:t>
+              <a:t>13/07/2024</a:t>
             </a:fld>
             <a:endParaRPr lang="en-GB"/>
           </a:p>
@@ -2450,7 +2455,7 @@
           <a:p>
             <a:fld id="{C6CF10CA-94B3-504B-A812-19B0C18E6A91}" type="datetimeFigureOut">
               <a:rPr lang="en-GB" smtClean="0"/>
-              <a:t>11/06/2024</a:t>
+              <a:t>13/07/2024</a:t>
             </a:fld>
             <a:endParaRPr lang="en-GB"/>
           </a:p>
@@ -2707,7 +2712,7 @@
           <a:p>
             <a:fld id="{C6CF10CA-94B3-504B-A812-19B0C18E6A91}" type="datetimeFigureOut">
               <a:rPr lang="en-GB" smtClean="0"/>
-              <a:t>11/06/2024</a:t>
+              <a:t>13/07/2024</a:t>
             </a:fld>
             <a:endParaRPr lang="en-GB"/>
           </a:p>
@@ -2920,7 +2925,7 @@
           <a:p>
             <a:fld id="{C6CF10CA-94B3-504B-A812-19B0C18E6A91}" type="datetimeFigureOut">
               <a:rPr lang="en-GB" smtClean="0"/>
-              <a:t>11/06/2024</a:t>
+              <a:t>13/07/2024</a:t>
             </a:fld>
             <a:endParaRPr lang="en-GB"/>
           </a:p>
@@ -3028,6 +3033,35 @@
           <a:xfrm>
             <a:off x="10569575" y="77788"/>
             <a:ext cx="1568450" cy="1568450"/>
+          </a:xfrm>
+          <a:prstGeom prst="rect">
+            <a:avLst/>
+          </a:prstGeom>
+        </p:spPr>
+      </p:pic>
+      <p:pic>
+        <p:nvPicPr>
+          <p:cNvPr id="9" name="Picture 8">
+            <a:extLst>
+              <a:ext uri="{FF2B5EF4-FFF2-40B4-BE49-F238E27FC236}">
+                <a16:creationId xmlns:a16="http://schemas.microsoft.com/office/drawing/2014/main" id="{5B78D77E-6BF3-B047-538B-C22AB7A2F9B5}"/>
+              </a:ext>
+            </a:extLst>
+          </p:cNvPr>
+          <p:cNvPicPr>
+            <a:picLocks noChangeAspect="1"/>
+          </p:cNvPicPr>
+          <p:nvPr userDrawn="1"/>
+        </p:nvPicPr>
+        <p:blipFill rotWithShape="1">
+          <a:blip r:embed="rId14"/>
+          <a:srcRect l="30118" t="28883" r="34165" b="23291"/>
+          <a:stretch/>
+        </p:blipFill>
+        <p:spPr>
+          <a:xfrm>
+            <a:off x="10408631" y="-56356"/>
+            <a:ext cx="1783369" cy="1792287"/>
           </a:xfrm>
           <a:prstGeom prst="rect">
             <a:avLst/>
@@ -3402,12 +3436,12 @@
         <p:spPr>
           <a:xfrm>
             <a:off x="1524000" y="3602037"/>
-            <a:ext cx="9144000" cy="2387600"/>
+            <a:ext cx="9144000" cy="2964016"/>
           </a:xfrm>
         </p:spPr>
         <p:txBody>
           <a:bodyPr>
-            <a:normAutofit fontScale="62500" lnSpcReduction="20000"/>
+            <a:normAutofit fontScale="92500" lnSpcReduction="20000"/>
           </a:bodyPr>
           <a:lstStyle/>
           <a:p>
@@ -3514,6 +3548,2696 @@
   <p:clrMapOvr>
     <a:masterClrMapping/>
   </p:clrMapOvr>
+</p:sld>
+</file>
+
+<file path=ppt/slides/slide2.xml><?xml version="1.0" encoding="utf-8"?>
+<p:sld xmlns:a="http://schemas.openxmlformats.org/drawingml/2006/main" xmlns:r="http://schemas.openxmlformats.org/officeDocument/2006/relationships" xmlns:p="http://schemas.openxmlformats.org/presentationml/2006/main">
+  <p:cSld>
+    <p:spTree>
+      <p:nvGrpSpPr>
+        <p:cNvPr id="1" name=""/>
+        <p:cNvGrpSpPr/>
+        <p:nvPr/>
+      </p:nvGrpSpPr>
+      <p:grpSpPr>
+        <a:xfrm>
+          <a:off x="0" y="0"/>
+          <a:ext cx="0" cy="0"/>
+          <a:chOff x="0" y="0"/>
+          <a:chExt cx="0" cy="0"/>
+        </a:xfrm>
+      </p:grpSpPr>
+      <p:sp>
+        <p:nvSpPr>
+          <p:cNvPr id="2" name="Title 1">
+            <a:extLst>
+              <a:ext uri="{FF2B5EF4-FFF2-40B4-BE49-F238E27FC236}">
+                <a16:creationId xmlns:a16="http://schemas.microsoft.com/office/drawing/2014/main" id="{9511D3B2-CF12-0656-796B-96A7C38837BE}"/>
+              </a:ext>
+            </a:extLst>
+          </p:cNvPr>
+          <p:cNvSpPr>
+            <a:spLocks noGrp="1"/>
+          </p:cNvSpPr>
+          <p:nvPr>
+            <p:ph type="title"/>
+          </p:nvPr>
+        </p:nvSpPr>
+        <p:spPr/>
+        <p:txBody>
+          <a:bodyPr/>
+          <a:lstStyle/>
+          <a:p>
+            <a:r>
+              <a:rPr lang="en-GB" dirty="0"/>
+              <a:t>Regression</a:t>
+            </a:r>
+          </a:p>
+        </p:txBody>
+      </p:sp>
+      <mc:AlternateContent xmlns:mc="http://schemas.openxmlformats.org/markup-compatibility/2006">
+        <mc:Choice xmlns:a14="http://schemas.microsoft.com/office/drawing/2010/main" Requires="a14">
+          <p:sp>
+            <p:nvSpPr>
+              <p:cNvPr id="3" name="Content Placeholder 2">
+                <a:extLst>
+                  <a:ext uri="{FF2B5EF4-FFF2-40B4-BE49-F238E27FC236}">
+                    <a16:creationId xmlns:a16="http://schemas.microsoft.com/office/drawing/2014/main" id="{13D06A5B-1AF8-8FEB-AA74-FFDD085F7B77}"/>
+                  </a:ext>
+                </a:extLst>
+              </p:cNvPr>
+              <p:cNvSpPr>
+                <a:spLocks noGrp="1"/>
+              </p:cNvSpPr>
+              <p:nvPr>
+                <p:ph idx="1"/>
+              </p:nvPr>
+            </p:nvSpPr>
+            <p:spPr/>
+            <p:txBody>
+              <a:bodyPr/>
+              <a:lstStyle/>
+              <a:p>
+                <a:pPr marL="0" indent="0">
+                  <a:buNone/>
+                </a:pPr>
+                <a:r>
+                  <a:rPr lang="en-GB" dirty="0"/>
+                  <a:t>Model the association between a response variable </a:t>
+                </a:r>
+                <a14:m>
+                  <m:oMath xmlns:m="http://schemas.openxmlformats.org/officeDocument/2006/math">
+                    <m:r>
+                      <a:rPr lang="en-IE" b="0" i="1" smtClean="0">
+                        <a:latin typeface="Cambria Math" panose="02040503050406030204" pitchFamily="18" charset="0"/>
+                      </a:rPr>
+                      <m:t>𝑌</m:t>
+                    </m:r>
+                  </m:oMath>
+                </a14:m>
+                <a:r>
+                  <a:rPr lang="en-GB" dirty="0"/>
+                  <a:t> and predictors (or covariates) </a:t>
+                </a:r>
+                <a14:m>
+                  <m:oMath xmlns:m="http://schemas.openxmlformats.org/officeDocument/2006/math">
+                    <m:sSub>
+                      <m:sSubPr>
+                        <m:ctrlPr>
+                          <a:rPr lang="en-IE" i="1">
+                            <a:latin typeface="Cambria Math" panose="02040503050406030204" pitchFamily="18" charset="0"/>
+                          </a:rPr>
+                        </m:ctrlPr>
+                      </m:sSubPr>
+                      <m:e>
+                        <m:r>
+                          <a:rPr lang="en-IE" i="1">
+                            <a:latin typeface="Cambria Math" panose="02040503050406030204" pitchFamily="18" charset="0"/>
+                          </a:rPr>
+                          <m:t>𝑋</m:t>
+                        </m:r>
+                      </m:e>
+                      <m:sub>
+                        <m:r>
+                          <a:rPr lang="en-IE" i="1">
+                            <a:latin typeface="Cambria Math" panose="02040503050406030204" pitchFamily="18" charset="0"/>
+                          </a:rPr>
+                          <m:t>1</m:t>
+                        </m:r>
+                      </m:sub>
+                    </m:sSub>
+                    <m:r>
+                      <a:rPr lang="en-IE" i="1">
+                        <a:latin typeface="Cambria Math" panose="02040503050406030204" pitchFamily="18" charset="0"/>
+                      </a:rPr>
+                      <m:t>,…,</m:t>
+                    </m:r>
+                    <m:sSub>
+                      <m:sSubPr>
+                        <m:ctrlPr>
+                          <a:rPr lang="en-IE" i="1">
+                            <a:latin typeface="Cambria Math" panose="02040503050406030204" pitchFamily="18" charset="0"/>
+                          </a:rPr>
+                        </m:ctrlPr>
+                      </m:sSubPr>
+                      <m:e>
+                        <m:r>
+                          <a:rPr lang="en-IE" i="1">
+                            <a:latin typeface="Cambria Math" panose="02040503050406030204" pitchFamily="18" charset="0"/>
+                          </a:rPr>
+                          <m:t>𝑋</m:t>
+                        </m:r>
+                      </m:e>
+                      <m:sub>
+                        <m:r>
+                          <a:rPr lang="en-IE" i="1">
+                            <a:latin typeface="Cambria Math" panose="02040503050406030204" pitchFamily="18" charset="0"/>
+                          </a:rPr>
+                          <m:t>𝐴</m:t>
+                        </m:r>
+                      </m:sub>
+                    </m:sSub>
+                    <m:r>
+                      <a:rPr lang="en-IE" b="0" i="0" smtClean="0">
+                        <a:latin typeface="Cambria Math" panose="02040503050406030204" pitchFamily="18" charset="0"/>
+                      </a:rPr>
+                      <m:t>,</m:t>
+                    </m:r>
+                  </m:oMath>
+                </a14:m>
+                <a:r>
+                  <a:rPr lang="en-GB" dirty="0"/>
+                  <a:t> with the goals:</a:t>
+                </a:r>
+              </a:p>
+              <a:p>
+                <a:pPr lvl="1"/>
+                <a:r>
+                  <a:rPr lang="en-GB" sz="2800" b="1" dirty="0"/>
+                  <a:t>Prediction</a:t>
+                </a:r>
+                <a:r>
+                  <a:rPr lang="en-GB" sz="2800" dirty="0"/>
+                  <a:t> – “Can I predict variable </a:t>
+                </a:r>
+                <a14:m>
+                  <m:oMath xmlns:m="http://schemas.openxmlformats.org/officeDocument/2006/math">
+                    <m:r>
+                      <a:rPr lang="en-IE" sz="2800" b="0" i="1" smtClean="0">
+                        <a:latin typeface="Cambria Math" panose="02040503050406030204" pitchFamily="18" charset="0"/>
+                      </a:rPr>
+                      <m:t>𝑌</m:t>
+                    </m:r>
+                  </m:oMath>
+                </a14:m>
+                <a:r>
+                  <a:rPr lang="en-GB" sz="2800" dirty="0"/>
+                  <a:t> if I know </a:t>
+                </a:r>
+                <a14:m>
+                  <m:oMath xmlns:m="http://schemas.openxmlformats.org/officeDocument/2006/math">
+                    <m:sSub>
+                      <m:sSubPr>
+                        <m:ctrlPr>
+                          <a:rPr lang="en-IE" sz="2800" b="0" i="1" smtClean="0">
+                            <a:latin typeface="Cambria Math" panose="02040503050406030204" pitchFamily="18" charset="0"/>
+                          </a:rPr>
+                        </m:ctrlPr>
+                      </m:sSubPr>
+                      <m:e>
+                        <m:r>
+                          <a:rPr lang="en-IE" sz="2800" b="0" i="1" smtClean="0">
+                            <a:latin typeface="Cambria Math" panose="02040503050406030204" pitchFamily="18" charset="0"/>
+                          </a:rPr>
+                          <m:t>𝑋</m:t>
+                        </m:r>
+                      </m:e>
+                      <m:sub>
+                        <m:r>
+                          <a:rPr lang="en-IE" sz="2800" b="0" i="1" smtClean="0">
+                            <a:latin typeface="Cambria Math" panose="02040503050406030204" pitchFamily="18" charset="0"/>
+                          </a:rPr>
+                          <m:t>1</m:t>
+                        </m:r>
+                      </m:sub>
+                    </m:sSub>
+                    <m:r>
+                      <a:rPr lang="en-IE" sz="2800" b="0" i="1" smtClean="0">
+                        <a:latin typeface="Cambria Math" panose="02040503050406030204" pitchFamily="18" charset="0"/>
+                      </a:rPr>
+                      <m:t>,…,</m:t>
+                    </m:r>
+                    <m:sSub>
+                      <m:sSubPr>
+                        <m:ctrlPr>
+                          <a:rPr lang="en-IE" sz="2800" b="0" i="1" smtClean="0">
+                            <a:latin typeface="Cambria Math" panose="02040503050406030204" pitchFamily="18" charset="0"/>
+                          </a:rPr>
+                        </m:ctrlPr>
+                      </m:sSubPr>
+                      <m:e>
+                        <m:r>
+                          <a:rPr lang="en-IE" sz="2800" b="0" i="1" smtClean="0">
+                            <a:latin typeface="Cambria Math" panose="02040503050406030204" pitchFamily="18" charset="0"/>
+                          </a:rPr>
+                          <m:t>𝑋</m:t>
+                        </m:r>
+                      </m:e>
+                      <m:sub>
+                        <m:r>
+                          <a:rPr lang="en-IE" sz="2800" b="0" i="1" smtClean="0">
+                            <a:latin typeface="Cambria Math" panose="02040503050406030204" pitchFamily="18" charset="0"/>
+                          </a:rPr>
+                          <m:t>𝐴</m:t>
+                        </m:r>
+                      </m:sub>
+                    </m:sSub>
+                    <m:r>
+                      <a:rPr lang="en-IE" sz="2800" b="0" i="1" smtClean="0">
+                        <a:latin typeface="Cambria Math" panose="02040503050406030204" pitchFamily="18" charset="0"/>
+                      </a:rPr>
+                      <m:t>?”</m:t>
+                    </m:r>
+                  </m:oMath>
+                </a14:m>
+                <a:endParaRPr lang="en-GB" sz="2800" dirty="0"/>
+              </a:p>
+              <a:p>
+                <a:pPr lvl="1"/>
+                <a:r>
+                  <a:rPr lang="en-GB" sz="2800" b="1" dirty="0"/>
+                  <a:t>Description/ Testing: “</a:t>
+                </a:r>
+                <a:r>
+                  <a:rPr lang="en-GB" sz="2800" dirty="0"/>
+                  <a:t>What is the effect of </a:t>
+                </a:r>
+                <a14:m>
+                  <m:oMath xmlns:m="http://schemas.openxmlformats.org/officeDocument/2006/math">
+                    <m:sSub>
+                      <m:sSubPr>
+                        <m:ctrlPr>
+                          <a:rPr lang="en-IE" sz="2800" b="0" i="1" smtClean="0">
+                            <a:latin typeface="Cambria Math" panose="02040503050406030204" pitchFamily="18" charset="0"/>
+                          </a:rPr>
+                        </m:ctrlPr>
+                      </m:sSubPr>
+                      <m:e>
+                        <m:r>
+                          <a:rPr lang="en-IE" sz="2800" b="0" i="1" smtClean="0">
+                            <a:latin typeface="Cambria Math" panose="02040503050406030204" pitchFamily="18" charset="0"/>
+                          </a:rPr>
+                          <m:t>𝑋</m:t>
+                        </m:r>
+                      </m:e>
+                      <m:sub>
+                        <m:r>
+                          <a:rPr lang="en-IE" sz="2800" b="0" i="1" smtClean="0">
+                            <a:latin typeface="Cambria Math" panose="02040503050406030204" pitchFamily="18" charset="0"/>
+                          </a:rPr>
+                          <m:t>1</m:t>
+                        </m:r>
+                      </m:sub>
+                    </m:sSub>
+                  </m:oMath>
+                </a14:m>
+                <a:r>
+                  <a:rPr lang="en-GB" sz="2800" b="1" dirty="0"/>
+                  <a:t> </a:t>
+                </a:r>
+                <a:r>
+                  <a:rPr lang="en-GB" sz="2800" dirty="0"/>
+                  <a:t>on </a:t>
+                </a:r>
+                <a14:m>
+                  <m:oMath xmlns:m="http://schemas.openxmlformats.org/officeDocument/2006/math">
+                    <m:r>
+                      <a:rPr lang="en-IE" sz="2800" b="0" i="1" smtClean="0">
+                        <a:latin typeface="Cambria Math" panose="02040503050406030204" pitchFamily="18" charset="0"/>
+                      </a:rPr>
+                      <m:t>𝑌</m:t>
+                    </m:r>
+                    <m:r>
+                      <a:rPr lang="en-IE" sz="2800" b="0" i="0" smtClean="0">
+                        <a:latin typeface="Cambria Math" panose="02040503050406030204" pitchFamily="18" charset="0"/>
+                      </a:rPr>
+                      <m:t>?</m:t>
+                    </m:r>
+                  </m:oMath>
+                </a14:m>
+                <a:r>
+                  <a:rPr lang="en-GB" sz="2800" dirty="0"/>
+                  <a:t>” (ANOVA, t-test etc., can be written as a linear regression model.</a:t>
+                </a:r>
+              </a:p>
+              <a:p>
+                <a:pPr lvl="1"/>
+                <a:endParaRPr lang="en-GB" sz="2800" dirty="0"/>
+              </a:p>
+              <a:p>
+                <a:pPr marL="0" indent="0">
+                  <a:buNone/>
+                </a:pPr>
+                <a:r>
+                  <a:rPr lang="en-GB" sz="3200" b="1" i="1" u="sng" dirty="0"/>
+                  <a:t>Functional Regression </a:t>
+                </a:r>
+                <a:r>
+                  <a:rPr lang="en-GB" sz="3200" dirty="0"/>
+                  <a:t>extends classical regression to the case where either the response or predictors are curves, rather than scalars.</a:t>
+                </a:r>
+                <a:endParaRPr lang="en-GB" sz="3200" b="1" i="1" u="sng" dirty="0"/>
+              </a:p>
+            </p:txBody>
+          </p:sp>
+        </mc:Choice>
+        <mc:Fallback>
+          <p:sp>
+            <p:nvSpPr>
+              <p:cNvPr id="3" name="Content Placeholder 2">
+                <a:extLst>
+                  <a:ext uri="{FF2B5EF4-FFF2-40B4-BE49-F238E27FC236}">
+                    <a16:creationId xmlns:a16="http://schemas.microsoft.com/office/drawing/2014/main" id="{13D06A5B-1AF8-8FEB-AA74-FFDD085F7B77}"/>
+                  </a:ext>
+                </a:extLst>
+              </p:cNvPr>
+              <p:cNvSpPr>
+                <a:spLocks noGrp="1" noRot="1" noChangeAspect="1" noMove="1" noResize="1" noEditPoints="1" noAdjustHandles="1" noChangeArrowheads="1" noChangeShapeType="1" noTextEdit="1"/>
+              </p:cNvSpPr>
+              <p:nvPr>
+                <p:ph idx="1"/>
+              </p:nvPr>
+            </p:nvSpPr>
+            <p:spPr>
+              <a:blipFill>
+                <a:blip r:embed="rId2"/>
+                <a:stretch>
+                  <a:fillRect l="-1568" t="-2326" r="-1206"/>
+                </a:stretch>
+              </a:blipFill>
+            </p:spPr>
+            <p:txBody>
+              <a:bodyPr/>
+              <a:lstStyle/>
+              <a:p>
+                <a:r>
+                  <a:rPr lang="en-GB">
+                    <a:noFill/>
+                  </a:rPr>
+                  <a:t> </a:t>
+                </a:r>
+              </a:p>
+            </p:txBody>
+          </p:sp>
+        </mc:Fallback>
+      </mc:AlternateContent>
+    </p:spTree>
+    <p:extLst>
+      <p:ext uri="{BB962C8B-B14F-4D97-AF65-F5344CB8AC3E}">
+        <p14:creationId xmlns:p14="http://schemas.microsoft.com/office/powerpoint/2010/main" val="3692338560"/>
+      </p:ext>
+    </p:extLst>
+  </p:cSld>
+  <p:clrMapOvr>
+    <a:masterClrMapping/>
+  </p:clrMapOvr>
+  <p:timing>
+    <p:tnLst>
+      <p:par>
+        <p:cTn id="1" dur="indefinite" restart="never" nodeType="tmRoot">
+          <p:childTnLst>
+            <p:seq concurrent="1" nextAc="seek">
+              <p:cTn id="2" dur="indefinite" nodeType="mainSeq">
+                <p:childTnLst>
+                  <p:par>
+                    <p:cTn id="3" fill="hold">
+                      <p:stCondLst>
+                        <p:cond delay="indefinite"/>
+                      </p:stCondLst>
+                      <p:childTnLst>
+                        <p:par>
+                          <p:cTn id="4" fill="hold">
+                            <p:stCondLst>
+                              <p:cond delay="0"/>
+                            </p:stCondLst>
+                            <p:childTnLst>
+                              <p:par>
+                                <p:cTn id="5" presetID="1" presetClass="entr" presetSubtype="0" fill="hold" nodeType="clickEffect">
+                                  <p:stCondLst>
+                                    <p:cond delay="0"/>
+                                  </p:stCondLst>
+                                  <p:childTnLst>
+                                    <p:set>
+                                      <p:cBhvr>
+                                        <p:cTn id="6" dur="1" fill="hold">
+                                          <p:stCondLst>
+                                            <p:cond delay="0"/>
+                                          </p:stCondLst>
+                                        </p:cTn>
+                                        <p:tgtEl>
+                                          <p:spTgt spid="3">
+                                            <p:txEl>
+                                              <p:pRg st="0" end="0"/>
+                                            </p:txEl>
+                                          </p:spTgt>
+                                        </p:tgtEl>
+                                        <p:attrNameLst>
+                                          <p:attrName>style.visibility</p:attrName>
+                                        </p:attrNameLst>
+                                      </p:cBhvr>
+                                      <p:to>
+                                        <p:strVal val="visible"/>
+                                      </p:to>
+                                    </p:set>
+                                  </p:childTnLst>
+                                </p:cTn>
+                              </p:par>
+                            </p:childTnLst>
+                          </p:cTn>
+                        </p:par>
+                      </p:childTnLst>
+                    </p:cTn>
+                  </p:par>
+                  <p:par>
+                    <p:cTn id="7" fill="hold">
+                      <p:stCondLst>
+                        <p:cond delay="indefinite"/>
+                      </p:stCondLst>
+                      <p:childTnLst>
+                        <p:par>
+                          <p:cTn id="8" fill="hold">
+                            <p:stCondLst>
+                              <p:cond delay="0"/>
+                            </p:stCondLst>
+                            <p:childTnLst>
+                              <p:par>
+                                <p:cTn id="9" presetID="1" presetClass="entr" presetSubtype="0" fill="hold" nodeType="clickEffect">
+                                  <p:stCondLst>
+                                    <p:cond delay="0"/>
+                                  </p:stCondLst>
+                                  <p:childTnLst>
+                                    <p:set>
+                                      <p:cBhvr>
+                                        <p:cTn id="10" dur="1" fill="hold">
+                                          <p:stCondLst>
+                                            <p:cond delay="0"/>
+                                          </p:stCondLst>
+                                        </p:cTn>
+                                        <p:tgtEl>
+                                          <p:spTgt spid="3">
+                                            <p:txEl>
+                                              <p:pRg st="1" end="1"/>
+                                            </p:txEl>
+                                          </p:spTgt>
+                                        </p:tgtEl>
+                                        <p:attrNameLst>
+                                          <p:attrName>style.visibility</p:attrName>
+                                        </p:attrNameLst>
+                                      </p:cBhvr>
+                                      <p:to>
+                                        <p:strVal val="visible"/>
+                                      </p:to>
+                                    </p:set>
+                                  </p:childTnLst>
+                                </p:cTn>
+                              </p:par>
+                            </p:childTnLst>
+                          </p:cTn>
+                        </p:par>
+                      </p:childTnLst>
+                    </p:cTn>
+                  </p:par>
+                  <p:par>
+                    <p:cTn id="11" fill="hold">
+                      <p:stCondLst>
+                        <p:cond delay="indefinite"/>
+                      </p:stCondLst>
+                      <p:childTnLst>
+                        <p:par>
+                          <p:cTn id="12" fill="hold">
+                            <p:stCondLst>
+                              <p:cond delay="0"/>
+                            </p:stCondLst>
+                            <p:childTnLst>
+                              <p:par>
+                                <p:cTn id="13" presetID="1" presetClass="entr" presetSubtype="0" fill="hold" nodeType="clickEffect">
+                                  <p:stCondLst>
+                                    <p:cond delay="0"/>
+                                  </p:stCondLst>
+                                  <p:childTnLst>
+                                    <p:set>
+                                      <p:cBhvr>
+                                        <p:cTn id="14" dur="1" fill="hold">
+                                          <p:stCondLst>
+                                            <p:cond delay="0"/>
+                                          </p:stCondLst>
+                                        </p:cTn>
+                                        <p:tgtEl>
+                                          <p:spTgt spid="3">
+                                            <p:txEl>
+                                              <p:pRg st="2" end="2"/>
+                                            </p:txEl>
+                                          </p:spTgt>
+                                        </p:tgtEl>
+                                        <p:attrNameLst>
+                                          <p:attrName>style.visibility</p:attrName>
+                                        </p:attrNameLst>
+                                      </p:cBhvr>
+                                      <p:to>
+                                        <p:strVal val="visible"/>
+                                      </p:to>
+                                    </p:set>
+                                  </p:childTnLst>
+                                </p:cTn>
+                              </p:par>
+                            </p:childTnLst>
+                          </p:cTn>
+                        </p:par>
+                      </p:childTnLst>
+                    </p:cTn>
+                  </p:par>
+                  <p:par>
+                    <p:cTn id="15" fill="hold">
+                      <p:stCondLst>
+                        <p:cond delay="indefinite"/>
+                      </p:stCondLst>
+                      <p:childTnLst>
+                        <p:par>
+                          <p:cTn id="16" fill="hold">
+                            <p:stCondLst>
+                              <p:cond delay="0"/>
+                            </p:stCondLst>
+                            <p:childTnLst>
+                              <p:par>
+                                <p:cTn id="17" presetID="1" presetClass="entr" presetSubtype="0" fill="hold" nodeType="clickEffect">
+                                  <p:stCondLst>
+                                    <p:cond delay="0"/>
+                                  </p:stCondLst>
+                                  <p:childTnLst>
+                                    <p:set>
+                                      <p:cBhvr>
+                                        <p:cTn id="18" dur="1" fill="hold">
+                                          <p:stCondLst>
+                                            <p:cond delay="0"/>
+                                          </p:stCondLst>
+                                        </p:cTn>
+                                        <p:tgtEl>
+                                          <p:spTgt spid="3">
+                                            <p:txEl>
+                                              <p:pRg st="4" end="4"/>
+                                            </p:txEl>
+                                          </p:spTgt>
+                                        </p:tgtEl>
+                                        <p:attrNameLst>
+                                          <p:attrName>style.visibility</p:attrName>
+                                        </p:attrNameLst>
+                                      </p:cBhvr>
+                                      <p:to>
+                                        <p:strVal val="visible"/>
+                                      </p:to>
+                                    </p:set>
+                                  </p:childTnLst>
+                                </p:cTn>
+                              </p:par>
+                            </p:childTnLst>
+                          </p:cTn>
+                        </p:par>
+                      </p:childTnLst>
+                    </p:cTn>
+                  </p:par>
+                </p:childTnLst>
+              </p:cTn>
+              <p:prevCondLst>
+                <p:cond evt="onPrev" delay="0">
+                  <p:tgtEl>
+                    <p:sldTgt/>
+                  </p:tgtEl>
+                </p:cond>
+              </p:prevCondLst>
+              <p:nextCondLst>
+                <p:cond evt="onNext" delay="0">
+                  <p:tgtEl>
+                    <p:sldTgt/>
+                  </p:tgtEl>
+                </p:cond>
+              </p:nextCondLst>
+            </p:seq>
+          </p:childTnLst>
+        </p:cTn>
+      </p:par>
+    </p:tnLst>
+  </p:timing>
+</p:sld>
+</file>
+
+<file path=ppt/slides/slide3.xml><?xml version="1.0" encoding="utf-8"?>
+<p:sld xmlns:a="http://schemas.openxmlformats.org/drawingml/2006/main" xmlns:r="http://schemas.openxmlformats.org/officeDocument/2006/relationships" xmlns:p="http://schemas.openxmlformats.org/presentationml/2006/main">
+  <p:cSld>
+    <p:spTree>
+      <p:nvGrpSpPr>
+        <p:cNvPr id="1" name=""/>
+        <p:cNvGrpSpPr/>
+        <p:nvPr/>
+      </p:nvGrpSpPr>
+      <p:grpSpPr>
+        <a:xfrm>
+          <a:off x="0" y="0"/>
+          <a:ext cx="0" cy="0"/>
+          <a:chOff x="0" y="0"/>
+          <a:chExt cx="0" cy="0"/>
+        </a:xfrm>
+      </p:grpSpPr>
+      <p:sp>
+        <p:nvSpPr>
+          <p:cNvPr id="2" name="Title 1">
+            <a:extLst>
+              <a:ext uri="{FF2B5EF4-FFF2-40B4-BE49-F238E27FC236}">
+                <a16:creationId xmlns:a16="http://schemas.microsoft.com/office/drawing/2014/main" id="{2B70D8AB-6D95-538D-DA00-793BB6EDF291}"/>
+              </a:ext>
+            </a:extLst>
+          </p:cNvPr>
+          <p:cNvSpPr>
+            <a:spLocks noGrp="1"/>
+          </p:cNvSpPr>
+          <p:nvPr>
+            <p:ph type="title"/>
+          </p:nvPr>
+        </p:nvSpPr>
+        <p:spPr/>
+        <p:txBody>
+          <a:bodyPr/>
+          <a:lstStyle/>
+          <a:p>
+            <a:r>
+              <a:rPr lang="en-GB" dirty="0"/>
+              <a:t>Types of Functional Regression</a:t>
+            </a:r>
+          </a:p>
+        </p:txBody>
+      </p:sp>
+      <mc:AlternateContent xmlns:mc="http://schemas.openxmlformats.org/markup-compatibility/2006">
+        <mc:Choice xmlns:a14="http://schemas.microsoft.com/office/drawing/2010/main" Requires="a14">
+          <p:sp>
+            <p:nvSpPr>
+              <p:cNvPr id="3" name="Content Placeholder 2">
+                <a:extLst>
+                  <a:ext uri="{FF2B5EF4-FFF2-40B4-BE49-F238E27FC236}">
+                    <a16:creationId xmlns:a16="http://schemas.microsoft.com/office/drawing/2014/main" id="{C34B0DA2-F919-D6EB-2607-4B0EBAB76C6B}"/>
+                  </a:ext>
+                </a:extLst>
+              </p:cNvPr>
+              <p:cNvSpPr>
+                <a:spLocks noGrp="1"/>
+              </p:cNvSpPr>
+              <p:nvPr>
+                <p:ph idx="1"/>
+              </p:nvPr>
+            </p:nvSpPr>
+            <p:spPr/>
+            <p:txBody>
+              <a:bodyPr>
+                <a:normAutofit lnSpcReduction="10000"/>
+              </a:bodyPr>
+              <a:lstStyle/>
+              <a:p>
+                <a:pPr marL="514350" indent="-514350">
+                  <a:buFont typeface="+mj-lt"/>
+                  <a:buAutoNum type="arabicPeriod"/>
+                </a:pPr>
+                <a:r>
+                  <a:rPr lang="en-GB" b="1" u="sng" dirty="0"/>
+                  <a:t>Function-on-Scalar Regression:</a:t>
+                </a:r>
+                <a:r>
+                  <a:rPr lang="en-GB" dirty="0"/>
+                  <a:t> Functional response </a:t>
+                </a:r>
+                <a14:m>
+                  <m:oMath xmlns:m="http://schemas.openxmlformats.org/officeDocument/2006/math">
+                    <m:r>
+                      <a:rPr lang="en-IE" b="0" i="1" smtClean="0">
+                        <a:latin typeface="Cambria Math" panose="02040503050406030204" pitchFamily="18" charset="0"/>
+                      </a:rPr>
+                      <m:t>𝑌</m:t>
+                    </m:r>
+                    <m:r>
+                      <a:rPr lang="en-IE" b="0" i="1" smtClean="0">
+                        <a:latin typeface="Cambria Math" panose="02040503050406030204" pitchFamily="18" charset="0"/>
+                      </a:rPr>
+                      <m:t>(</m:t>
+                    </m:r>
+                    <m:r>
+                      <a:rPr lang="en-IE" b="0" i="1" smtClean="0">
+                        <a:latin typeface="Cambria Math" panose="02040503050406030204" pitchFamily="18" charset="0"/>
+                      </a:rPr>
+                      <m:t>𝑡</m:t>
+                    </m:r>
+                    <m:r>
+                      <a:rPr lang="en-IE" b="0" i="1" smtClean="0">
+                        <a:latin typeface="Cambria Math" panose="02040503050406030204" pitchFamily="18" charset="0"/>
+                      </a:rPr>
+                      <m:t>)</m:t>
+                    </m:r>
+                  </m:oMath>
+                </a14:m>
+                <a:r>
+                  <a:rPr lang="en-GB" dirty="0"/>
+                  <a:t>, scalar predictor(s) </a:t>
+                </a:r>
+                <a14:m>
+                  <m:oMath xmlns:m="http://schemas.openxmlformats.org/officeDocument/2006/math">
+                    <m:sSub>
+                      <m:sSubPr>
+                        <m:ctrlPr>
+                          <a:rPr lang="en-IE" i="1">
+                            <a:latin typeface="Cambria Math" panose="02040503050406030204" pitchFamily="18" charset="0"/>
+                          </a:rPr>
+                        </m:ctrlPr>
+                      </m:sSubPr>
+                      <m:e>
+                        <m:r>
+                          <a:rPr lang="en-IE" i="1">
+                            <a:latin typeface="Cambria Math" panose="02040503050406030204" pitchFamily="18" charset="0"/>
+                          </a:rPr>
+                          <m:t>𝑋</m:t>
+                        </m:r>
+                      </m:e>
+                      <m:sub>
+                        <m:r>
+                          <a:rPr lang="en-IE" i="1">
+                            <a:latin typeface="Cambria Math" panose="02040503050406030204" pitchFamily="18" charset="0"/>
+                          </a:rPr>
+                          <m:t>1</m:t>
+                        </m:r>
+                      </m:sub>
+                    </m:sSub>
+                    <m:r>
+                      <a:rPr lang="en-IE" i="1">
+                        <a:latin typeface="Cambria Math" panose="02040503050406030204" pitchFamily="18" charset="0"/>
+                      </a:rPr>
+                      <m:t>,…,</m:t>
+                    </m:r>
+                    <m:sSub>
+                      <m:sSubPr>
+                        <m:ctrlPr>
+                          <a:rPr lang="en-IE" i="1">
+                            <a:latin typeface="Cambria Math" panose="02040503050406030204" pitchFamily="18" charset="0"/>
+                          </a:rPr>
+                        </m:ctrlPr>
+                      </m:sSubPr>
+                      <m:e>
+                        <m:r>
+                          <a:rPr lang="en-IE" i="1">
+                            <a:latin typeface="Cambria Math" panose="02040503050406030204" pitchFamily="18" charset="0"/>
+                          </a:rPr>
+                          <m:t>𝑋</m:t>
+                        </m:r>
+                      </m:e>
+                      <m:sub>
+                        <m:r>
+                          <a:rPr lang="en-IE" i="1">
+                            <a:latin typeface="Cambria Math" panose="02040503050406030204" pitchFamily="18" charset="0"/>
+                          </a:rPr>
+                          <m:t>𝐴</m:t>
+                        </m:r>
+                      </m:sub>
+                    </m:sSub>
+                    <m:r>
+                      <a:rPr lang="en-IE" b="0" i="0" smtClean="0">
+                        <a:latin typeface="Cambria Math" panose="02040503050406030204" pitchFamily="18" charset="0"/>
+                      </a:rPr>
+                      <m:t>.</m:t>
+                    </m:r>
+                  </m:oMath>
+                </a14:m>
+                <a:endParaRPr lang="en-IE" b="0" dirty="0"/>
+              </a:p>
+              <a:p>
+                <a:pPr marL="514350" indent="-514350">
+                  <a:buFont typeface="+mj-lt"/>
+                  <a:buAutoNum type="arabicPeriod"/>
+                </a:pPr>
+                <a:r>
+                  <a:rPr lang="en-GB" b="1" u="sng" dirty="0"/>
+                  <a:t>Scalar-on-Function Regression:</a:t>
+                </a:r>
+                <a:r>
+                  <a:rPr lang="en-GB" dirty="0"/>
+                  <a:t> Scalar response </a:t>
+                </a:r>
+                <a14:m>
+                  <m:oMath xmlns:m="http://schemas.openxmlformats.org/officeDocument/2006/math">
+                    <m:r>
+                      <a:rPr lang="en-IE" i="1">
+                        <a:latin typeface="Cambria Math" panose="02040503050406030204" pitchFamily="18" charset="0"/>
+                      </a:rPr>
+                      <m:t>𝑌</m:t>
+                    </m:r>
+                  </m:oMath>
+                </a14:m>
+                <a:r>
+                  <a:rPr lang="en-GB" dirty="0"/>
+                  <a:t>, functional predictor(s) </a:t>
+                </a:r>
+                <a14:m>
+                  <m:oMath xmlns:m="http://schemas.openxmlformats.org/officeDocument/2006/math">
+                    <m:sSub>
+                      <m:sSubPr>
+                        <m:ctrlPr>
+                          <a:rPr lang="en-IE" i="1" smtClean="0">
+                            <a:latin typeface="Cambria Math" panose="02040503050406030204" pitchFamily="18" charset="0"/>
+                          </a:rPr>
+                        </m:ctrlPr>
+                      </m:sSubPr>
+                      <m:e>
+                        <m:r>
+                          <a:rPr lang="en-IE" i="1">
+                            <a:latin typeface="Cambria Math" panose="02040503050406030204" pitchFamily="18" charset="0"/>
+                          </a:rPr>
+                          <m:t>𝑋</m:t>
+                        </m:r>
+                      </m:e>
+                      <m:sub>
+                        <m:r>
+                          <a:rPr lang="en-IE" i="1">
+                            <a:latin typeface="Cambria Math" panose="02040503050406030204" pitchFamily="18" charset="0"/>
+                          </a:rPr>
+                          <m:t>1</m:t>
+                        </m:r>
+                      </m:sub>
+                    </m:sSub>
+                    <m:r>
+                      <a:rPr lang="en-IE" b="0" i="1" smtClean="0">
+                        <a:latin typeface="Cambria Math" panose="02040503050406030204" pitchFamily="18" charset="0"/>
+                      </a:rPr>
+                      <m:t>(</m:t>
+                    </m:r>
+                    <m:r>
+                      <a:rPr lang="en-IE" b="0" i="1" smtClean="0">
+                        <a:latin typeface="Cambria Math" panose="02040503050406030204" pitchFamily="18" charset="0"/>
+                      </a:rPr>
+                      <m:t>𝑡</m:t>
+                    </m:r>
+                    <m:r>
+                      <a:rPr lang="en-IE" b="0" i="1" smtClean="0">
+                        <a:latin typeface="Cambria Math" panose="02040503050406030204" pitchFamily="18" charset="0"/>
+                      </a:rPr>
+                      <m:t>),…,</m:t>
+                    </m:r>
+                    <m:sSub>
+                      <m:sSubPr>
+                        <m:ctrlPr>
+                          <a:rPr lang="en-IE" i="1">
+                            <a:latin typeface="Cambria Math" panose="02040503050406030204" pitchFamily="18" charset="0"/>
+                          </a:rPr>
+                        </m:ctrlPr>
+                      </m:sSubPr>
+                      <m:e>
+                        <m:r>
+                          <a:rPr lang="en-IE" i="1">
+                            <a:latin typeface="Cambria Math" panose="02040503050406030204" pitchFamily="18" charset="0"/>
+                          </a:rPr>
+                          <m:t>𝑋</m:t>
+                        </m:r>
+                      </m:e>
+                      <m:sub>
+                        <m:r>
+                          <a:rPr lang="en-IE" i="1">
+                            <a:latin typeface="Cambria Math" panose="02040503050406030204" pitchFamily="18" charset="0"/>
+                          </a:rPr>
+                          <m:t>𝐴</m:t>
+                        </m:r>
+                      </m:sub>
+                    </m:sSub>
+                    <m:r>
+                      <a:rPr lang="en-IE" b="0" i="1" smtClean="0">
+                        <a:latin typeface="Cambria Math" panose="02040503050406030204" pitchFamily="18" charset="0"/>
+                      </a:rPr>
+                      <m:t>(</m:t>
+                    </m:r>
+                    <m:r>
+                      <a:rPr lang="en-IE" b="0" i="1" smtClean="0">
+                        <a:latin typeface="Cambria Math" panose="02040503050406030204" pitchFamily="18" charset="0"/>
+                      </a:rPr>
+                      <m:t>𝑡</m:t>
+                    </m:r>
+                    <m:r>
+                      <a:rPr lang="en-IE" b="0" i="1" smtClean="0">
+                        <a:latin typeface="Cambria Math" panose="02040503050406030204" pitchFamily="18" charset="0"/>
+                      </a:rPr>
+                      <m:t>)</m:t>
+                    </m:r>
+                  </m:oMath>
+                </a14:m>
+                <a:r>
+                  <a:rPr lang="en-GB" dirty="0"/>
+                  <a:t>.</a:t>
+                </a:r>
+              </a:p>
+              <a:p>
+                <a:pPr marL="514350" indent="-514350">
+                  <a:buFont typeface="+mj-lt"/>
+                  <a:buAutoNum type="arabicPeriod"/>
+                </a:pPr>
+                <a:r>
+                  <a:rPr lang="en-GB" b="1" u="sng" dirty="0"/>
+                  <a:t>Function-on-Function Regression: </a:t>
+                </a:r>
+                <a:r>
+                  <a:rPr lang="en-GB" dirty="0"/>
+                  <a:t>Functional response </a:t>
+                </a:r>
+                <a14:m>
+                  <m:oMath xmlns:m="http://schemas.openxmlformats.org/officeDocument/2006/math">
+                    <m:r>
+                      <a:rPr lang="en-IE" i="1">
+                        <a:latin typeface="Cambria Math" panose="02040503050406030204" pitchFamily="18" charset="0"/>
+                      </a:rPr>
+                      <m:t>𝑌</m:t>
+                    </m:r>
+                    <m:d>
+                      <m:dPr>
+                        <m:ctrlPr>
+                          <a:rPr lang="en-IE" i="1">
+                            <a:latin typeface="Cambria Math" panose="02040503050406030204" pitchFamily="18" charset="0"/>
+                          </a:rPr>
+                        </m:ctrlPr>
+                      </m:dPr>
+                      <m:e>
+                        <m:r>
+                          <a:rPr lang="en-IE" i="1">
+                            <a:latin typeface="Cambria Math" panose="02040503050406030204" pitchFamily="18" charset="0"/>
+                          </a:rPr>
+                          <m:t>𝑡</m:t>
+                        </m:r>
+                      </m:e>
+                    </m:d>
+                  </m:oMath>
+                </a14:m>
+                <a:r>
+                  <a:rPr lang="en-GB" dirty="0"/>
+                  <a:t> </a:t>
+                </a:r>
+                <a:r>
+                  <a:rPr lang="en-GB" b="1" u="sng" dirty="0"/>
+                  <a:t>and</a:t>
+                </a:r>
+                <a:r>
+                  <a:rPr lang="en-GB" dirty="0"/>
+                  <a:t> functional predictor(s) </a:t>
+                </a:r>
+                <a14:m>
+                  <m:oMath xmlns:m="http://schemas.openxmlformats.org/officeDocument/2006/math">
+                    <m:sSub>
+                      <m:sSubPr>
+                        <m:ctrlPr>
+                          <a:rPr lang="en-IE" i="1" smtClean="0">
+                            <a:latin typeface="Cambria Math" panose="02040503050406030204" pitchFamily="18" charset="0"/>
+                          </a:rPr>
+                        </m:ctrlPr>
+                      </m:sSubPr>
+                      <m:e>
+                        <m:r>
+                          <a:rPr lang="en-IE" i="1">
+                            <a:latin typeface="Cambria Math" panose="02040503050406030204" pitchFamily="18" charset="0"/>
+                          </a:rPr>
+                          <m:t>𝑋</m:t>
+                        </m:r>
+                      </m:e>
+                      <m:sub>
+                        <m:r>
+                          <a:rPr lang="en-IE" i="1">
+                            <a:latin typeface="Cambria Math" panose="02040503050406030204" pitchFamily="18" charset="0"/>
+                          </a:rPr>
+                          <m:t>1</m:t>
+                        </m:r>
+                      </m:sub>
+                    </m:sSub>
+                    <m:r>
+                      <a:rPr lang="en-IE" b="0" i="1" smtClean="0">
+                        <a:latin typeface="Cambria Math" panose="02040503050406030204" pitchFamily="18" charset="0"/>
+                      </a:rPr>
+                      <m:t>(</m:t>
+                    </m:r>
+                    <m:r>
+                      <a:rPr lang="en-IE" b="0" i="1" smtClean="0">
+                        <a:latin typeface="Cambria Math" panose="02040503050406030204" pitchFamily="18" charset="0"/>
+                      </a:rPr>
+                      <m:t>𝑡</m:t>
+                    </m:r>
+                    <m:r>
+                      <a:rPr lang="en-IE" b="0" i="1" smtClean="0">
+                        <a:latin typeface="Cambria Math" panose="02040503050406030204" pitchFamily="18" charset="0"/>
+                      </a:rPr>
+                      <m:t>),…,</m:t>
+                    </m:r>
+                    <m:sSub>
+                      <m:sSubPr>
+                        <m:ctrlPr>
+                          <a:rPr lang="en-IE" i="1">
+                            <a:latin typeface="Cambria Math" panose="02040503050406030204" pitchFamily="18" charset="0"/>
+                          </a:rPr>
+                        </m:ctrlPr>
+                      </m:sSubPr>
+                      <m:e>
+                        <m:r>
+                          <a:rPr lang="en-IE" i="1">
+                            <a:latin typeface="Cambria Math" panose="02040503050406030204" pitchFamily="18" charset="0"/>
+                          </a:rPr>
+                          <m:t>𝑋</m:t>
+                        </m:r>
+                      </m:e>
+                      <m:sub>
+                        <m:r>
+                          <a:rPr lang="en-IE" i="1">
+                            <a:latin typeface="Cambria Math" panose="02040503050406030204" pitchFamily="18" charset="0"/>
+                          </a:rPr>
+                          <m:t>𝐴</m:t>
+                        </m:r>
+                      </m:sub>
+                    </m:sSub>
+                    <m:r>
+                      <a:rPr lang="en-IE" b="0" i="1" smtClean="0">
+                        <a:latin typeface="Cambria Math" panose="02040503050406030204" pitchFamily="18" charset="0"/>
+                      </a:rPr>
+                      <m:t>(</m:t>
+                    </m:r>
+                    <m:r>
+                      <a:rPr lang="en-IE" b="0" i="1" smtClean="0">
+                        <a:latin typeface="Cambria Math" panose="02040503050406030204" pitchFamily="18" charset="0"/>
+                      </a:rPr>
+                      <m:t>𝑡</m:t>
+                    </m:r>
+                    <m:r>
+                      <a:rPr lang="en-IE" b="0" i="1" smtClean="0">
+                        <a:latin typeface="Cambria Math" panose="02040503050406030204" pitchFamily="18" charset="0"/>
+                      </a:rPr>
+                      <m:t>)</m:t>
+                    </m:r>
+                  </m:oMath>
+                </a14:m>
+                <a:r>
+                  <a:rPr lang="en-GB" dirty="0"/>
+                  <a:t>.</a:t>
+                </a:r>
+              </a:p>
+              <a:p>
+                <a:pPr marL="0" indent="0">
+                  <a:buNone/>
+                </a:pPr>
+                <a:endParaRPr lang="en-GB" dirty="0"/>
+              </a:p>
+              <a:p>
+                <a:pPr marL="0" indent="0">
+                  <a:buNone/>
+                </a:pPr>
+                <a:r>
+                  <a:rPr lang="en-GB" b="1" u="sng" dirty="0"/>
+                  <a:t>Note</a:t>
+                </a:r>
+                <a:r>
+                  <a:rPr lang="en-GB" b="1" dirty="0"/>
+                  <a:t>: </a:t>
+                </a:r>
+                <a:r>
+                  <a:rPr lang="en-GB" dirty="0"/>
+                  <a:t>We will cover linear models for independent samples, but non-linear functional regression models and functional mixed-effects/ multilevel models for dependent data exist.</a:t>
+                </a:r>
+                <a:endParaRPr lang="en-GB" b="1" dirty="0"/>
+              </a:p>
+            </p:txBody>
+          </p:sp>
+        </mc:Choice>
+        <mc:Fallback>
+          <p:sp>
+            <p:nvSpPr>
+              <p:cNvPr id="3" name="Content Placeholder 2">
+                <a:extLst>
+                  <a:ext uri="{FF2B5EF4-FFF2-40B4-BE49-F238E27FC236}">
+                    <a16:creationId xmlns:a16="http://schemas.microsoft.com/office/drawing/2014/main" id="{C34B0DA2-F919-D6EB-2607-4B0EBAB76C6B}"/>
+                  </a:ext>
+                </a:extLst>
+              </p:cNvPr>
+              <p:cNvSpPr>
+                <a:spLocks noGrp="1" noRot="1" noChangeAspect="1" noMove="1" noResize="1" noEditPoints="1" noAdjustHandles="1" noChangeArrowheads="1" noChangeShapeType="1" noTextEdit="1"/>
+              </p:cNvSpPr>
+              <p:nvPr>
+                <p:ph idx="1"/>
+              </p:nvPr>
+            </p:nvSpPr>
+            <p:spPr>
+              <a:blipFill>
+                <a:blip r:embed="rId2"/>
+                <a:stretch>
+                  <a:fillRect l="-1206" t="-3198" r="-483"/>
+                </a:stretch>
+              </a:blipFill>
+            </p:spPr>
+            <p:txBody>
+              <a:bodyPr/>
+              <a:lstStyle/>
+              <a:p>
+                <a:r>
+                  <a:rPr lang="en-GB">
+                    <a:noFill/>
+                  </a:rPr>
+                  <a:t> </a:t>
+                </a:r>
+              </a:p>
+            </p:txBody>
+          </p:sp>
+        </mc:Fallback>
+      </mc:AlternateContent>
+    </p:spTree>
+    <p:extLst>
+      <p:ext uri="{BB962C8B-B14F-4D97-AF65-F5344CB8AC3E}">
+        <p14:creationId xmlns:p14="http://schemas.microsoft.com/office/powerpoint/2010/main" val="2034451792"/>
+      </p:ext>
+    </p:extLst>
+  </p:cSld>
+  <p:clrMapOvr>
+    <a:masterClrMapping/>
+  </p:clrMapOvr>
+</p:sld>
+</file>
+
+<file path=ppt/slides/slide4.xml><?xml version="1.0" encoding="utf-8"?>
+<p:sld xmlns:a="http://schemas.openxmlformats.org/drawingml/2006/main" xmlns:r="http://schemas.openxmlformats.org/officeDocument/2006/relationships" xmlns:p="http://schemas.openxmlformats.org/presentationml/2006/main">
+  <p:cSld>
+    <p:spTree>
+      <p:nvGrpSpPr>
+        <p:cNvPr id="1" name=""/>
+        <p:cNvGrpSpPr/>
+        <p:nvPr/>
+      </p:nvGrpSpPr>
+      <p:grpSpPr>
+        <a:xfrm>
+          <a:off x="0" y="0"/>
+          <a:ext cx="0" cy="0"/>
+          <a:chOff x="0" y="0"/>
+          <a:chExt cx="0" cy="0"/>
+        </a:xfrm>
+      </p:grpSpPr>
+      <p:sp>
+        <p:nvSpPr>
+          <p:cNvPr id="2" name="Title 1">
+            <a:extLst>
+              <a:ext uri="{FF2B5EF4-FFF2-40B4-BE49-F238E27FC236}">
+                <a16:creationId xmlns:a16="http://schemas.microsoft.com/office/drawing/2014/main" id="{C8CBD81F-334E-ED89-5652-70DE21179AE9}"/>
+              </a:ext>
+            </a:extLst>
+          </p:cNvPr>
+          <p:cNvSpPr>
+            <a:spLocks noGrp="1"/>
+          </p:cNvSpPr>
+          <p:nvPr>
+            <p:ph type="title"/>
+          </p:nvPr>
+        </p:nvSpPr>
+        <p:spPr/>
+        <p:txBody>
+          <a:bodyPr/>
+          <a:lstStyle/>
+          <a:p>
+            <a:r>
+              <a:rPr lang="en-GB" dirty="0"/>
+              <a:t>Function-on-Scalar Regression</a:t>
+            </a:r>
+          </a:p>
+        </p:txBody>
+      </p:sp>
+      <mc:AlternateContent xmlns:mc="http://schemas.openxmlformats.org/markup-compatibility/2006">
+        <mc:Choice xmlns:a14="http://schemas.microsoft.com/office/drawing/2010/main" Requires="a14">
+          <p:sp>
+            <p:nvSpPr>
+              <p:cNvPr id="3" name="Content Placeholder 2">
+                <a:extLst>
+                  <a:ext uri="{FF2B5EF4-FFF2-40B4-BE49-F238E27FC236}">
+                    <a16:creationId xmlns:a16="http://schemas.microsoft.com/office/drawing/2014/main" id="{33B45962-76E6-2AEB-1C2E-F6CB91C236AC}"/>
+                  </a:ext>
+                </a:extLst>
+              </p:cNvPr>
+              <p:cNvSpPr>
+                <a:spLocks noGrp="1"/>
+              </p:cNvSpPr>
+              <p:nvPr>
+                <p:ph idx="1"/>
+              </p:nvPr>
+            </p:nvSpPr>
+            <p:spPr/>
+            <p:txBody>
+              <a:bodyPr/>
+              <a:lstStyle/>
+              <a:p>
+                <a:pPr marL="0" indent="0">
+                  <a:buNone/>
+                </a:pPr>
+                <a:r>
+                  <a:rPr lang="en-GB" dirty="0"/>
+                  <a:t>Linear regression model</a:t>
+                </a:r>
+              </a:p>
+              <a:p>
+                <a:pPr marL="0" indent="0">
+                  <a:buNone/>
+                </a:pPr>
+                <a14:m>
+                  <m:oMathPara xmlns:m="http://schemas.openxmlformats.org/officeDocument/2006/math">
+                    <m:oMathParaPr>
+                      <m:jc m:val="centerGroup"/>
+                    </m:oMathParaPr>
+                    <m:oMath xmlns:m="http://schemas.openxmlformats.org/officeDocument/2006/math">
+                      <m:sSub>
+                        <m:sSubPr>
+                          <m:ctrlPr>
+                            <a:rPr lang="en-IE" b="0" i="1" smtClean="0">
+                              <a:latin typeface="Cambria Math" panose="02040503050406030204" pitchFamily="18" charset="0"/>
+                            </a:rPr>
+                          </m:ctrlPr>
+                        </m:sSubPr>
+                        <m:e>
+                          <m:r>
+                            <a:rPr lang="en-IE" b="0" i="1" smtClean="0">
+                              <a:latin typeface="Cambria Math" panose="02040503050406030204" pitchFamily="18" charset="0"/>
+                            </a:rPr>
+                            <m:t>𝑦</m:t>
+                          </m:r>
+                        </m:e>
+                        <m:sub>
+                          <m:r>
+                            <a:rPr lang="en-IE" b="0" i="1" smtClean="0">
+                              <a:latin typeface="Cambria Math" panose="02040503050406030204" pitchFamily="18" charset="0"/>
+                            </a:rPr>
+                            <m:t>𝑖</m:t>
+                          </m:r>
+                        </m:sub>
+                      </m:sSub>
+                      <m:r>
+                        <a:rPr lang="en-IE" b="0" i="1" smtClean="0">
+                          <a:latin typeface="Cambria Math" panose="02040503050406030204" pitchFamily="18" charset="0"/>
+                        </a:rPr>
+                        <m:t>=</m:t>
+                      </m:r>
+                      <m:sSub>
+                        <m:sSubPr>
+                          <m:ctrlPr>
+                            <a:rPr lang="en-IE" b="0" i="1" smtClean="0">
+                              <a:latin typeface="Cambria Math" panose="02040503050406030204" pitchFamily="18" charset="0"/>
+                            </a:rPr>
+                          </m:ctrlPr>
+                        </m:sSubPr>
+                        <m:e>
+                          <m:r>
+                            <a:rPr lang="en-IE" b="0" i="1" smtClean="0">
+                              <a:latin typeface="Cambria Math" panose="02040503050406030204" pitchFamily="18" charset="0"/>
+                            </a:rPr>
+                            <m:t>𝛽</m:t>
+                          </m:r>
+                        </m:e>
+                        <m:sub>
+                          <m:r>
+                            <a:rPr lang="en-IE" b="0" i="1" smtClean="0">
+                              <a:latin typeface="Cambria Math" panose="02040503050406030204" pitchFamily="18" charset="0"/>
+                            </a:rPr>
+                            <m:t>0</m:t>
+                          </m:r>
+                        </m:sub>
+                      </m:sSub>
+                      <m:r>
+                        <a:rPr lang="en-IE" b="0" i="1" smtClean="0">
+                          <a:latin typeface="Cambria Math" panose="02040503050406030204" pitchFamily="18" charset="0"/>
+                        </a:rPr>
+                        <m:t>+ </m:t>
+                      </m:r>
+                      <m:nary>
+                        <m:naryPr>
+                          <m:chr m:val="∑"/>
+                          <m:ctrlPr>
+                            <a:rPr lang="en-IE" b="0" i="1" smtClean="0">
+                              <a:latin typeface="Cambria Math" panose="02040503050406030204" pitchFamily="18" charset="0"/>
+                            </a:rPr>
+                          </m:ctrlPr>
+                        </m:naryPr>
+                        <m:sub>
+                          <m:r>
+                            <m:rPr>
+                              <m:brk m:alnAt="23"/>
+                            </m:rPr>
+                            <a:rPr lang="en-IE" b="0" i="1" smtClean="0">
+                              <a:latin typeface="Cambria Math" panose="02040503050406030204" pitchFamily="18" charset="0"/>
+                            </a:rPr>
+                            <m:t>𝑎</m:t>
+                          </m:r>
+                          <m:r>
+                            <a:rPr lang="en-IE" b="0" i="1" smtClean="0">
+                              <a:latin typeface="Cambria Math" panose="02040503050406030204" pitchFamily="18" charset="0"/>
+                            </a:rPr>
+                            <m:t>=1</m:t>
+                          </m:r>
+                        </m:sub>
+                        <m:sup>
+                          <m:r>
+                            <a:rPr lang="en-IE" b="0" i="1" smtClean="0">
+                              <a:latin typeface="Cambria Math" panose="02040503050406030204" pitchFamily="18" charset="0"/>
+                            </a:rPr>
+                            <m:t>𝐴</m:t>
+                          </m:r>
+                        </m:sup>
+                        <m:e>
+                          <m:sSub>
+                            <m:sSubPr>
+                              <m:ctrlPr>
+                                <a:rPr lang="en-IE" b="0" i="1" smtClean="0">
+                                  <a:latin typeface="Cambria Math" panose="02040503050406030204" pitchFamily="18" charset="0"/>
+                                </a:rPr>
+                              </m:ctrlPr>
+                            </m:sSubPr>
+                            <m:e>
+                              <m:r>
+                                <a:rPr lang="en-IE" b="0" i="1" smtClean="0">
+                                  <a:latin typeface="Cambria Math" panose="02040503050406030204" pitchFamily="18" charset="0"/>
+                                </a:rPr>
+                                <m:t>𝑥</m:t>
+                              </m:r>
+                            </m:e>
+                            <m:sub>
+                              <m:r>
+                                <a:rPr lang="en-IE" b="0" i="1" smtClean="0">
+                                  <a:latin typeface="Cambria Math" panose="02040503050406030204" pitchFamily="18" charset="0"/>
+                                </a:rPr>
+                                <m:t>𝑖𝑎</m:t>
+                              </m:r>
+                            </m:sub>
+                          </m:sSub>
+                          <m:sSub>
+                            <m:sSubPr>
+                              <m:ctrlPr>
+                                <a:rPr lang="en-IE" b="0" i="1" smtClean="0">
+                                  <a:latin typeface="Cambria Math" panose="02040503050406030204" pitchFamily="18" charset="0"/>
+                                </a:rPr>
+                              </m:ctrlPr>
+                            </m:sSubPr>
+                            <m:e>
+                              <m:r>
+                                <a:rPr lang="en-IE" b="0" i="1" smtClean="0">
+                                  <a:latin typeface="Cambria Math" panose="02040503050406030204" pitchFamily="18" charset="0"/>
+                                </a:rPr>
+                                <m:t>𝛽</m:t>
+                              </m:r>
+                            </m:e>
+                            <m:sub>
+                              <m:r>
+                                <a:rPr lang="en-IE" b="0" i="1" smtClean="0">
+                                  <a:latin typeface="Cambria Math" panose="02040503050406030204" pitchFamily="18" charset="0"/>
+                                </a:rPr>
+                                <m:t>𝑎</m:t>
+                              </m:r>
+                            </m:sub>
+                          </m:sSub>
+                          <m:r>
+                            <a:rPr lang="en-IE" b="0" i="1" smtClean="0">
+                              <a:latin typeface="Cambria Math" panose="02040503050406030204" pitchFamily="18" charset="0"/>
+                            </a:rPr>
+                            <m:t>+</m:t>
+                          </m:r>
+                          <m:sSub>
+                            <m:sSubPr>
+                              <m:ctrlPr>
+                                <a:rPr lang="en-IE" b="0" i="1" smtClean="0">
+                                  <a:latin typeface="Cambria Math" panose="02040503050406030204" pitchFamily="18" charset="0"/>
+                                </a:rPr>
+                              </m:ctrlPr>
+                            </m:sSubPr>
+                            <m:e>
+                              <m:r>
+                                <a:rPr lang="en-IE" b="0" i="1" smtClean="0">
+                                  <a:latin typeface="Cambria Math" panose="02040503050406030204" pitchFamily="18" charset="0"/>
+                                </a:rPr>
+                                <m:t>𝜖</m:t>
+                              </m:r>
+                            </m:e>
+                            <m:sub>
+                              <m:r>
+                                <a:rPr lang="en-IE" b="0" i="1" smtClean="0">
+                                  <a:latin typeface="Cambria Math" panose="02040503050406030204" pitchFamily="18" charset="0"/>
+                                </a:rPr>
+                                <m:t>𝑖</m:t>
+                              </m:r>
+                            </m:sub>
+                          </m:sSub>
+                        </m:e>
+                      </m:nary>
+                    </m:oMath>
+                  </m:oMathPara>
+                </a14:m>
+                <a:endParaRPr lang="en-GB" dirty="0"/>
+              </a:p>
+            </p:txBody>
+          </p:sp>
+        </mc:Choice>
+        <mc:Fallback>
+          <p:sp>
+            <p:nvSpPr>
+              <p:cNvPr id="3" name="Content Placeholder 2">
+                <a:extLst>
+                  <a:ext uri="{FF2B5EF4-FFF2-40B4-BE49-F238E27FC236}">
+                    <a16:creationId xmlns:a16="http://schemas.microsoft.com/office/drawing/2014/main" id="{33B45962-76E6-2AEB-1C2E-F6CB91C236AC}"/>
+                  </a:ext>
+                </a:extLst>
+              </p:cNvPr>
+              <p:cNvSpPr>
+                <a:spLocks noGrp="1" noRot="1" noChangeAspect="1" noMove="1" noResize="1" noEditPoints="1" noAdjustHandles="1" noChangeArrowheads="1" noChangeShapeType="1" noTextEdit="1"/>
+              </p:cNvSpPr>
+              <p:nvPr>
+                <p:ph idx="1"/>
+              </p:nvPr>
+            </p:nvSpPr>
+            <p:spPr>
+              <a:blipFill>
+                <a:blip r:embed="rId2"/>
+                <a:stretch>
+                  <a:fillRect l="-1206" t="-23837"/>
+                </a:stretch>
+              </a:blipFill>
+            </p:spPr>
+            <p:txBody>
+              <a:bodyPr/>
+              <a:lstStyle/>
+              <a:p>
+                <a:r>
+                  <a:rPr lang="en-GB">
+                    <a:noFill/>
+                  </a:rPr>
+                  <a:t> </a:t>
+                </a:r>
+              </a:p>
+            </p:txBody>
+          </p:sp>
+        </mc:Fallback>
+      </mc:AlternateContent>
+    </p:spTree>
+    <p:extLst>
+      <p:ext uri="{BB962C8B-B14F-4D97-AF65-F5344CB8AC3E}">
+        <p14:creationId xmlns:p14="http://schemas.microsoft.com/office/powerpoint/2010/main" val="1069964045"/>
+      </p:ext>
+    </p:extLst>
+  </p:cSld>
+  <p:clrMapOvr>
+    <a:masterClrMapping/>
+  </p:clrMapOvr>
+</p:sld>
+</file>
+
+<file path=ppt/slides/slide5.xml><?xml version="1.0" encoding="utf-8"?>
+<p:sld xmlns:a="http://schemas.openxmlformats.org/drawingml/2006/main" xmlns:r="http://schemas.openxmlformats.org/officeDocument/2006/relationships" xmlns:p="http://schemas.openxmlformats.org/presentationml/2006/main">
+  <p:cSld>
+    <p:spTree>
+      <p:nvGrpSpPr>
+        <p:cNvPr id="1" name=""/>
+        <p:cNvGrpSpPr/>
+        <p:nvPr/>
+      </p:nvGrpSpPr>
+      <p:grpSpPr>
+        <a:xfrm>
+          <a:off x="0" y="0"/>
+          <a:ext cx="0" cy="0"/>
+          <a:chOff x="0" y="0"/>
+          <a:chExt cx="0" cy="0"/>
+        </a:xfrm>
+      </p:grpSpPr>
+      <p:sp>
+        <p:nvSpPr>
+          <p:cNvPr id="2" name="Title 1">
+            <a:extLst>
+              <a:ext uri="{FF2B5EF4-FFF2-40B4-BE49-F238E27FC236}">
+                <a16:creationId xmlns:a16="http://schemas.microsoft.com/office/drawing/2014/main" id="{C8CBD81F-334E-ED89-5652-70DE21179AE9}"/>
+              </a:ext>
+            </a:extLst>
+          </p:cNvPr>
+          <p:cNvSpPr>
+            <a:spLocks noGrp="1"/>
+          </p:cNvSpPr>
+          <p:nvPr>
+            <p:ph type="title"/>
+          </p:nvPr>
+        </p:nvSpPr>
+        <p:spPr/>
+        <p:txBody>
+          <a:bodyPr/>
+          <a:lstStyle/>
+          <a:p>
+            <a:r>
+              <a:rPr lang="en-GB" dirty="0"/>
+              <a:t>Function-on-Scalar Regression</a:t>
+            </a:r>
+          </a:p>
+        </p:txBody>
+      </p:sp>
+      <mc:AlternateContent xmlns:mc="http://schemas.openxmlformats.org/markup-compatibility/2006">
+        <mc:Choice xmlns:a14="http://schemas.microsoft.com/office/drawing/2010/main" Requires="a14">
+          <p:sp>
+            <p:nvSpPr>
+              <p:cNvPr id="3" name="Content Placeholder 2">
+                <a:extLst>
+                  <a:ext uri="{FF2B5EF4-FFF2-40B4-BE49-F238E27FC236}">
+                    <a16:creationId xmlns:a16="http://schemas.microsoft.com/office/drawing/2014/main" id="{33B45962-76E6-2AEB-1C2E-F6CB91C236AC}"/>
+                  </a:ext>
+                </a:extLst>
+              </p:cNvPr>
+              <p:cNvSpPr>
+                <a:spLocks noGrp="1"/>
+              </p:cNvSpPr>
+              <p:nvPr>
+                <p:ph idx="1"/>
+              </p:nvPr>
+            </p:nvSpPr>
+            <p:spPr/>
+            <p:txBody>
+              <a:bodyPr>
+                <a:normAutofit lnSpcReduction="10000"/>
+              </a:bodyPr>
+              <a:lstStyle/>
+              <a:p>
+                <a:pPr marL="0" indent="0">
+                  <a:buNone/>
+                </a:pPr>
+                <a:r>
+                  <a:rPr lang="en-GB" dirty="0"/>
+                  <a:t>Linear regression model</a:t>
+                </a:r>
+              </a:p>
+              <a:p>
+                <a:pPr marL="0" indent="0">
+                  <a:buNone/>
+                </a:pPr>
+                <a14:m>
+                  <m:oMathPara xmlns:m="http://schemas.openxmlformats.org/officeDocument/2006/math">
+                    <m:oMathParaPr>
+                      <m:jc m:val="centerGroup"/>
+                    </m:oMathParaPr>
+                    <m:oMath xmlns:m="http://schemas.openxmlformats.org/officeDocument/2006/math">
+                      <m:sSub>
+                        <m:sSubPr>
+                          <m:ctrlPr>
+                            <a:rPr lang="en-IE" b="0" i="1" smtClean="0">
+                              <a:latin typeface="Cambria Math" panose="02040503050406030204" pitchFamily="18" charset="0"/>
+                            </a:rPr>
+                          </m:ctrlPr>
+                        </m:sSubPr>
+                        <m:e>
+                          <m:r>
+                            <a:rPr lang="en-IE" b="0" i="1" smtClean="0">
+                              <a:latin typeface="Cambria Math" panose="02040503050406030204" pitchFamily="18" charset="0"/>
+                            </a:rPr>
+                            <m:t>𝑦</m:t>
+                          </m:r>
+                        </m:e>
+                        <m:sub>
+                          <m:r>
+                            <a:rPr lang="en-IE" b="0" i="1" smtClean="0">
+                              <a:latin typeface="Cambria Math" panose="02040503050406030204" pitchFamily="18" charset="0"/>
+                            </a:rPr>
+                            <m:t>𝑖</m:t>
+                          </m:r>
+                        </m:sub>
+                      </m:sSub>
+                      <m:r>
+                        <a:rPr lang="en-IE" b="0" i="1" smtClean="0">
+                          <a:latin typeface="Cambria Math" panose="02040503050406030204" pitchFamily="18" charset="0"/>
+                        </a:rPr>
+                        <m:t>(</m:t>
+                      </m:r>
+                      <m:r>
+                        <a:rPr lang="en-IE" b="0" i="1" smtClean="0">
+                          <a:latin typeface="Cambria Math" panose="02040503050406030204" pitchFamily="18" charset="0"/>
+                        </a:rPr>
+                        <m:t>𝑡</m:t>
+                      </m:r>
+                      <m:r>
+                        <a:rPr lang="en-IE" b="0" i="1" smtClean="0">
+                          <a:latin typeface="Cambria Math" panose="02040503050406030204" pitchFamily="18" charset="0"/>
+                        </a:rPr>
+                        <m:t>)=</m:t>
+                      </m:r>
+                      <m:sSub>
+                        <m:sSubPr>
+                          <m:ctrlPr>
+                            <a:rPr lang="en-IE" b="0" i="1" smtClean="0">
+                              <a:latin typeface="Cambria Math" panose="02040503050406030204" pitchFamily="18" charset="0"/>
+                            </a:rPr>
+                          </m:ctrlPr>
+                        </m:sSubPr>
+                        <m:e>
+                          <m:r>
+                            <a:rPr lang="en-IE" b="0" i="1" smtClean="0">
+                              <a:latin typeface="Cambria Math" panose="02040503050406030204" pitchFamily="18" charset="0"/>
+                            </a:rPr>
+                            <m:t>𝛽</m:t>
+                          </m:r>
+                        </m:e>
+                        <m:sub>
+                          <m:r>
+                            <a:rPr lang="en-IE" b="0" i="1" smtClean="0">
+                              <a:latin typeface="Cambria Math" panose="02040503050406030204" pitchFamily="18" charset="0"/>
+                            </a:rPr>
+                            <m:t>0</m:t>
+                          </m:r>
+                        </m:sub>
+                      </m:sSub>
+                      <m:r>
+                        <a:rPr lang="en-IE" b="0" i="1" smtClean="0">
+                          <a:latin typeface="Cambria Math" panose="02040503050406030204" pitchFamily="18" charset="0"/>
+                        </a:rPr>
+                        <m:t>(</m:t>
+                      </m:r>
+                      <m:r>
+                        <a:rPr lang="en-IE" b="0" i="1" smtClean="0">
+                          <a:latin typeface="Cambria Math" panose="02040503050406030204" pitchFamily="18" charset="0"/>
+                        </a:rPr>
+                        <m:t>𝑡</m:t>
+                      </m:r>
+                      <m:r>
+                        <a:rPr lang="en-IE" b="0" i="1" smtClean="0">
+                          <a:latin typeface="Cambria Math" panose="02040503050406030204" pitchFamily="18" charset="0"/>
+                        </a:rPr>
+                        <m:t>)+ </m:t>
+                      </m:r>
+                      <m:nary>
+                        <m:naryPr>
+                          <m:chr m:val="∑"/>
+                          <m:ctrlPr>
+                            <a:rPr lang="en-IE" b="0" i="1" smtClean="0">
+                              <a:latin typeface="Cambria Math" panose="02040503050406030204" pitchFamily="18" charset="0"/>
+                            </a:rPr>
+                          </m:ctrlPr>
+                        </m:naryPr>
+                        <m:sub>
+                          <m:r>
+                            <m:rPr>
+                              <m:brk m:alnAt="23"/>
+                            </m:rPr>
+                            <a:rPr lang="en-IE" b="0" i="1" smtClean="0">
+                              <a:latin typeface="Cambria Math" panose="02040503050406030204" pitchFamily="18" charset="0"/>
+                            </a:rPr>
+                            <m:t>𝑎</m:t>
+                          </m:r>
+                          <m:r>
+                            <a:rPr lang="en-IE" b="0" i="1" smtClean="0">
+                              <a:latin typeface="Cambria Math" panose="02040503050406030204" pitchFamily="18" charset="0"/>
+                            </a:rPr>
+                            <m:t>=1</m:t>
+                          </m:r>
+                        </m:sub>
+                        <m:sup>
+                          <m:r>
+                            <a:rPr lang="en-IE" b="0" i="1" smtClean="0">
+                              <a:latin typeface="Cambria Math" panose="02040503050406030204" pitchFamily="18" charset="0"/>
+                            </a:rPr>
+                            <m:t>𝐴</m:t>
+                          </m:r>
+                        </m:sup>
+                        <m:e>
+                          <m:sSub>
+                            <m:sSubPr>
+                              <m:ctrlPr>
+                                <a:rPr lang="en-IE" b="0" i="1" smtClean="0">
+                                  <a:latin typeface="Cambria Math" panose="02040503050406030204" pitchFamily="18" charset="0"/>
+                                </a:rPr>
+                              </m:ctrlPr>
+                            </m:sSubPr>
+                            <m:e>
+                              <m:r>
+                                <a:rPr lang="en-IE" b="0" i="1" smtClean="0">
+                                  <a:latin typeface="Cambria Math" panose="02040503050406030204" pitchFamily="18" charset="0"/>
+                                </a:rPr>
+                                <m:t>𝑥</m:t>
+                              </m:r>
+                            </m:e>
+                            <m:sub>
+                              <m:r>
+                                <a:rPr lang="en-IE" b="0" i="1" smtClean="0">
+                                  <a:latin typeface="Cambria Math" panose="02040503050406030204" pitchFamily="18" charset="0"/>
+                                </a:rPr>
+                                <m:t>𝑖𝑎</m:t>
+                              </m:r>
+                            </m:sub>
+                          </m:sSub>
+                          <m:sSub>
+                            <m:sSubPr>
+                              <m:ctrlPr>
+                                <a:rPr lang="en-IE" b="0" i="1" smtClean="0">
+                                  <a:latin typeface="Cambria Math" panose="02040503050406030204" pitchFamily="18" charset="0"/>
+                                </a:rPr>
+                              </m:ctrlPr>
+                            </m:sSubPr>
+                            <m:e>
+                              <m:r>
+                                <a:rPr lang="en-IE" b="0" i="1" smtClean="0">
+                                  <a:latin typeface="Cambria Math" panose="02040503050406030204" pitchFamily="18" charset="0"/>
+                                </a:rPr>
+                                <m:t>𝛽</m:t>
+                              </m:r>
+                            </m:e>
+                            <m:sub>
+                              <m:r>
+                                <a:rPr lang="en-IE" b="0" i="1" smtClean="0">
+                                  <a:latin typeface="Cambria Math" panose="02040503050406030204" pitchFamily="18" charset="0"/>
+                                </a:rPr>
+                                <m:t>𝑎</m:t>
+                              </m:r>
+                            </m:sub>
+                          </m:sSub>
+                          <m:r>
+                            <a:rPr lang="en-IE" b="0" i="1" smtClean="0">
+                              <a:latin typeface="Cambria Math" panose="02040503050406030204" pitchFamily="18" charset="0"/>
+                            </a:rPr>
+                            <m:t>(</m:t>
+                          </m:r>
+                          <m:r>
+                            <a:rPr lang="en-IE" b="0" i="1" smtClean="0">
+                              <a:latin typeface="Cambria Math" panose="02040503050406030204" pitchFamily="18" charset="0"/>
+                            </a:rPr>
+                            <m:t>𝑡</m:t>
+                          </m:r>
+                          <m:r>
+                            <a:rPr lang="en-IE" b="0" i="1" smtClean="0">
+                              <a:latin typeface="Cambria Math" panose="02040503050406030204" pitchFamily="18" charset="0"/>
+                            </a:rPr>
+                            <m:t>)+</m:t>
+                          </m:r>
+                          <m:sSub>
+                            <m:sSubPr>
+                              <m:ctrlPr>
+                                <a:rPr lang="en-IE" b="0" i="1" smtClean="0">
+                                  <a:latin typeface="Cambria Math" panose="02040503050406030204" pitchFamily="18" charset="0"/>
+                                </a:rPr>
+                              </m:ctrlPr>
+                            </m:sSubPr>
+                            <m:e>
+                              <m:r>
+                                <a:rPr lang="en-IE" b="0" i="1" smtClean="0">
+                                  <a:latin typeface="Cambria Math" panose="02040503050406030204" pitchFamily="18" charset="0"/>
+                                </a:rPr>
+                                <m:t>𝜖</m:t>
+                              </m:r>
+                            </m:e>
+                            <m:sub>
+                              <m:r>
+                                <a:rPr lang="en-IE" b="0" i="1" smtClean="0">
+                                  <a:latin typeface="Cambria Math" panose="02040503050406030204" pitchFamily="18" charset="0"/>
+                                </a:rPr>
+                                <m:t>𝑖</m:t>
+                              </m:r>
+                            </m:sub>
+                          </m:sSub>
+                          <m:r>
+                            <a:rPr lang="en-IE" b="0" i="1" smtClean="0">
+                              <a:latin typeface="Cambria Math" panose="02040503050406030204" pitchFamily="18" charset="0"/>
+                            </a:rPr>
+                            <m:t>(</m:t>
+                          </m:r>
+                          <m:r>
+                            <a:rPr lang="en-IE" b="0" i="1" smtClean="0">
+                              <a:latin typeface="Cambria Math" panose="02040503050406030204" pitchFamily="18" charset="0"/>
+                            </a:rPr>
+                            <m:t>𝑡</m:t>
+                          </m:r>
+                          <m:r>
+                            <a:rPr lang="en-IE" b="0" i="1" smtClean="0">
+                              <a:latin typeface="Cambria Math" panose="02040503050406030204" pitchFamily="18" charset="0"/>
+                            </a:rPr>
+                            <m:t>)</m:t>
+                          </m:r>
+                        </m:e>
+                      </m:nary>
+                    </m:oMath>
+                  </m:oMathPara>
+                </a14:m>
+                <a:endParaRPr lang="en-GB" dirty="0"/>
+              </a:p>
+              <a:p>
+                <a:pPr marL="0" indent="0">
+                  <a:buNone/>
+                </a:pPr>
+                <a14:m>
+                  <m:oMath xmlns:m="http://schemas.openxmlformats.org/officeDocument/2006/math">
+                    <m:r>
+                      <a:rPr lang="en-IE" b="0" i="1" smtClean="0">
+                        <a:latin typeface="Cambria Math" panose="02040503050406030204" pitchFamily="18" charset="0"/>
+                      </a:rPr>
+                      <m:t>→</m:t>
+                    </m:r>
+                  </m:oMath>
+                </a14:m>
+                <a:r>
+                  <a:rPr lang="en-GB" dirty="0"/>
+                  <a:t> Parameters and error term are now smooth curves rather than scalars.</a:t>
+                </a:r>
+              </a:p>
+              <a:p>
+                <a:pPr marL="0" indent="0">
+                  <a:buNone/>
+                </a:pPr>
+                <a14:m>
+                  <m:oMath xmlns:m="http://schemas.openxmlformats.org/officeDocument/2006/math">
+                    <m:r>
+                      <a:rPr lang="en-IE" i="1">
+                        <a:latin typeface="Cambria Math" panose="02040503050406030204" pitchFamily="18" charset="0"/>
+                      </a:rPr>
+                      <m:t>→ </m:t>
+                    </m:r>
+                  </m:oMath>
+                </a14:m>
+                <a:r>
+                  <a:rPr lang="en-GB" dirty="0"/>
+                  <a:t>Interpret </a:t>
+                </a:r>
+                <a14:m>
+                  <m:oMath xmlns:m="http://schemas.openxmlformats.org/officeDocument/2006/math">
+                    <m:sSub>
+                      <m:sSubPr>
+                        <m:ctrlPr>
+                          <a:rPr lang="en-IE" b="0" i="1" smtClean="0">
+                            <a:latin typeface="Cambria Math" panose="02040503050406030204" pitchFamily="18" charset="0"/>
+                          </a:rPr>
+                        </m:ctrlPr>
+                      </m:sSubPr>
+                      <m:e>
+                        <m:r>
+                          <a:rPr lang="en-IE" b="0" i="1" smtClean="0">
+                            <a:latin typeface="Cambria Math" panose="02040503050406030204" pitchFamily="18" charset="0"/>
+                          </a:rPr>
+                          <m:t>𝛽</m:t>
+                        </m:r>
+                      </m:e>
+                      <m:sub>
+                        <m:r>
+                          <a:rPr lang="en-IE" b="0" i="1" smtClean="0">
+                            <a:latin typeface="Cambria Math" panose="02040503050406030204" pitchFamily="18" charset="0"/>
+                          </a:rPr>
+                          <m:t>𝑎</m:t>
+                        </m:r>
+                      </m:sub>
+                    </m:sSub>
+                    <m:r>
+                      <a:rPr lang="en-IE" b="0" i="1" smtClean="0">
+                        <a:latin typeface="Cambria Math" panose="02040503050406030204" pitchFamily="18" charset="0"/>
+                      </a:rPr>
+                      <m:t>(</m:t>
+                    </m:r>
+                    <m:r>
+                      <a:rPr lang="en-IE" b="0" i="1" smtClean="0">
+                        <a:latin typeface="Cambria Math" panose="02040503050406030204" pitchFamily="18" charset="0"/>
+                      </a:rPr>
+                      <m:t>𝑡</m:t>
+                    </m:r>
+                    <m:r>
+                      <a:rPr lang="en-IE" b="0" i="1" smtClean="0">
+                        <a:latin typeface="Cambria Math" panose="02040503050406030204" pitchFamily="18" charset="0"/>
+                      </a:rPr>
+                      <m:t>)</m:t>
+                    </m:r>
+                  </m:oMath>
+                </a14:m>
+                <a:r>
+                  <a:rPr lang="en-GB" dirty="0"/>
+                  <a:t> as the expected change in the “level and shape” of </a:t>
+                </a:r>
+                <a14:m>
+                  <m:oMath xmlns:m="http://schemas.openxmlformats.org/officeDocument/2006/math">
+                    <m:sSub>
+                      <m:sSubPr>
+                        <m:ctrlPr>
+                          <a:rPr lang="en-IE" i="1">
+                            <a:latin typeface="Cambria Math" panose="02040503050406030204" pitchFamily="18" charset="0"/>
+                          </a:rPr>
+                        </m:ctrlPr>
+                      </m:sSubPr>
+                      <m:e>
+                        <m:r>
+                          <a:rPr lang="en-IE" i="1">
+                            <a:latin typeface="Cambria Math" panose="02040503050406030204" pitchFamily="18" charset="0"/>
+                          </a:rPr>
+                          <m:t>𝑦</m:t>
+                        </m:r>
+                      </m:e>
+                      <m:sub>
+                        <m:r>
+                          <a:rPr lang="en-IE" i="1">
+                            <a:latin typeface="Cambria Math" panose="02040503050406030204" pitchFamily="18" charset="0"/>
+                          </a:rPr>
+                          <m:t>𝑖</m:t>
+                        </m:r>
+                      </m:sub>
+                    </m:sSub>
+                    <m:r>
+                      <a:rPr lang="en-IE" i="1">
+                        <a:latin typeface="Cambria Math" panose="02040503050406030204" pitchFamily="18" charset="0"/>
+                      </a:rPr>
+                      <m:t>(</m:t>
+                    </m:r>
+                    <m:r>
+                      <a:rPr lang="en-IE" i="1">
+                        <a:latin typeface="Cambria Math" panose="02040503050406030204" pitchFamily="18" charset="0"/>
+                      </a:rPr>
+                      <m:t>𝑡</m:t>
+                    </m:r>
+                    <m:r>
+                      <a:rPr lang="en-IE" i="1">
+                        <a:latin typeface="Cambria Math" panose="02040503050406030204" pitchFamily="18" charset="0"/>
+                      </a:rPr>
+                      <m:t>)</m:t>
+                    </m:r>
+                  </m:oMath>
+                </a14:m>
+                <a:r>
+                  <a:rPr lang="en-GB" dirty="0"/>
+                  <a:t> for a 1-unit change in covariate </a:t>
+                </a:r>
+                <a14:m>
+                  <m:oMath xmlns:m="http://schemas.openxmlformats.org/officeDocument/2006/math">
+                    <m:sSub>
+                      <m:sSubPr>
+                        <m:ctrlPr>
+                          <a:rPr lang="en-IE" i="1">
+                            <a:latin typeface="Cambria Math" panose="02040503050406030204" pitchFamily="18" charset="0"/>
+                          </a:rPr>
+                        </m:ctrlPr>
+                      </m:sSubPr>
+                      <m:e>
+                        <m:r>
+                          <a:rPr lang="en-IE" i="1">
+                            <a:latin typeface="Cambria Math" panose="02040503050406030204" pitchFamily="18" charset="0"/>
+                          </a:rPr>
+                          <m:t>𝑥</m:t>
+                        </m:r>
+                      </m:e>
+                      <m:sub>
+                        <m:r>
+                          <a:rPr lang="en-IE" i="1">
+                            <a:latin typeface="Cambria Math" panose="02040503050406030204" pitchFamily="18" charset="0"/>
+                          </a:rPr>
+                          <m:t>𝑖𝑎</m:t>
+                        </m:r>
+                      </m:sub>
+                    </m:sSub>
+                  </m:oMath>
+                </a14:m>
+                <a:r>
+                  <a:rPr lang="en-GB" dirty="0"/>
+                  <a:t>, with </a:t>
+                </a:r>
+                <a14:m>
+                  <m:oMath xmlns:m="http://schemas.openxmlformats.org/officeDocument/2006/math">
+                    <m:sSub>
+                      <m:sSubPr>
+                        <m:ctrlPr>
+                          <a:rPr lang="en-IE" i="1">
+                            <a:latin typeface="Cambria Math" panose="02040503050406030204" pitchFamily="18" charset="0"/>
+                          </a:rPr>
+                        </m:ctrlPr>
+                      </m:sSubPr>
+                      <m:e>
+                        <m:r>
+                          <a:rPr lang="en-IE" i="1">
+                            <a:latin typeface="Cambria Math" panose="02040503050406030204" pitchFamily="18" charset="0"/>
+                          </a:rPr>
+                          <m:t>𝑥</m:t>
+                        </m:r>
+                      </m:e>
+                      <m:sub>
+                        <m:r>
+                          <a:rPr lang="en-IE" b="0" i="1" smtClean="0">
+                            <a:latin typeface="Cambria Math" panose="02040503050406030204" pitchFamily="18" charset="0"/>
+                          </a:rPr>
+                          <m:t>𝑗</m:t>
+                        </m:r>
+                        <m:r>
+                          <a:rPr lang="en-IE" i="1">
+                            <a:latin typeface="Cambria Math" panose="02040503050406030204" pitchFamily="18" charset="0"/>
+                          </a:rPr>
+                          <m:t>𝑎</m:t>
+                        </m:r>
+                      </m:sub>
+                    </m:sSub>
+                    <m:r>
+                      <a:rPr lang="en-IE" b="0" i="1" smtClean="0">
+                        <a:latin typeface="Cambria Math" panose="02040503050406030204" pitchFamily="18" charset="0"/>
+                      </a:rPr>
+                      <m:t>,  </m:t>
+                    </m:r>
+                    <m:r>
+                      <a:rPr lang="en-IE" b="0" i="1" smtClean="0">
+                        <a:latin typeface="Cambria Math" panose="02040503050406030204" pitchFamily="18" charset="0"/>
+                      </a:rPr>
+                      <m:t>𝑗</m:t>
+                    </m:r>
+                    <m:r>
+                      <a:rPr lang="en-IE" b="0" i="1" smtClean="0">
+                        <a:latin typeface="Cambria Math" panose="02040503050406030204" pitchFamily="18" charset="0"/>
+                      </a:rPr>
+                      <m:t>≠</m:t>
+                    </m:r>
+                    <m:r>
+                      <a:rPr lang="en-IE" b="0" i="1" smtClean="0">
+                        <a:latin typeface="Cambria Math" panose="02040503050406030204" pitchFamily="18" charset="0"/>
+                      </a:rPr>
+                      <m:t>𝑖</m:t>
+                    </m:r>
+                  </m:oMath>
+                </a14:m>
+                <a:r>
+                  <a:rPr lang="en-GB" dirty="0"/>
+                  <a:t> held constant.</a:t>
+                </a:r>
+              </a:p>
+              <a:p>
+                <a:pPr marL="0" indent="0">
+                  <a:buNone/>
+                </a:pPr>
+                <a14:m>
+                  <m:oMath xmlns:m="http://schemas.openxmlformats.org/officeDocument/2006/math">
+                    <m:r>
+                      <a:rPr lang="en-IE" i="1" smtClean="0">
+                        <a:latin typeface="Cambria Math" panose="02040503050406030204" pitchFamily="18" charset="0"/>
+                      </a:rPr>
+                      <m:t>→</m:t>
+                    </m:r>
+                  </m:oMath>
+                </a14:m>
+                <a:r>
+                  <a:rPr lang="en-GB" dirty="0"/>
+                  <a:t> When </a:t>
+                </a:r>
+                <a14:m>
+                  <m:oMath xmlns:m="http://schemas.openxmlformats.org/officeDocument/2006/math">
+                    <m:sSub>
+                      <m:sSubPr>
+                        <m:ctrlPr>
+                          <a:rPr lang="en-IE" i="1">
+                            <a:latin typeface="Cambria Math" panose="02040503050406030204" pitchFamily="18" charset="0"/>
+                          </a:rPr>
+                        </m:ctrlPr>
+                      </m:sSubPr>
+                      <m:e>
+                        <m:r>
+                          <a:rPr lang="en-IE" i="1">
+                            <a:latin typeface="Cambria Math" panose="02040503050406030204" pitchFamily="18" charset="0"/>
+                          </a:rPr>
+                          <m:t>𝑥</m:t>
+                        </m:r>
+                      </m:e>
+                      <m:sub>
+                        <m:r>
+                          <a:rPr lang="en-IE" i="1">
+                            <a:latin typeface="Cambria Math" panose="02040503050406030204" pitchFamily="18" charset="0"/>
+                          </a:rPr>
+                          <m:t>𝑖𝑎</m:t>
+                        </m:r>
+                      </m:sub>
+                    </m:sSub>
+                  </m:oMath>
+                </a14:m>
+                <a:r>
+                  <a:rPr lang="en-GB" dirty="0"/>
+                  <a:t> represent factor levels we have Functional ANOVA/ t-test.</a:t>
+                </a:r>
+              </a:p>
+            </p:txBody>
+          </p:sp>
+        </mc:Choice>
+        <mc:Fallback>
+          <p:sp>
+            <p:nvSpPr>
+              <p:cNvPr id="3" name="Content Placeholder 2">
+                <a:extLst>
+                  <a:ext uri="{FF2B5EF4-FFF2-40B4-BE49-F238E27FC236}">
+                    <a16:creationId xmlns:a16="http://schemas.microsoft.com/office/drawing/2014/main" id="{33B45962-76E6-2AEB-1C2E-F6CB91C236AC}"/>
+                  </a:ext>
+                </a:extLst>
+              </p:cNvPr>
+              <p:cNvSpPr>
+                <a:spLocks noGrp="1" noRot="1" noChangeAspect="1" noMove="1" noResize="1" noEditPoints="1" noAdjustHandles="1" noChangeArrowheads="1" noChangeShapeType="1" noTextEdit="1"/>
+              </p:cNvSpPr>
+              <p:nvPr>
+                <p:ph idx="1"/>
+              </p:nvPr>
+            </p:nvSpPr>
+            <p:spPr>
+              <a:blipFill>
+                <a:blip r:embed="rId2"/>
+                <a:stretch>
+                  <a:fillRect l="-1206" t="-24419" r="-1809" b="-3488"/>
+                </a:stretch>
+              </a:blipFill>
+            </p:spPr>
+            <p:txBody>
+              <a:bodyPr/>
+              <a:lstStyle/>
+              <a:p>
+                <a:r>
+                  <a:rPr lang="en-GB">
+                    <a:noFill/>
+                  </a:rPr>
+                  <a:t> </a:t>
+                </a:r>
+              </a:p>
+            </p:txBody>
+          </p:sp>
+        </mc:Fallback>
+      </mc:AlternateContent>
+    </p:spTree>
+    <p:extLst>
+      <p:ext uri="{BB962C8B-B14F-4D97-AF65-F5344CB8AC3E}">
+        <p14:creationId xmlns:p14="http://schemas.microsoft.com/office/powerpoint/2010/main" val="3304177424"/>
+      </p:ext>
+    </p:extLst>
+  </p:cSld>
+  <p:clrMapOvr>
+    <a:masterClrMapping/>
+  </p:clrMapOvr>
+</p:sld>
+</file>
+
+<file path=ppt/slides/slide6.xml><?xml version="1.0" encoding="utf-8"?>
+<p:sld xmlns:a="http://schemas.openxmlformats.org/drawingml/2006/main" xmlns:r="http://schemas.openxmlformats.org/officeDocument/2006/relationships" xmlns:p="http://schemas.openxmlformats.org/presentationml/2006/main">
+  <p:cSld>
+    <p:spTree>
+      <p:nvGrpSpPr>
+        <p:cNvPr id="1" name=""/>
+        <p:cNvGrpSpPr/>
+        <p:nvPr/>
+      </p:nvGrpSpPr>
+      <p:grpSpPr>
+        <a:xfrm>
+          <a:off x="0" y="0"/>
+          <a:ext cx="0" cy="0"/>
+          <a:chOff x="0" y="0"/>
+          <a:chExt cx="0" cy="0"/>
+        </a:xfrm>
+      </p:grpSpPr>
+      <p:sp>
+        <p:nvSpPr>
+          <p:cNvPr id="2" name="Title 1">
+            <a:extLst>
+              <a:ext uri="{FF2B5EF4-FFF2-40B4-BE49-F238E27FC236}">
+                <a16:creationId xmlns:a16="http://schemas.microsoft.com/office/drawing/2014/main" id="{DEDD1846-6B05-ACBF-5121-EA6153E208F2}"/>
+              </a:ext>
+            </a:extLst>
+          </p:cNvPr>
+          <p:cNvSpPr>
+            <a:spLocks noGrp="1"/>
+          </p:cNvSpPr>
+          <p:nvPr>
+            <p:ph type="title"/>
+          </p:nvPr>
+        </p:nvSpPr>
+        <p:spPr/>
+        <p:txBody>
+          <a:bodyPr/>
+          <a:lstStyle/>
+          <a:p>
+            <a:r>
+              <a:rPr lang="en-GB" dirty="0"/>
+              <a:t>Fitting</a:t>
+            </a:r>
+          </a:p>
+        </p:txBody>
+      </p:sp>
+      <p:pic>
+        <p:nvPicPr>
+          <p:cNvPr id="5" name="Content Placeholder 4">
+            <a:extLst>
+              <a:ext uri="{FF2B5EF4-FFF2-40B4-BE49-F238E27FC236}">
+                <a16:creationId xmlns:a16="http://schemas.microsoft.com/office/drawing/2014/main" id="{2FF63902-0CB0-1D53-8F6C-38C4498C0F3F}"/>
+              </a:ext>
+            </a:extLst>
+          </p:cNvPr>
+          <p:cNvPicPr>
+            <a:picLocks noGrp="1" noChangeAspect="1"/>
+          </p:cNvPicPr>
+          <p:nvPr>
+            <p:ph idx="1"/>
+          </p:nvPr>
+        </p:nvPicPr>
+        <p:blipFill>
+          <a:blip r:embed="rId2"/>
+          <a:stretch>
+            <a:fillRect/>
+          </a:stretch>
+        </p:blipFill>
+        <p:spPr>
+          <a:xfrm>
+            <a:off x="645264" y="1491750"/>
+            <a:ext cx="5765800" cy="4114800"/>
+          </a:xfrm>
+        </p:spPr>
+      </p:pic>
+      <mc:AlternateContent xmlns:mc="http://schemas.openxmlformats.org/markup-compatibility/2006">
+        <mc:Choice xmlns:a14="http://schemas.microsoft.com/office/drawing/2010/main" Requires="a14">
+          <p:sp>
+            <p:nvSpPr>
+              <p:cNvPr id="7" name="TextBox 6">
+                <a:extLst>
+                  <a:ext uri="{FF2B5EF4-FFF2-40B4-BE49-F238E27FC236}">
+                    <a16:creationId xmlns:a16="http://schemas.microsoft.com/office/drawing/2014/main" id="{DA79B93C-73B1-FEBA-9A11-5FBEAD09E73E}"/>
+                  </a:ext>
+                </a:extLst>
+              </p:cNvPr>
+              <p:cNvSpPr txBox="1"/>
+              <p:nvPr/>
+            </p:nvSpPr>
+            <p:spPr>
+              <a:xfrm>
+                <a:off x="739049" y="5366250"/>
+                <a:ext cx="5765800" cy="1426609"/>
+              </a:xfrm>
+              <a:prstGeom prst="rect">
+                <a:avLst/>
+              </a:prstGeom>
+              <a:noFill/>
+            </p:spPr>
+            <p:txBody>
+              <a:bodyPr wrap="square">
+                <a:spAutoFit/>
+              </a:bodyPr>
+              <a:lstStyle/>
+              <a:p>
+                <a:pPr/>
+                <a:r>
+                  <a:rPr lang="en-IE" b="1" dirty="0"/>
+                  <a:t>Pointwise Fitting: </a:t>
+                </a:r>
+                <a:r>
+                  <a:rPr lang="en-IE" b="0" dirty="0"/>
+                  <a:t>Fit a linear regression at each time t</a:t>
+                </a:r>
+              </a:p>
+              <a:p>
+                <a:pPr/>
+                <a14:m>
+                  <m:oMathPara xmlns:m="http://schemas.openxmlformats.org/officeDocument/2006/math">
+                    <m:oMathParaPr>
+                      <m:jc m:val="centerGroup"/>
+                    </m:oMathParaPr>
+                    <m:oMath xmlns:m="http://schemas.openxmlformats.org/officeDocument/2006/math">
+                      <m:sSub>
+                        <m:sSubPr>
+                          <m:ctrlPr>
+                            <a:rPr lang="en-IE" b="0" i="1" smtClean="0">
+                              <a:latin typeface="Cambria Math" panose="02040503050406030204" pitchFamily="18" charset="0"/>
+                            </a:rPr>
+                          </m:ctrlPr>
+                        </m:sSubPr>
+                        <m:e>
+                          <m:r>
+                            <a:rPr lang="en-IE" b="0" i="1" smtClean="0">
+                              <a:latin typeface="Cambria Math" panose="02040503050406030204" pitchFamily="18" charset="0"/>
+                            </a:rPr>
+                            <m:t>𝑦</m:t>
+                          </m:r>
+                        </m:e>
+                        <m:sub>
+                          <m:r>
+                            <a:rPr lang="en-IE" b="0" i="1" smtClean="0">
+                              <a:latin typeface="Cambria Math" panose="02040503050406030204" pitchFamily="18" charset="0"/>
+                            </a:rPr>
+                            <m:t>𝑖</m:t>
+                          </m:r>
+                          <m:r>
+                            <a:rPr lang="en-IE" b="0" i="1" smtClean="0">
+                              <a:latin typeface="Cambria Math" panose="02040503050406030204" pitchFamily="18" charset="0"/>
+                            </a:rPr>
+                            <m:t>,</m:t>
+                          </m:r>
+                          <m:r>
+                            <a:rPr lang="en-IE" b="0" i="1" smtClean="0">
+                              <a:latin typeface="Cambria Math" panose="02040503050406030204" pitchFamily="18" charset="0"/>
+                            </a:rPr>
+                            <m:t>𝑡</m:t>
+                          </m:r>
+                        </m:sub>
+                      </m:sSub>
+                      <m:r>
+                        <a:rPr lang="en-IE" b="0" i="1" smtClean="0">
+                          <a:latin typeface="Cambria Math" panose="02040503050406030204" pitchFamily="18" charset="0"/>
+                        </a:rPr>
+                        <m:t>=</m:t>
+                      </m:r>
+                      <m:sSub>
+                        <m:sSubPr>
+                          <m:ctrlPr>
+                            <a:rPr lang="en-IE" b="0" i="1" smtClean="0">
+                              <a:latin typeface="Cambria Math" panose="02040503050406030204" pitchFamily="18" charset="0"/>
+                            </a:rPr>
+                          </m:ctrlPr>
+                        </m:sSubPr>
+                        <m:e>
+                          <m:r>
+                            <a:rPr lang="en-IE" b="0" i="1" smtClean="0">
+                              <a:latin typeface="Cambria Math" panose="02040503050406030204" pitchFamily="18" charset="0"/>
+                            </a:rPr>
+                            <m:t>𝛽</m:t>
+                          </m:r>
+                        </m:e>
+                        <m:sub>
+                          <m:r>
+                            <a:rPr lang="en-IE" b="0" i="1" smtClean="0">
+                              <a:latin typeface="Cambria Math" panose="02040503050406030204" pitchFamily="18" charset="0"/>
+                            </a:rPr>
+                            <m:t>0</m:t>
+                          </m:r>
+                          <m:r>
+                            <a:rPr lang="en-IE" b="0" i="1" smtClean="0">
+                              <a:latin typeface="Cambria Math" panose="02040503050406030204" pitchFamily="18" charset="0"/>
+                            </a:rPr>
+                            <m:t>,</m:t>
+                          </m:r>
+                          <m:r>
+                            <a:rPr lang="en-IE" b="0" i="1" smtClean="0">
+                              <a:latin typeface="Cambria Math" panose="02040503050406030204" pitchFamily="18" charset="0"/>
+                            </a:rPr>
+                            <m:t>𝑡</m:t>
+                          </m:r>
+                        </m:sub>
+                      </m:sSub>
+                      <m:r>
+                        <a:rPr lang="en-IE" b="0" i="1" smtClean="0">
+                          <a:latin typeface="Cambria Math" panose="02040503050406030204" pitchFamily="18" charset="0"/>
+                        </a:rPr>
+                        <m:t>+ </m:t>
+                      </m:r>
+                      <m:nary>
+                        <m:naryPr>
+                          <m:chr m:val="∑"/>
+                          <m:ctrlPr>
+                            <a:rPr lang="en-IE" b="0" i="1" smtClean="0">
+                              <a:latin typeface="Cambria Math" panose="02040503050406030204" pitchFamily="18" charset="0"/>
+                            </a:rPr>
+                          </m:ctrlPr>
+                        </m:naryPr>
+                        <m:sub>
+                          <m:r>
+                            <m:rPr>
+                              <m:brk m:alnAt="23"/>
+                            </m:rPr>
+                            <a:rPr lang="en-IE" b="0" i="1" smtClean="0">
+                              <a:latin typeface="Cambria Math" panose="02040503050406030204" pitchFamily="18" charset="0"/>
+                            </a:rPr>
+                            <m:t>𝑎</m:t>
+                          </m:r>
+                          <m:r>
+                            <a:rPr lang="en-IE" b="0" i="1" smtClean="0">
+                              <a:latin typeface="Cambria Math" panose="02040503050406030204" pitchFamily="18" charset="0"/>
+                            </a:rPr>
+                            <m:t>=1</m:t>
+                          </m:r>
+                        </m:sub>
+                        <m:sup>
+                          <m:r>
+                            <a:rPr lang="en-IE" b="0" i="1" smtClean="0">
+                              <a:latin typeface="Cambria Math" panose="02040503050406030204" pitchFamily="18" charset="0"/>
+                            </a:rPr>
+                            <m:t>𝐴</m:t>
+                          </m:r>
+                        </m:sup>
+                        <m:e>
+                          <m:sSub>
+                            <m:sSubPr>
+                              <m:ctrlPr>
+                                <a:rPr lang="en-IE" b="0" i="1" smtClean="0">
+                                  <a:latin typeface="Cambria Math" panose="02040503050406030204" pitchFamily="18" charset="0"/>
+                                </a:rPr>
+                              </m:ctrlPr>
+                            </m:sSubPr>
+                            <m:e>
+                              <m:r>
+                                <a:rPr lang="en-IE" b="0" i="1" smtClean="0">
+                                  <a:latin typeface="Cambria Math" panose="02040503050406030204" pitchFamily="18" charset="0"/>
+                                </a:rPr>
+                                <m:t>𝑥</m:t>
+                              </m:r>
+                            </m:e>
+                            <m:sub>
+                              <m:r>
+                                <a:rPr lang="en-IE" b="0" i="1" smtClean="0">
+                                  <a:latin typeface="Cambria Math" panose="02040503050406030204" pitchFamily="18" charset="0"/>
+                                </a:rPr>
+                                <m:t>𝑖𝑎</m:t>
+                              </m:r>
+                            </m:sub>
+                          </m:sSub>
+                          <m:sSub>
+                            <m:sSubPr>
+                              <m:ctrlPr>
+                                <a:rPr lang="en-IE" b="0" i="1" smtClean="0">
+                                  <a:latin typeface="Cambria Math" panose="02040503050406030204" pitchFamily="18" charset="0"/>
+                                </a:rPr>
+                              </m:ctrlPr>
+                            </m:sSubPr>
+                            <m:e>
+                              <m:r>
+                                <a:rPr lang="en-IE" b="0" i="1" smtClean="0">
+                                  <a:latin typeface="Cambria Math" panose="02040503050406030204" pitchFamily="18" charset="0"/>
+                                </a:rPr>
+                                <m:t>𝛽</m:t>
+                              </m:r>
+                            </m:e>
+                            <m:sub>
+                              <m:r>
+                                <a:rPr lang="en-IE" b="0" i="1" smtClean="0">
+                                  <a:latin typeface="Cambria Math" panose="02040503050406030204" pitchFamily="18" charset="0"/>
+                                </a:rPr>
+                                <m:t>𝑎</m:t>
+                              </m:r>
+                              <m:r>
+                                <a:rPr lang="en-IE" b="0" i="1" smtClean="0">
+                                  <a:latin typeface="Cambria Math" panose="02040503050406030204" pitchFamily="18" charset="0"/>
+                                </a:rPr>
+                                <m:t>,</m:t>
+                              </m:r>
+                              <m:r>
+                                <a:rPr lang="en-IE" b="0" i="1" smtClean="0">
+                                  <a:latin typeface="Cambria Math" panose="02040503050406030204" pitchFamily="18" charset="0"/>
+                                </a:rPr>
+                                <m:t>𝑡</m:t>
+                              </m:r>
+                            </m:sub>
+                          </m:sSub>
+                          <m:r>
+                            <a:rPr lang="en-IE" b="0" i="1" smtClean="0">
+                              <a:latin typeface="Cambria Math" panose="02040503050406030204" pitchFamily="18" charset="0"/>
+                            </a:rPr>
+                            <m:t>+</m:t>
+                          </m:r>
+                          <m:sSub>
+                            <m:sSubPr>
+                              <m:ctrlPr>
+                                <a:rPr lang="en-IE" b="0" i="1" smtClean="0">
+                                  <a:latin typeface="Cambria Math" panose="02040503050406030204" pitchFamily="18" charset="0"/>
+                                </a:rPr>
+                              </m:ctrlPr>
+                            </m:sSubPr>
+                            <m:e>
+                              <m:r>
+                                <a:rPr lang="en-IE" b="0" i="1" smtClean="0">
+                                  <a:latin typeface="Cambria Math" panose="02040503050406030204" pitchFamily="18" charset="0"/>
+                                </a:rPr>
+                                <m:t>𝜖</m:t>
+                              </m:r>
+                            </m:e>
+                            <m:sub>
+                              <m:r>
+                                <a:rPr lang="en-IE" b="0" i="1" smtClean="0">
+                                  <a:latin typeface="Cambria Math" panose="02040503050406030204" pitchFamily="18" charset="0"/>
+                                </a:rPr>
+                                <m:t>𝑖</m:t>
+                              </m:r>
+                              <m:r>
+                                <a:rPr lang="en-IE" b="0" i="1" smtClean="0">
+                                  <a:latin typeface="Cambria Math" panose="02040503050406030204" pitchFamily="18" charset="0"/>
+                                </a:rPr>
+                                <m:t>,</m:t>
+                              </m:r>
+                              <m:r>
+                                <a:rPr lang="en-IE" b="0" i="1" smtClean="0">
+                                  <a:latin typeface="Cambria Math" panose="02040503050406030204" pitchFamily="18" charset="0"/>
+                                </a:rPr>
+                                <m:t>𝑡</m:t>
+                              </m:r>
+                            </m:sub>
+                          </m:sSub>
+                        </m:e>
+                      </m:nary>
+                    </m:oMath>
+                  </m:oMathPara>
+                </a14:m>
+                <a:endParaRPr lang="en-IE" b="0" dirty="0"/>
+              </a:p>
+              <a:p>
+                <a:pPr/>
+                <a:r>
+                  <a:rPr lang="en-GB" dirty="0"/>
+                  <a:t>and join up/ smooth the coefficients.</a:t>
+                </a:r>
+              </a:p>
+            </p:txBody>
+          </p:sp>
+        </mc:Choice>
+        <mc:Fallback>
+          <p:sp>
+            <p:nvSpPr>
+              <p:cNvPr id="7" name="TextBox 6">
+                <a:extLst>
+                  <a:ext uri="{FF2B5EF4-FFF2-40B4-BE49-F238E27FC236}">
+                    <a16:creationId xmlns:a16="http://schemas.microsoft.com/office/drawing/2014/main" id="{DA79B93C-73B1-FEBA-9A11-5FBEAD09E73E}"/>
+                  </a:ext>
+                </a:extLst>
+              </p:cNvPr>
+              <p:cNvSpPr txBox="1">
+                <a:spLocks noRot="1" noChangeAspect="1" noMove="1" noResize="1" noEditPoints="1" noAdjustHandles="1" noChangeArrowheads="1" noChangeShapeType="1" noTextEdit="1"/>
+              </p:cNvSpPr>
+              <p:nvPr/>
+            </p:nvSpPr>
+            <p:spPr>
+              <a:xfrm>
+                <a:off x="739049" y="5366250"/>
+                <a:ext cx="5765800" cy="1426609"/>
+              </a:xfrm>
+              <a:prstGeom prst="rect">
+                <a:avLst/>
+              </a:prstGeom>
+              <a:blipFill>
+                <a:blip r:embed="rId3"/>
+                <a:stretch>
+                  <a:fillRect l="-879" t="-39823" b="-72566"/>
+                </a:stretch>
+              </a:blipFill>
+            </p:spPr>
+            <p:txBody>
+              <a:bodyPr/>
+              <a:lstStyle/>
+              <a:p>
+                <a:r>
+                  <a:rPr lang="en-GB">
+                    <a:noFill/>
+                  </a:rPr>
+                  <a:t> </a:t>
+                </a:r>
+              </a:p>
+            </p:txBody>
+          </p:sp>
+        </mc:Fallback>
+      </mc:AlternateContent>
+      <p:sp>
+        <p:nvSpPr>
+          <p:cNvPr id="8" name="TextBox 7">
+            <a:extLst>
+              <a:ext uri="{FF2B5EF4-FFF2-40B4-BE49-F238E27FC236}">
+                <a16:creationId xmlns:a16="http://schemas.microsoft.com/office/drawing/2014/main" id="{1C48F4D3-F608-0FBF-4412-A362C9BE43BC}"/>
+              </a:ext>
+            </a:extLst>
+          </p:cNvPr>
+          <p:cNvSpPr txBox="1"/>
+          <p:nvPr/>
+        </p:nvSpPr>
+        <p:spPr>
+          <a:xfrm>
+            <a:off x="7474333" y="3087485"/>
+            <a:ext cx="3723701" cy="923330"/>
+          </a:xfrm>
+          <a:prstGeom prst="rect">
+            <a:avLst/>
+          </a:prstGeom>
+          <a:noFill/>
+          <a:ln w="50800">
+            <a:solidFill>
+              <a:schemeClr val="tx1"/>
+            </a:solidFill>
+          </a:ln>
+        </p:spPr>
+        <p:txBody>
+          <a:bodyPr wrap="square" rtlCol="0">
+            <a:spAutoFit/>
+          </a:bodyPr>
+          <a:lstStyle/>
+          <a:p>
+            <a:r>
+              <a:rPr lang="en-GB" dirty="0"/>
+              <a:t>But more refined approaches using basis expansions and smoothing penalties are typically used!</a:t>
+            </a:r>
+          </a:p>
+        </p:txBody>
+      </p:sp>
+    </p:spTree>
+    <p:extLst>
+      <p:ext uri="{BB962C8B-B14F-4D97-AF65-F5344CB8AC3E}">
+        <p14:creationId xmlns:p14="http://schemas.microsoft.com/office/powerpoint/2010/main" val="4118950009"/>
+      </p:ext>
+    </p:extLst>
+  </p:cSld>
+  <p:clrMapOvr>
+    <a:masterClrMapping/>
+  </p:clrMapOvr>
+  <p:timing>
+    <p:tnLst>
+      <p:par>
+        <p:cTn id="1" dur="indefinite" restart="never" nodeType="tmRoot">
+          <p:childTnLst>
+            <p:seq concurrent="1" nextAc="seek">
+              <p:cTn id="2" dur="indefinite" nodeType="mainSeq">
+                <p:childTnLst>
+                  <p:par>
+                    <p:cTn id="3" fill="hold">
+                      <p:stCondLst>
+                        <p:cond delay="indefinite"/>
+                      </p:stCondLst>
+                      <p:childTnLst>
+                        <p:par>
+                          <p:cTn id="4" fill="hold">
+                            <p:stCondLst>
+                              <p:cond delay="0"/>
+                            </p:stCondLst>
+                            <p:childTnLst>
+                              <p:par>
+                                <p:cTn id="5" presetID="1" presetClass="entr" presetSubtype="0" fill="hold" grpId="0" nodeType="clickEffect">
+                                  <p:stCondLst>
+                                    <p:cond delay="0"/>
+                                  </p:stCondLst>
+                                  <p:childTnLst>
+                                    <p:set>
+                                      <p:cBhvr>
+                                        <p:cTn id="6" dur="1" fill="hold">
+                                          <p:stCondLst>
+                                            <p:cond delay="0"/>
+                                          </p:stCondLst>
+                                        </p:cTn>
+                                        <p:tgtEl>
+                                          <p:spTgt spid="8"/>
+                                        </p:tgtEl>
+                                        <p:attrNameLst>
+                                          <p:attrName>style.visibility</p:attrName>
+                                        </p:attrNameLst>
+                                      </p:cBhvr>
+                                      <p:to>
+                                        <p:strVal val="visible"/>
+                                      </p:to>
+                                    </p:set>
+                                  </p:childTnLst>
+                                </p:cTn>
+                              </p:par>
+                            </p:childTnLst>
+                          </p:cTn>
+                        </p:par>
+                      </p:childTnLst>
+                    </p:cTn>
+                  </p:par>
+                </p:childTnLst>
+              </p:cTn>
+              <p:prevCondLst>
+                <p:cond evt="onPrev" delay="0">
+                  <p:tgtEl>
+                    <p:sldTgt/>
+                  </p:tgtEl>
+                </p:cond>
+              </p:prevCondLst>
+              <p:nextCondLst>
+                <p:cond evt="onNext" delay="0">
+                  <p:tgtEl>
+                    <p:sldTgt/>
+                  </p:tgtEl>
+                </p:cond>
+              </p:nextCondLst>
+            </p:seq>
+          </p:childTnLst>
+        </p:cTn>
+      </p:par>
+    </p:tnLst>
+    <p:bldLst>
+      <p:bldP spid="8" grpId="0" animBg="1"/>
+    </p:bldLst>
+  </p:timing>
 </p:sld>
 </file>
 

--- a/slides/05-fregression.pptx
+++ b/slides/05-fregression.pptx
@@ -5,7 +5,7 @@
     <p:sldMasterId id="2147483684" r:id="rId1"/>
   </p:sldMasterIdLst>
   <p:notesMasterIdLst>
-    <p:notesMasterId r:id="rId8"/>
+    <p:notesMasterId r:id="rId17"/>
   </p:notesMasterIdLst>
   <p:sldIdLst>
     <p:sldId id="256" r:id="rId2"/>
@@ -14,6 +14,15 @@
     <p:sldId id="259" r:id="rId5"/>
     <p:sldId id="260" r:id="rId6"/>
     <p:sldId id="261" r:id="rId7"/>
+    <p:sldId id="262" r:id="rId8"/>
+    <p:sldId id="263" r:id="rId9"/>
+    <p:sldId id="265" r:id="rId10"/>
+    <p:sldId id="266" r:id="rId11"/>
+    <p:sldId id="267" r:id="rId12"/>
+    <p:sldId id="268" r:id="rId13"/>
+    <p:sldId id="269" r:id="rId14"/>
+    <p:sldId id="270" r:id="rId15"/>
+    <p:sldId id="272" r:id="rId16"/>
   </p:sldIdLst>
   <p:sldSz cx="12192000" cy="6858000"/>
   <p:notesSz cx="6858000" cy="9144000"/>
@@ -467,6 +476,258 @@
     </a:lvl9pPr>
   </p:notesStyle>
 </p:notesMaster>
+</file>
+
+<file path=ppt/notesSlides/notesSlide1.xml><?xml version="1.0" encoding="utf-8"?>
+<p:notes xmlns:a="http://schemas.openxmlformats.org/drawingml/2006/main" xmlns:r="http://schemas.openxmlformats.org/officeDocument/2006/relationships" xmlns:p="http://schemas.openxmlformats.org/presentationml/2006/main">
+  <p:cSld>
+    <p:spTree>
+      <p:nvGrpSpPr>
+        <p:cNvPr id="1" name=""/>
+        <p:cNvGrpSpPr/>
+        <p:nvPr/>
+      </p:nvGrpSpPr>
+      <p:grpSpPr>
+        <a:xfrm>
+          <a:off x="0" y="0"/>
+          <a:ext cx="0" cy="0"/>
+          <a:chOff x="0" y="0"/>
+          <a:chExt cx="0" cy="0"/>
+        </a:xfrm>
+      </p:grpSpPr>
+      <p:sp>
+        <p:nvSpPr>
+          <p:cNvPr id="2" name="Slide Image Placeholder 1"/>
+          <p:cNvSpPr>
+            <a:spLocks noGrp="1" noRot="1" noChangeAspect="1"/>
+          </p:cNvSpPr>
+          <p:nvPr>
+            <p:ph type="sldImg"/>
+          </p:nvPr>
+        </p:nvSpPr>
+        <p:spPr/>
+      </p:sp>
+      <p:sp>
+        <p:nvSpPr>
+          <p:cNvPr id="3" name="Notes Placeholder 2"/>
+          <p:cNvSpPr>
+            <a:spLocks noGrp="1"/>
+          </p:cNvSpPr>
+          <p:nvPr>
+            <p:ph type="body" idx="1"/>
+          </p:nvPr>
+        </p:nvSpPr>
+        <p:spPr/>
+        <p:txBody>
+          <a:bodyPr/>
+          <a:lstStyle/>
+          <a:p>
+            <a:endParaRPr lang="en-GB" dirty="0"/>
+          </a:p>
+        </p:txBody>
+      </p:sp>
+      <p:sp>
+        <p:nvSpPr>
+          <p:cNvPr id="4" name="Slide Number Placeholder 3"/>
+          <p:cNvSpPr>
+            <a:spLocks noGrp="1"/>
+          </p:cNvSpPr>
+          <p:nvPr>
+            <p:ph type="sldNum" sz="quarter" idx="5"/>
+          </p:nvPr>
+        </p:nvSpPr>
+        <p:spPr/>
+        <p:txBody>
+          <a:bodyPr/>
+          <a:lstStyle/>
+          <a:p>
+            <a:fld id="{F781B4EB-0248-0C41-8423-3C4A0934FE0D}" type="slidenum">
+              <a:rPr lang="en-GB" smtClean="0"/>
+              <a:t>7</a:t>
+            </a:fld>
+            <a:endParaRPr lang="en-GB"/>
+          </a:p>
+        </p:txBody>
+      </p:sp>
+    </p:spTree>
+    <p:extLst>
+      <p:ext uri="{BB962C8B-B14F-4D97-AF65-F5344CB8AC3E}">
+        <p14:creationId xmlns:p14="http://schemas.microsoft.com/office/powerpoint/2010/main" val="3351343733"/>
+      </p:ext>
+    </p:extLst>
+  </p:cSld>
+  <p:clrMapOvr>
+    <a:masterClrMapping/>
+  </p:clrMapOvr>
+</p:notes>
+</file>
+
+<file path=ppt/notesSlides/notesSlide2.xml><?xml version="1.0" encoding="utf-8"?>
+<p:notes xmlns:a="http://schemas.openxmlformats.org/drawingml/2006/main" xmlns:r="http://schemas.openxmlformats.org/officeDocument/2006/relationships" xmlns:p="http://schemas.openxmlformats.org/presentationml/2006/main">
+  <p:cSld>
+    <p:spTree>
+      <p:nvGrpSpPr>
+        <p:cNvPr id="1" name=""/>
+        <p:cNvGrpSpPr/>
+        <p:nvPr/>
+      </p:nvGrpSpPr>
+      <p:grpSpPr>
+        <a:xfrm>
+          <a:off x="0" y="0"/>
+          <a:ext cx="0" cy="0"/>
+          <a:chOff x="0" y="0"/>
+          <a:chExt cx="0" cy="0"/>
+        </a:xfrm>
+      </p:grpSpPr>
+      <p:sp>
+        <p:nvSpPr>
+          <p:cNvPr id="2" name="Slide Image Placeholder 1"/>
+          <p:cNvSpPr>
+            <a:spLocks noGrp="1" noRot="1" noChangeAspect="1"/>
+          </p:cNvSpPr>
+          <p:nvPr>
+            <p:ph type="sldImg"/>
+          </p:nvPr>
+        </p:nvSpPr>
+        <p:spPr/>
+      </p:sp>
+      <p:sp>
+        <p:nvSpPr>
+          <p:cNvPr id="3" name="Notes Placeholder 2"/>
+          <p:cNvSpPr>
+            <a:spLocks noGrp="1"/>
+          </p:cNvSpPr>
+          <p:nvPr>
+            <p:ph type="body" idx="1"/>
+          </p:nvPr>
+        </p:nvSpPr>
+        <p:spPr/>
+        <p:txBody>
+          <a:bodyPr/>
+          <a:lstStyle/>
+          <a:p>
+            <a:endParaRPr lang="en-GB" dirty="0"/>
+          </a:p>
+        </p:txBody>
+      </p:sp>
+      <p:sp>
+        <p:nvSpPr>
+          <p:cNvPr id="4" name="Slide Number Placeholder 3"/>
+          <p:cNvSpPr>
+            <a:spLocks noGrp="1"/>
+          </p:cNvSpPr>
+          <p:nvPr>
+            <p:ph type="sldNum" sz="quarter" idx="5"/>
+          </p:nvPr>
+        </p:nvSpPr>
+        <p:spPr/>
+        <p:txBody>
+          <a:bodyPr/>
+          <a:lstStyle/>
+          <a:p>
+            <a:fld id="{F781B4EB-0248-0C41-8423-3C4A0934FE0D}" type="slidenum">
+              <a:rPr lang="en-GB" smtClean="0"/>
+              <a:t>9</a:t>
+            </a:fld>
+            <a:endParaRPr lang="en-GB"/>
+          </a:p>
+        </p:txBody>
+      </p:sp>
+    </p:spTree>
+    <p:extLst>
+      <p:ext uri="{BB962C8B-B14F-4D97-AF65-F5344CB8AC3E}">
+        <p14:creationId xmlns:p14="http://schemas.microsoft.com/office/powerpoint/2010/main" val="4076091949"/>
+      </p:ext>
+    </p:extLst>
+  </p:cSld>
+  <p:clrMapOvr>
+    <a:masterClrMapping/>
+  </p:clrMapOvr>
+</p:notes>
+</file>
+
+<file path=ppt/notesSlides/notesSlide3.xml><?xml version="1.0" encoding="utf-8"?>
+<p:notes xmlns:a="http://schemas.openxmlformats.org/drawingml/2006/main" xmlns:r="http://schemas.openxmlformats.org/officeDocument/2006/relationships" xmlns:p="http://schemas.openxmlformats.org/presentationml/2006/main">
+  <p:cSld>
+    <p:spTree>
+      <p:nvGrpSpPr>
+        <p:cNvPr id="1" name=""/>
+        <p:cNvGrpSpPr/>
+        <p:nvPr/>
+      </p:nvGrpSpPr>
+      <p:grpSpPr>
+        <a:xfrm>
+          <a:off x="0" y="0"/>
+          <a:ext cx="0" cy="0"/>
+          <a:chOff x="0" y="0"/>
+          <a:chExt cx="0" cy="0"/>
+        </a:xfrm>
+      </p:grpSpPr>
+      <p:sp>
+        <p:nvSpPr>
+          <p:cNvPr id="2" name="Slide Image Placeholder 1"/>
+          <p:cNvSpPr>
+            <a:spLocks noGrp="1" noRot="1" noChangeAspect="1"/>
+          </p:cNvSpPr>
+          <p:nvPr>
+            <p:ph type="sldImg"/>
+          </p:nvPr>
+        </p:nvSpPr>
+        <p:spPr/>
+      </p:sp>
+      <p:sp>
+        <p:nvSpPr>
+          <p:cNvPr id="3" name="Notes Placeholder 2"/>
+          <p:cNvSpPr>
+            <a:spLocks noGrp="1"/>
+          </p:cNvSpPr>
+          <p:nvPr>
+            <p:ph type="body" idx="1"/>
+          </p:nvPr>
+        </p:nvSpPr>
+        <p:spPr/>
+        <p:txBody>
+          <a:bodyPr/>
+          <a:lstStyle/>
+          <a:p>
+            <a:endParaRPr lang="en-GB" dirty="0"/>
+          </a:p>
+        </p:txBody>
+      </p:sp>
+      <p:sp>
+        <p:nvSpPr>
+          <p:cNvPr id="4" name="Slide Number Placeholder 3"/>
+          <p:cNvSpPr>
+            <a:spLocks noGrp="1"/>
+          </p:cNvSpPr>
+          <p:nvPr>
+            <p:ph type="sldNum" sz="quarter" idx="5"/>
+          </p:nvPr>
+        </p:nvSpPr>
+        <p:spPr/>
+        <p:txBody>
+          <a:bodyPr/>
+          <a:lstStyle/>
+          <a:p>
+            <a:fld id="{F781B4EB-0248-0C41-8423-3C4A0934FE0D}" type="slidenum">
+              <a:rPr lang="en-GB" smtClean="0"/>
+              <a:t>14</a:t>
+            </a:fld>
+            <a:endParaRPr lang="en-GB"/>
+          </a:p>
+        </p:txBody>
+      </p:sp>
+    </p:spTree>
+    <p:extLst>
+      <p:ext uri="{BB962C8B-B14F-4D97-AF65-F5344CB8AC3E}">
+        <p14:creationId xmlns:p14="http://schemas.microsoft.com/office/powerpoint/2010/main" val="1080577986"/>
+      </p:ext>
+    </p:extLst>
+  </p:cSld>
+  <p:clrMapOvr>
+    <a:masterClrMapping/>
+  </p:clrMapOvr>
+</p:notes>
 </file>
 
 <file path=ppt/slideLayouts/slideLayout1.xml><?xml version="1.0" encoding="utf-8"?>
@@ -3551,6 +3812,1887 @@
 </p:sld>
 </file>
 
+<file path=ppt/slides/slide10.xml><?xml version="1.0" encoding="utf-8"?>
+<p:sld xmlns:a="http://schemas.openxmlformats.org/drawingml/2006/main" xmlns:r="http://schemas.openxmlformats.org/officeDocument/2006/relationships" xmlns:p="http://schemas.openxmlformats.org/presentationml/2006/main">
+  <p:cSld>
+    <p:spTree>
+      <p:nvGrpSpPr>
+        <p:cNvPr id="1" name=""/>
+        <p:cNvGrpSpPr/>
+        <p:nvPr/>
+      </p:nvGrpSpPr>
+      <p:grpSpPr>
+        <a:xfrm>
+          <a:off x="0" y="0"/>
+          <a:ext cx="0" cy="0"/>
+          <a:chOff x="0" y="0"/>
+          <a:chExt cx="0" cy="0"/>
+        </a:xfrm>
+      </p:grpSpPr>
+      <p:sp>
+        <p:nvSpPr>
+          <p:cNvPr id="2" name="Title 1">
+            <a:extLst>
+              <a:ext uri="{FF2B5EF4-FFF2-40B4-BE49-F238E27FC236}">
+                <a16:creationId xmlns:a16="http://schemas.microsoft.com/office/drawing/2014/main" id="{B0999452-FDE4-03E6-6DE1-2243BBDA0209}"/>
+              </a:ext>
+            </a:extLst>
+          </p:cNvPr>
+          <p:cNvSpPr>
+            <a:spLocks noGrp="1"/>
+          </p:cNvSpPr>
+          <p:nvPr>
+            <p:ph type="title"/>
+          </p:nvPr>
+        </p:nvSpPr>
+        <p:spPr/>
+        <p:txBody>
+          <a:bodyPr/>
+          <a:lstStyle/>
+          <a:p>
+            <a:r>
+              <a:rPr lang="en-GB" dirty="0"/>
+              <a:t>Example</a:t>
+            </a:r>
+          </a:p>
+        </p:txBody>
+      </p:sp>
+      <p:pic>
+        <p:nvPicPr>
+          <p:cNvPr id="5" name="Content Placeholder 4">
+            <a:extLst>
+              <a:ext uri="{FF2B5EF4-FFF2-40B4-BE49-F238E27FC236}">
+                <a16:creationId xmlns:a16="http://schemas.microsoft.com/office/drawing/2014/main" id="{F23A71E7-8EED-DFB2-3AA6-64B24A22C3F0}"/>
+              </a:ext>
+            </a:extLst>
+          </p:cNvPr>
+          <p:cNvPicPr>
+            <a:picLocks noGrp="1" noChangeAspect="1"/>
+          </p:cNvPicPr>
+          <p:nvPr>
+            <p:ph idx="1"/>
+          </p:nvPr>
+        </p:nvPicPr>
+        <p:blipFill>
+          <a:blip r:embed="rId2"/>
+          <a:stretch>
+            <a:fillRect/>
+          </a:stretch>
+        </p:blipFill>
+        <p:spPr>
+          <a:xfrm>
+            <a:off x="2838527" y="1878175"/>
+            <a:ext cx="6746148" cy="4710416"/>
+          </a:xfrm>
+        </p:spPr>
+      </p:pic>
+    </p:spTree>
+    <p:extLst>
+      <p:ext uri="{BB962C8B-B14F-4D97-AF65-F5344CB8AC3E}">
+        <p14:creationId xmlns:p14="http://schemas.microsoft.com/office/powerpoint/2010/main" val="2782977453"/>
+      </p:ext>
+    </p:extLst>
+  </p:cSld>
+  <p:clrMapOvr>
+    <a:masterClrMapping/>
+  </p:clrMapOvr>
+</p:sld>
+</file>
+
+<file path=ppt/slides/slide11.xml><?xml version="1.0" encoding="utf-8"?>
+<p:sld xmlns:a="http://schemas.openxmlformats.org/drawingml/2006/main" xmlns:r="http://schemas.openxmlformats.org/officeDocument/2006/relationships" xmlns:p="http://schemas.openxmlformats.org/presentationml/2006/main">
+  <p:cSld>
+    <p:spTree>
+      <p:nvGrpSpPr>
+        <p:cNvPr id="1" name=""/>
+        <p:cNvGrpSpPr/>
+        <p:nvPr/>
+      </p:nvGrpSpPr>
+      <p:grpSpPr>
+        <a:xfrm>
+          <a:off x="0" y="0"/>
+          <a:ext cx="0" cy="0"/>
+          <a:chOff x="0" y="0"/>
+          <a:chExt cx="0" cy="0"/>
+        </a:xfrm>
+      </p:grpSpPr>
+      <p:sp>
+        <p:nvSpPr>
+          <p:cNvPr id="2" name="Title 1">
+            <a:extLst>
+              <a:ext uri="{FF2B5EF4-FFF2-40B4-BE49-F238E27FC236}">
+                <a16:creationId xmlns:a16="http://schemas.microsoft.com/office/drawing/2014/main" id="{51B7416A-2024-F854-FAB0-D47F3EC543B6}"/>
+              </a:ext>
+            </a:extLst>
+          </p:cNvPr>
+          <p:cNvSpPr>
+            <a:spLocks noGrp="1"/>
+          </p:cNvSpPr>
+          <p:nvPr>
+            <p:ph type="title"/>
+          </p:nvPr>
+        </p:nvSpPr>
+        <p:spPr/>
+        <p:txBody>
+          <a:bodyPr/>
+          <a:lstStyle/>
+          <a:p>
+            <a:r>
+              <a:rPr lang="en-GB" dirty="0"/>
+              <a:t>Example</a:t>
+            </a:r>
+          </a:p>
+        </p:txBody>
+      </p:sp>
+      <p:pic>
+        <p:nvPicPr>
+          <p:cNvPr id="5" name="Content Placeholder 4">
+            <a:extLst>
+              <a:ext uri="{FF2B5EF4-FFF2-40B4-BE49-F238E27FC236}">
+                <a16:creationId xmlns:a16="http://schemas.microsoft.com/office/drawing/2014/main" id="{A1DD5539-28F5-3703-34BC-844CDC7773C5}"/>
+              </a:ext>
+            </a:extLst>
+          </p:cNvPr>
+          <p:cNvPicPr>
+            <a:picLocks noGrp="1" noChangeAspect="1"/>
+          </p:cNvPicPr>
+          <p:nvPr>
+            <p:ph idx="1"/>
+          </p:nvPr>
+        </p:nvPicPr>
+        <p:blipFill>
+          <a:blip r:embed="rId2"/>
+          <a:stretch>
+            <a:fillRect/>
+          </a:stretch>
+        </p:blipFill>
+        <p:spPr>
+          <a:xfrm>
+            <a:off x="2416566" y="1354635"/>
+            <a:ext cx="7358867" cy="5138240"/>
+          </a:xfrm>
+        </p:spPr>
+      </p:pic>
+    </p:spTree>
+    <p:extLst>
+      <p:ext uri="{BB962C8B-B14F-4D97-AF65-F5344CB8AC3E}">
+        <p14:creationId xmlns:p14="http://schemas.microsoft.com/office/powerpoint/2010/main" val="1115071776"/>
+      </p:ext>
+    </p:extLst>
+  </p:cSld>
+  <p:clrMapOvr>
+    <a:masterClrMapping/>
+  </p:clrMapOvr>
+</p:sld>
+</file>
+
+<file path=ppt/slides/slide12.xml><?xml version="1.0" encoding="utf-8"?>
+<p:sld xmlns:a="http://schemas.openxmlformats.org/drawingml/2006/main" xmlns:r="http://schemas.openxmlformats.org/officeDocument/2006/relationships" xmlns:p="http://schemas.openxmlformats.org/presentationml/2006/main">
+  <p:cSld>
+    <p:spTree>
+      <p:nvGrpSpPr>
+        <p:cNvPr id="1" name=""/>
+        <p:cNvGrpSpPr/>
+        <p:nvPr/>
+      </p:nvGrpSpPr>
+      <p:grpSpPr>
+        <a:xfrm>
+          <a:off x="0" y="0"/>
+          <a:ext cx="0" cy="0"/>
+          <a:chOff x="0" y="0"/>
+          <a:chExt cx="0" cy="0"/>
+        </a:xfrm>
+      </p:grpSpPr>
+      <p:sp>
+        <p:nvSpPr>
+          <p:cNvPr id="2" name="Title 1">
+            <a:extLst>
+              <a:ext uri="{FF2B5EF4-FFF2-40B4-BE49-F238E27FC236}">
+                <a16:creationId xmlns:a16="http://schemas.microsoft.com/office/drawing/2014/main" id="{3336670E-B791-62C6-04E8-759CA7561B15}"/>
+              </a:ext>
+            </a:extLst>
+          </p:cNvPr>
+          <p:cNvSpPr>
+            <a:spLocks noGrp="1"/>
+          </p:cNvSpPr>
+          <p:nvPr>
+            <p:ph type="title"/>
+          </p:nvPr>
+        </p:nvSpPr>
+        <p:spPr/>
+        <p:txBody>
+          <a:bodyPr/>
+          <a:lstStyle/>
+          <a:p>
+            <a:r>
+              <a:rPr lang="en-GB" dirty="0"/>
+              <a:t>Example</a:t>
+            </a:r>
+          </a:p>
+        </p:txBody>
+      </p:sp>
+      <p:pic>
+        <p:nvPicPr>
+          <p:cNvPr id="5" name="Content Placeholder 4">
+            <a:extLst>
+              <a:ext uri="{FF2B5EF4-FFF2-40B4-BE49-F238E27FC236}">
+                <a16:creationId xmlns:a16="http://schemas.microsoft.com/office/drawing/2014/main" id="{BFF5DB60-6F16-9864-1842-74CB4CB0A1F7}"/>
+              </a:ext>
+            </a:extLst>
+          </p:cNvPr>
+          <p:cNvPicPr>
+            <a:picLocks noGrp="1" noChangeAspect="1"/>
+          </p:cNvPicPr>
+          <p:nvPr>
+            <p:ph idx="1"/>
+          </p:nvPr>
+        </p:nvPicPr>
+        <p:blipFill>
+          <a:blip r:embed="rId2"/>
+          <a:stretch>
+            <a:fillRect/>
+          </a:stretch>
+        </p:blipFill>
+        <p:spPr>
+          <a:xfrm>
+            <a:off x="3271785" y="2141815"/>
+            <a:ext cx="5648430" cy="3520855"/>
+          </a:xfrm>
+        </p:spPr>
+      </p:pic>
+    </p:spTree>
+    <p:extLst>
+      <p:ext uri="{BB962C8B-B14F-4D97-AF65-F5344CB8AC3E}">
+        <p14:creationId xmlns:p14="http://schemas.microsoft.com/office/powerpoint/2010/main" val="3864521284"/>
+      </p:ext>
+    </p:extLst>
+  </p:cSld>
+  <p:clrMapOvr>
+    <a:masterClrMapping/>
+  </p:clrMapOvr>
+</p:sld>
+</file>
+
+<file path=ppt/slides/slide13.xml><?xml version="1.0" encoding="utf-8"?>
+<p:sld xmlns:a="http://schemas.openxmlformats.org/drawingml/2006/main" xmlns:r="http://schemas.openxmlformats.org/officeDocument/2006/relationships" xmlns:p="http://schemas.openxmlformats.org/presentationml/2006/main">
+  <p:cSld>
+    <p:spTree>
+      <p:nvGrpSpPr>
+        <p:cNvPr id="1" name=""/>
+        <p:cNvGrpSpPr/>
+        <p:nvPr/>
+      </p:nvGrpSpPr>
+      <p:grpSpPr>
+        <a:xfrm>
+          <a:off x="0" y="0"/>
+          <a:ext cx="0" cy="0"/>
+          <a:chOff x="0" y="0"/>
+          <a:chExt cx="0" cy="0"/>
+        </a:xfrm>
+      </p:grpSpPr>
+      <p:sp>
+        <p:nvSpPr>
+          <p:cNvPr id="2" name="Title 1">
+            <a:extLst>
+              <a:ext uri="{FF2B5EF4-FFF2-40B4-BE49-F238E27FC236}">
+                <a16:creationId xmlns:a16="http://schemas.microsoft.com/office/drawing/2014/main" id="{08B4E034-5586-EF95-3ECF-B903783AFB74}"/>
+              </a:ext>
+            </a:extLst>
+          </p:cNvPr>
+          <p:cNvSpPr>
+            <a:spLocks noGrp="1"/>
+          </p:cNvSpPr>
+          <p:nvPr>
+            <p:ph type="title"/>
+          </p:nvPr>
+        </p:nvSpPr>
+        <p:spPr/>
+        <p:txBody>
+          <a:bodyPr/>
+          <a:lstStyle/>
+          <a:p>
+            <a:r>
+              <a:rPr lang="en-GB" dirty="0"/>
+              <a:t>Scalar-on-Function Regression</a:t>
+            </a:r>
+          </a:p>
+        </p:txBody>
+      </p:sp>
+      <mc:AlternateContent xmlns:mc="http://schemas.openxmlformats.org/markup-compatibility/2006">
+        <mc:Choice xmlns:a14="http://schemas.microsoft.com/office/drawing/2010/main" Requires="a14">
+          <p:sp>
+            <p:nvSpPr>
+              <p:cNvPr id="3" name="Content Placeholder 2">
+                <a:extLst>
+                  <a:ext uri="{FF2B5EF4-FFF2-40B4-BE49-F238E27FC236}">
+                    <a16:creationId xmlns:a16="http://schemas.microsoft.com/office/drawing/2014/main" id="{A7007833-2893-CE50-C243-3E02E170F71C}"/>
+                  </a:ext>
+                </a:extLst>
+              </p:cNvPr>
+              <p:cNvSpPr>
+                <a:spLocks noGrp="1"/>
+              </p:cNvSpPr>
+              <p:nvPr>
+                <p:ph idx="1"/>
+              </p:nvPr>
+            </p:nvSpPr>
+            <p:spPr/>
+            <p:txBody>
+              <a:bodyPr/>
+              <a:lstStyle/>
+              <a:p>
+                <a:pPr marL="0" indent="0">
+                  <a:buNone/>
+                </a:pPr>
+                <a:r>
+                  <a:rPr lang="en-GB" dirty="0"/>
+                  <a:t>Linear regression with a single predictor</a:t>
+                </a:r>
+              </a:p>
+              <a:p>
+                <a:pPr marL="0" indent="0">
+                  <a:buNone/>
+                </a:pPr>
+                <a14:m>
+                  <m:oMathPara xmlns:m="http://schemas.openxmlformats.org/officeDocument/2006/math">
+                    <m:oMathParaPr>
+                      <m:jc m:val="centerGroup"/>
+                    </m:oMathParaPr>
+                    <m:oMath xmlns:m="http://schemas.openxmlformats.org/officeDocument/2006/math">
+                      <m:sSub>
+                        <m:sSubPr>
+                          <m:ctrlPr>
+                            <a:rPr lang="en-IE" b="0" i="1" smtClean="0">
+                              <a:latin typeface="Cambria Math" panose="02040503050406030204" pitchFamily="18" charset="0"/>
+                            </a:rPr>
+                          </m:ctrlPr>
+                        </m:sSubPr>
+                        <m:e>
+                          <m:r>
+                            <a:rPr lang="en-IE" b="0" i="1" smtClean="0">
+                              <a:latin typeface="Cambria Math" panose="02040503050406030204" pitchFamily="18" charset="0"/>
+                            </a:rPr>
+                            <m:t>𝑦</m:t>
+                          </m:r>
+                        </m:e>
+                        <m:sub>
+                          <m:r>
+                            <a:rPr lang="en-IE" b="0" i="1" smtClean="0">
+                              <a:latin typeface="Cambria Math" panose="02040503050406030204" pitchFamily="18" charset="0"/>
+                            </a:rPr>
+                            <m:t>𝑖</m:t>
+                          </m:r>
+                        </m:sub>
+                      </m:sSub>
+                      <m:r>
+                        <a:rPr lang="en-IE" b="0" i="1" smtClean="0">
+                          <a:latin typeface="Cambria Math" panose="02040503050406030204" pitchFamily="18" charset="0"/>
+                        </a:rPr>
+                        <m:t>=</m:t>
+                      </m:r>
+                      <m:sSub>
+                        <m:sSubPr>
+                          <m:ctrlPr>
+                            <a:rPr lang="en-IE" b="0" i="1" smtClean="0">
+                              <a:latin typeface="Cambria Math" panose="02040503050406030204" pitchFamily="18" charset="0"/>
+                            </a:rPr>
+                          </m:ctrlPr>
+                        </m:sSubPr>
+                        <m:e>
+                          <m:r>
+                            <a:rPr lang="en-IE" b="0" i="1" smtClean="0">
+                              <a:latin typeface="Cambria Math" panose="02040503050406030204" pitchFamily="18" charset="0"/>
+                            </a:rPr>
+                            <m:t>𝛽</m:t>
+                          </m:r>
+                        </m:e>
+                        <m:sub>
+                          <m:r>
+                            <a:rPr lang="en-IE" b="0" i="1" smtClean="0">
+                              <a:latin typeface="Cambria Math" panose="02040503050406030204" pitchFamily="18" charset="0"/>
+                            </a:rPr>
+                            <m:t>0</m:t>
+                          </m:r>
+                        </m:sub>
+                      </m:sSub>
+                      <m:r>
+                        <a:rPr lang="en-IE" b="0" i="1" smtClean="0">
+                          <a:latin typeface="Cambria Math" panose="02040503050406030204" pitchFamily="18" charset="0"/>
+                        </a:rPr>
+                        <m:t>+</m:t>
+                      </m:r>
+                      <m:sSub>
+                        <m:sSubPr>
+                          <m:ctrlPr>
+                            <a:rPr lang="en-IE" b="0" i="1" smtClean="0">
+                              <a:latin typeface="Cambria Math" panose="02040503050406030204" pitchFamily="18" charset="0"/>
+                            </a:rPr>
+                          </m:ctrlPr>
+                        </m:sSubPr>
+                        <m:e>
+                          <m:r>
+                            <a:rPr lang="en-IE" b="0" i="1" smtClean="0">
+                              <a:latin typeface="Cambria Math" panose="02040503050406030204" pitchFamily="18" charset="0"/>
+                            </a:rPr>
+                            <m:t>𝑥</m:t>
+                          </m:r>
+                        </m:e>
+                        <m:sub>
+                          <m:r>
+                            <a:rPr lang="en-IE" b="0" i="1" smtClean="0">
+                              <a:latin typeface="Cambria Math" panose="02040503050406030204" pitchFamily="18" charset="0"/>
+                            </a:rPr>
+                            <m:t>𝑖</m:t>
+                          </m:r>
+                        </m:sub>
+                      </m:sSub>
+                      <m:sSub>
+                        <m:sSubPr>
+                          <m:ctrlPr>
+                            <a:rPr lang="en-IE" b="0" i="1" smtClean="0">
+                              <a:latin typeface="Cambria Math" panose="02040503050406030204" pitchFamily="18" charset="0"/>
+                            </a:rPr>
+                          </m:ctrlPr>
+                        </m:sSubPr>
+                        <m:e>
+                          <m:r>
+                            <a:rPr lang="en-IE" b="0" i="1" smtClean="0">
+                              <a:latin typeface="Cambria Math" panose="02040503050406030204" pitchFamily="18" charset="0"/>
+                            </a:rPr>
+                            <m:t>𝛽</m:t>
+                          </m:r>
+                        </m:e>
+                        <m:sub>
+                          <m:r>
+                            <a:rPr lang="en-IE" b="0" i="1" smtClean="0">
+                              <a:latin typeface="Cambria Math" panose="02040503050406030204" pitchFamily="18" charset="0"/>
+                            </a:rPr>
+                            <m:t>1</m:t>
+                          </m:r>
+                        </m:sub>
+                      </m:sSub>
+                      <m:r>
+                        <a:rPr lang="en-IE" b="0" i="1" smtClean="0">
+                          <a:latin typeface="Cambria Math" panose="02040503050406030204" pitchFamily="18" charset="0"/>
+                        </a:rPr>
+                        <m:t>+</m:t>
+                      </m:r>
+                      <m:sSub>
+                        <m:sSubPr>
+                          <m:ctrlPr>
+                            <a:rPr lang="en-IE" b="0" i="1" smtClean="0">
+                              <a:latin typeface="Cambria Math" panose="02040503050406030204" pitchFamily="18" charset="0"/>
+                            </a:rPr>
+                          </m:ctrlPr>
+                        </m:sSubPr>
+                        <m:e>
+                          <m:r>
+                            <a:rPr lang="en-IE" b="0" i="1" smtClean="0">
+                              <a:latin typeface="Cambria Math" panose="02040503050406030204" pitchFamily="18" charset="0"/>
+                            </a:rPr>
+                            <m:t>𝜖</m:t>
+                          </m:r>
+                        </m:e>
+                        <m:sub>
+                          <m:r>
+                            <a:rPr lang="en-IE" b="0" i="1" smtClean="0">
+                              <a:latin typeface="Cambria Math" panose="02040503050406030204" pitchFamily="18" charset="0"/>
+                            </a:rPr>
+                            <m:t>𝑖</m:t>
+                          </m:r>
+                        </m:sub>
+                      </m:sSub>
+                      <m:r>
+                        <a:rPr lang="en-IE" b="0" i="1" smtClean="0">
+                          <a:latin typeface="Cambria Math" panose="02040503050406030204" pitchFamily="18" charset="0"/>
+                        </a:rPr>
+                        <m:t>,</m:t>
+                      </m:r>
+                    </m:oMath>
+                  </m:oMathPara>
+                </a14:m>
+                <a:endParaRPr lang="en-GB" dirty="0"/>
+              </a:p>
+              <a:p>
+                <a:pPr marL="0" indent="0">
+                  <a:buNone/>
+                </a:pPr>
+                <a:r>
+                  <a:rPr lang="en-GB" dirty="0"/>
+                  <a:t>but what if </a:t>
+                </a:r>
+                <a14:m>
+                  <m:oMath xmlns:m="http://schemas.openxmlformats.org/officeDocument/2006/math">
+                    <m:sSub>
+                      <m:sSubPr>
+                        <m:ctrlPr>
+                          <a:rPr lang="en-IE" b="0" i="1" smtClean="0">
+                            <a:latin typeface="Cambria Math" panose="02040503050406030204" pitchFamily="18" charset="0"/>
+                          </a:rPr>
+                        </m:ctrlPr>
+                      </m:sSubPr>
+                      <m:e>
+                        <m:r>
+                          <a:rPr lang="en-IE" b="0" i="1" smtClean="0">
+                            <a:latin typeface="Cambria Math" panose="02040503050406030204" pitchFamily="18" charset="0"/>
+                          </a:rPr>
+                          <m:t>𝑥</m:t>
+                        </m:r>
+                      </m:e>
+                      <m:sub>
+                        <m:r>
+                          <a:rPr lang="en-IE" b="0" i="1" smtClean="0">
+                            <a:latin typeface="Cambria Math" panose="02040503050406030204" pitchFamily="18" charset="0"/>
+                          </a:rPr>
+                          <m:t>𝑖</m:t>
+                        </m:r>
+                      </m:sub>
+                    </m:sSub>
+                  </m:oMath>
+                </a14:m>
+                <a:r>
+                  <a:rPr lang="en-GB" dirty="0"/>
+                  <a:t> is a curve </a:t>
+                </a:r>
+                <a14:m>
+                  <m:oMath xmlns:m="http://schemas.openxmlformats.org/officeDocument/2006/math">
+                    <m:sSub>
+                      <m:sSubPr>
+                        <m:ctrlPr>
+                          <a:rPr lang="en-IE" i="1">
+                            <a:latin typeface="Cambria Math" panose="02040503050406030204" pitchFamily="18" charset="0"/>
+                          </a:rPr>
+                        </m:ctrlPr>
+                      </m:sSubPr>
+                      <m:e>
+                        <m:r>
+                          <a:rPr lang="en-IE" i="1">
+                            <a:latin typeface="Cambria Math" panose="02040503050406030204" pitchFamily="18" charset="0"/>
+                          </a:rPr>
+                          <m:t>𝑥</m:t>
+                        </m:r>
+                      </m:e>
+                      <m:sub>
+                        <m:r>
+                          <a:rPr lang="en-IE" i="1">
+                            <a:latin typeface="Cambria Math" panose="02040503050406030204" pitchFamily="18" charset="0"/>
+                          </a:rPr>
+                          <m:t>𝑖</m:t>
+                        </m:r>
+                      </m:sub>
+                    </m:sSub>
+                    <m:r>
+                      <a:rPr lang="en-IE" b="0" i="1" smtClean="0">
+                        <a:latin typeface="Cambria Math" panose="02040503050406030204" pitchFamily="18" charset="0"/>
+                      </a:rPr>
+                      <m:t>(</m:t>
+                    </m:r>
+                    <m:r>
+                      <a:rPr lang="en-IE" b="0" i="1" smtClean="0">
+                        <a:latin typeface="Cambria Math" panose="02040503050406030204" pitchFamily="18" charset="0"/>
+                      </a:rPr>
+                      <m:t>𝑡</m:t>
+                    </m:r>
+                    <m:r>
+                      <a:rPr lang="en-IE" b="0" i="1" smtClean="0">
+                        <a:latin typeface="Cambria Math" panose="02040503050406030204" pitchFamily="18" charset="0"/>
+                      </a:rPr>
+                      <m:t>)</m:t>
+                    </m:r>
+                  </m:oMath>
+                </a14:m>
+                <a:r>
+                  <a:rPr lang="en-GB" dirty="0"/>
+                  <a:t>?</a:t>
+                </a:r>
+              </a:p>
+              <a:p>
+                <a:pPr marL="0" indent="0">
+                  <a:buNone/>
+                </a:pPr>
+                <a:r>
+                  <a:rPr lang="en-GB" dirty="0"/>
+                  <a:t>Scalar-on-function model</a:t>
+                </a:r>
+              </a:p>
+              <a:p>
+                <a:pPr marL="0" indent="0">
+                  <a:buNone/>
+                </a:pPr>
+                <a14:m>
+                  <m:oMathPara xmlns:m="http://schemas.openxmlformats.org/officeDocument/2006/math">
+                    <m:oMathParaPr>
+                      <m:jc m:val="centerGroup"/>
+                    </m:oMathParaPr>
+                    <m:oMath xmlns:m="http://schemas.openxmlformats.org/officeDocument/2006/math">
+                      <m:sSub>
+                        <m:sSubPr>
+                          <m:ctrlPr>
+                            <a:rPr lang="en-IE" b="0" i="1" smtClean="0">
+                              <a:latin typeface="Cambria Math" panose="02040503050406030204" pitchFamily="18" charset="0"/>
+                            </a:rPr>
+                          </m:ctrlPr>
+                        </m:sSubPr>
+                        <m:e>
+                          <m:r>
+                            <a:rPr lang="en-IE" b="0" i="1" smtClean="0">
+                              <a:latin typeface="Cambria Math" panose="02040503050406030204" pitchFamily="18" charset="0"/>
+                            </a:rPr>
+                            <m:t>𝑦</m:t>
+                          </m:r>
+                        </m:e>
+                        <m:sub>
+                          <m:r>
+                            <a:rPr lang="en-IE" b="0" i="1" smtClean="0">
+                              <a:latin typeface="Cambria Math" panose="02040503050406030204" pitchFamily="18" charset="0"/>
+                            </a:rPr>
+                            <m:t>𝑖</m:t>
+                          </m:r>
+                        </m:sub>
+                      </m:sSub>
+                      <m:r>
+                        <a:rPr lang="en-IE" b="0" i="1" smtClean="0">
+                          <a:latin typeface="Cambria Math" panose="02040503050406030204" pitchFamily="18" charset="0"/>
+                        </a:rPr>
+                        <m:t>=</m:t>
+                      </m:r>
+                      <m:sSub>
+                        <m:sSubPr>
+                          <m:ctrlPr>
+                            <a:rPr lang="en-IE" b="0" i="1" smtClean="0">
+                              <a:latin typeface="Cambria Math" panose="02040503050406030204" pitchFamily="18" charset="0"/>
+                            </a:rPr>
+                          </m:ctrlPr>
+                        </m:sSubPr>
+                        <m:e>
+                          <m:r>
+                            <a:rPr lang="en-IE" b="0" i="1" smtClean="0">
+                              <a:latin typeface="Cambria Math" panose="02040503050406030204" pitchFamily="18" charset="0"/>
+                            </a:rPr>
+                            <m:t>𝛽</m:t>
+                          </m:r>
+                        </m:e>
+                        <m:sub>
+                          <m:r>
+                            <a:rPr lang="en-IE" b="0" i="1" smtClean="0">
+                              <a:latin typeface="Cambria Math" panose="02040503050406030204" pitchFamily="18" charset="0"/>
+                            </a:rPr>
+                            <m:t>0</m:t>
+                          </m:r>
+                        </m:sub>
+                      </m:sSub>
+                      <m:r>
+                        <a:rPr lang="en-IE" b="0" i="1" smtClean="0">
+                          <a:latin typeface="Cambria Math" panose="02040503050406030204" pitchFamily="18" charset="0"/>
+                        </a:rPr>
+                        <m:t>+</m:t>
+                      </m:r>
+                      <m:r>
+                        <a:rPr lang="en-IE" b="0" i="1" smtClean="0">
+                          <a:latin typeface="Cambria Math" panose="02040503050406030204" pitchFamily="18" charset="0"/>
+                        </a:rPr>
+                        <m:t>∫</m:t>
+                      </m:r>
+                      <m:sSub>
+                        <m:sSubPr>
+                          <m:ctrlPr>
+                            <a:rPr lang="en-IE" b="0" i="1" smtClean="0">
+                              <a:latin typeface="Cambria Math" panose="02040503050406030204" pitchFamily="18" charset="0"/>
+                            </a:rPr>
+                          </m:ctrlPr>
+                        </m:sSubPr>
+                        <m:e>
+                          <m:r>
+                            <a:rPr lang="en-IE" b="0" i="1" smtClean="0">
+                              <a:latin typeface="Cambria Math" panose="02040503050406030204" pitchFamily="18" charset="0"/>
+                            </a:rPr>
+                            <m:t>𝑥</m:t>
+                          </m:r>
+                        </m:e>
+                        <m:sub>
+                          <m:r>
+                            <a:rPr lang="en-IE" b="0" i="1" smtClean="0">
+                              <a:latin typeface="Cambria Math" panose="02040503050406030204" pitchFamily="18" charset="0"/>
+                            </a:rPr>
+                            <m:t>𝑖</m:t>
+                          </m:r>
+                        </m:sub>
+                      </m:sSub>
+                      <m:d>
+                        <m:dPr>
+                          <m:ctrlPr>
+                            <a:rPr lang="en-IE" b="0" i="1" smtClean="0">
+                              <a:latin typeface="Cambria Math" panose="02040503050406030204" pitchFamily="18" charset="0"/>
+                            </a:rPr>
+                          </m:ctrlPr>
+                        </m:dPr>
+                        <m:e>
+                          <m:r>
+                            <a:rPr lang="en-IE" b="0" i="1" smtClean="0">
+                              <a:latin typeface="Cambria Math" panose="02040503050406030204" pitchFamily="18" charset="0"/>
+                            </a:rPr>
+                            <m:t>𝑡</m:t>
+                          </m:r>
+                        </m:e>
+                      </m:d>
+                      <m:sSub>
+                        <m:sSubPr>
+                          <m:ctrlPr>
+                            <a:rPr lang="en-IE" b="0" i="1" smtClean="0">
+                              <a:latin typeface="Cambria Math" panose="02040503050406030204" pitchFamily="18" charset="0"/>
+                            </a:rPr>
+                          </m:ctrlPr>
+                        </m:sSubPr>
+                        <m:e>
+                          <m:r>
+                            <a:rPr lang="en-IE" b="0" i="1" smtClean="0">
+                              <a:latin typeface="Cambria Math" panose="02040503050406030204" pitchFamily="18" charset="0"/>
+                            </a:rPr>
+                            <m:t>𝛽</m:t>
+                          </m:r>
+                        </m:e>
+                        <m:sub>
+                          <m:r>
+                            <a:rPr lang="en-IE" b="0" i="1" smtClean="0">
+                              <a:latin typeface="Cambria Math" panose="02040503050406030204" pitchFamily="18" charset="0"/>
+                            </a:rPr>
+                            <m:t>1</m:t>
+                          </m:r>
+                        </m:sub>
+                      </m:sSub>
+                      <m:d>
+                        <m:dPr>
+                          <m:ctrlPr>
+                            <a:rPr lang="en-IE" b="0" i="1" smtClean="0">
+                              <a:latin typeface="Cambria Math" panose="02040503050406030204" pitchFamily="18" charset="0"/>
+                            </a:rPr>
+                          </m:ctrlPr>
+                        </m:dPr>
+                        <m:e>
+                          <m:r>
+                            <a:rPr lang="en-IE" b="0" i="1" smtClean="0">
+                              <a:latin typeface="Cambria Math" panose="02040503050406030204" pitchFamily="18" charset="0"/>
+                            </a:rPr>
+                            <m:t>𝑡</m:t>
+                          </m:r>
+                        </m:e>
+                      </m:d>
+                      <m:r>
+                        <m:rPr>
+                          <m:sty m:val="p"/>
+                        </m:rPr>
+                        <a:rPr lang="en-IE" b="0" i="0" smtClean="0">
+                          <a:latin typeface="Cambria Math" panose="02040503050406030204" pitchFamily="18" charset="0"/>
+                        </a:rPr>
+                        <m:t>d</m:t>
+                      </m:r>
+                      <m:r>
+                        <a:rPr lang="en-IE" b="0" i="1" smtClean="0">
+                          <a:latin typeface="Cambria Math" panose="02040503050406030204" pitchFamily="18" charset="0"/>
+                        </a:rPr>
+                        <m:t>𝑡</m:t>
+                      </m:r>
+                      <m:r>
+                        <a:rPr lang="en-IE" b="0" i="1" smtClean="0">
+                          <a:latin typeface="Cambria Math" panose="02040503050406030204" pitchFamily="18" charset="0"/>
+                        </a:rPr>
+                        <m:t>+</m:t>
+                      </m:r>
+                      <m:sSub>
+                        <m:sSubPr>
+                          <m:ctrlPr>
+                            <a:rPr lang="en-IE" b="0" i="1" smtClean="0">
+                              <a:latin typeface="Cambria Math" panose="02040503050406030204" pitchFamily="18" charset="0"/>
+                            </a:rPr>
+                          </m:ctrlPr>
+                        </m:sSubPr>
+                        <m:e>
+                          <m:r>
+                            <a:rPr lang="en-IE" b="0" i="1" smtClean="0">
+                              <a:latin typeface="Cambria Math" panose="02040503050406030204" pitchFamily="18" charset="0"/>
+                            </a:rPr>
+                            <m:t>𝜖</m:t>
+                          </m:r>
+                        </m:e>
+                        <m:sub>
+                          <m:r>
+                            <a:rPr lang="en-IE" b="0" i="1" smtClean="0">
+                              <a:latin typeface="Cambria Math" panose="02040503050406030204" pitchFamily="18" charset="0"/>
+                            </a:rPr>
+                            <m:t>𝑖</m:t>
+                          </m:r>
+                        </m:sub>
+                      </m:sSub>
+                      <m:r>
+                        <a:rPr lang="en-IE" b="0" i="1" smtClean="0">
+                          <a:latin typeface="Cambria Math" panose="02040503050406030204" pitchFamily="18" charset="0"/>
+                        </a:rPr>
+                        <m:t>,</m:t>
+                      </m:r>
+                    </m:oMath>
+                  </m:oMathPara>
+                </a14:m>
+                <a:endParaRPr lang="en-GB" dirty="0"/>
+              </a:p>
+              <a:p>
+                <a:pPr marL="0" indent="0">
+                  <a:buNone/>
+                </a:pPr>
+                <a14:m>
+                  <m:oMath xmlns:m="http://schemas.openxmlformats.org/officeDocument/2006/math">
+                    <m:r>
+                      <a:rPr lang="en-IE" b="0" i="1" smtClean="0">
+                        <a:latin typeface="Cambria Math" panose="02040503050406030204" pitchFamily="18" charset="0"/>
+                      </a:rPr>
+                      <m:t>→</m:t>
+                    </m:r>
+                  </m:oMath>
+                </a14:m>
+                <a:r>
+                  <a:rPr lang="en-GB" dirty="0"/>
+                  <a:t> </a:t>
+                </a:r>
+                <a14:m>
+                  <m:oMath xmlns:m="http://schemas.openxmlformats.org/officeDocument/2006/math">
+                    <m:sSub>
+                      <m:sSubPr>
+                        <m:ctrlPr>
+                          <a:rPr lang="en-IE" i="1">
+                            <a:latin typeface="Cambria Math" panose="02040503050406030204" pitchFamily="18" charset="0"/>
+                          </a:rPr>
+                        </m:ctrlPr>
+                      </m:sSubPr>
+                      <m:e>
+                        <m:r>
+                          <a:rPr lang="en-IE" i="1">
+                            <a:latin typeface="Cambria Math" panose="02040503050406030204" pitchFamily="18" charset="0"/>
+                          </a:rPr>
+                          <m:t>𝛽</m:t>
+                        </m:r>
+                      </m:e>
+                      <m:sub>
+                        <m:r>
+                          <a:rPr lang="en-IE" i="1">
+                            <a:latin typeface="Cambria Math" panose="02040503050406030204" pitchFamily="18" charset="0"/>
+                          </a:rPr>
+                          <m:t>1</m:t>
+                        </m:r>
+                      </m:sub>
+                    </m:sSub>
+                    <m:d>
+                      <m:dPr>
+                        <m:ctrlPr>
+                          <a:rPr lang="en-IE" i="1">
+                            <a:latin typeface="Cambria Math" panose="02040503050406030204" pitchFamily="18" charset="0"/>
+                          </a:rPr>
+                        </m:ctrlPr>
+                      </m:dPr>
+                      <m:e>
+                        <m:r>
+                          <a:rPr lang="en-IE" i="1">
+                            <a:latin typeface="Cambria Math" panose="02040503050406030204" pitchFamily="18" charset="0"/>
+                          </a:rPr>
+                          <m:t>𝑡</m:t>
+                        </m:r>
+                      </m:e>
+                    </m:d>
+                  </m:oMath>
+                </a14:m>
+                <a:r>
+                  <a:rPr lang="en-GB" dirty="0"/>
+                  <a:t> is now a smooth weight function that weights the most important parts of the curve </a:t>
+                </a:r>
+                <a14:m>
+                  <m:oMath xmlns:m="http://schemas.openxmlformats.org/officeDocument/2006/math">
+                    <m:sSub>
+                      <m:sSubPr>
+                        <m:ctrlPr>
+                          <a:rPr lang="en-IE" i="1">
+                            <a:latin typeface="Cambria Math" panose="02040503050406030204" pitchFamily="18" charset="0"/>
+                          </a:rPr>
+                        </m:ctrlPr>
+                      </m:sSubPr>
+                      <m:e>
+                        <m:r>
+                          <a:rPr lang="en-IE" i="1">
+                            <a:latin typeface="Cambria Math" panose="02040503050406030204" pitchFamily="18" charset="0"/>
+                          </a:rPr>
+                          <m:t>𝑥</m:t>
+                        </m:r>
+                      </m:e>
+                      <m:sub>
+                        <m:r>
+                          <a:rPr lang="en-IE" i="1">
+                            <a:latin typeface="Cambria Math" panose="02040503050406030204" pitchFamily="18" charset="0"/>
+                          </a:rPr>
+                          <m:t>𝑖</m:t>
+                        </m:r>
+                      </m:sub>
+                    </m:sSub>
+                    <m:d>
+                      <m:dPr>
+                        <m:ctrlPr>
+                          <a:rPr lang="en-IE" i="1">
+                            <a:latin typeface="Cambria Math" panose="02040503050406030204" pitchFamily="18" charset="0"/>
+                          </a:rPr>
+                        </m:ctrlPr>
+                      </m:dPr>
+                      <m:e>
+                        <m:r>
+                          <a:rPr lang="en-IE" i="1">
+                            <a:latin typeface="Cambria Math" panose="02040503050406030204" pitchFamily="18" charset="0"/>
+                          </a:rPr>
+                          <m:t>𝑡</m:t>
+                        </m:r>
+                      </m:e>
+                    </m:d>
+                  </m:oMath>
+                </a14:m>
+                <a:r>
+                  <a:rPr lang="en-GB" dirty="0"/>
+                  <a:t> for predicting </a:t>
+                </a:r>
+                <a14:m>
+                  <m:oMath xmlns:m="http://schemas.openxmlformats.org/officeDocument/2006/math">
+                    <m:sSub>
+                      <m:sSubPr>
+                        <m:ctrlPr>
+                          <a:rPr lang="en-IE" i="1">
+                            <a:latin typeface="Cambria Math" panose="02040503050406030204" pitchFamily="18" charset="0"/>
+                          </a:rPr>
+                        </m:ctrlPr>
+                      </m:sSubPr>
+                      <m:e>
+                        <m:r>
+                          <a:rPr lang="en-IE" i="1">
+                            <a:latin typeface="Cambria Math" panose="02040503050406030204" pitchFamily="18" charset="0"/>
+                          </a:rPr>
+                          <m:t>𝑦</m:t>
+                        </m:r>
+                      </m:e>
+                      <m:sub>
+                        <m:r>
+                          <a:rPr lang="en-IE" i="1">
+                            <a:latin typeface="Cambria Math" panose="02040503050406030204" pitchFamily="18" charset="0"/>
+                          </a:rPr>
+                          <m:t>𝑖</m:t>
+                        </m:r>
+                      </m:sub>
+                    </m:sSub>
+                    <m:r>
+                      <a:rPr lang="en-IE" b="0" i="0" smtClean="0">
+                        <a:latin typeface="Cambria Math" panose="02040503050406030204" pitchFamily="18" charset="0"/>
+                      </a:rPr>
+                      <m:t>.</m:t>
+                    </m:r>
+                  </m:oMath>
+                </a14:m>
+                <a:endParaRPr lang="en-GB" dirty="0"/>
+              </a:p>
+              <a:p>
+                <a:pPr marL="0" indent="0">
+                  <a:buNone/>
+                </a:pPr>
+                <a:endParaRPr lang="en-GB" dirty="0"/>
+              </a:p>
+              <a:p>
+                <a:pPr marL="0" indent="0">
+                  <a:buNone/>
+                </a:pPr>
+                <a:endParaRPr lang="en-GB" dirty="0"/>
+              </a:p>
+            </p:txBody>
+          </p:sp>
+        </mc:Choice>
+        <mc:Fallback>
+          <p:sp>
+            <p:nvSpPr>
+              <p:cNvPr id="3" name="Content Placeholder 2">
+                <a:extLst>
+                  <a:ext uri="{FF2B5EF4-FFF2-40B4-BE49-F238E27FC236}">
+                    <a16:creationId xmlns:a16="http://schemas.microsoft.com/office/drawing/2014/main" id="{A7007833-2893-CE50-C243-3E02E170F71C}"/>
+                  </a:ext>
+                </a:extLst>
+              </p:cNvPr>
+              <p:cNvSpPr>
+                <a:spLocks noGrp="1" noRot="1" noChangeAspect="1" noMove="1" noResize="1" noEditPoints="1" noAdjustHandles="1" noChangeArrowheads="1" noChangeShapeType="1" noTextEdit="1"/>
+              </p:cNvSpPr>
+              <p:nvPr>
+                <p:ph idx="1"/>
+              </p:nvPr>
+            </p:nvSpPr>
+            <p:spPr>
+              <a:blipFill>
+                <a:blip r:embed="rId2"/>
+                <a:stretch>
+                  <a:fillRect l="-1206" t="-2326"/>
+                </a:stretch>
+              </a:blipFill>
+            </p:spPr>
+            <p:txBody>
+              <a:bodyPr/>
+              <a:lstStyle/>
+              <a:p>
+                <a:r>
+                  <a:rPr lang="en-GB">
+                    <a:noFill/>
+                  </a:rPr>
+                  <a:t> </a:t>
+                </a:r>
+              </a:p>
+            </p:txBody>
+          </p:sp>
+        </mc:Fallback>
+      </mc:AlternateContent>
+    </p:spTree>
+    <p:extLst>
+      <p:ext uri="{BB962C8B-B14F-4D97-AF65-F5344CB8AC3E}">
+        <p14:creationId xmlns:p14="http://schemas.microsoft.com/office/powerpoint/2010/main" val="3230973869"/>
+      </p:ext>
+    </p:extLst>
+  </p:cSld>
+  <p:clrMapOvr>
+    <a:masterClrMapping/>
+  </p:clrMapOvr>
+</p:sld>
+</file>
+
+<file path=ppt/slides/slide14.xml><?xml version="1.0" encoding="utf-8"?>
+<p:sld xmlns:a="http://schemas.openxmlformats.org/drawingml/2006/main" xmlns:r="http://schemas.openxmlformats.org/officeDocument/2006/relationships" xmlns:p="http://schemas.openxmlformats.org/presentationml/2006/main">
+  <p:cSld>
+    <p:spTree>
+      <p:nvGrpSpPr>
+        <p:cNvPr id="1" name=""/>
+        <p:cNvGrpSpPr/>
+        <p:nvPr/>
+      </p:nvGrpSpPr>
+      <p:grpSpPr>
+        <a:xfrm>
+          <a:off x="0" y="0"/>
+          <a:ext cx="0" cy="0"/>
+          <a:chOff x="0" y="0"/>
+          <a:chExt cx="0" cy="0"/>
+        </a:xfrm>
+      </p:grpSpPr>
+      <p:sp>
+        <p:nvSpPr>
+          <p:cNvPr id="2" name="Title 1">
+            <a:extLst>
+              <a:ext uri="{FF2B5EF4-FFF2-40B4-BE49-F238E27FC236}">
+                <a16:creationId xmlns:a16="http://schemas.microsoft.com/office/drawing/2014/main" id="{080E4EBA-9C37-0188-5E43-4513C92F3FD0}"/>
+              </a:ext>
+            </a:extLst>
+          </p:cNvPr>
+          <p:cNvSpPr>
+            <a:spLocks noGrp="1"/>
+          </p:cNvSpPr>
+          <p:nvPr>
+            <p:ph type="title"/>
+          </p:nvPr>
+        </p:nvSpPr>
+        <p:spPr/>
+        <p:txBody>
+          <a:bodyPr/>
+          <a:lstStyle/>
+          <a:p>
+            <a:r>
+              <a:rPr lang="en-GB" dirty="0"/>
+              <a:t>Fitting</a:t>
+            </a:r>
+          </a:p>
+        </p:txBody>
+      </p:sp>
+      <mc:AlternateContent xmlns:mc="http://schemas.openxmlformats.org/markup-compatibility/2006">
+        <mc:Choice xmlns:a14="http://schemas.microsoft.com/office/drawing/2010/main" Requires="a14">
+          <p:sp>
+            <p:nvSpPr>
+              <p:cNvPr id="3" name="Content Placeholder 2">
+                <a:extLst>
+                  <a:ext uri="{FF2B5EF4-FFF2-40B4-BE49-F238E27FC236}">
+                    <a16:creationId xmlns:a16="http://schemas.microsoft.com/office/drawing/2014/main" id="{AC14806A-B786-374A-74C0-B68A0C9F377B}"/>
+                  </a:ext>
+                </a:extLst>
+              </p:cNvPr>
+              <p:cNvSpPr>
+                <a:spLocks noGrp="1"/>
+              </p:cNvSpPr>
+              <p:nvPr>
+                <p:ph idx="1"/>
+              </p:nvPr>
+            </p:nvSpPr>
+            <p:spPr/>
+            <p:txBody>
+              <a:bodyPr>
+                <a:normAutofit fontScale="77500" lnSpcReduction="20000"/>
+              </a:bodyPr>
+              <a:lstStyle/>
+              <a:p>
+                <a:pPr marL="0" indent="0">
+                  <a:buNone/>
+                </a:pPr>
+                <a:r>
+                  <a:rPr lang="en-GB" dirty="0"/>
+                  <a:t>Most rudimentary approach )”F = perform FPCA on </a:t>
+                </a:r>
+                <a14:m>
+                  <m:oMath xmlns:m="http://schemas.openxmlformats.org/officeDocument/2006/math">
+                    <m:r>
+                      <a:rPr lang="en-IE" b="0" i="1" smtClean="0">
+                        <a:latin typeface="Cambria Math" panose="02040503050406030204" pitchFamily="18" charset="0"/>
+                      </a:rPr>
+                      <m:t>𝑥</m:t>
+                    </m:r>
+                    <m:r>
+                      <a:rPr lang="en-IE" b="0" i="1" smtClean="0">
+                        <a:latin typeface="Cambria Math" panose="02040503050406030204" pitchFamily="18" charset="0"/>
+                      </a:rPr>
+                      <m:t>(</m:t>
+                    </m:r>
+                    <m:r>
+                      <a:rPr lang="en-IE" b="0" i="1" smtClean="0">
+                        <a:latin typeface="Cambria Math" panose="02040503050406030204" pitchFamily="18" charset="0"/>
+                      </a:rPr>
+                      <m:t>𝑡</m:t>
+                    </m:r>
+                    <m:r>
+                      <a:rPr lang="en-IE" b="0" i="1" smtClean="0">
+                        <a:latin typeface="Cambria Math" panose="02040503050406030204" pitchFamily="18" charset="0"/>
+                      </a:rPr>
+                      <m:t>)</m:t>
+                    </m:r>
+                  </m:oMath>
+                </a14:m>
+                <a:r>
+                  <a:rPr lang="en-GB" dirty="0"/>
+                  <a:t> and use scores to predict </a:t>
+                </a:r>
+                <a14:m>
+                  <m:oMath xmlns:m="http://schemas.openxmlformats.org/officeDocument/2006/math">
+                    <m:r>
+                      <a:rPr lang="en-IE" b="0" i="1" smtClean="0">
+                        <a:latin typeface="Cambria Math" panose="02040503050406030204" pitchFamily="18" charset="0"/>
+                      </a:rPr>
+                      <m:t>𝑦</m:t>
+                    </m:r>
+                  </m:oMath>
+                </a14:m>
+                <a:r>
+                  <a:rPr lang="en-IE" b="0" dirty="0"/>
+                  <a:t> (“FPCR”):</a:t>
+                </a:r>
+              </a:p>
+              <a:p>
+                <a:pPr marL="0" indent="0">
+                  <a:buNone/>
+                </a:pPr>
+                <a14:m>
+                  <m:oMathPara xmlns:m="http://schemas.openxmlformats.org/officeDocument/2006/math">
+                    <m:oMathParaPr>
+                      <m:jc m:val="centerGroup"/>
+                    </m:oMathParaPr>
+                    <m:oMath xmlns:m="http://schemas.openxmlformats.org/officeDocument/2006/math">
+                      <m:sSub>
+                        <m:sSubPr>
+                          <m:ctrlPr>
+                            <a:rPr lang="en-IE" b="0" i="1" smtClean="0">
+                              <a:latin typeface="Cambria Math" panose="02040503050406030204" pitchFamily="18" charset="0"/>
+                            </a:rPr>
+                          </m:ctrlPr>
+                        </m:sSubPr>
+                        <m:e>
+                          <m:r>
+                            <a:rPr lang="en-IE" b="0" i="1" smtClean="0">
+                              <a:latin typeface="Cambria Math" panose="02040503050406030204" pitchFamily="18" charset="0"/>
+                            </a:rPr>
+                            <m:t>𝑦</m:t>
+                          </m:r>
+                        </m:e>
+                        <m:sub>
+                          <m:r>
+                            <a:rPr lang="en-IE" b="0" i="1" smtClean="0">
+                              <a:latin typeface="Cambria Math" panose="02040503050406030204" pitchFamily="18" charset="0"/>
+                            </a:rPr>
+                            <m:t>𝑖</m:t>
+                          </m:r>
+                        </m:sub>
+                      </m:sSub>
+                      <m:r>
+                        <a:rPr lang="en-IE" b="0" i="1" smtClean="0">
+                          <a:latin typeface="Cambria Math" panose="02040503050406030204" pitchFamily="18" charset="0"/>
+                        </a:rPr>
+                        <m:t>=</m:t>
+                      </m:r>
+                      <m:sSub>
+                        <m:sSubPr>
+                          <m:ctrlPr>
+                            <a:rPr lang="en-IE" b="0" i="1" smtClean="0">
+                              <a:latin typeface="Cambria Math" panose="02040503050406030204" pitchFamily="18" charset="0"/>
+                            </a:rPr>
+                          </m:ctrlPr>
+                        </m:sSubPr>
+                        <m:e>
+                          <m:r>
+                            <a:rPr lang="en-IE" b="0" i="1" smtClean="0">
+                              <a:latin typeface="Cambria Math" panose="02040503050406030204" pitchFamily="18" charset="0"/>
+                            </a:rPr>
+                            <m:t>𝛽</m:t>
+                          </m:r>
+                        </m:e>
+                        <m:sub>
+                          <m:r>
+                            <a:rPr lang="en-IE" b="0" i="1" smtClean="0">
+                              <a:latin typeface="Cambria Math" panose="02040503050406030204" pitchFamily="18" charset="0"/>
+                            </a:rPr>
+                            <m:t>0</m:t>
+                          </m:r>
+                        </m:sub>
+                      </m:sSub>
+                      <m:r>
+                        <a:rPr lang="en-IE" b="0" i="1" smtClean="0">
+                          <a:latin typeface="Cambria Math" panose="02040503050406030204" pitchFamily="18" charset="0"/>
+                        </a:rPr>
+                        <m:t>+ </m:t>
+                      </m:r>
+                      <m:nary>
+                        <m:naryPr>
+                          <m:chr m:val="∑"/>
+                          <m:ctrlPr>
+                            <a:rPr lang="en-IE" b="0" i="1" smtClean="0">
+                              <a:latin typeface="Cambria Math" panose="02040503050406030204" pitchFamily="18" charset="0"/>
+                            </a:rPr>
+                          </m:ctrlPr>
+                        </m:naryPr>
+                        <m:sub>
+                          <m:r>
+                            <a:rPr lang="en-IE" b="0" i="1" smtClean="0">
+                              <a:latin typeface="Cambria Math" panose="02040503050406030204" pitchFamily="18" charset="0"/>
+                            </a:rPr>
+                            <m:t>𝑟</m:t>
+                          </m:r>
+                          <m:r>
+                            <a:rPr lang="en-IE" b="0" i="1" smtClean="0">
+                              <a:latin typeface="Cambria Math" panose="02040503050406030204" pitchFamily="18" charset="0"/>
+                            </a:rPr>
+                            <m:t>=1</m:t>
+                          </m:r>
+                        </m:sub>
+                        <m:sup>
+                          <m:r>
+                            <a:rPr lang="en-IE" b="0" i="1" smtClean="0">
+                              <a:latin typeface="Cambria Math" panose="02040503050406030204" pitchFamily="18" charset="0"/>
+                            </a:rPr>
+                            <m:t>𝑅</m:t>
+                          </m:r>
+                        </m:sup>
+                        <m:e>
+                          <m:sSub>
+                            <m:sSubPr>
+                              <m:ctrlPr>
+                                <a:rPr lang="en-IE" b="0" i="1" smtClean="0">
+                                  <a:latin typeface="Cambria Math" panose="02040503050406030204" pitchFamily="18" charset="0"/>
+                                </a:rPr>
+                              </m:ctrlPr>
+                            </m:sSubPr>
+                            <m:e>
+                              <m:r>
+                                <a:rPr lang="en-IE" b="0" i="1" smtClean="0">
+                                  <a:latin typeface="Cambria Math" panose="02040503050406030204" pitchFamily="18" charset="0"/>
+                                </a:rPr>
+                                <m:t>𝜉</m:t>
+                              </m:r>
+                            </m:e>
+                            <m:sub>
+                              <m:r>
+                                <a:rPr lang="en-IE" b="0" i="1" smtClean="0">
+                                  <a:latin typeface="Cambria Math" panose="02040503050406030204" pitchFamily="18" charset="0"/>
+                                </a:rPr>
+                                <m:t>𝑖𝑟</m:t>
+                              </m:r>
+                            </m:sub>
+                          </m:sSub>
+                          <m:sSubSup>
+                            <m:sSubSupPr>
+                              <m:ctrlPr>
+                                <a:rPr lang="en-IE" b="0" i="1" smtClean="0">
+                                  <a:latin typeface="Cambria Math" panose="02040503050406030204" pitchFamily="18" charset="0"/>
+                                </a:rPr>
+                              </m:ctrlPr>
+                            </m:sSubSupPr>
+                            <m:e>
+                              <m:r>
+                                <a:rPr lang="en-IE" b="0" i="1" smtClean="0">
+                                  <a:latin typeface="Cambria Math" panose="02040503050406030204" pitchFamily="18" charset="0"/>
+                                </a:rPr>
+                                <m:t>𝛽</m:t>
+                              </m:r>
+                            </m:e>
+                            <m:sub>
+                              <m:r>
+                                <a:rPr lang="en-IE" b="0" i="1" smtClean="0">
+                                  <a:latin typeface="Cambria Math" panose="02040503050406030204" pitchFamily="18" charset="0"/>
+                                </a:rPr>
+                                <m:t>𝑟</m:t>
+                              </m:r>
+                            </m:sub>
+                            <m:sup>
+                              <m:r>
+                                <a:rPr lang="en-IE" b="0" i="1" smtClean="0">
+                                  <a:latin typeface="Cambria Math" panose="02040503050406030204" pitchFamily="18" charset="0"/>
+                                </a:rPr>
+                                <m:t>∗</m:t>
+                              </m:r>
+                            </m:sup>
+                          </m:sSubSup>
+                          <m:r>
+                            <a:rPr lang="en-IE" b="0" i="1" smtClean="0">
+                              <a:latin typeface="Cambria Math" panose="02040503050406030204" pitchFamily="18" charset="0"/>
+                            </a:rPr>
+                            <m:t>+</m:t>
+                          </m:r>
+                          <m:sSub>
+                            <m:sSubPr>
+                              <m:ctrlPr>
+                                <a:rPr lang="en-IE" b="0" i="1" smtClean="0">
+                                  <a:latin typeface="Cambria Math" panose="02040503050406030204" pitchFamily="18" charset="0"/>
+                                </a:rPr>
+                              </m:ctrlPr>
+                            </m:sSubPr>
+                            <m:e>
+                              <m:r>
+                                <a:rPr lang="en-IE" b="0" i="1" smtClean="0">
+                                  <a:latin typeface="Cambria Math" panose="02040503050406030204" pitchFamily="18" charset="0"/>
+                                </a:rPr>
+                                <m:t>𝜖</m:t>
+                              </m:r>
+                            </m:e>
+                            <m:sub>
+                              <m:r>
+                                <a:rPr lang="en-IE" b="0" i="1" smtClean="0">
+                                  <a:latin typeface="Cambria Math" panose="02040503050406030204" pitchFamily="18" charset="0"/>
+                                </a:rPr>
+                                <m:t>𝑖</m:t>
+                              </m:r>
+                            </m:sub>
+                          </m:sSub>
+                        </m:e>
+                      </m:nary>
+                      <m:r>
+                        <a:rPr lang="en-IE" b="0" i="1" smtClean="0">
+                          <a:latin typeface="Cambria Math" panose="02040503050406030204" pitchFamily="18" charset="0"/>
+                        </a:rPr>
+                        <m:t>,</m:t>
+                      </m:r>
+                    </m:oMath>
+                  </m:oMathPara>
+                </a14:m>
+                <a:endParaRPr lang="en-GB" dirty="0"/>
+              </a:p>
+              <a:p>
+                <a:pPr marL="0" indent="0">
+                  <a:buNone/>
+                </a:pPr>
+                <a:r>
+                  <a:rPr lang="en-GB" dirty="0"/>
+                  <a:t>corresponds to the assumption that </a:t>
+                </a:r>
+              </a:p>
+              <a:p>
+                <a:pPr marL="0" indent="0">
+                  <a:buNone/>
+                </a:pPr>
+                <a14:m>
+                  <m:oMathPara xmlns:m="http://schemas.openxmlformats.org/officeDocument/2006/math">
+                    <m:oMathParaPr>
+                      <m:jc m:val="centerGroup"/>
+                    </m:oMathParaPr>
+                    <m:oMath xmlns:m="http://schemas.openxmlformats.org/officeDocument/2006/math">
+                      <m:sSub>
+                        <m:sSubPr>
+                          <m:ctrlPr>
+                            <a:rPr lang="en-IE" b="0" i="1" smtClean="0">
+                              <a:latin typeface="Cambria Math" panose="02040503050406030204" pitchFamily="18" charset="0"/>
+                            </a:rPr>
+                          </m:ctrlPr>
+                        </m:sSubPr>
+                        <m:e>
+                          <m:r>
+                            <a:rPr lang="en-IE" b="0" i="1" smtClean="0">
+                              <a:latin typeface="Cambria Math" panose="02040503050406030204" pitchFamily="18" charset="0"/>
+                            </a:rPr>
+                            <m:t>𝛽</m:t>
+                          </m:r>
+                        </m:e>
+                        <m:sub>
+                          <m:r>
+                            <a:rPr lang="en-IE" b="0" i="1" smtClean="0">
+                              <a:latin typeface="Cambria Math" panose="02040503050406030204" pitchFamily="18" charset="0"/>
+                            </a:rPr>
+                            <m:t>𝑎</m:t>
+                          </m:r>
+                        </m:sub>
+                      </m:sSub>
+                      <m:d>
+                        <m:dPr>
+                          <m:ctrlPr>
+                            <a:rPr lang="en-IE" b="0" i="1" smtClean="0">
+                              <a:latin typeface="Cambria Math" panose="02040503050406030204" pitchFamily="18" charset="0"/>
+                            </a:rPr>
+                          </m:ctrlPr>
+                        </m:dPr>
+                        <m:e>
+                          <m:r>
+                            <a:rPr lang="en-IE" b="0" i="1" smtClean="0">
+                              <a:latin typeface="Cambria Math" panose="02040503050406030204" pitchFamily="18" charset="0"/>
+                            </a:rPr>
+                            <m:t>𝑡</m:t>
+                          </m:r>
+                        </m:e>
+                      </m:d>
+                      <m:r>
+                        <a:rPr lang="en-IE" b="0" i="1" smtClean="0">
+                          <a:latin typeface="Cambria Math" panose="02040503050406030204" pitchFamily="18" charset="0"/>
+                        </a:rPr>
+                        <m:t>=</m:t>
+                      </m:r>
+                      <m:nary>
+                        <m:naryPr>
+                          <m:chr m:val="∑"/>
+                          <m:ctrlPr>
+                            <a:rPr lang="en-IE" i="1" smtClean="0">
+                              <a:latin typeface="Cambria Math" panose="02040503050406030204" pitchFamily="18" charset="0"/>
+                            </a:rPr>
+                          </m:ctrlPr>
+                        </m:naryPr>
+                        <m:sub>
+                          <m:r>
+                            <a:rPr lang="en-IE" i="1">
+                              <a:latin typeface="Cambria Math" panose="02040503050406030204" pitchFamily="18" charset="0"/>
+                            </a:rPr>
+                            <m:t>𝑟</m:t>
+                          </m:r>
+                          <m:r>
+                            <a:rPr lang="en-IE" i="1">
+                              <a:latin typeface="Cambria Math" panose="02040503050406030204" pitchFamily="18" charset="0"/>
+                            </a:rPr>
+                            <m:t>=1</m:t>
+                          </m:r>
+                        </m:sub>
+                        <m:sup>
+                          <m:r>
+                            <a:rPr lang="en-IE" i="1">
+                              <a:latin typeface="Cambria Math" panose="02040503050406030204" pitchFamily="18" charset="0"/>
+                            </a:rPr>
+                            <m:t>𝑅</m:t>
+                          </m:r>
+                        </m:sup>
+                        <m:e>
+                          <m:sSubSup>
+                            <m:sSubSupPr>
+                              <m:ctrlPr>
+                                <a:rPr lang="en-IE" i="1">
+                                  <a:latin typeface="Cambria Math" panose="02040503050406030204" pitchFamily="18" charset="0"/>
+                                </a:rPr>
+                              </m:ctrlPr>
+                            </m:sSubSupPr>
+                            <m:e>
+                              <m:r>
+                                <a:rPr lang="en-IE" i="1">
+                                  <a:latin typeface="Cambria Math" panose="02040503050406030204" pitchFamily="18" charset="0"/>
+                                </a:rPr>
+                                <m:t>𝛽</m:t>
+                              </m:r>
+                            </m:e>
+                            <m:sub>
+                              <m:r>
+                                <a:rPr lang="en-IE" i="1">
+                                  <a:latin typeface="Cambria Math" panose="02040503050406030204" pitchFamily="18" charset="0"/>
+                                </a:rPr>
+                                <m:t>𝑟</m:t>
+                              </m:r>
+                            </m:sub>
+                            <m:sup>
+                              <m:r>
+                                <a:rPr lang="en-IE" i="1">
+                                  <a:latin typeface="Cambria Math" panose="02040503050406030204" pitchFamily="18" charset="0"/>
+                                </a:rPr>
+                                <m:t>∗</m:t>
+                              </m:r>
+                            </m:sup>
+                          </m:sSubSup>
+                          <m:sSub>
+                            <m:sSubPr>
+                              <m:ctrlPr>
+                                <a:rPr lang="en-IE" b="0" i="1" smtClean="0">
+                                  <a:latin typeface="Cambria Math" panose="02040503050406030204" pitchFamily="18" charset="0"/>
+                                </a:rPr>
+                              </m:ctrlPr>
+                            </m:sSubPr>
+                            <m:e>
+                              <m:r>
+                                <a:rPr lang="en-IE" b="0" i="1" smtClean="0">
+                                  <a:latin typeface="Cambria Math" panose="02040503050406030204" pitchFamily="18" charset="0"/>
+                                </a:rPr>
+                                <m:t>𝜓</m:t>
+                              </m:r>
+                            </m:e>
+                            <m:sub>
+                              <m:r>
+                                <a:rPr lang="en-IE" b="0" i="1" smtClean="0">
+                                  <a:latin typeface="Cambria Math" panose="02040503050406030204" pitchFamily="18" charset="0"/>
+                                </a:rPr>
+                                <m:t>𝑟</m:t>
+                              </m:r>
+                            </m:sub>
+                          </m:sSub>
+                          <m:r>
+                            <a:rPr lang="en-IE" b="0" i="1" smtClean="0">
+                              <a:latin typeface="Cambria Math" panose="02040503050406030204" pitchFamily="18" charset="0"/>
+                            </a:rPr>
+                            <m:t>(</m:t>
+                          </m:r>
+                          <m:r>
+                            <a:rPr lang="en-IE" b="0" i="1" smtClean="0">
+                              <a:latin typeface="Cambria Math" panose="02040503050406030204" pitchFamily="18" charset="0"/>
+                            </a:rPr>
+                            <m:t>𝑡</m:t>
+                          </m:r>
+                          <m:r>
+                            <a:rPr lang="en-IE" b="0" i="1" smtClean="0">
+                              <a:latin typeface="Cambria Math" panose="02040503050406030204" pitchFamily="18" charset="0"/>
+                            </a:rPr>
+                            <m:t>)</m:t>
+                          </m:r>
+                        </m:e>
+                      </m:nary>
+                    </m:oMath>
+                  </m:oMathPara>
+                </a14:m>
+                <a:endParaRPr lang="en-GB" dirty="0"/>
+              </a:p>
+              <a:p>
+                <a:pPr marL="0" indent="0">
+                  <a:buNone/>
+                </a:pPr>
+                <a:r>
+                  <a:rPr lang="en-GB" dirty="0"/>
+                  <a:t>so heavy dependence on number of FPCs used (</a:t>
+                </a:r>
+                <a14:m>
+                  <m:oMath xmlns:m="http://schemas.openxmlformats.org/officeDocument/2006/math">
+                    <m:r>
+                      <a:rPr lang="en-IE" b="0" i="1" smtClean="0">
+                        <a:latin typeface="Cambria Math" panose="02040503050406030204" pitchFamily="18" charset="0"/>
+                      </a:rPr>
+                      <m:t>𝑅</m:t>
+                    </m:r>
+                    <m:r>
+                      <a:rPr lang="en-IE" b="0" i="1" smtClean="0">
+                        <a:latin typeface="Cambria Math" panose="02040503050406030204" pitchFamily="18" charset="0"/>
+                      </a:rPr>
+                      <m:t>)</m:t>
+                    </m:r>
+                  </m:oMath>
+                </a14:m>
+                <a:r>
+                  <a:rPr lang="en-GB" dirty="0"/>
+                  <a:t>. Also, FPCs might not be the best basis for </a:t>
+                </a:r>
+                <a14:m>
+                  <m:oMath xmlns:m="http://schemas.openxmlformats.org/officeDocument/2006/math">
+                    <m:sSub>
+                      <m:sSubPr>
+                        <m:ctrlPr>
+                          <a:rPr lang="en-IE" i="1">
+                            <a:latin typeface="Cambria Math" panose="02040503050406030204" pitchFamily="18" charset="0"/>
+                          </a:rPr>
+                        </m:ctrlPr>
+                      </m:sSubPr>
+                      <m:e>
+                        <m:r>
+                          <a:rPr lang="en-IE" i="1">
+                            <a:latin typeface="Cambria Math" panose="02040503050406030204" pitchFamily="18" charset="0"/>
+                          </a:rPr>
+                          <m:t>𝛽</m:t>
+                        </m:r>
+                      </m:e>
+                      <m:sub>
+                        <m:r>
+                          <a:rPr lang="en-IE" i="1">
+                            <a:latin typeface="Cambria Math" panose="02040503050406030204" pitchFamily="18" charset="0"/>
+                          </a:rPr>
+                          <m:t>𝑎</m:t>
+                        </m:r>
+                      </m:sub>
+                    </m:sSub>
+                    <m:d>
+                      <m:dPr>
+                        <m:ctrlPr>
+                          <a:rPr lang="en-IE" i="1">
+                            <a:latin typeface="Cambria Math" panose="02040503050406030204" pitchFamily="18" charset="0"/>
+                          </a:rPr>
+                        </m:ctrlPr>
+                      </m:dPr>
+                      <m:e>
+                        <m:r>
+                          <a:rPr lang="en-IE" i="1">
+                            <a:latin typeface="Cambria Math" panose="02040503050406030204" pitchFamily="18" charset="0"/>
+                          </a:rPr>
+                          <m:t>𝑡</m:t>
+                        </m:r>
+                      </m:e>
+                    </m:d>
+                  </m:oMath>
+                </a14:m>
+                <a:r>
+                  <a:rPr lang="en-GB" dirty="0"/>
+                  <a:t>.</a:t>
+                </a:r>
+              </a:p>
+              <a:p>
+                <a:pPr marL="0" indent="0">
+                  <a:buNone/>
+                </a:pPr>
+                <a:endParaRPr lang="en-GB" dirty="0"/>
+              </a:p>
+              <a:p>
+                <a:pPr marL="0" indent="0">
+                  <a:buNone/>
+                </a:pPr>
+                <a:r>
+                  <a:rPr lang="en-GB" b="1" dirty="0"/>
+                  <a:t>Alternative: </a:t>
+                </a:r>
+                <a:r>
+                  <a:rPr lang="en-GB" dirty="0"/>
+                  <a:t>General basis expansion (e.g., splines) and roughness penalties for </a:t>
+                </a:r>
+                <a14:m>
+                  <m:oMath xmlns:m="http://schemas.openxmlformats.org/officeDocument/2006/math">
+                    <m:sSub>
+                      <m:sSubPr>
+                        <m:ctrlPr>
+                          <a:rPr lang="en-IE" b="0" i="1" smtClean="0">
+                            <a:latin typeface="Cambria Math" panose="02040503050406030204" pitchFamily="18" charset="0"/>
+                          </a:rPr>
+                        </m:ctrlPr>
+                      </m:sSubPr>
+                      <m:e>
+                        <m:r>
+                          <a:rPr lang="en-IE" b="0" i="1" smtClean="0">
+                            <a:latin typeface="Cambria Math" panose="02040503050406030204" pitchFamily="18" charset="0"/>
+                          </a:rPr>
+                          <m:t>𝛽</m:t>
+                        </m:r>
+                      </m:e>
+                      <m:sub>
+                        <m:r>
+                          <a:rPr lang="en-IE" b="0" i="1" smtClean="0">
+                            <a:latin typeface="Cambria Math" panose="02040503050406030204" pitchFamily="18" charset="0"/>
+                          </a:rPr>
+                          <m:t>𝑎</m:t>
+                        </m:r>
+                      </m:sub>
+                    </m:sSub>
+                    <m:d>
+                      <m:dPr>
+                        <m:ctrlPr>
+                          <a:rPr lang="en-IE" b="0" i="1" smtClean="0">
+                            <a:latin typeface="Cambria Math" panose="02040503050406030204" pitchFamily="18" charset="0"/>
+                          </a:rPr>
+                        </m:ctrlPr>
+                      </m:dPr>
+                      <m:e>
+                        <m:r>
+                          <a:rPr lang="en-IE" b="0" i="1" smtClean="0">
+                            <a:latin typeface="Cambria Math" panose="02040503050406030204" pitchFamily="18" charset="0"/>
+                          </a:rPr>
+                          <m:t>𝑡</m:t>
+                        </m:r>
+                      </m:e>
+                    </m:d>
+                  </m:oMath>
+                </a14:m>
+                <a:endParaRPr lang="en-GB" dirty="0"/>
+              </a:p>
+              <a:p>
+                <a:pPr marL="0" indent="0">
+                  <a:buNone/>
+                </a:pPr>
+                <a:endParaRPr lang="en-GB" dirty="0"/>
+              </a:p>
+            </p:txBody>
+          </p:sp>
+        </mc:Choice>
+        <mc:Fallback>
+          <p:sp>
+            <p:nvSpPr>
+              <p:cNvPr id="3" name="Content Placeholder 2">
+                <a:extLst>
+                  <a:ext uri="{FF2B5EF4-FFF2-40B4-BE49-F238E27FC236}">
+                    <a16:creationId xmlns:a16="http://schemas.microsoft.com/office/drawing/2014/main" id="{AC14806A-B786-374A-74C0-B68A0C9F377B}"/>
+                  </a:ext>
+                </a:extLst>
+              </p:cNvPr>
+              <p:cNvSpPr>
+                <a:spLocks noGrp="1" noRot="1" noChangeAspect="1" noMove="1" noResize="1" noEditPoints="1" noAdjustHandles="1" noChangeArrowheads="1" noChangeShapeType="1" noTextEdit="1"/>
+              </p:cNvSpPr>
+              <p:nvPr>
+                <p:ph idx="1"/>
+              </p:nvPr>
+            </p:nvSpPr>
+            <p:spPr>
+              <a:blipFill>
+                <a:blip r:embed="rId3"/>
+                <a:stretch>
+                  <a:fillRect l="-724" t="-14826"/>
+                </a:stretch>
+              </a:blipFill>
+            </p:spPr>
+            <p:txBody>
+              <a:bodyPr/>
+              <a:lstStyle/>
+              <a:p>
+                <a:r>
+                  <a:rPr lang="en-GB">
+                    <a:noFill/>
+                  </a:rPr>
+                  <a:t> </a:t>
+                </a:r>
+              </a:p>
+            </p:txBody>
+          </p:sp>
+        </mc:Fallback>
+      </mc:AlternateContent>
+    </p:spTree>
+    <p:extLst>
+      <p:ext uri="{BB962C8B-B14F-4D97-AF65-F5344CB8AC3E}">
+        <p14:creationId xmlns:p14="http://schemas.microsoft.com/office/powerpoint/2010/main" val="3674719241"/>
+      </p:ext>
+    </p:extLst>
+  </p:cSld>
+  <p:clrMapOvr>
+    <a:masterClrMapping/>
+  </p:clrMapOvr>
+</p:sld>
+</file>
+
+<file path=ppt/slides/slide15.xml><?xml version="1.0" encoding="utf-8"?>
+<p:sld xmlns:a="http://schemas.openxmlformats.org/drawingml/2006/main" xmlns:r="http://schemas.openxmlformats.org/officeDocument/2006/relationships" xmlns:p="http://schemas.openxmlformats.org/presentationml/2006/main">
+  <p:cSld>
+    <p:spTree>
+      <p:nvGrpSpPr>
+        <p:cNvPr id="1" name=""/>
+        <p:cNvGrpSpPr/>
+        <p:nvPr/>
+      </p:nvGrpSpPr>
+      <p:grpSpPr>
+        <a:xfrm>
+          <a:off x="0" y="0"/>
+          <a:ext cx="0" cy="0"/>
+          <a:chOff x="0" y="0"/>
+          <a:chExt cx="0" cy="0"/>
+        </a:xfrm>
+      </p:grpSpPr>
+      <p:sp>
+        <p:nvSpPr>
+          <p:cNvPr id="2" name="Title 1">
+            <a:extLst>
+              <a:ext uri="{FF2B5EF4-FFF2-40B4-BE49-F238E27FC236}">
+                <a16:creationId xmlns:a16="http://schemas.microsoft.com/office/drawing/2014/main" id="{20D67753-8354-90AA-A529-B231D59BA331}"/>
+              </a:ext>
+            </a:extLst>
+          </p:cNvPr>
+          <p:cNvSpPr>
+            <a:spLocks noGrp="1"/>
+          </p:cNvSpPr>
+          <p:nvPr>
+            <p:ph type="title"/>
+          </p:nvPr>
+        </p:nvSpPr>
+        <p:spPr/>
+        <p:txBody>
+          <a:bodyPr/>
+          <a:lstStyle/>
+          <a:p>
+            <a:r>
+              <a:rPr lang="en-GB" dirty="0"/>
+              <a:t>Example</a:t>
+            </a:r>
+          </a:p>
+        </p:txBody>
+      </p:sp>
+      <p:sp>
+        <p:nvSpPr>
+          <p:cNvPr id="4" name="Text Placeholder 3">
+            <a:extLst>
+              <a:ext uri="{FF2B5EF4-FFF2-40B4-BE49-F238E27FC236}">
+                <a16:creationId xmlns:a16="http://schemas.microsoft.com/office/drawing/2014/main" id="{99996458-B079-1AAF-6518-9CFC0B4B71D5}"/>
+              </a:ext>
+            </a:extLst>
+          </p:cNvPr>
+          <p:cNvSpPr>
+            <a:spLocks noGrp="1"/>
+          </p:cNvSpPr>
+          <p:nvPr>
+            <p:ph type="body" sz="half" idx="2"/>
+          </p:nvPr>
+        </p:nvSpPr>
+        <p:spPr/>
+        <p:txBody>
+          <a:bodyPr>
+            <a:normAutofit/>
+          </a:bodyPr>
+          <a:lstStyle/>
+          <a:p>
+            <a:r>
+              <a:rPr lang="en-GB" sz="2000" dirty="0"/>
+              <a:t>Predict maximum anterior-posterior force using the full vertical ground reaction force curve.</a:t>
+            </a:r>
+          </a:p>
+        </p:txBody>
+      </p:sp>
+      <p:pic>
+        <p:nvPicPr>
+          <p:cNvPr id="5" name="Content Placeholder 4">
+            <a:extLst>
+              <a:ext uri="{FF2B5EF4-FFF2-40B4-BE49-F238E27FC236}">
+                <a16:creationId xmlns:a16="http://schemas.microsoft.com/office/drawing/2014/main" id="{E78C9A5C-0ABD-8F47-03E7-4C7DC8DC28FE}"/>
+              </a:ext>
+            </a:extLst>
+          </p:cNvPr>
+          <p:cNvPicPr>
+            <a:picLocks noGrp="1" noChangeAspect="1"/>
+          </p:cNvPicPr>
+          <p:nvPr>
+            <p:ph idx="1"/>
+          </p:nvPr>
+        </p:nvPicPr>
+        <p:blipFill>
+          <a:blip r:embed="rId2"/>
+          <a:stretch>
+            <a:fillRect/>
+          </a:stretch>
+        </p:blipFill>
+        <p:spPr>
+          <a:xfrm>
+            <a:off x="5840514" y="59019"/>
+            <a:ext cx="4493307" cy="6739961"/>
+          </a:xfrm>
+        </p:spPr>
+      </p:pic>
+    </p:spTree>
+    <p:extLst>
+      <p:ext uri="{BB962C8B-B14F-4D97-AF65-F5344CB8AC3E}">
+        <p14:creationId xmlns:p14="http://schemas.microsoft.com/office/powerpoint/2010/main" val="2762192925"/>
+      </p:ext>
+    </p:extLst>
+  </p:cSld>
+  <p:clrMapOvr>
+    <a:masterClrMapping/>
+  </p:clrMapOvr>
+</p:sld>
+</file>
+
 <file path=ppt/slides/slide2.xml><?xml version="1.0" encoding="utf-8"?>
 <p:sld xmlns:a="http://schemas.openxmlformats.org/drawingml/2006/main" xmlns:r="http://schemas.openxmlformats.org/officeDocument/2006/relationships" xmlns:p="http://schemas.openxmlformats.org/presentationml/2006/main">
   <p:cSld>
@@ -3596,8 +5738,8 @@
           </a:p>
         </p:txBody>
       </p:sp>
-      <mc:AlternateContent xmlns:mc="http://schemas.openxmlformats.org/markup-compatibility/2006">
-        <mc:Choice xmlns:a14="http://schemas.microsoft.com/office/drawing/2010/main" Requires="a14">
+      <mc:AlternateContent xmlns:mc="http://schemas.openxmlformats.org/markup-compatibility/2006" xmlns:a14="http://schemas.microsoft.com/office/drawing/2010/main">
+        <mc:Choice Requires="a14">
           <p:sp>
             <p:nvSpPr>
               <p:cNvPr id="3" name="Content Placeholder 2">
@@ -3892,7 +6034,7 @@
             </p:txBody>
           </p:sp>
         </mc:Choice>
-        <mc:Fallback>
+        <mc:Fallback xmlns="">
           <p:sp>
             <p:nvSpPr>
               <p:cNvPr id="3" name="Content Placeholder 2">
@@ -4216,8 +6358,8 @@
           </a:p>
         </p:txBody>
       </p:sp>
-      <mc:AlternateContent xmlns:mc="http://schemas.openxmlformats.org/markup-compatibility/2006">
-        <mc:Choice xmlns:a14="http://schemas.microsoft.com/office/drawing/2010/main" Requires="a14">
+      <mc:AlternateContent xmlns:mc="http://schemas.openxmlformats.org/markup-compatibility/2006" xmlns:a14="http://schemas.microsoft.com/office/drawing/2010/main">
+        <mc:Choice Requires="a14">
           <p:sp>
             <p:nvSpPr>
               <p:cNvPr id="3" name="Content Placeholder 2">
@@ -4649,7 +6791,7 @@
             </p:txBody>
           </p:sp>
         </mc:Choice>
-        <mc:Fallback>
+        <mc:Fallback xmlns="">
           <p:sp>
             <p:nvSpPr>
               <p:cNvPr id="3" name="Content Placeholder 2">
@@ -4699,6 +6841,232 @@
   <p:clrMapOvr>
     <a:masterClrMapping/>
   </p:clrMapOvr>
+  <p:timing>
+    <p:tnLst>
+      <p:par>
+        <p:cTn id="1" dur="indefinite" restart="never" nodeType="tmRoot">
+          <p:childTnLst>
+            <p:seq concurrent="1" nextAc="seek">
+              <p:cTn id="2" dur="indefinite" nodeType="mainSeq">
+                <p:childTnLst>
+                  <p:par>
+                    <p:cTn id="3" fill="hold">
+                      <p:stCondLst>
+                        <p:cond delay="indefinite"/>
+                      </p:stCondLst>
+                      <p:childTnLst>
+                        <p:par>
+                          <p:cTn id="4" fill="hold">
+                            <p:stCondLst>
+                              <p:cond delay="0"/>
+                            </p:stCondLst>
+                            <p:childTnLst>
+                              <p:par>
+                                <p:cTn id="5" presetID="1" presetClass="entr" presetSubtype="0" fill="hold" nodeType="clickEffect">
+                                  <p:stCondLst>
+                                    <p:cond delay="0"/>
+                                  </p:stCondLst>
+                                  <p:childTnLst>
+                                    <p:set>
+                                      <p:cBhvr>
+                                        <p:cTn id="6" dur="1" fill="hold">
+                                          <p:stCondLst>
+                                            <p:cond delay="0"/>
+                                          </p:stCondLst>
+                                        </p:cTn>
+                                        <p:tgtEl>
+                                          <p:spTgt spid="3">
+                                            <p:txEl>
+                                              <p:pRg st="0" end="0"/>
+                                            </p:txEl>
+                                          </p:spTgt>
+                                        </p:tgtEl>
+                                        <p:attrNameLst>
+                                          <p:attrName>style.visibility</p:attrName>
+                                        </p:attrNameLst>
+                                      </p:cBhvr>
+                                      <p:to>
+                                        <p:strVal val="visible"/>
+                                      </p:to>
+                                    </p:set>
+                                  </p:childTnLst>
+                                </p:cTn>
+                              </p:par>
+                            </p:childTnLst>
+                          </p:cTn>
+                        </p:par>
+                      </p:childTnLst>
+                    </p:cTn>
+                  </p:par>
+                  <p:par>
+                    <p:cTn id="7" fill="hold">
+                      <p:stCondLst>
+                        <p:cond delay="indefinite"/>
+                      </p:stCondLst>
+                      <p:childTnLst>
+                        <p:par>
+                          <p:cTn id="8" fill="hold">
+                            <p:stCondLst>
+                              <p:cond delay="0"/>
+                            </p:stCondLst>
+                            <p:childTnLst>
+                              <p:par>
+                                <p:cTn id="9" presetID="1" presetClass="entr" presetSubtype="0" fill="hold" nodeType="clickEffect">
+                                  <p:stCondLst>
+                                    <p:cond delay="0"/>
+                                  </p:stCondLst>
+                                  <p:childTnLst>
+                                    <p:set>
+                                      <p:cBhvr>
+                                        <p:cTn id="10" dur="1" fill="hold">
+                                          <p:stCondLst>
+                                            <p:cond delay="0"/>
+                                          </p:stCondLst>
+                                        </p:cTn>
+                                        <p:tgtEl>
+                                          <p:spTgt spid="3">
+                                            <p:txEl>
+                                              <p:pRg st="1" end="1"/>
+                                            </p:txEl>
+                                          </p:spTgt>
+                                        </p:tgtEl>
+                                        <p:attrNameLst>
+                                          <p:attrName>style.visibility</p:attrName>
+                                        </p:attrNameLst>
+                                      </p:cBhvr>
+                                      <p:to>
+                                        <p:strVal val="visible"/>
+                                      </p:to>
+                                    </p:set>
+                                  </p:childTnLst>
+                                </p:cTn>
+                              </p:par>
+                            </p:childTnLst>
+                          </p:cTn>
+                        </p:par>
+                      </p:childTnLst>
+                    </p:cTn>
+                  </p:par>
+                  <p:par>
+                    <p:cTn id="11" fill="hold">
+                      <p:stCondLst>
+                        <p:cond delay="indefinite"/>
+                      </p:stCondLst>
+                      <p:childTnLst>
+                        <p:par>
+                          <p:cTn id="12" fill="hold">
+                            <p:stCondLst>
+                              <p:cond delay="0"/>
+                            </p:stCondLst>
+                            <p:childTnLst>
+                              <p:par>
+                                <p:cTn id="13" presetID="1" presetClass="entr" presetSubtype="0" fill="hold" nodeType="clickEffect">
+                                  <p:stCondLst>
+                                    <p:cond delay="0"/>
+                                  </p:stCondLst>
+                                  <p:childTnLst>
+                                    <p:set>
+                                      <p:cBhvr>
+                                        <p:cTn id="14" dur="1" fill="hold">
+                                          <p:stCondLst>
+                                            <p:cond delay="0"/>
+                                          </p:stCondLst>
+                                        </p:cTn>
+                                        <p:tgtEl>
+                                          <p:spTgt spid="3">
+                                            <p:txEl>
+                                              <p:pRg st="2" end="2"/>
+                                            </p:txEl>
+                                          </p:spTgt>
+                                        </p:tgtEl>
+                                        <p:attrNameLst>
+                                          <p:attrName>style.visibility</p:attrName>
+                                        </p:attrNameLst>
+                                      </p:cBhvr>
+                                      <p:to>
+                                        <p:strVal val="visible"/>
+                                      </p:to>
+                                    </p:set>
+                                  </p:childTnLst>
+                                </p:cTn>
+                              </p:par>
+                            </p:childTnLst>
+                          </p:cTn>
+                        </p:par>
+                      </p:childTnLst>
+                    </p:cTn>
+                  </p:par>
+                  <p:par>
+                    <p:cTn id="15" fill="hold">
+                      <p:stCondLst>
+                        <p:cond delay="indefinite"/>
+                      </p:stCondLst>
+                      <p:childTnLst>
+                        <p:par>
+                          <p:cTn id="16" fill="hold">
+                            <p:stCondLst>
+                              <p:cond delay="0"/>
+                            </p:stCondLst>
+                            <p:childTnLst>
+                              <p:par>
+                                <p:cTn id="17" presetID="1" presetClass="entr" presetSubtype="0" fill="hold" nodeType="clickEffect">
+                                  <p:stCondLst>
+                                    <p:cond delay="0"/>
+                                  </p:stCondLst>
+                                  <p:childTnLst>
+                                    <p:set>
+                                      <p:cBhvr>
+                                        <p:cTn id="18" dur="1" fill="hold">
+                                          <p:stCondLst>
+                                            <p:cond delay="0"/>
+                                          </p:stCondLst>
+                                        </p:cTn>
+                                        <p:tgtEl>
+                                          <p:spTgt spid="3">
+                                            <p:txEl>
+                                              <p:pRg st="4" end="4"/>
+                                            </p:txEl>
+                                          </p:spTgt>
+                                        </p:tgtEl>
+                                        <p:attrNameLst>
+                                          <p:attrName>style.visibility</p:attrName>
+                                        </p:attrNameLst>
+                                      </p:cBhvr>
+                                      <p:to>
+                                        <p:strVal val="visible"/>
+                                      </p:to>
+                                    </p:set>
+                                  </p:childTnLst>
+                                </p:cTn>
+                              </p:par>
+                            </p:childTnLst>
+                          </p:cTn>
+                        </p:par>
+                      </p:childTnLst>
+                    </p:cTn>
+                  </p:par>
+                </p:childTnLst>
+              </p:cTn>
+              <p:prevCondLst>
+                <p:cond evt="onPrev" delay="0">
+                  <p:tgtEl>
+                    <p:sldTgt/>
+                  </p:tgtEl>
+                </p:cond>
+              </p:prevCondLst>
+              <p:nextCondLst>
+                <p:cond evt="onNext" delay="0">
+                  <p:tgtEl>
+                    <p:sldTgt/>
+                  </p:tgtEl>
+                </p:cond>
+              </p:nextCondLst>
+            </p:seq>
+          </p:childTnLst>
+        </p:cTn>
+      </p:par>
+    </p:tnLst>
+  </p:timing>
 </p:sld>
 </file>
 
@@ -4747,8 +7115,8 @@
           </a:p>
         </p:txBody>
       </p:sp>
-      <mc:AlternateContent xmlns:mc="http://schemas.openxmlformats.org/markup-compatibility/2006">
-        <mc:Choice xmlns:a14="http://schemas.microsoft.com/office/drawing/2010/main" Requires="a14">
+      <mc:AlternateContent xmlns:mc="http://schemas.openxmlformats.org/markup-compatibility/2006" xmlns:a14="http://schemas.microsoft.com/office/drawing/2010/main">
+        <mc:Choice Requires="a14">
           <p:sp>
             <p:nvSpPr>
               <p:cNvPr id="3" name="Content Placeholder 2">
@@ -4976,7 +7344,7 @@
             </p:txBody>
           </p:sp>
         </mc:Choice>
-        <mc:Fallback>
+        <mc:Fallback xmlns="">
           <p:sp>
             <p:nvSpPr>
               <p:cNvPr id="3" name="Content Placeholder 2">
@@ -5074,8 +7442,8 @@
           </a:p>
         </p:txBody>
       </p:sp>
-      <mc:AlternateContent xmlns:mc="http://schemas.openxmlformats.org/markup-compatibility/2006">
-        <mc:Choice xmlns:a14="http://schemas.microsoft.com/office/drawing/2010/main" Requires="a14">
+      <mc:AlternateContent xmlns:mc="http://schemas.openxmlformats.org/markup-compatibility/2006" xmlns:a14="http://schemas.microsoft.com/office/drawing/2010/main">
+        <mc:Choice Requires="a14">
           <p:sp>
             <p:nvSpPr>
               <p:cNvPr id="3" name="Content Placeholder 2">
@@ -5647,7 +8015,7 @@
             </p:txBody>
           </p:sp>
         </mc:Choice>
-        <mc:Fallback>
+        <mc:Fallback xmlns="">
           <p:sp>
             <p:nvSpPr>
               <p:cNvPr id="3" name="Content Placeholder 2">
@@ -5774,8 +8142,8 @@
           </a:xfrm>
         </p:spPr>
       </p:pic>
-      <mc:AlternateContent xmlns:mc="http://schemas.openxmlformats.org/markup-compatibility/2006">
-        <mc:Choice xmlns:a14="http://schemas.microsoft.com/office/drawing/2010/main" Requires="a14">
+      <mc:AlternateContent xmlns:mc="http://schemas.openxmlformats.org/markup-compatibility/2006" xmlns:a14="http://schemas.microsoft.com/office/drawing/2010/main">
+        <mc:Choice Requires="a14">
           <p:sp>
             <p:nvSpPr>
               <p:cNvPr id="7" name="TextBox 6">
@@ -5804,7 +8172,6 @@
               </a:bodyPr>
               <a:lstStyle/>
               <a:p>
-                <a:pPr/>
                 <a:r>
                   <a:rPr lang="en-IE" b="1" dirty="0"/>
                   <a:t>Pointwise Fitting: </a:t>
@@ -5886,13 +8253,7 @@
                             <a:rPr lang="en-IE" b="0" i="1" smtClean="0">
                               <a:latin typeface="Cambria Math" panose="02040503050406030204" pitchFamily="18" charset="0"/>
                             </a:rPr>
-                            <m:t>0</m:t>
-                          </m:r>
-                          <m:r>
-                            <a:rPr lang="en-IE" b="0" i="1" smtClean="0">
-                              <a:latin typeface="Cambria Math" panose="02040503050406030204" pitchFamily="18" charset="0"/>
-                            </a:rPr>
-                            <m:t>,</m:t>
+                            <m:t>0,</m:t>
                           </m:r>
                           <m:r>
                             <a:rPr lang="en-IE" b="0" i="1" smtClean="0">
@@ -6056,7 +8417,6 @@
                 <a:endParaRPr lang="en-IE" b="0" dirty="0"/>
               </a:p>
               <a:p>
-                <a:pPr/>
                 <a:r>
                   <a:rPr lang="en-GB" dirty="0"/>
                   <a:t>and join up/ smooth the coefficients.</a:t>
@@ -6065,7 +8425,7 @@
             </p:txBody>
           </p:sp>
         </mc:Choice>
-        <mc:Fallback>
+        <mc:Fallback xmlns="">
           <p:sp>
             <p:nvSpPr>
               <p:cNvPr id="7" name="TextBox 6">
@@ -6238,6 +8598,1313 @@
       <p:bldP spid="8" grpId="0" animBg="1"/>
     </p:bldLst>
   </p:timing>
+</p:sld>
+</file>
+
+<file path=ppt/slides/slide7.xml><?xml version="1.0" encoding="utf-8"?>
+<p:sld xmlns:a="http://schemas.openxmlformats.org/drawingml/2006/main" xmlns:r="http://schemas.openxmlformats.org/officeDocument/2006/relationships" xmlns:p="http://schemas.openxmlformats.org/presentationml/2006/main">
+  <p:cSld>
+    <p:spTree>
+      <p:nvGrpSpPr>
+        <p:cNvPr id="1" name=""/>
+        <p:cNvGrpSpPr/>
+        <p:nvPr/>
+      </p:nvGrpSpPr>
+      <p:grpSpPr>
+        <a:xfrm>
+          <a:off x="0" y="0"/>
+          <a:ext cx="0" cy="0"/>
+          <a:chOff x="0" y="0"/>
+          <a:chExt cx="0" cy="0"/>
+        </a:xfrm>
+      </p:grpSpPr>
+      <p:sp>
+        <p:nvSpPr>
+          <p:cNvPr id="2" name="Title 1">
+            <a:extLst>
+              <a:ext uri="{FF2B5EF4-FFF2-40B4-BE49-F238E27FC236}">
+                <a16:creationId xmlns:a16="http://schemas.microsoft.com/office/drawing/2014/main" id="{9BDA805F-B369-8834-19B9-D9E669CBC01F}"/>
+              </a:ext>
+            </a:extLst>
+          </p:cNvPr>
+          <p:cNvSpPr>
+            <a:spLocks noGrp="1"/>
+          </p:cNvSpPr>
+          <p:nvPr>
+            <p:ph type="title"/>
+          </p:nvPr>
+        </p:nvSpPr>
+        <p:spPr/>
+        <p:txBody>
+          <a:bodyPr/>
+          <a:lstStyle/>
+          <a:p>
+            <a:r>
+              <a:rPr lang="en-GB" dirty="0"/>
+              <a:t>Inference</a:t>
+            </a:r>
+          </a:p>
+        </p:txBody>
+      </p:sp>
+      <mc:AlternateContent xmlns:mc="http://schemas.openxmlformats.org/markup-compatibility/2006">
+        <mc:Choice xmlns:a14="http://schemas.microsoft.com/office/drawing/2010/main" Requires="a14">
+          <p:sp>
+            <p:nvSpPr>
+              <p:cNvPr id="3" name="Content Placeholder 2">
+                <a:extLst>
+                  <a:ext uri="{FF2B5EF4-FFF2-40B4-BE49-F238E27FC236}">
+                    <a16:creationId xmlns:a16="http://schemas.microsoft.com/office/drawing/2014/main" id="{2FECE5C9-F94B-0584-07E7-F0F522EC67D8}"/>
+                  </a:ext>
+                </a:extLst>
+              </p:cNvPr>
+              <p:cNvSpPr>
+                <a:spLocks noGrp="1"/>
+              </p:cNvSpPr>
+              <p:nvPr>
+                <p:ph idx="1"/>
+              </p:nvPr>
+            </p:nvSpPr>
+            <p:spPr/>
+            <p:txBody>
+              <a:bodyPr>
+                <a:normAutofit lnSpcReduction="10000"/>
+              </a:bodyPr>
+              <a:lstStyle/>
+              <a:p>
+                <a:pPr marL="0" indent="0">
+                  <a:buNone/>
+                </a:pPr>
+                <a:r>
+                  <a:rPr lang="en-GB" dirty="0"/>
+                  <a:t>Classical regression, we construct a confidence interval</a:t>
+                </a:r>
+              </a:p>
+              <a:p>
+                <a:pPr marL="0" indent="0" algn="ctr">
+                  <a:buNone/>
+                </a:pPr>
+                <a:r>
+                  <a:rPr lang="en-GB" dirty="0"/>
+                  <a:t> </a:t>
+                </a:r>
+                <a14:m>
+                  <m:oMath xmlns:m="http://schemas.openxmlformats.org/officeDocument/2006/math">
+                    <m:acc>
+                      <m:accPr>
+                        <m:chr m:val="̂"/>
+                        <m:ctrlPr>
+                          <a:rPr lang="en-IE" b="0" i="1" smtClean="0">
+                            <a:latin typeface="Cambria Math" panose="02040503050406030204" pitchFamily="18" charset="0"/>
+                          </a:rPr>
+                        </m:ctrlPr>
+                      </m:accPr>
+                      <m:e>
+                        <m:sSub>
+                          <m:sSubPr>
+                            <m:ctrlPr>
+                              <a:rPr lang="en-IE" i="1">
+                                <a:latin typeface="Cambria Math" panose="02040503050406030204" pitchFamily="18" charset="0"/>
+                              </a:rPr>
+                            </m:ctrlPr>
+                          </m:sSubPr>
+                          <m:e>
+                            <m:r>
+                              <a:rPr lang="en-IE" i="1">
+                                <a:latin typeface="Cambria Math" panose="02040503050406030204" pitchFamily="18" charset="0"/>
+                              </a:rPr>
+                              <m:t>𝛽</m:t>
+                            </m:r>
+                          </m:e>
+                          <m:sub>
+                            <m:r>
+                              <a:rPr lang="en-IE" i="1">
+                                <a:latin typeface="Cambria Math" panose="02040503050406030204" pitchFamily="18" charset="0"/>
+                              </a:rPr>
+                              <m:t>𝑎</m:t>
+                            </m:r>
+                          </m:sub>
+                        </m:sSub>
+                      </m:e>
+                    </m:acc>
+                    <m:r>
+                      <a:rPr lang="en-IE" b="0" i="1" smtClean="0">
+                        <a:latin typeface="Cambria Math" panose="02040503050406030204" pitchFamily="18" charset="0"/>
+                      </a:rPr>
+                      <m:t>±</m:t>
+                    </m:r>
+                    <m:sSub>
+                      <m:sSubPr>
+                        <m:ctrlPr>
+                          <a:rPr lang="en-IE" b="0" i="1" smtClean="0">
+                            <a:latin typeface="Cambria Math" panose="02040503050406030204" pitchFamily="18" charset="0"/>
+                          </a:rPr>
+                        </m:ctrlPr>
+                      </m:sSubPr>
+                      <m:e>
+                        <m:r>
+                          <a:rPr lang="en-IE" b="0" i="1" smtClean="0">
+                            <a:latin typeface="Cambria Math" panose="02040503050406030204" pitchFamily="18" charset="0"/>
+                          </a:rPr>
+                          <m:t>𝑧</m:t>
+                        </m:r>
+                      </m:e>
+                      <m:sub>
+                        <m:r>
+                          <a:rPr lang="en-IE" b="0" i="1" smtClean="0">
+                            <a:latin typeface="Cambria Math" panose="02040503050406030204" pitchFamily="18" charset="0"/>
+                          </a:rPr>
+                          <m:t>𝛼</m:t>
+                        </m:r>
+                        <m:r>
+                          <a:rPr lang="en-IE" b="0" i="1" smtClean="0">
+                            <a:latin typeface="Cambria Math" panose="02040503050406030204" pitchFamily="18" charset="0"/>
+                          </a:rPr>
+                          <m:t>/2</m:t>
+                        </m:r>
+                      </m:sub>
+                    </m:sSub>
+                    <m:r>
+                      <a:rPr lang="en-IE" b="0" i="1" smtClean="0">
+                        <a:latin typeface="Cambria Math" panose="02040503050406030204" pitchFamily="18" charset="0"/>
+                      </a:rPr>
+                      <m:t> ×</m:t>
+                    </m:r>
+                    <m:acc>
+                      <m:accPr>
+                        <m:chr m:val="̂"/>
+                        <m:ctrlPr>
+                          <a:rPr lang="en-IE" b="0" i="1" smtClean="0">
+                            <a:latin typeface="Cambria Math" panose="02040503050406030204" pitchFamily="18" charset="0"/>
+                          </a:rPr>
+                        </m:ctrlPr>
+                      </m:accPr>
+                      <m:e>
+                        <m:r>
+                          <a:rPr lang="en-IE" b="0" i="1" smtClean="0">
+                            <a:latin typeface="Cambria Math" panose="02040503050406030204" pitchFamily="18" charset="0"/>
+                          </a:rPr>
+                          <m:t>𝑆𝐸</m:t>
+                        </m:r>
+                      </m:e>
+                    </m:acc>
+                    <m:d>
+                      <m:dPr>
+                        <m:ctrlPr>
+                          <a:rPr lang="en-IE" b="0" i="1" smtClean="0">
+                            <a:latin typeface="Cambria Math" panose="02040503050406030204" pitchFamily="18" charset="0"/>
+                          </a:rPr>
+                        </m:ctrlPr>
+                      </m:dPr>
+                      <m:e>
+                        <m:acc>
+                          <m:accPr>
+                            <m:chr m:val="̂"/>
+                            <m:ctrlPr>
+                              <a:rPr lang="en-IE" i="1">
+                                <a:latin typeface="Cambria Math" panose="02040503050406030204" pitchFamily="18" charset="0"/>
+                              </a:rPr>
+                            </m:ctrlPr>
+                          </m:accPr>
+                          <m:e>
+                            <m:sSub>
+                              <m:sSubPr>
+                                <m:ctrlPr>
+                                  <a:rPr lang="en-IE" i="1">
+                                    <a:latin typeface="Cambria Math" panose="02040503050406030204" pitchFamily="18" charset="0"/>
+                                  </a:rPr>
+                                </m:ctrlPr>
+                              </m:sSubPr>
+                              <m:e>
+                                <m:r>
+                                  <a:rPr lang="en-IE" i="1">
+                                    <a:latin typeface="Cambria Math" panose="02040503050406030204" pitchFamily="18" charset="0"/>
+                                  </a:rPr>
+                                  <m:t>𝛽</m:t>
+                                </m:r>
+                              </m:e>
+                              <m:sub>
+                                <m:r>
+                                  <a:rPr lang="en-IE" i="1">
+                                    <a:latin typeface="Cambria Math" panose="02040503050406030204" pitchFamily="18" charset="0"/>
+                                  </a:rPr>
+                                  <m:t>𝑎</m:t>
+                                </m:r>
+                              </m:sub>
+                            </m:sSub>
+                          </m:e>
+                        </m:acc>
+                      </m:e>
+                    </m:d>
+                  </m:oMath>
+                </a14:m>
+                <a:endParaRPr lang="en-GB" dirty="0"/>
+              </a:p>
+              <a:p>
+                <a:pPr marL="0" indent="0">
+                  <a:buNone/>
+                </a:pPr>
+                <a:r>
+                  <a:rPr lang="en-GB" dirty="0"/>
+                  <a:t> to provide (frequentist) coverage of </a:t>
+                </a:r>
+                <a14:m>
+                  <m:oMath xmlns:m="http://schemas.openxmlformats.org/officeDocument/2006/math">
+                    <m:d>
+                      <m:dPr>
+                        <m:ctrlPr>
+                          <a:rPr lang="en-IE" b="0" i="0" smtClean="0">
+                            <a:latin typeface="Cambria Math" panose="02040503050406030204" pitchFamily="18" charset="0"/>
+                          </a:rPr>
+                        </m:ctrlPr>
+                      </m:dPr>
+                      <m:e>
+                        <m:r>
+                          <a:rPr lang="en-IE" b="0" i="1" smtClean="0">
+                            <a:latin typeface="Cambria Math" panose="02040503050406030204" pitchFamily="18" charset="0"/>
+                          </a:rPr>
+                          <m:t>1−</m:t>
+                        </m:r>
+                        <m:r>
+                          <a:rPr lang="en-IE" b="0" i="1" smtClean="0">
+                            <a:latin typeface="Cambria Math" panose="02040503050406030204" pitchFamily="18" charset="0"/>
+                          </a:rPr>
+                          <m:t>𝛼</m:t>
+                        </m:r>
+                      </m:e>
+                    </m:d>
+                    <m:r>
+                      <a:rPr lang="en-IE" b="0" i="1" smtClean="0">
+                        <a:latin typeface="Cambria Math" panose="02040503050406030204" pitchFamily="18" charset="0"/>
+                      </a:rPr>
+                      <m:t>%</m:t>
+                    </m:r>
+                  </m:oMath>
+                </a14:m>
+                <a:r>
+                  <a:rPr lang="en-GB" dirty="0"/>
+                  <a:t> (e.g., </a:t>
+                </a:r>
+                <a14:m>
+                  <m:oMath xmlns:m="http://schemas.openxmlformats.org/officeDocument/2006/math">
+                    <m:r>
+                      <a:rPr lang="en-IE" b="0" i="1" smtClean="0">
+                        <a:latin typeface="Cambria Math" panose="02040503050406030204" pitchFamily="18" charset="0"/>
+                      </a:rPr>
+                      <m:t>95%</m:t>
+                    </m:r>
+                  </m:oMath>
+                </a14:m>
+                <a:r>
+                  <a:rPr lang="en-GB" dirty="0"/>
+                  <a:t>).</a:t>
+                </a:r>
+              </a:p>
+              <a:p>
+                <a:pPr marL="0" indent="0">
+                  <a:buNone/>
+                </a:pPr>
+                <a:r>
+                  <a:rPr lang="en-GB" dirty="0"/>
+                  <a:t>However, in the functional case, constructing this interval at each </a:t>
+                </a:r>
+                <a14:m>
+                  <m:oMath xmlns:m="http://schemas.openxmlformats.org/officeDocument/2006/math">
+                    <m:r>
+                      <a:rPr lang="en-IE" b="0" i="1" smtClean="0">
+                        <a:latin typeface="Cambria Math" panose="02040503050406030204" pitchFamily="18" charset="0"/>
+                      </a:rPr>
+                      <m:t>𝑡</m:t>
+                    </m:r>
+                  </m:oMath>
+                </a14:m>
+                <a:r>
+                  <a:rPr lang="en-GB" dirty="0"/>
+                  <a:t> will only provide coverage </a:t>
+                </a:r>
+                <a:r>
+                  <a:rPr lang="en-GB" b="1" dirty="0"/>
+                  <a:t>at that point!</a:t>
+                </a:r>
+              </a:p>
+              <a:p>
+                <a:pPr marL="0" indent="0">
+                  <a:buNone/>
+                </a:pPr>
+                <a:endParaRPr lang="en-GB" b="1" dirty="0"/>
+              </a:p>
+              <a:p>
+                <a:pPr marL="0" indent="0">
+                  <a:buNone/>
+                </a:pPr>
+                <a:r>
+                  <a:rPr lang="en-GB" b="1" dirty="0"/>
+                  <a:t>Solution:</a:t>
+                </a:r>
+                <a:r>
+                  <a:rPr lang="en-GB" dirty="0"/>
+                  <a:t> </a:t>
+                </a:r>
+                <a:r>
+                  <a:rPr lang="en-GB" b="1" u="sng" dirty="0"/>
+                  <a:t>Simultaneous Confidence Bands</a:t>
+                </a:r>
+                <a:r>
+                  <a:rPr lang="en-GB" dirty="0"/>
+                  <a:t> provide coverage of the entire function </a:t>
+                </a:r>
+                <a14:m>
+                  <m:oMath xmlns:m="http://schemas.openxmlformats.org/officeDocument/2006/math">
+                    <m:sSub>
+                      <m:sSubPr>
+                        <m:ctrlPr>
+                          <a:rPr lang="en-IE" i="1" smtClean="0">
+                            <a:latin typeface="Cambria Math" panose="02040503050406030204" pitchFamily="18" charset="0"/>
+                          </a:rPr>
+                        </m:ctrlPr>
+                      </m:sSubPr>
+                      <m:e>
+                        <m:r>
+                          <a:rPr lang="en-IE" i="1">
+                            <a:latin typeface="Cambria Math" panose="02040503050406030204" pitchFamily="18" charset="0"/>
+                          </a:rPr>
+                          <m:t>𝛽</m:t>
+                        </m:r>
+                      </m:e>
+                      <m:sub>
+                        <m:r>
+                          <a:rPr lang="en-IE" i="1">
+                            <a:latin typeface="Cambria Math" panose="02040503050406030204" pitchFamily="18" charset="0"/>
+                          </a:rPr>
+                          <m:t>𝑎</m:t>
+                        </m:r>
+                      </m:sub>
+                    </m:sSub>
+                    <m:d>
+                      <m:dPr>
+                        <m:ctrlPr>
+                          <a:rPr lang="en-IE" b="0" i="1" smtClean="0">
+                            <a:latin typeface="Cambria Math" panose="02040503050406030204" pitchFamily="18" charset="0"/>
+                          </a:rPr>
+                        </m:ctrlPr>
+                      </m:dPr>
+                      <m:e>
+                        <m:r>
+                          <a:rPr lang="en-IE" b="0" i="1" smtClean="0">
+                            <a:latin typeface="Cambria Math" panose="02040503050406030204" pitchFamily="18" charset="0"/>
+                          </a:rPr>
+                          <m:t>𝑡</m:t>
+                        </m:r>
+                      </m:e>
+                    </m:d>
+                    <m:r>
+                      <a:rPr lang="en-IE" b="0" i="0" smtClean="0">
+                        <a:latin typeface="Cambria Math" panose="02040503050406030204" pitchFamily="18" charset="0"/>
+                      </a:rPr>
+                      <m:t>,</m:t>
+                    </m:r>
+                  </m:oMath>
+                </a14:m>
+                <a:r>
+                  <a:rPr lang="en-GB" dirty="0"/>
+                  <a:t> rather than its value at a given point.</a:t>
+                </a:r>
+              </a:p>
+              <a:p>
+                <a:pPr>
+                  <a:buFont typeface="Wingdings" pitchFamily="2" charset="2"/>
+                  <a:buChar char="Ø"/>
+                </a:pPr>
+                <a:r>
+                  <a:rPr lang="en-GB" dirty="0"/>
+                  <a:t>Typically constructed by bootstrap or simulation.</a:t>
+                </a:r>
+              </a:p>
+            </p:txBody>
+          </p:sp>
+        </mc:Choice>
+        <mc:Fallback>
+          <p:sp>
+            <p:nvSpPr>
+              <p:cNvPr id="3" name="Content Placeholder 2">
+                <a:extLst>
+                  <a:ext uri="{FF2B5EF4-FFF2-40B4-BE49-F238E27FC236}">
+                    <a16:creationId xmlns:a16="http://schemas.microsoft.com/office/drawing/2014/main" id="{2FECE5C9-F94B-0584-07E7-F0F522EC67D8}"/>
+                  </a:ext>
+                </a:extLst>
+              </p:cNvPr>
+              <p:cNvSpPr>
+                <a:spLocks noGrp="1" noRot="1" noChangeAspect="1" noMove="1" noResize="1" noEditPoints="1" noAdjustHandles="1" noChangeArrowheads="1" noChangeShapeType="1" noTextEdit="1"/>
+              </p:cNvSpPr>
+              <p:nvPr>
+                <p:ph idx="1"/>
+              </p:nvPr>
+            </p:nvSpPr>
+            <p:spPr>
+              <a:blipFill>
+                <a:blip r:embed="rId3"/>
+                <a:stretch>
+                  <a:fillRect l="-1206" t="-3198"/>
+                </a:stretch>
+              </a:blipFill>
+            </p:spPr>
+            <p:txBody>
+              <a:bodyPr/>
+              <a:lstStyle/>
+              <a:p>
+                <a:r>
+                  <a:rPr lang="en-GB">
+                    <a:noFill/>
+                  </a:rPr>
+                  <a:t> </a:t>
+                </a:r>
+              </a:p>
+            </p:txBody>
+          </p:sp>
+        </mc:Fallback>
+      </mc:AlternateContent>
+    </p:spTree>
+    <p:extLst>
+      <p:ext uri="{BB962C8B-B14F-4D97-AF65-F5344CB8AC3E}">
+        <p14:creationId xmlns:p14="http://schemas.microsoft.com/office/powerpoint/2010/main" val="2607254572"/>
+      </p:ext>
+    </p:extLst>
+  </p:cSld>
+  <p:clrMapOvr>
+    <a:masterClrMapping/>
+  </p:clrMapOvr>
+</p:sld>
+</file>
+
+<file path=ppt/slides/slide8.xml><?xml version="1.0" encoding="utf-8"?>
+<p:sld xmlns:a="http://schemas.openxmlformats.org/drawingml/2006/main" xmlns:r="http://schemas.openxmlformats.org/officeDocument/2006/relationships" xmlns:p="http://schemas.openxmlformats.org/presentationml/2006/main">
+  <p:cSld>
+    <p:spTree>
+      <p:nvGrpSpPr>
+        <p:cNvPr id="1" name=""/>
+        <p:cNvGrpSpPr/>
+        <p:nvPr/>
+      </p:nvGrpSpPr>
+      <p:grpSpPr>
+        <a:xfrm>
+          <a:off x="0" y="0"/>
+          <a:ext cx="0" cy="0"/>
+          <a:chOff x="0" y="0"/>
+          <a:chExt cx="0" cy="0"/>
+        </a:xfrm>
+      </p:grpSpPr>
+      <p:sp>
+        <p:nvSpPr>
+          <p:cNvPr id="2" name="Title 1">
+            <a:extLst>
+              <a:ext uri="{FF2B5EF4-FFF2-40B4-BE49-F238E27FC236}">
+                <a16:creationId xmlns:a16="http://schemas.microsoft.com/office/drawing/2014/main" id="{9E61D58F-42DA-B2B2-741E-22FDD51BDBB3}"/>
+              </a:ext>
+            </a:extLst>
+          </p:cNvPr>
+          <p:cNvSpPr>
+            <a:spLocks noGrp="1"/>
+          </p:cNvSpPr>
+          <p:nvPr>
+            <p:ph type="title"/>
+          </p:nvPr>
+        </p:nvSpPr>
+        <p:spPr/>
+        <p:txBody>
+          <a:bodyPr/>
+          <a:lstStyle/>
+          <a:p>
+            <a:r>
+              <a:rPr lang="en-GB" dirty="0"/>
+              <a:t>Inference</a:t>
+            </a:r>
+          </a:p>
+        </p:txBody>
+      </p:sp>
+      <mc:AlternateContent xmlns:mc="http://schemas.openxmlformats.org/markup-compatibility/2006">
+        <mc:Choice xmlns:a14="http://schemas.microsoft.com/office/drawing/2010/main" Requires="a14">
+          <p:sp>
+            <p:nvSpPr>
+              <p:cNvPr id="3" name="Content Placeholder 2">
+                <a:extLst>
+                  <a:ext uri="{FF2B5EF4-FFF2-40B4-BE49-F238E27FC236}">
+                    <a16:creationId xmlns:a16="http://schemas.microsoft.com/office/drawing/2014/main" id="{B759C73D-7C02-2F9E-6491-A58AF57F009C}"/>
+                  </a:ext>
+                </a:extLst>
+              </p:cNvPr>
+              <p:cNvSpPr>
+                <a:spLocks noGrp="1"/>
+              </p:cNvSpPr>
+              <p:nvPr>
+                <p:ph idx="1"/>
+              </p:nvPr>
+            </p:nvSpPr>
+            <p:spPr/>
+            <p:txBody>
+              <a:bodyPr/>
+              <a:lstStyle/>
+              <a:p>
+                <a:pPr marL="0" indent="0">
+                  <a:buNone/>
+                </a:pPr>
+                <a:r>
+                  <a:rPr lang="en-GB" dirty="0"/>
+                  <a:t>Example: Effect of running speed and sex on knee angle kinematics</a:t>
+                </a:r>
+              </a:p>
+              <a:p>
+                <a:pPr marL="0" indent="0">
+                  <a:buNone/>
+                </a:pPr>
+                <a:endParaRPr lang="en-GB" dirty="0"/>
+              </a:p>
+              <a:p>
+                <a:pPr marL="0" indent="0">
+                  <a:buNone/>
+                </a:pPr>
+                <a:endParaRPr lang="en-GB" dirty="0"/>
+              </a:p>
+              <a:p>
+                <a:pPr marL="0" indent="0">
+                  <a:buNone/>
+                </a:pPr>
+                <a:endParaRPr lang="en-GB" dirty="0"/>
+              </a:p>
+              <a:p>
+                <a:pPr marL="0" indent="0">
+                  <a:buNone/>
+                </a:pPr>
+                <a:endParaRPr lang="en-GB" dirty="0"/>
+              </a:p>
+              <a:p>
+                <a:pPr marL="0" indent="0">
+                  <a:buNone/>
+                </a:pPr>
+                <a:endParaRPr lang="en-GB" dirty="0"/>
+              </a:p>
+              <a:p>
+                <a:pPr marL="0" indent="0">
+                  <a:buNone/>
+                </a:pPr>
+                <a:r>
+                  <a:rPr lang="en-GB" dirty="0"/>
+                  <a:t>Simultaneous bands typically wider than pointwise </a:t>
+                </a:r>
+                <a14:m>
+                  <m:oMath xmlns:m="http://schemas.openxmlformats.org/officeDocument/2006/math">
+                    <m:r>
+                      <a:rPr lang="en-IE" b="0" i="1" smtClean="0">
+                        <a:latin typeface="Cambria Math" panose="02040503050406030204" pitchFamily="18" charset="0"/>
+                      </a:rPr>
+                      <m:t>→</m:t>
+                    </m:r>
+                  </m:oMath>
+                </a14:m>
+                <a:r>
+                  <a:rPr lang="en-GB" dirty="0"/>
+                  <a:t> “multiple comparisons correction across </a:t>
+                </a:r>
+                <a14:m>
+                  <m:oMath xmlns:m="http://schemas.openxmlformats.org/officeDocument/2006/math">
+                    <m:r>
+                      <a:rPr lang="en-IE" b="0" i="1" smtClean="0">
+                        <a:latin typeface="Cambria Math" panose="02040503050406030204" pitchFamily="18" charset="0"/>
+                      </a:rPr>
+                      <m:t>𝑡</m:t>
+                    </m:r>
+                  </m:oMath>
+                </a14:m>
+                <a:r>
+                  <a:rPr lang="en-GB" dirty="0"/>
+                  <a:t>”</a:t>
+                </a:r>
+              </a:p>
+            </p:txBody>
+          </p:sp>
+        </mc:Choice>
+        <mc:Fallback>
+          <p:sp>
+            <p:nvSpPr>
+              <p:cNvPr id="3" name="Content Placeholder 2">
+                <a:extLst>
+                  <a:ext uri="{FF2B5EF4-FFF2-40B4-BE49-F238E27FC236}">
+                    <a16:creationId xmlns:a16="http://schemas.microsoft.com/office/drawing/2014/main" id="{B759C73D-7C02-2F9E-6491-A58AF57F009C}"/>
+                  </a:ext>
+                </a:extLst>
+              </p:cNvPr>
+              <p:cNvSpPr>
+                <a:spLocks noGrp="1" noRot="1" noChangeAspect="1" noMove="1" noResize="1" noEditPoints="1" noAdjustHandles="1" noChangeArrowheads="1" noChangeShapeType="1" noTextEdit="1"/>
+              </p:cNvSpPr>
+              <p:nvPr>
+                <p:ph idx="1"/>
+              </p:nvPr>
+            </p:nvSpPr>
+            <p:spPr>
+              <a:blipFill>
+                <a:blip r:embed="rId2"/>
+                <a:stretch>
+                  <a:fillRect l="-1206" t="-2326" r="-121"/>
+                </a:stretch>
+              </a:blipFill>
+            </p:spPr>
+            <p:txBody>
+              <a:bodyPr/>
+              <a:lstStyle/>
+              <a:p>
+                <a:r>
+                  <a:rPr lang="en-GB">
+                    <a:noFill/>
+                  </a:rPr>
+                  <a:t> </a:t>
+                </a:r>
+              </a:p>
+            </p:txBody>
+          </p:sp>
+        </mc:Fallback>
+      </mc:AlternateContent>
+      <p:pic>
+        <p:nvPicPr>
+          <p:cNvPr id="5" name="Picture 4" descr="A diagram of a speed line&#10;&#10;Description automatically generated with medium confidence">
+            <a:extLst>
+              <a:ext uri="{FF2B5EF4-FFF2-40B4-BE49-F238E27FC236}">
+                <a16:creationId xmlns:a16="http://schemas.microsoft.com/office/drawing/2014/main" id="{DF69660B-0CCE-4EB6-89BD-169282EA6FC0}"/>
+              </a:ext>
+            </a:extLst>
+          </p:cNvPr>
+          <p:cNvPicPr>
+            <a:picLocks noChangeAspect="1"/>
+          </p:cNvPicPr>
+          <p:nvPr/>
+        </p:nvPicPr>
+        <p:blipFill>
+          <a:blip r:embed="rId3"/>
+          <a:stretch>
+            <a:fillRect/>
+          </a:stretch>
+        </p:blipFill>
+        <p:spPr>
+          <a:xfrm>
+            <a:off x="2311400" y="2660420"/>
+            <a:ext cx="7569200" cy="1955800"/>
+          </a:xfrm>
+          <a:prstGeom prst="rect">
+            <a:avLst/>
+          </a:prstGeom>
+        </p:spPr>
+      </p:pic>
+    </p:spTree>
+    <p:extLst>
+      <p:ext uri="{BB962C8B-B14F-4D97-AF65-F5344CB8AC3E}">
+        <p14:creationId xmlns:p14="http://schemas.microsoft.com/office/powerpoint/2010/main" val="1299958291"/>
+      </p:ext>
+    </p:extLst>
+  </p:cSld>
+  <p:clrMapOvr>
+    <a:masterClrMapping/>
+  </p:clrMapOvr>
+</p:sld>
+</file>
+
+<file path=ppt/slides/slide9.xml><?xml version="1.0" encoding="utf-8"?>
+<p:sld xmlns:a="http://schemas.openxmlformats.org/drawingml/2006/main" xmlns:r="http://schemas.openxmlformats.org/officeDocument/2006/relationships" xmlns:p="http://schemas.openxmlformats.org/presentationml/2006/main">
+  <p:cSld>
+    <p:spTree>
+      <p:nvGrpSpPr>
+        <p:cNvPr id="1" name=""/>
+        <p:cNvGrpSpPr/>
+        <p:nvPr/>
+      </p:nvGrpSpPr>
+      <p:grpSpPr>
+        <a:xfrm>
+          <a:off x="0" y="0"/>
+          <a:ext cx="0" cy="0"/>
+          <a:chOff x="0" y="0"/>
+          <a:chExt cx="0" cy="0"/>
+        </a:xfrm>
+      </p:grpSpPr>
+      <p:sp>
+        <p:nvSpPr>
+          <p:cNvPr id="2" name="Title 1">
+            <a:extLst>
+              <a:ext uri="{FF2B5EF4-FFF2-40B4-BE49-F238E27FC236}">
+                <a16:creationId xmlns:a16="http://schemas.microsoft.com/office/drawing/2014/main" id="{9E61D58F-42DA-B2B2-741E-22FDD51BDBB3}"/>
+              </a:ext>
+            </a:extLst>
+          </p:cNvPr>
+          <p:cNvSpPr>
+            <a:spLocks noGrp="1"/>
+          </p:cNvSpPr>
+          <p:nvPr>
+            <p:ph type="title"/>
+          </p:nvPr>
+        </p:nvSpPr>
+        <p:spPr/>
+        <p:txBody>
+          <a:bodyPr/>
+          <a:lstStyle/>
+          <a:p>
+            <a:r>
+              <a:rPr lang="en-GB" dirty="0"/>
+              <a:t>Inference</a:t>
+            </a:r>
+          </a:p>
+        </p:txBody>
+      </p:sp>
+      <mc:AlternateContent xmlns:mc="http://schemas.openxmlformats.org/markup-compatibility/2006">
+        <mc:Choice xmlns:a14="http://schemas.microsoft.com/office/drawing/2010/main" Requires="a14">
+          <p:sp>
+            <p:nvSpPr>
+              <p:cNvPr id="3" name="Content Placeholder 2">
+                <a:extLst>
+                  <a:ext uri="{FF2B5EF4-FFF2-40B4-BE49-F238E27FC236}">
+                    <a16:creationId xmlns:a16="http://schemas.microsoft.com/office/drawing/2014/main" id="{B759C73D-7C02-2F9E-6491-A58AF57F009C}"/>
+                  </a:ext>
+                </a:extLst>
+              </p:cNvPr>
+              <p:cNvSpPr>
+                <a:spLocks noGrp="1"/>
+              </p:cNvSpPr>
+              <p:nvPr>
+                <p:ph idx="1"/>
+              </p:nvPr>
+            </p:nvSpPr>
+            <p:spPr/>
+            <p:txBody>
+              <a:bodyPr/>
+              <a:lstStyle/>
+              <a:p>
+                <a:pPr marL="0" indent="0">
+                  <a:buNone/>
+                </a:pPr>
+                <a:r>
+                  <a:rPr lang="en-IE" dirty="0"/>
+                  <a:t>Likewise, in classical regression we test</a:t>
+                </a:r>
+              </a:p>
+              <a:p>
+                <a:pPr marL="0" indent="0" algn="ctr">
+                  <a:buNone/>
+                </a:pPr>
+                <a14:m>
+                  <m:oMath xmlns:m="http://schemas.openxmlformats.org/officeDocument/2006/math">
+                    <m:sSub>
+                      <m:sSubPr>
+                        <m:ctrlPr>
+                          <a:rPr lang="en-IE" b="0" i="1" smtClean="0">
+                            <a:latin typeface="Cambria Math" panose="02040503050406030204" pitchFamily="18" charset="0"/>
+                          </a:rPr>
+                        </m:ctrlPr>
+                      </m:sSubPr>
+                      <m:e>
+                        <m:r>
+                          <a:rPr lang="en-IE" b="0" i="1" smtClean="0">
+                            <a:latin typeface="Cambria Math" panose="02040503050406030204" pitchFamily="18" charset="0"/>
+                          </a:rPr>
+                          <m:t>𝐻</m:t>
+                        </m:r>
+                      </m:e>
+                      <m:sub>
+                        <m:r>
+                          <a:rPr lang="en-IE" b="0" i="1" smtClean="0">
+                            <a:latin typeface="Cambria Math" panose="02040503050406030204" pitchFamily="18" charset="0"/>
+                          </a:rPr>
+                          <m:t>0</m:t>
+                        </m:r>
+                      </m:sub>
+                    </m:sSub>
+                    <m:r>
+                      <a:rPr lang="en-IE" b="0" i="1" smtClean="0">
+                        <a:latin typeface="Cambria Math" panose="02040503050406030204" pitchFamily="18" charset="0"/>
+                      </a:rPr>
+                      <m:t>:</m:t>
+                    </m:r>
+                    <m:sSub>
+                      <m:sSubPr>
+                        <m:ctrlPr>
+                          <a:rPr lang="en-IE" b="0" i="1" smtClean="0">
+                            <a:latin typeface="Cambria Math" panose="02040503050406030204" pitchFamily="18" charset="0"/>
+                          </a:rPr>
+                        </m:ctrlPr>
+                      </m:sSubPr>
+                      <m:e>
+                        <m:r>
+                          <a:rPr lang="en-IE" b="0" i="1" smtClean="0">
+                            <a:latin typeface="Cambria Math" panose="02040503050406030204" pitchFamily="18" charset="0"/>
+                          </a:rPr>
+                          <m:t>𝛽</m:t>
+                        </m:r>
+                      </m:e>
+                      <m:sub>
+                        <m:r>
+                          <a:rPr lang="en-IE" b="0" i="1" smtClean="0">
+                            <a:latin typeface="Cambria Math" panose="02040503050406030204" pitchFamily="18" charset="0"/>
+                          </a:rPr>
+                          <m:t>𝑎</m:t>
+                        </m:r>
+                      </m:sub>
+                    </m:sSub>
+                    <m:r>
+                      <a:rPr lang="en-IE" b="0" i="1" smtClean="0">
+                        <a:latin typeface="Cambria Math" panose="02040503050406030204" pitchFamily="18" charset="0"/>
+                      </a:rPr>
+                      <m:t>=0</m:t>
+                    </m:r>
+                  </m:oMath>
+                </a14:m>
+                <a:r>
+                  <a:rPr lang="en-GB" dirty="0"/>
+                  <a:t> vs. </a:t>
+                </a:r>
+                <a14:m>
+                  <m:oMath xmlns:m="http://schemas.openxmlformats.org/officeDocument/2006/math">
+                    <m:sSub>
+                      <m:sSubPr>
+                        <m:ctrlPr>
+                          <a:rPr lang="en-IE" i="1">
+                            <a:latin typeface="Cambria Math" panose="02040503050406030204" pitchFamily="18" charset="0"/>
+                          </a:rPr>
+                        </m:ctrlPr>
+                      </m:sSubPr>
+                      <m:e>
+                        <m:r>
+                          <a:rPr lang="en-IE" i="1">
+                            <a:latin typeface="Cambria Math" panose="02040503050406030204" pitchFamily="18" charset="0"/>
+                          </a:rPr>
+                          <m:t>𝐻</m:t>
+                        </m:r>
+                      </m:e>
+                      <m:sub>
+                        <m:r>
+                          <a:rPr lang="en-IE" b="0" i="1" smtClean="0">
+                            <a:latin typeface="Cambria Math" panose="02040503050406030204" pitchFamily="18" charset="0"/>
+                          </a:rPr>
+                          <m:t>𝐴</m:t>
+                        </m:r>
+                      </m:sub>
+                    </m:sSub>
+                    <m:r>
+                      <a:rPr lang="en-IE" i="1">
+                        <a:latin typeface="Cambria Math" panose="02040503050406030204" pitchFamily="18" charset="0"/>
+                      </a:rPr>
+                      <m:t>:</m:t>
+                    </m:r>
+                    <m:sSub>
+                      <m:sSubPr>
+                        <m:ctrlPr>
+                          <a:rPr lang="en-IE" i="1">
+                            <a:latin typeface="Cambria Math" panose="02040503050406030204" pitchFamily="18" charset="0"/>
+                          </a:rPr>
+                        </m:ctrlPr>
+                      </m:sSubPr>
+                      <m:e>
+                        <m:r>
+                          <a:rPr lang="en-IE" i="1">
+                            <a:latin typeface="Cambria Math" panose="02040503050406030204" pitchFamily="18" charset="0"/>
+                          </a:rPr>
+                          <m:t>𝛽</m:t>
+                        </m:r>
+                      </m:e>
+                      <m:sub>
+                        <m:r>
+                          <a:rPr lang="en-IE" i="1">
+                            <a:latin typeface="Cambria Math" panose="02040503050406030204" pitchFamily="18" charset="0"/>
+                          </a:rPr>
+                          <m:t>𝑎</m:t>
+                        </m:r>
+                      </m:sub>
+                    </m:sSub>
+                    <m:r>
+                      <a:rPr lang="en-IE" b="0" i="1" smtClean="0">
+                        <a:latin typeface="Cambria Math" panose="02040503050406030204" pitchFamily="18" charset="0"/>
+                      </a:rPr>
+                      <m:t>≠</m:t>
+                    </m:r>
+                    <m:r>
+                      <a:rPr lang="en-IE" i="1">
+                        <a:latin typeface="Cambria Math" panose="02040503050406030204" pitchFamily="18" charset="0"/>
+                      </a:rPr>
+                      <m:t>0</m:t>
+                    </m:r>
+                  </m:oMath>
+                </a14:m>
+                <a:r>
+                  <a:rPr lang="en-GB" dirty="0"/>
+                  <a:t> </a:t>
+                </a:r>
+              </a:p>
+              <a:p>
+                <a:pPr marL="0" indent="0">
+                  <a:buNone/>
+                </a:pPr>
+                <a:r>
+                  <a:rPr lang="en-GB" dirty="0"/>
+                  <a:t>but, for function-on-scalar regression, constructing these tests at each point would lead to an inflated type I error.</a:t>
+                </a:r>
+              </a:p>
+              <a:p>
+                <a:pPr marL="0" indent="0">
+                  <a:buNone/>
+                </a:pPr>
+                <a:r>
+                  <a:rPr lang="en-GB" dirty="0"/>
+                  <a:t>Instead, simultaneous inference focuses on tests of the form</a:t>
+                </a:r>
+              </a:p>
+              <a:p>
+                <a:pPr marL="0" indent="0">
+                  <a:buNone/>
+                </a:pPr>
+                <a14:m>
+                  <m:oMathPara xmlns:m="http://schemas.openxmlformats.org/officeDocument/2006/math">
+                    <m:oMathParaPr>
+                      <m:jc m:val="centerGroup"/>
+                    </m:oMathParaPr>
+                    <m:oMath xmlns:m="http://schemas.openxmlformats.org/officeDocument/2006/math">
+                      <m:sSub>
+                        <m:sSubPr>
+                          <m:ctrlPr>
+                            <a:rPr lang="en-IE" b="0" i="1" smtClean="0">
+                              <a:latin typeface="Cambria Math" panose="02040503050406030204" pitchFamily="18" charset="0"/>
+                            </a:rPr>
+                          </m:ctrlPr>
+                        </m:sSubPr>
+                        <m:e>
+                          <m:r>
+                            <a:rPr lang="en-IE" b="0" i="1" smtClean="0">
+                              <a:latin typeface="Cambria Math" panose="02040503050406030204" pitchFamily="18" charset="0"/>
+                            </a:rPr>
+                            <m:t>𝐻</m:t>
+                          </m:r>
+                        </m:e>
+                        <m:sub>
+                          <m:r>
+                            <a:rPr lang="en-IE" b="0" i="1" smtClean="0">
+                              <a:latin typeface="Cambria Math" panose="02040503050406030204" pitchFamily="18" charset="0"/>
+                            </a:rPr>
+                            <m:t>0</m:t>
+                          </m:r>
+                        </m:sub>
+                      </m:sSub>
+                      <m:r>
+                        <a:rPr lang="en-IE" b="0" i="1" smtClean="0">
+                          <a:latin typeface="Cambria Math" panose="02040503050406030204" pitchFamily="18" charset="0"/>
+                        </a:rPr>
+                        <m:t>:</m:t>
+                      </m:r>
+                      <m:sSub>
+                        <m:sSubPr>
+                          <m:ctrlPr>
+                            <a:rPr lang="en-IE" b="0" i="1" smtClean="0">
+                              <a:latin typeface="Cambria Math" panose="02040503050406030204" pitchFamily="18" charset="0"/>
+                            </a:rPr>
+                          </m:ctrlPr>
+                        </m:sSubPr>
+                        <m:e>
+                          <m:r>
+                            <a:rPr lang="en-IE" b="0" i="1" smtClean="0">
+                              <a:latin typeface="Cambria Math" panose="02040503050406030204" pitchFamily="18" charset="0"/>
+                            </a:rPr>
+                            <m:t>𝛽</m:t>
+                          </m:r>
+                        </m:e>
+                        <m:sub>
+                          <m:r>
+                            <a:rPr lang="en-IE" b="0" i="1" smtClean="0">
+                              <a:latin typeface="Cambria Math" panose="02040503050406030204" pitchFamily="18" charset="0"/>
+                            </a:rPr>
+                            <m:t>𝑎</m:t>
+                          </m:r>
+                        </m:sub>
+                      </m:sSub>
+                      <m:d>
+                        <m:dPr>
+                          <m:ctrlPr>
+                            <a:rPr lang="en-IE" b="0" i="1" smtClean="0">
+                              <a:latin typeface="Cambria Math" panose="02040503050406030204" pitchFamily="18" charset="0"/>
+                            </a:rPr>
+                          </m:ctrlPr>
+                        </m:dPr>
+                        <m:e>
+                          <m:r>
+                            <a:rPr lang="en-IE" b="0" i="1" smtClean="0">
+                              <a:latin typeface="Cambria Math" panose="02040503050406030204" pitchFamily="18" charset="0"/>
+                            </a:rPr>
+                            <m:t>𝑡</m:t>
+                          </m:r>
+                        </m:e>
+                      </m:d>
+                      <m:r>
+                        <a:rPr lang="en-IE" b="0" i="1" smtClean="0">
+                          <a:latin typeface="Cambria Math" panose="02040503050406030204" pitchFamily="18" charset="0"/>
+                        </a:rPr>
+                        <m:t>=0 ∀ </m:t>
+                      </m:r>
+                      <m:r>
+                        <a:rPr lang="en-IE" b="0" i="1" smtClean="0">
+                          <a:latin typeface="Cambria Math" panose="02040503050406030204" pitchFamily="18" charset="0"/>
+                        </a:rPr>
+                        <m:t>𝑡</m:t>
+                      </m:r>
+                      <m:r>
+                        <a:rPr lang="en-IE" b="0" i="1" smtClean="0">
+                          <a:latin typeface="Cambria Math" panose="02040503050406030204" pitchFamily="18" charset="0"/>
+                        </a:rPr>
+                        <m:t>∈[0, </m:t>
+                      </m:r>
+                      <m:r>
+                        <a:rPr lang="en-IE" b="0" i="1" smtClean="0">
+                          <a:latin typeface="Cambria Math" panose="02040503050406030204" pitchFamily="18" charset="0"/>
+                        </a:rPr>
+                        <m:t>𝑇</m:t>
+                      </m:r>
+                      <m:r>
+                        <a:rPr lang="en-IE" b="0" i="1" smtClean="0">
+                          <a:latin typeface="Cambria Math" panose="02040503050406030204" pitchFamily="18" charset="0"/>
+                        </a:rPr>
+                        <m:t>]</m:t>
+                      </m:r>
+                    </m:oMath>
+                  </m:oMathPara>
+                </a14:m>
+                <a:endParaRPr lang="en-GB" dirty="0"/>
+              </a:p>
+              <a:p>
+                <a:pPr marL="0" indent="0" algn="ctr">
+                  <a:buNone/>
+                </a:pPr>
+                <a14:m>
+                  <m:oMath xmlns:m="http://schemas.openxmlformats.org/officeDocument/2006/math">
+                    <m:sSub>
+                      <m:sSubPr>
+                        <m:ctrlPr>
+                          <a:rPr lang="en-IE" b="0" i="1" smtClean="0">
+                            <a:latin typeface="Cambria Math" panose="02040503050406030204" pitchFamily="18" charset="0"/>
+                          </a:rPr>
+                        </m:ctrlPr>
+                      </m:sSubPr>
+                      <m:e>
+                        <m:r>
+                          <a:rPr lang="en-IE" b="0" i="1" smtClean="0">
+                            <a:latin typeface="Cambria Math" panose="02040503050406030204" pitchFamily="18" charset="0"/>
+                          </a:rPr>
+                          <m:t>𝐻</m:t>
+                        </m:r>
+                      </m:e>
+                      <m:sub>
+                        <m:r>
+                          <a:rPr lang="en-IE" b="0" i="1" smtClean="0">
+                            <a:latin typeface="Cambria Math" panose="02040503050406030204" pitchFamily="18" charset="0"/>
+                          </a:rPr>
+                          <m:t>𝐴</m:t>
+                        </m:r>
+                      </m:sub>
+                    </m:sSub>
+                    <m:r>
+                      <a:rPr lang="en-IE" b="0" i="1" smtClean="0">
+                        <a:latin typeface="Cambria Math" panose="02040503050406030204" pitchFamily="18" charset="0"/>
+                      </a:rPr>
+                      <m:t>:</m:t>
+                    </m:r>
+                  </m:oMath>
+                </a14:m>
+                <a:r>
+                  <a:rPr lang="en-GB" dirty="0"/>
+                  <a:t> There exists some </a:t>
+                </a:r>
+                <a14:m>
+                  <m:oMath xmlns:m="http://schemas.openxmlformats.org/officeDocument/2006/math">
+                    <m:r>
+                      <a:rPr lang="en-IE" i="1">
+                        <a:latin typeface="Cambria Math" panose="02040503050406030204" pitchFamily="18" charset="0"/>
+                      </a:rPr>
+                      <m:t>𝑡</m:t>
+                    </m:r>
+                    <m:r>
+                      <a:rPr lang="en-IE" i="1">
+                        <a:latin typeface="Cambria Math" panose="02040503050406030204" pitchFamily="18" charset="0"/>
+                      </a:rPr>
+                      <m:t>∈[0, </m:t>
+                    </m:r>
+                    <m:r>
+                      <a:rPr lang="en-IE" i="1">
+                        <a:latin typeface="Cambria Math" panose="02040503050406030204" pitchFamily="18" charset="0"/>
+                      </a:rPr>
+                      <m:t>𝑇</m:t>
+                    </m:r>
+                    <m:r>
+                      <a:rPr lang="en-IE" i="1">
+                        <a:latin typeface="Cambria Math" panose="02040503050406030204" pitchFamily="18" charset="0"/>
+                      </a:rPr>
+                      <m:t>]</m:t>
+                    </m:r>
+                  </m:oMath>
+                </a14:m>
+                <a:r>
+                  <a:rPr lang="en-GB" dirty="0"/>
+                  <a:t> </a:t>
+                </a:r>
+                <a:r>
+                  <a:rPr lang="en-GB" dirty="0" err="1"/>
+                  <a:t>s.t.</a:t>
+                </a:r>
+                <a:r>
+                  <a:rPr lang="en-GB" dirty="0"/>
+                  <a:t> </a:t>
+                </a:r>
+                <a14:m>
+                  <m:oMath xmlns:m="http://schemas.openxmlformats.org/officeDocument/2006/math">
+                    <m:sSub>
+                      <m:sSubPr>
+                        <m:ctrlPr>
+                          <a:rPr lang="en-IE" i="1">
+                            <a:latin typeface="Cambria Math" panose="02040503050406030204" pitchFamily="18" charset="0"/>
+                          </a:rPr>
+                        </m:ctrlPr>
+                      </m:sSubPr>
+                      <m:e>
+                        <m:r>
+                          <a:rPr lang="en-IE" i="1">
+                            <a:latin typeface="Cambria Math" panose="02040503050406030204" pitchFamily="18" charset="0"/>
+                          </a:rPr>
+                          <m:t>𝛽</m:t>
+                        </m:r>
+                      </m:e>
+                      <m:sub>
+                        <m:r>
+                          <a:rPr lang="en-IE" i="1">
+                            <a:latin typeface="Cambria Math" panose="02040503050406030204" pitchFamily="18" charset="0"/>
+                          </a:rPr>
+                          <m:t>𝑎</m:t>
+                        </m:r>
+                      </m:sub>
+                    </m:sSub>
+                    <m:d>
+                      <m:dPr>
+                        <m:ctrlPr>
+                          <a:rPr lang="en-IE" i="1">
+                            <a:latin typeface="Cambria Math" panose="02040503050406030204" pitchFamily="18" charset="0"/>
+                          </a:rPr>
+                        </m:ctrlPr>
+                      </m:dPr>
+                      <m:e>
+                        <m:r>
+                          <a:rPr lang="en-IE" i="1">
+                            <a:latin typeface="Cambria Math" panose="02040503050406030204" pitchFamily="18" charset="0"/>
+                          </a:rPr>
+                          <m:t>𝑡</m:t>
+                        </m:r>
+                      </m:e>
+                    </m:d>
+                    <m:r>
+                      <a:rPr lang="en-IE" b="0" i="1" smtClean="0">
+                        <a:latin typeface="Cambria Math" panose="02040503050406030204" pitchFamily="18" charset="0"/>
+                      </a:rPr>
+                      <m:t>≠</m:t>
+                    </m:r>
+                    <m:r>
+                      <a:rPr lang="en-IE" i="1">
+                        <a:latin typeface="Cambria Math" panose="02040503050406030204" pitchFamily="18" charset="0"/>
+                      </a:rPr>
+                      <m:t>0</m:t>
+                    </m:r>
+                  </m:oMath>
+                </a14:m>
+                <a:endParaRPr lang="en-GB" dirty="0"/>
+              </a:p>
+              <a:p>
+                <a:pPr marL="0" indent="0">
+                  <a:buNone/>
+                </a:pPr>
+                <a:r>
+                  <a:rPr lang="en-GB" dirty="0"/>
+                  <a:t>Typically achieved by choosing a suitable test statistic and approximating its distribution under </a:t>
+                </a:r>
+                <a14:m>
+                  <m:oMath xmlns:m="http://schemas.openxmlformats.org/officeDocument/2006/math">
+                    <m:sSub>
+                      <m:sSubPr>
+                        <m:ctrlPr>
+                          <a:rPr lang="en-IE" b="0" i="1" smtClean="0">
+                            <a:latin typeface="Cambria Math" panose="02040503050406030204" pitchFamily="18" charset="0"/>
+                          </a:rPr>
+                        </m:ctrlPr>
+                      </m:sSubPr>
+                      <m:e>
+                        <m:r>
+                          <a:rPr lang="en-IE" b="0" i="1" smtClean="0">
+                            <a:latin typeface="Cambria Math" panose="02040503050406030204" pitchFamily="18" charset="0"/>
+                          </a:rPr>
+                          <m:t>𝐻</m:t>
+                        </m:r>
+                      </m:e>
+                      <m:sub>
+                        <m:r>
+                          <a:rPr lang="en-IE" b="0" i="1" smtClean="0">
+                            <a:latin typeface="Cambria Math" panose="02040503050406030204" pitchFamily="18" charset="0"/>
+                          </a:rPr>
+                          <m:t>0</m:t>
+                        </m:r>
+                      </m:sub>
+                    </m:sSub>
+                  </m:oMath>
+                </a14:m>
+                <a:r>
+                  <a:rPr lang="en-GB" dirty="0"/>
+                  <a:t> by simulation.</a:t>
+                </a:r>
+              </a:p>
+            </p:txBody>
+          </p:sp>
+        </mc:Choice>
+        <mc:Fallback>
+          <p:sp>
+            <p:nvSpPr>
+              <p:cNvPr id="3" name="Content Placeholder 2">
+                <a:extLst>
+                  <a:ext uri="{FF2B5EF4-FFF2-40B4-BE49-F238E27FC236}">
+                    <a16:creationId xmlns:a16="http://schemas.microsoft.com/office/drawing/2014/main" id="{B759C73D-7C02-2F9E-6491-A58AF57F009C}"/>
+                  </a:ext>
+                </a:extLst>
+              </p:cNvPr>
+              <p:cNvSpPr>
+                <a:spLocks noGrp="1" noRot="1" noChangeAspect="1" noMove="1" noResize="1" noEditPoints="1" noAdjustHandles="1" noChangeArrowheads="1" noChangeShapeType="1" noTextEdit="1"/>
+              </p:cNvSpPr>
+              <p:nvPr>
+                <p:ph idx="1"/>
+              </p:nvPr>
+            </p:nvSpPr>
+            <p:spPr>
+              <a:blipFill>
+                <a:blip r:embed="rId3"/>
+                <a:stretch>
+                  <a:fillRect l="-1206" t="-2326" b="-291"/>
+                </a:stretch>
+              </a:blipFill>
+            </p:spPr>
+            <p:txBody>
+              <a:bodyPr/>
+              <a:lstStyle/>
+              <a:p>
+                <a:r>
+                  <a:rPr lang="en-GB">
+                    <a:noFill/>
+                  </a:rPr>
+                  <a:t> </a:t>
+                </a:r>
+              </a:p>
+            </p:txBody>
+          </p:sp>
+        </mc:Fallback>
+      </mc:AlternateContent>
+    </p:spTree>
+    <p:extLst>
+      <p:ext uri="{BB962C8B-B14F-4D97-AF65-F5344CB8AC3E}">
+        <p14:creationId xmlns:p14="http://schemas.microsoft.com/office/powerpoint/2010/main" val="861362999"/>
+      </p:ext>
+    </p:extLst>
+  </p:cSld>
+  <p:clrMapOvr>
+    <a:masterClrMapping/>
+  </p:clrMapOvr>
 </p:sld>
 </file>
 

--- a/slides/05-fregression.pptx
+++ b/slides/05-fregression.pptx
@@ -5,7 +5,7 @@
     <p:sldMasterId id="2147483684" r:id="rId1"/>
   </p:sldMasterIdLst>
   <p:notesMasterIdLst>
-    <p:notesMasterId r:id="rId17"/>
+    <p:notesMasterId r:id="rId20"/>
   </p:notesMasterIdLst>
   <p:sldIdLst>
     <p:sldId id="256" r:id="rId2"/>
@@ -13,16 +13,19 @@
     <p:sldId id="258" r:id="rId4"/>
     <p:sldId id="259" r:id="rId5"/>
     <p:sldId id="260" r:id="rId6"/>
-    <p:sldId id="261" r:id="rId7"/>
-    <p:sldId id="262" r:id="rId8"/>
-    <p:sldId id="263" r:id="rId9"/>
-    <p:sldId id="265" r:id="rId10"/>
-    <p:sldId id="266" r:id="rId11"/>
-    <p:sldId id="267" r:id="rId12"/>
-    <p:sldId id="268" r:id="rId13"/>
-    <p:sldId id="269" r:id="rId14"/>
-    <p:sldId id="270" r:id="rId15"/>
-    <p:sldId id="272" r:id="rId16"/>
+    <p:sldId id="275" r:id="rId7"/>
+    <p:sldId id="261" r:id="rId8"/>
+    <p:sldId id="262" r:id="rId9"/>
+    <p:sldId id="263" r:id="rId10"/>
+    <p:sldId id="265" r:id="rId11"/>
+    <p:sldId id="266" r:id="rId12"/>
+    <p:sldId id="267" r:id="rId13"/>
+    <p:sldId id="268" r:id="rId14"/>
+    <p:sldId id="269" r:id="rId15"/>
+    <p:sldId id="270" r:id="rId16"/>
+    <p:sldId id="272" r:id="rId17"/>
+    <p:sldId id="274" r:id="rId18"/>
+    <p:sldId id="273" r:id="rId19"/>
   </p:sldIdLst>
   <p:sldSz cx="12192000" cy="6858000"/>
   <p:notesSz cx="6858000" cy="9144000"/>
@@ -211,7 +214,7 @@
           <a:p>
             <a:fld id="{C3BDFCC3-9444-904F-8BDC-F0A1FF6E28DC}" type="datetimeFigureOut">
               <a:rPr lang="en-GB" smtClean="0"/>
-              <a:t>13/07/2024</a:t>
+              <a:t>14/07/2024</a:t>
             </a:fld>
             <a:endParaRPr lang="en-GB"/>
           </a:p>
@@ -543,7 +546,7 @@
           <a:p>
             <a:fld id="{F781B4EB-0248-0C41-8423-3C4A0934FE0D}" type="slidenum">
               <a:rPr lang="en-GB" smtClean="0"/>
-              <a:t>7</a:t>
+              <a:t>8</a:t>
             </a:fld>
             <a:endParaRPr lang="en-GB"/>
           </a:p>
@@ -627,7 +630,7 @@
           <a:p>
             <a:fld id="{F781B4EB-0248-0C41-8423-3C4A0934FE0D}" type="slidenum">
               <a:rPr lang="en-GB" smtClean="0"/>
-              <a:t>9</a:t>
+              <a:t>10</a:t>
             </a:fld>
             <a:endParaRPr lang="en-GB"/>
           </a:p>
@@ -711,7 +714,7 @@
           <a:p>
             <a:fld id="{F781B4EB-0248-0C41-8423-3C4A0934FE0D}" type="slidenum">
               <a:rPr lang="en-GB" smtClean="0"/>
-              <a:t>14</a:t>
+              <a:t>15</a:t>
             </a:fld>
             <a:endParaRPr lang="en-GB"/>
           </a:p>
@@ -861,7 +864,7 @@
           <a:p>
             <a:fld id="{C6CF10CA-94B3-504B-A812-19B0C18E6A91}" type="datetimeFigureOut">
               <a:rPr lang="en-GB" smtClean="0"/>
-              <a:t>13/07/2024</a:t>
+              <a:t>14/07/2024</a:t>
             </a:fld>
             <a:endParaRPr lang="en-GB"/>
           </a:p>
@@ -1031,7 +1034,7 @@
           <a:p>
             <a:fld id="{C6CF10CA-94B3-504B-A812-19B0C18E6A91}" type="datetimeFigureOut">
               <a:rPr lang="en-GB" smtClean="0"/>
-              <a:t>13/07/2024</a:t>
+              <a:t>14/07/2024</a:t>
             </a:fld>
             <a:endParaRPr lang="en-GB"/>
           </a:p>
@@ -1211,7 +1214,7 @@
           <a:p>
             <a:fld id="{C6CF10CA-94B3-504B-A812-19B0C18E6A91}" type="datetimeFigureOut">
               <a:rPr lang="en-GB" smtClean="0"/>
-              <a:t>13/07/2024</a:t>
+              <a:t>14/07/2024</a:t>
             </a:fld>
             <a:endParaRPr lang="en-GB"/>
           </a:p>
@@ -1381,7 +1384,7 @@
           <a:p>
             <a:fld id="{C6CF10CA-94B3-504B-A812-19B0C18E6A91}" type="datetimeFigureOut">
               <a:rPr lang="en-GB" smtClean="0"/>
-              <a:t>13/07/2024</a:t>
+              <a:t>14/07/2024</a:t>
             </a:fld>
             <a:endParaRPr lang="en-GB"/>
           </a:p>
@@ -1627,7 +1630,7 @@
           <a:p>
             <a:fld id="{C6CF10CA-94B3-504B-A812-19B0C18E6A91}" type="datetimeFigureOut">
               <a:rPr lang="en-GB" smtClean="0"/>
-              <a:t>13/07/2024</a:t>
+              <a:t>14/07/2024</a:t>
             </a:fld>
             <a:endParaRPr lang="en-GB"/>
           </a:p>
@@ -1859,7 +1862,7 @@
           <a:p>
             <a:fld id="{C6CF10CA-94B3-504B-A812-19B0C18E6A91}" type="datetimeFigureOut">
               <a:rPr lang="en-GB" smtClean="0"/>
-              <a:t>13/07/2024</a:t>
+              <a:t>14/07/2024</a:t>
             </a:fld>
             <a:endParaRPr lang="en-GB"/>
           </a:p>
@@ -2226,7 +2229,7 @@
           <a:p>
             <a:fld id="{C6CF10CA-94B3-504B-A812-19B0C18E6A91}" type="datetimeFigureOut">
               <a:rPr lang="en-GB" smtClean="0"/>
-              <a:t>13/07/2024</a:t>
+              <a:t>14/07/2024</a:t>
             </a:fld>
             <a:endParaRPr lang="en-GB"/>
           </a:p>
@@ -2344,7 +2347,7 @@
           <a:p>
             <a:fld id="{C6CF10CA-94B3-504B-A812-19B0C18E6A91}" type="datetimeFigureOut">
               <a:rPr lang="en-GB" smtClean="0"/>
-              <a:t>13/07/2024</a:t>
+              <a:t>14/07/2024</a:t>
             </a:fld>
             <a:endParaRPr lang="en-GB"/>
           </a:p>
@@ -2439,7 +2442,7 @@
           <a:p>
             <a:fld id="{C6CF10CA-94B3-504B-A812-19B0C18E6A91}" type="datetimeFigureOut">
               <a:rPr lang="en-GB" smtClean="0"/>
-              <a:t>13/07/2024</a:t>
+              <a:t>14/07/2024</a:t>
             </a:fld>
             <a:endParaRPr lang="en-GB"/>
           </a:p>
@@ -2716,7 +2719,7 @@
           <a:p>
             <a:fld id="{C6CF10CA-94B3-504B-A812-19B0C18E6A91}" type="datetimeFigureOut">
               <a:rPr lang="en-GB" smtClean="0"/>
-              <a:t>13/07/2024</a:t>
+              <a:t>14/07/2024</a:t>
             </a:fld>
             <a:endParaRPr lang="en-GB"/>
           </a:p>
@@ -2973,7 +2976,7 @@
           <a:p>
             <a:fld id="{C6CF10CA-94B3-504B-A812-19B0C18E6A91}" type="datetimeFigureOut">
               <a:rPr lang="en-GB" smtClean="0"/>
-              <a:t>13/07/2024</a:t>
+              <a:t>14/07/2024</a:t>
             </a:fld>
             <a:endParaRPr lang="en-GB"/>
           </a:p>
@@ -3186,7 +3189,7 @@
           <a:p>
             <a:fld id="{C6CF10CA-94B3-504B-A812-19B0C18E6A91}" type="datetimeFigureOut">
               <a:rPr lang="en-GB" smtClean="0"/>
-              <a:t>13/07/2024</a:t>
+              <a:t>14/07/2024</a:t>
             </a:fld>
             <a:endParaRPr lang="en-GB"/>
           </a:p>
@@ -3834,6 +3837,1076 @@
           <p:cNvPr id="2" name="Title 1">
             <a:extLst>
               <a:ext uri="{FF2B5EF4-FFF2-40B4-BE49-F238E27FC236}">
+                <a16:creationId xmlns:a16="http://schemas.microsoft.com/office/drawing/2014/main" id="{9E61D58F-42DA-B2B2-741E-22FDD51BDBB3}"/>
+              </a:ext>
+            </a:extLst>
+          </p:cNvPr>
+          <p:cNvSpPr>
+            <a:spLocks noGrp="1"/>
+          </p:cNvSpPr>
+          <p:nvPr>
+            <p:ph type="title"/>
+          </p:nvPr>
+        </p:nvSpPr>
+        <p:spPr/>
+        <p:txBody>
+          <a:bodyPr/>
+          <a:lstStyle/>
+          <a:p>
+            <a:r>
+              <a:rPr lang="en-GB" dirty="0"/>
+              <a:t>Inference</a:t>
+            </a:r>
+          </a:p>
+        </p:txBody>
+      </p:sp>
+      <mc:AlternateContent xmlns:mc="http://schemas.openxmlformats.org/markup-compatibility/2006" xmlns:a14="http://schemas.microsoft.com/office/drawing/2010/main">
+        <mc:Choice Requires="a14">
+          <p:sp>
+            <p:nvSpPr>
+              <p:cNvPr id="3" name="Content Placeholder 2">
+                <a:extLst>
+                  <a:ext uri="{FF2B5EF4-FFF2-40B4-BE49-F238E27FC236}">
+                    <a16:creationId xmlns:a16="http://schemas.microsoft.com/office/drawing/2014/main" id="{B759C73D-7C02-2F9E-6491-A58AF57F009C}"/>
+                  </a:ext>
+                </a:extLst>
+              </p:cNvPr>
+              <p:cNvSpPr>
+                <a:spLocks noGrp="1"/>
+              </p:cNvSpPr>
+              <p:nvPr>
+                <p:ph idx="1"/>
+              </p:nvPr>
+            </p:nvSpPr>
+            <p:spPr/>
+            <p:txBody>
+              <a:bodyPr>
+                <a:normAutofit lnSpcReduction="10000"/>
+              </a:bodyPr>
+              <a:lstStyle/>
+              <a:p>
+                <a:pPr marL="0" indent="0">
+                  <a:buNone/>
+                </a:pPr>
+                <a:r>
+                  <a:rPr lang="en-IE" dirty="0"/>
+                  <a:t>Likewise, in classical regression we test</a:t>
+                </a:r>
+              </a:p>
+              <a:p>
+                <a:pPr marL="0" indent="0" algn="ctr">
+                  <a:buNone/>
+                </a:pPr>
+                <a14:m>
+                  <m:oMath xmlns:m="http://schemas.openxmlformats.org/officeDocument/2006/math">
+                    <m:sSub>
+                      <m:sSubPr>
+                        <m:ctrlPr>
+                          <a:rPr lang="en-IE" b="0" i="1" smtClean="0">
+                            <a:latin typeface="Cambria Math" panose="02040503050406030204" pitchFamily="18" charset="0"/>
+                          </a:rPr>
+                        </m:ctrlPr>
+                      </m:sSubPr>
+                      <m:e>
+                        <m:r>
+                          <a:rPr lang="en-IE" b="0" i="1" smtClean="0">
+                            <a:latin typeface="Cambria Math" panose="02040503050406030204" pitchFamily="18" charset="0"/>
+                          </a:rPr>
+                          <m:t>𝐻</m:t>
+                        </m:r>
+                      </m:e>
+                      <m:sub>
+                        <m:r>
+                          <a:rPr lang="en-IE" b="0" i="1" smtClean="0">
+                            <a:latin typeface="Cambria Math" panose="02040503050406030204" pitchFamily="18" charset="0"/>
+                          </a:rPr>
+                          <m:t>0</m:t>
+                        </m:r>
+                      </m:sub>
+                    </m:sSub>
+                    <m:r>
+                      <a:rPr lang="en-IE" b="0" i="1" smtClean="0">
+                        <a:latin typeface="Cambria Math" panose="02040503050406030204" pitchFamily="18" charset="0"/>
+                      </a:rPr>
+                      <m:t>:</m:t>
+                    </m:r>
+                    <m:sSub>
+                      <m:sSubPr>
+                        <m:ctrlPr>
+                          <a:rPr lang="en-IE" b="0" i="1" smtClean="0">
+                            <a:latin typeface="Cambria Math" panose="02040503050406030204" pitchFamily="18" charset="0"/>
+                          </a:rPr>
+                        </m:ctrlPr>
+                      </m:sSubPr>
+                      <m:e>
+                        <m:r>
+                          <a:rPr lang="en-IE" b="0" i="1" smtClean="0">
+                            <a:latin typeface="Cambria Math" panose="02040503050406030204" pitchFamily="18" charset="0"/>
+                          </a:rPr>
+                          <m:t>𝛽</m:t>
+                        </m:r>
+                      </m:e>
+                      <m:sub>
+                        <m:r>
+                          <a:rPr lang="en-IE" b="0" i="1" smtClean="0">
+                            <a:latin typeface="Cambria Math" panose="02040503050406030204" pitchFamily="18" charset="0"/>
+                          </a:rPr>
+                          <m:t>𝑎</m:t>
+                        </m:r>
+                      </m:sub>
+                    </m:sSub>
+                    <m:r>
+                      <a:rPr lang="en-IE" b="0" i="1" smtClean="0">
+                        <a:latin typeface="Cambria Math" panose="02040503050406030204" pitchFamily="18" charset="0"/>
+                      </a:rPr>
+                      <m:t>=0</m:t>
+                    </m:r>
+                  </m:oMath>
+                </a14:m>
+                <a:r>
+                  <a:rPr lang="en-GB" dirty="0"/>
+                  <a:t> vs. </a:t>
+                </a:r>
+                <a14:m>
+                  <m:oMath xmlns:m="http://schemas.openxmlformats.org/officeDocument/2006/math">
+                    <m:sSub>
+                      <m:sSubPr>
+                        <m:ctrlPr>
+                          <a:rPr lang="en-IE" i="1">
+                            <a:latin typeface="Cambria Math" panose="02040503050406030204" pitchFamily="18" charset="0"/>
+                          </a:rPr>
+                        </m:ctrlPr>
+                      </m:sSubPr>
+                      <m:e>
+                        <m:r>
+                          <a:rPr lang="en-IE" i="1">
+                            <a:latin typeface="Cambria Math" panose="02040503050406030204" pitchFamily="18" charset="0"/>
+                          </a:rPr>
+                          <m:t>𝐻</m:t>
+                        </m:r>
+                      </m:e>
+                      <m:sub>
+                        <m:r>
+                          <a:rPr lang="en-IE" b="0" i="1" smtClean="0">
+                            <a:latin typeface="Cambria Math" panose="02040503050406030204" pitchFamily="18" charset="0"/>
+                          </a:rPr>
+                          <m:t>𝐴</m:t>
+                        </m:r>
+                      </m:sub>
+                    </m:sSub>
+                    <m:r>
+                      <a:rPr lang="en-IE" i="1">
+                        <a:latin typeface="Cambria Math" panose="02040503050406030204" pitchFamily="18" charset="0"/>
+                      </a:rPr>
+                      <m:t>:</m:t>
+                    </m:r>
+                    <m:sSub>
+                      <m:sSubPr>
+                        <m:ctrlPr>
+                          <a:rPr lang="en-IE" i="1">
+                            <a:latin typeface="Cambria Math" panose="02040503050406030204" pitchFamily="18" charset="0"/>
+                          </a:rPr>
+                        </m:ctrlPr>
+                      </m:sSubPr>
+                      <m:e>
+                        <m:r>
+                          <a:rPr lang="en-IE" i="1">
+                            <a:latin typeface="Cambria Math" panose="02040503050406030204" pitchFamily="18" charset="0"/>
+                          </a:rPr>
+                          <m:t>𝛽</m:t>
+                        </m:r>
+                      </m:e>
+                      <m:sub>
+                        <m:r>
+                          <a:rPr lang="en-IE" i="1">
+                            <a:latin typeface="Cambria Math" panose="02040503050406030204" pitchFamily="18" charset="0"/>
+                          </a:rPr>
+                          <m:t>𝑎</m:t>
+                        </m:r>
+                      </m:sub>
+                    </m:sSub>
+                    <m:r>
+                      <a:rPr lang="en-IE" b="0" i="1" smtClean="0">
+                        <a:latin typeface="Cambria Math" panose="02040503050406030204" pitchFamily="18" charset="0"/>
+                      </a:rPr>
+                      <m:t>≠</m:t>
+                    </m:r>
+                    <m:r>
+                      <a:rPr lang="en-IE" i="1">
+                        <a:latin typeface="Cambria Math" panose="02040503050406030204" pitchFamily="18" charset="0"/>
+                      </a:rPr>
+                      <m:t>0</m:t>
+                    </m:r>
+                  </m:oMath>
+                </a14:m>
+                <a:r>
+                  <a:rPr lang="en-GB" dirty="0"/>
+                  <a:t> </a:t>
+                </a:r>
+              </a:p>
+              <a:p>
+                <a:pPr marL="0" indent="0">
+                  <a:buNone/>
+                </a:pPr>
+                <a:r>
+                  <a:rPr lang="en-GB" dirty="0"/>
+                  <a:t>but, for function-on-scalar regression, constructing these tests at each point would lead to an inflated type I error.</a:t>
+                </a:r>
+              </a:p>
+              <a:p>
+                <a:pPr marL="0" indent="0">
+                  <a:buNone/>
+                </a:pPr>
+                <a:r>
+                  <a:rPr lang="en-GB" dirty="0"/>
+                  <a:t>Instead, simultaneous inference focuses on tests of the form</a:t>
+                </a:r>
+              </a:p>
+              <a:p>
+                <a:pPr marL="0" indent="0">
+                  <a:buNone/>
+                </a:pPr>
+                <a14:m>
+                  <m:oMathPara xmlns:m="http://schemas.openxmlformats.org/officeDocument/2006/math">
+                    <m:oMathParaPr>
+                      <m:jc m:val="centerGroup"/>
+                    </m:oMathParaPr>
+                    <m:oMath xmlns:m="http://schemas.openxmlformats.org/officeDocument/2006/math">
+                      <m:sSub>
+                        <m:sSubPr>
+                          <m:ctrlPr>
+                            <a:rPr lang="en-IE" b="0" i="1" smtClean="0">
+                              <a:latin typeface="Cambria Math" panose="02040503050406030204" pitchFamily="18" charset="0"/>
+                            </a:rPr>
+                          </m:ctrlPr>
+                        </m:sSubPr>
+                        <m:e>
+                          <m:r>
+                            <a:rPr lang="en-IE" b="0" i="1" smtClean="0">
+                              <a:latin typeface="Cambria Math" panose="02040503050406030204" pitchFamily="18" charset="0"/>
+                            </a:rPr>
+                            <m:t>𝐻</m:t>
+                          </m:r>
+                        </m:e>
+                        <m:sub>
+                          <m:r>
+                            <a:rPr lang="en-IE" b="0" i="1" smtClean="0">
+                              <a:latin typeface="Cambria Math" panose="02040503050406030204" pitchFamily="18" charset="0"/>
+                            </a:rPr>
+                            <m:t>0</m:t>
+                          </m:r>
+                        </m:sub>
+                      </m:sSub>
+                      <m:r>
+                        <a:rPr lang="en-IE" b="0" i="1" smtClean="0">
+                          <a:latin typeface="Cambria Math" panose="02040503050406030204" pitchFamily="18" charset="0"/>
+                        </a:rPr>
+                        <m:t>:</m:t>
+                      </m:r>
+                      <m:sSub>
+                        <m:sSubPr>
+                          <m:ctrlPr>
+                            <a:rPr lang="en-IE" b="0" i="1" smtClean="0">
+                              <a:latin typeface="Cambria Math" panose="02040503050406030204" pitchFamily="18" charset="0"/>
+                            </a:rPr>
+                          </m:ctrlPr>
+                        </m:sSubPr>
+                        <m:e>
+                          <m:r>
+                            <a:rPr lang="en-IE" b="0" i="1" smtClean="0">
+                              <a:latin typeface="Cambria Math" panose="02040503050406030204" pitchFamily="18" charset="0"/>
+                            </a:rPr>
+                            <m:t>𝛽</m:t>
+                          </m:r>
+                        </m:e>
+                        <m:sub>
+                          <m:r>
+                            <a:rPr lang="en-IE" b="0" i="1" smtClean="0">
+                              <a:latin typeface="Cambria Math" panose="02040503050406030204" pitchFamily="18" charset="0"/>
+                            </a:rPr>
+                            <m:t>𝑎</m:t>
+                          </m:r>
+                        </m:sub>
+                      </m:sSub>
+                      <m:d>
+                        <m:dPr>
+                          <m:ctrlPr>
+                            <a:rPr lang="en-IE" b="0" i="1" smtClean="0">
+                              <a:latin typeface="Cambria Math" panose="02040503050406030204" pitchFamily="18" charset="0"/>
+                            </a:rPr>
+                          </m:ctrlPr>
+                        </m:dPr>
+                        <m:e>
+                          <m:r>
+                            <a:rPr lang="en-IE" b="0" i="1" smtClean="0">
+                              <a:latin typeface="Cambria Math" panose="02040503050406030204" pitchFamily="18" charset="0"/>
+                            </a:rPr>
+                            <m:t>𝑡</m:t>
+                          </m:r>
+                        </m:e>
+                      </m:d>
+                      <m:r>
+                        <a:rPr lang="en-IE" b="0" i="1" smtClean="0">
+                          <a:latin typeface="Cambria Math" panose="02040503050406030204" pitchFamily="18" charset="0"/>
+                        </a:rPr>
+                        <m:t>=0 ∀ </m:t>
+                      </m:r>
+                      <m:r>
+                        <a:rPr lang="en-IE" b="0" i="1" smtClean="0">
+                          <a:latin typeface="Cambria Math" panose="02040503050406030204" pitchFamily="18" charset="0"/>
+                        </a:rPr>
+                        <m:t>𝑡</m:t>
+                      </m:r>
+                      <m:r>
+                        <a:rPr lang="en-IE" b="0" i="1" smtClean="0">
+                          <a:latin typeface="Cambria Math" panose="02040503050406030204" pitchFamily="18" charset="0"/>
+                        </a:rPr>
+                        <m:t>∈[0, </m:t>
+                      </m:r>
+                      <m:r>
+                        <a:rPr lang="en-IE" b="0" i="1" smtClean="0">
+                          <a:latin typeface="Cambria Math" panose="02040503050406030204" pitchFamily="18" charset="0"/>
+                        </a:rPr>
+                        <m:t>𝑇</m:t>
+                      </m:r>
+                      <m:r>
+                        <a:rPr lang="en-IE" b="0" i="1" smtClean="0">
+                          <a:latin typeface="Cambria Math" panose="02040503050406030204" pitchFamily="18" charset="0"/>
+                        </a:rPr>
+                        <m:t>]</m:t>
+                      </m:r>
+                    </m:oMath>
+                  </m:oMathPara>
+                </a14:m>
+                <a:endParaRPr lang="en-GB" dirty="0"/>
+              </a:p>
+              <a:p>
+                <a:pPr marL="0" indent="0" algn="ctr">
+                  <a:buNone/>
+                </a:pPr>
+                <a14:m>
+                  <m:oMath xmlns:m="http://schemas.openxmlformats.org/officeDocument/2006/math">
+                    <m:sSub>
+                      <m:sSubPr>
+                        <m:ctrlPr>
+                          <a:rPr lang="en-IE" b="0" i="1" smtClean="0">
+                            <a:latin typeface="Cambria Math" panose="02040503050406030204" pitchFamily="18" charset="0"/>
+                          </a:rPr>
+                        </m:ctrlPr>
+                      </m:sSubPr>
+                      <m:e>
+                        <m:r>
+                          <a:rPr lang="en-IE" b="0" i="1" smtClean="0">
+                            <a:latin typeface="Cambria Math" panose="02040503050406030204" pitchFamily="18" charset="0"/>
+                          </a:rPr>
+                          <m:t>𝐻</m:t>
+                        </m:r>
+                      </m:e>
+                      <m:sub>
+                        <m:r>
+                          <a:rPr lang="en-IE" b="0" i="1" smtClean="0">
+                            <a:latin typeface="Cambria Math" panose="02040503050406030204" pitchFamily="18" charset="0"/>
+                          </a:rPr>
+                          <m:t>𝐴</m:t>
+                        </m:r>
+                      </m:sub>
+                    </m:sSub>
+                    <m:r>
+                      <a:rPr lang="en-IE" b="0" i="1" smtClean="0">
+                        <a:latin typeface="Cambria Math" panose="02040503050406030204" pitchFamily="18" charset="0"/>
+                      </a:rPr>
+                      <m:t>:</m:t>
+                    </m:r>
+                  </m:oMath>
+                </a14:m>
+                <a:r>
+                  <a:rPr lang="en-GB" dirty="0"/>
+                  <a:t> There exists some </a:t>
+                </a:r>
+                <a14:m>
+                  <m:oMath xmlns:m="http://schemas.openxmlformats.org/officeDocument/2006/math">
+                    <m:r>
+                      <a:rPr lang="en-IE" i="1">
+                        <a:latin typeface="Cambria Math" panose="02040503050406030204" pitchFamily="18" charset="0"/>
+                      </a:rPr>
+                      <m:t>𝑡</m:t>
+                    </m:r>
+                    <m:r>
+                      <a:rPr lang="en-IE" i="1">
+                        <a:latin typeface="Cambria Math" panose="02040503050406030204" pitchFamily="18" charset="0"/>
+                      </a:rPr>
+                      <m:t>∈[0, </m:t>
+                    </m:r>
+                    <m:r>
+                      <a:rPr lang="en-IE" i="1">
+                        <a:latin typeface="Cambria Math" panose="02040503050406030204" pitchFamily="18" charset="0"/>
+                      </a:rPr>
+                      <m:t>𝑇</m:t>
+                    </m:r>
+                    <m:r>
+                      <a:rPr lang="en-IE" i="1">
+                        <a:latin typeface="Cambria Math" panose="02040503050406030204" pitchFamily="18" charset="0"/>
+                      </a:rPr>
+                      <m:t>]</m:t>
+                    </m:r>
+                  </m:oMath>
+                </a14:m>
+                <a:r>
+                  <a:rPr lang="en-GB" dirty="0"/>
+                  <a:t> </a:t>
+                </a:r>
+                <a:r>
+                  <a:rPr lang="en-GB" dirty="0" err="1"/>
+                  <a:t>s.t.</a:t>
+                </a:r>
+                <a:r>
+                  <a:rPr lang="en-GB" dirty="0"/>
+                  <a:t> </a:t>
+                </a:r>
+                <a14:m>
+                  <m:oMath xmlns:m="http://schemas.openxmlformats.org/officeDocument/2006/math">
+                    <m:sSub>
+                      <m:sSubPr>
+                        <m:ctrlPr>
+                          <a:rPr lang="en-IE" i="1">
+                            <a:latin typeface="Cambria Math" panose="02040503050406030204" pitchFamily="18" charset="0"/>
+                          </a:rPr>
+                        </m:ctrlPr>
+                      </m:sSubPr>
+                      <m:e>
+                        <m:r>
+                          <a:rPr lang="en-IE" i="1">
+                            <a:latin typeface="Cambria Math" panose="02040503050406030204" pitchFamily="18" charset="0"/>
+                          </a:rPr>
+                          <m:t>𝛽</m:t>
+                        </m:r>
+                      </m:e>
+                      <m:sub>
+                        <m:r>
+                          <a:rPr lang="en-IE" i="1">
+                            <a:latin typeface="Cambria Math" panose="02040503050406030204" pitchFamily="18" charset="0"/>
+                          </a:rPr>
+                          <m:t>𝑎</m:t>
+                        </m:r>
+                      </m:sub>
+                    </m:sSub>
+                    <m:d>
+                      <m:dPr>
+                        <m:ctrlPr>
+                          <a:rPr lang="en-IE" i="1">
+                            <a:latin typeface="Cambria Math" panose="02040503050406030204" pitchFamily="18" charset="0"/>
+                          </a:rPr>
+                        </m:ctrlPr>
+                      </m:dPr>
+                      <m:e>
+                        <m:r>
+                          <a:rPr lang="en-IE" i="1">
+                            <a:latin typeface="Cambria Math" panose="02040503050406030204" pitchFamily="18" charset="0"/>
+                          </a:rPr>
+                          <m:t>𝑡</m:t>
+                        </m:r>
+                      </m:e>
+                    </m:d>
+                    <m:r>
+                      <a:rPr lang="en-IE" b="0" i="1" smtClean="0">
+                        <a:latin typeface="Cambria Math" panose="02040503050406030204" pitchFamily="18" charset="0"/>
+                      </a:rPr>
+                      <m:t>≠</m:t>
+                    </m:r>
+                    <m:r>
+                      <a:rPr lang="en-IE" i="1">
+                        <a:latin typeface="Cambria Math" panose="02040503050406030204" pitchFamily="18" charset="0"/>
+                      </a:rPr>
+                      <m:t>0</m:t>
+                    </m:r>
+                  </m:oMath>
+                </a14:m>
+                <a:endParaRPr lang="en-GB" dirty="0"/>
+              </a:p>
+              <a:p>
+                <a:pPr marL="0" indent="0">
+                  <a:buNone/>
+                </a:pPr>
+                <a:r>
+                  <a:rPr lang="en-GB" dirty="0"/>
+                  <a:t>Typically achieved by choosing a suitable test statistic (e.g., </a:t>
+                </a:r>
+                <a14:m>
+                  <m:oMath xmlns:m="http://schemas.openxmlformats.org/officeDocument/2006/math">
+                    <m:func>
+                      <m:funcPr>
+                        <m:ctrlPr>
+                          <a:rPr lang="en-IE" b="0" i="1" smtClean="0">
+                            <a:latin typeface="Cambria Math" panose="02040503050406030204" pitchFamily="18" charset="0"/>
+                          </a:rPr>
+                        </m:ctrlPr>
+                      </m:funcPr>
+                      <m:fName>
+                        <m:limLow>
+                          <m:limLowPr>
+                            <m:ctrlPr>
+                              <a:rPr lang="en-IE" b="0" i="1" smtClean="0">
+                                <a:latin typeface="Cambria Math" panose="02040503050406030204" pitchFamily="18" charset="0"/>
+                              </a:rPr>
+                            </m:ctrlPr>
+                          </m:limLowPr>
+                          <m:e>
+                            <m:r>
+                              <m:rPr>
+                                <m:sty m:val="p"/>
+                              </m:rPr>
+                              <a:rPr lang="en-IE" b="0" i="0" smtClean="0">
+                                <a:latin typeface="Cambria Math" panose="02040503050406030204" pitchFamily="18" charset="0"/>
+                              </a:rPr>
+                              <m:t>max</m:t>
+                            </m:r>
+                          </m:e>
+                          <m:lim>
+                            <m:r>
+                              <a:rPr lang="en-IE" b="0" i="1" smtClean="0">
+                                <a:latin typeface="Cambria Math" panose="02040503050406030204" pitchFamily="18" charset="0"/>
+                              </a:rPr>
+                              <m:t>𝑡</m:t>
+                            </m:r>
+                            <m:r>
+                              <a:rPr lang="en-IE" b="0" i="1" smtClean="0">
+                                <a:latin typeface="Cambria Math" panose="02040503050406030204" pitchFamily="18" charset="0"/>
+                              </a:rPr>
+                              <m:t>∈[0,</m:t>
+                            </m:r>
+                            <m:r>
+                              <a:rPr lang="en-IE" b="0" i="1" smtClean="0">
+                                <a:latin typeface="Cambria Math" panose="02040503050406030204" pitchFamily="18" charset="0"/>
+                              </a:rPr>
+                              <m:t>𝑇</m:t>
+                            </m:r>
+                            <m:r>
+                              <a:rPr lang="en-IE" b="0" i="1" smtClean="0">
+                                <a:latin typeface="Cambria Math" panose="02040503050406030204" pitchFamily="18" charset="0"/>
+                              </a:rPr>
+                              <m:t>]</m:t>
+                            </m:r>
+                          </m:lim>
+                        </m:limLow>
+                      </m:fName>
+                      <m:e>
+                        <m:r>
+                          <a:rPr lang="en-IE" b="0" i="1" smtClean="0">
+                            <a:latin typeface="Cambria Math" panose="02040503050406030204" pitchFamily="18" charset="0"/>
+                          </a:rPr>
+                          <m:t>𝐹</m:t>
+                        </m:r>
+                        <m:r>
+                          <a:rPr lang="en-IE" b="0" i="1" smtClean="0">
+                            <a:latin typeface="Cambria Math" panose="02040503050406030204" pitchFamily="18" charset="0"/>
+                          </a:rPr>
+                          <m:t>(</m:t>
+                        </m:r>
+                        <m:r>
+                          <a:rPr lang="en-IE" b="0" i="1" smtClean="0">
+                            <a:latin typeface="Cambria Math" panose="02040503050406030204" pitchFamily="18" charset="0"/>
+                          </a:rPr>
+                          <m:t>𝑡</m:t>
+                        </m:r>
+                        <m:r>
+                          <a:rPr lang="en-IE" b="0" i="1" smtClean="0">
+                            <a:latin typeface="Cambria Math" panose="02040503050406030204" pitchFamily="18" charset="0"/>
+                          </a:rPr>
+                          <m:t>)</m:t>
+                        </m:r>
+                      </m:e>
+                    </m:func>
+                  </m:oMath>
+                </a14:m>
+                <a:r>
+                  <a:rPr lang="en-GB" dirty="0"/>
+                  <a:t>) and approximating its distribution under </a:t>
+                </a:r>
+                <a14:m>
+                  <m:oMath xmlns:m="http://schemas.openxmlformats.org/officeDocument/2006/math">
+                    <m:sSub>
+                      <m:sSubPr>
+                        <m:ctrlPr>
+                          <a:rPr lang="en-IE" b="0" i="1" smtClean="0">
+                            <a:latin typeface="Cambria Math" panose="02040503050406030204" pitchFamily="18" charset="0"/>
+                          </a:rPr>
+                        </m:ctrlPr>
+                      </m:sSubPr>
+                      <m:e>
+                        <m:r>
+                          <a:rPr lang="en-IE" b="0" i="1" smtClean="0">
+                            <a:latin typeface="Cambria Math" panose="02040503050406030204" pitchFamily="18" charset="0"/>
+                          </a:rPr>
+                          <m:t>𝐻</m:t>
+                        </m:r>
+                      </m:e>
+                      <m:sub>
+                        <m:r>
+                          <a:rPr lang="en-IE" b="0" i="1" smtClean="0">
+                            <a:latin typeface="Cambria Math" panose="02040503050406030204" pitchFamily="18" charset="0"/>
+                          </a:rPr>
+                          <m:t>0</m:t>
+                        </m:r>
+                      </m:sub>
+                    </m:sSub>
+                  </m:oMath>
+                </a14:m>
+                <a:r>
+                  <a:rPr lang="en-GB" dirty="0"/>
+                  <a:t> by simulation.</a:t>
+                </a:r>
+              </a:p>
+            </p:txBody>
+          </p:sp>
+        </mc:Choice>
+        <mc:Fallback xmlns="">
+          <p:sp>
+            <p:nvSpPr>
+              <p:cNvPr id="3" name="Content Placeholder 2">
+                <a:extLst>
+                  <a:ext uri="{FF2B5EF4-FFF2-40B4-BE49-F238E27FC236}">
+                    <a16:creationId xmlns:a16="http://schemas.microsoft.com/office/drawing/2014/main" id="{B759C73D-7C02-2F9E-6491-A58AF57F009C}"/>
+                  </a:ext>
+                </a:extLst>
+              </p:cNvPr>
+              <p:cNvSpPr>
+                <a:spLocks noGrp="1" noRot="1" noChangeAspect="1" noMove="1" noResize="1" noEditPoints="1" noAdjustHandles="1" noChangeArrowheads="1" noChangeShapeType="1" noTextEdit="1"/>
+              </p:cNvSpPr>
+              <p:nvPr>
+                <p:ph idx="1"/>
+              </p:nvPr>
+            </p:nvSpPr>
+            <p:spPr>
+              <a:blipFill>
+                <a:blip r:embed="rId3"/>
+                <a:stretch>
+                  <a:fillRect l="-1206" t="-3198" b="-1163"/>
+                </a:stretch>
+              </a:blipFill>
+            </p:spPr>
+            <p:txBody>
+              <a:bodyPr/>
+              <a:lstStyle/>
+              <a:p>
+                <a:r>
+                  <a:rPr lang="en-GB">
+                    <a:noFill/>
+                  </a:rPr>
+                  <a:t> </a:t>
+                </a:r>
+              </a:p>
+            </p:txBody>
+          </p:sp>
+        </mc:Fallback>
+      </mc:AlternateContent>
+    </p:spTree>
+    <p:extLst>
+      <p:ext uri="{BB962C8B-B14F-4D97-AF65-F5344CB8AC3E}">
+        <p14:creationId xmlns:p14="http://schemas.microsoft.com/office/powerpoint/2010/main" val="861362999"/>
+      </p:ext>
+    </p:extLst>
+  </p:cSld>
+  <p:clrMapOvr>
+    <a:masterClrMapping/>
+  </p:clrMapOvr>
+  <p:timing>
+    <p:tnLst>
+      <p:par>
+        <p:cTn id="1" dur="indefinite" restart="never" nodeType="tmRoot">
+          <p:childTnLst>
+            <p:seq concurrent="1" nextAc="seek">
+              <p:cTn id="2" dur="indefinite" nodeType="mainSeq">
+                <p:childTnLst>
+                  <p:par>
+                    <p:cTn id="3" fill="hold">
+                      <p:stCondLst>
+                        <p:cond delay="indefinite"/>
+                      </p:stCondLst>
+                      <p:childTnLst>
+                        <p:par>
+                          <p:cTn id="4" fill="hold">
+                            <p:stCondLst>
+                              <p:cond delay="0"/>
+                            </p:stCondLst>
+                            <p:childTnLst>
+                              <p:par>
+                                <p:cTn id="5" presetID="1" presetClass="entr" presetSubtype="0" fill="hold" nodeType="clickEffect">
+                                  <p:stCondLst>
+                                    <p:cond delay="0"/>
+                                  </p:stCondLst>
+                                  <p:childTnLst>
+                                    <p:set>
+                                      <p:cBhvr>
+                                        <p:cTn id="6" dur="1" fill="hold">
+                                          <p:stCondLst>
+                                            <p:cond delay="0"/>
+                                          </p:stCondLst>
+                                        </p:cTn>
+                                        <p:tgtEl>
+                                          <p:spTgt spid="3">
+                                            <p:txEl>
+                                              <p:pRg st="0" end="0"/>
+                                            </p:txEl>
+                                          </p:spTgt>
+                                        </p:tgtEl>
+                                        <p:attrNameLst>
+                                          <p:attrName>style.visibility</p:attrName>
+                                        </p:attrNameLst>
+                                      </p:cBhvr>
+                                      <p:to>
+                                        <p:strVal val="visible"/>
+                                      </p:to>
+                                    </p:set>
+                                  </p:childTnLst>
+                                </p:cTn>
+                              </p:par>
+                            </p:childTnLst>
+                          </p:cTn>
+                        </p:par>
+                      </p:childTnLst>
+                    </p:cTn>
+                  </p:par>
+                  <p:par>
+                    <p:cTn id="7" fill="hold">
+                      <p:stCondLst>
+                        <p:cond delay="indefinite"/>
+                      </p:stCondLst>
+                      <p:childTnLst>
+                        <p:par>
+                          <p:cTn id="8" fill="hold">
+                            <p:stCondLst>
+                              <p:cond delay="0"/>
+                            </p:stCondLst>
+                            <p:childTnLst>
+                              <p:par>
+                                <p:cTn id="9" presetID="1" presetClass="entr" presetSubtype="0" fill="hold" nodeType="clickEffect">
+                                  <p:stCondLst>
+                                    <p:cond delay="0"/>
+                                  </p:stCondLst>
+                                  <p:childTnLst>
+                                    <p:set>
+                                      <p:cBhvr>
+                                        <p:cTn id="10" dur="1" fill="hold">
+                                          <p:stCondLst>
+                                            <p:cond delay="0"/>
+                                          </p:stCondLst>
+                                        </p:cTn>
+                                        <p:tgtEl>
+                                          <p:spTgt spid="3">
+                                            <p:txEl>
+                                              <p:pRg st="1" end="1"/>
+                                            </p:txEl>
+                                          </p:spTgt>
+                                        </p:tgtEl>
+                                        <p:attrNameLst>
+                                          <p:attrName>style.visibility</p:attrName>
+                                        </p:attrNameLst>
+                                      </p:cBhvr>
+                                      <p:to>
+                                        <p:strVal val="visible"/>
+                                      </p:to>
+                                    </p:set>
+                                  </p:childTnLst>
+                                </p:cTn>
+                              </p:par>
+                            </p:childTnLst>
+                          </p:cTn>
+                        </p:par>
+                      </p:childTnLst>
+                    </p:cTn>
+                  </p:par>
+                  <p:par>
+                    <p:cTn id="11" fill="hold">
+                      <p:stCondLst>
+                        <p:cond delay="indefinite"/>
+                      </p:stCondLst>
+                      <p:childTnLst>
+                        <p:par>
+                          <p:cTn id="12" fill="hold">
+                            <p:stCondLst>
+                              <p:cond delay="0"/>
+                            </p:stCondLst>
+                            <p:childTnLst>
+                              <p:par>
+                                <p:cTn id="13" presetID="1" presetClass="entr" presetSubtype="0" fill="hold" nodeType="clickEffect">
+                                  <p:stCondLst>
+                                    <p:cond delay="0"/>
+                                  </p:stCondLst>
+                                  <p:childTnLst>
+                                    <p:set>
+                                      <p:cBhvr>
+                                        <p:cTn id="14" dur="1" fill="hold">
+                                          <p:stCondLst>
+                                            <p:cond delay="0"/>
+                                          </p:stCondLst>
+                                        </p:cTn>
+                                        <p:tgtEl>
+                                          <p:spTgt spid="3">
+                                            <p:txEl>
+                                              <p:pRg st="2" end="2"/>
+                                            </p:txEl>
+                                          </p:spTgt>
+                                        </p:tgtEl>
+                                        <p:attrNameLst>
+                                          <p:attrName>style.visibility</p:attrName>
+                                        </p:attrNameLst>
+                                      </p:cBhvr>
+                                      <p:to>
+                                        <p:strVal val="visible"/>
+                                      </p:to>
+                                    </p:set>
+                                  </p:childTnLst>
+                                </p:cTn>
+                              </p:par>
+                            </p:childTnLst>
+                          </p:cTn>
+                        </p:par>
+                      </p:childTnLst>
+                    </p:cTn>
+                  </p:par>
+                  <p:par>
+                    <p:cTn id="15" fill="hold">
+                      <p:stCondLst>
+                        <p:cond delay="indefinite"/>
+                      </p:stCondLst>
+                      <p:childTnLst>
+                        <p:par>
+                          <p:cTn id="16" fill="hold">
+                            <p:stCondLst>
+                              <p:cond delay="0"/>
+                            </p:stCondLst>
+                            <p:childTnLst>
+                              <p:par>
+                                <p:cTn id="17" presetID="1" presetClass="entr" presetSubtype="0" fill="hold" nodeType="clickEffect">
+                                  <p:stCondLst>
+                                    <p:cond delay="0"/>
+                                  </p:stCondLst>
+                                  <p:childTnLst>
+                                    <p:set>
+                                      <p:cBhvr>
+                                        <p:cTn id="18" dur="1" fill="hold">
+                                          <p:stCondLst>
+                                            <p:cond delay="0"/>
+                                          </p:stCondLst>
+                                        </p:cTn>
+                                        <p:tgtEl>
+                                          <p:spTgt spid="3">
+                                            <p:txEl>
+                                              <p:pRg st="3" end="3"/>
+                                            </p:txEl>
+                                          </p:spTgt>
+                                        </p:tgtEl>
+                                        <p:attrNameLst>
+                                          <p:attrName>style.visibility</p:attrName>
+                                        </p:attrNameLst>
+                                      </p:cBhvr>
+                                      <p:to>
+                                        <p:strVal val="visible"/>
+                                      </p:to>
+                                    </p:set>
+                                  </p:childTnLst>
+                                </p:cTn>
+                              </p:par>
+                            </p:childTnLst>
+                          </p:cTn>
+                        </p:par>
+                      </p:childTnLst>
+                    </p:cTn>
+                  </p:par>
+                  <p:par>
+                    <p:cTn id="19" fill="hold">
+                      <p:stCondLst>
+                        <p:cond delay="indefinite"/>
+                      </p:stCondLst>
+                      <p:childTnLst>
+                        <p:par>
+                          <p:cTn id="20" fill="hold">
+                            <p:stCondLst>
+                              <p:cond delay="0"/>
+                            </p:stCondLst>
+                            <p:childTnLst>
+                              <p:par>
+                                <p:cTn id="21" presetID="1" presetClass="entr" presetSubtype="0" fill="hold" nodeType="clickEffect">
+                                  <p:stCondLst>
+                                    <p:cond delay="0"/>
+                                  </p:stCondLst>
+                                  <p:childTnLst>
+                                    <p:set>
+                                      <p:cBhvr>
+                                        <p:cTn id="22" dur="1" fill="hold">
+                                          <p:stCondLst>
+                                            <p:cond delay="0"/>
+                                          </p:stCondLst>
+                                        </p:cTn>
+                                        <p:tgtEl>
+                                          <p:spTgt spid="3">
+                                            <p:txEl>
+                                              <p:pRg st="4" end="4"/>
+                                            </p:txEl>
+                                          </p:spTgt>
+                                        </p:tgtEl>
+                                        <p:attrNameLst>
+                                          <p:attrName>style.visibility</p:attrName>
+                                        </p:attrNameLst>
+                                      </p:cBhvr>
+                                      <p:to>
+                                        <p:strVal val="visible"/>
+                                      </p:to>
+                                    </p:set>
+                                  </p:childTnLst>
+                                </p:cTn>
+                              </p:par>
+                            </p:childTnLst>
+                          </p:cTn>
+                        </p:par>
+                      </p:childTnLst>
+                    </p:cTn>
+                  </p:par>
+                  <p:par>
+                    <p:cTn id="23" fill="hold">
+                      <p:stCondLst>
+                        <p:cond delay="indefinite"/>
+                      </p:stCondLst>
+                      <p:childTnLst>
+                        <p:par>
+                          <p:cTn id="24" fill="hold">
+                            <p:stCondLst>
+                              <p:cond delay="0"/>
+                            </p:stCondLst>
+                            <p:childTnLst>
+                              <p:par>
+                                <p:cTn id="25" presetID="1" presetClass="entr" presetSubtype="0" fill="hold" nodeType="clickEffect">
+                                  <p:stCondLst>
+                                    <p:cond delay="0"/>
+                                  </p:stCondLst>
+                                  <p:childTnLst>
+                                    <p:set>
+                                      <p:cBhvr>
+                                        <p:cTn id="26" dur="1" fill="hold">
+                                          <p:stCondLst>
+                                            <p:cond delay="0"/>
+                                          </p:stCondLst>
+                                        </p:cTn>
+                                        <p:tgtEl>
+                                          <p:spTgt spid="3">
+                                            <p:txEl>
+                                              <p:pRg st="5" end="5"/>
+                                            </p:txEl>
+                                          </p:spTgt>
+                                        </p:tgtEl>
+                                        <p:attrNameLst>
+                                          <p:attrName>style.visibility</p:attrName>
+                                        </p:attrNameLst>
+                                      </p:cBhvr>
+                                      <p:to>
+                                        <p:strVal val="visible"/>
+                                      </p:to>
+                                    </p:set>
+                                  </p:childTnLst>
+                                </p:cTn>
+                              </p:par>
+                            </p:childTnLst>
+                          </p:cTn>
+                        </p:par>
+                      </p:childTnLst>
+                    </p:cTn>
+                  </p:par>
+                  <p:par>
+                    <p:cTn id="27" fill="hold">
+                      <p:stCondLst>
+                        <p:cond delay="indefinite"/>
+                      </p:stCondLst>
+                      <p:childTnLst>
+                        <p:par>
+                          <p:cTn id="28" fill="hold">
+                            <p:stCondLst>
+                              <p:cond delay="0"/>
+                            </p:stCondLst>
+                            <p:childTnLst>
+                              <p:par>
+                                <p:cTn id="29" presetID="1" presetClass="entr" presetSubtype="0" fill="hold" nodeType="clickEffect">
+                                  <p:stCondLst>
+                                    <p:cond delay="0"/>
+                                  </p:stCondLst>
+                                  <p:childTnLst>
+                                    <p:set>
+                                      <p:cBhvr>
+                                        <p:cTn id="30" dur="1" fill="hold">
+                                          <p:stCondLst>
+                                            <p:cond delay="0"/>
+                                          </p:stCondLst>
+                                        </p:cTn>
+                                        <p:tgtEl>
+                                          <p:spTgt spid="3">
+                                            <p:txEl>
+                                              <p:pRg st="6" end="6"/>
+                                            </p:txEl>
+                                          </p:spTgt>
+                                        </p:tgtEl>
+                                        <p:attrNameLst>
+                                          <p:attrName>style.visibility</p:attrName>
+                                        </p:attrNameLst>
+                                      </p:cBhvr>
+                                      <p:to>
+                                        <p:strVal val="visible"/>
+                                      </p:to>
+                                    </p:set>
+                                  </p:childTnLst>
+                                </p:cTn>
+                              </p:par>
+                            </p:childTnLst>
+                          </p:cTn>
+                        </p:par>
+                      </p:childTnLst>
+                    </p:cTn>
+                  </p:par>
+                </p:childTnLst>
+              </p:cTn>
+              <p:prevCondLst>
+                <p:cond evt="onPrev" delay="0">
+                  <p:tgtEl>
+                    <p:sldTgt/>
+                  </p:tgtEl>
+                </p:cond>
+              </p:prevCondLst>
+              <p:nextCondLst>
+                <p:cond evt="onNext" delay="0">
+                  <p:tgtEl>
+                    <p:sldTgt/>
+                  </p:tgtEl>
+                </p:cond>
+              </p:nextCondLst>
+            </p:seq>
+          </p:childTnLst>
+        </p:cTn>
+      </p:par>
+    </p:tnLst>
+  </p:timing>
+</p:sld>
+</file>
+
+<file path=ppt/slides/slide11.xml><?xml version="1.0" encoding="utf-8"?>
+<p:sld xmlns:a="http://schemas.openxmlformats.org/drawingml/2006/main" xmlns:r="http://schemas.openxmlformats.org/officeDocument/2006/relationships" xmlns:p="http://schemas.openxmlformats.org/presentationml/2006/main">
+  <p:cSld>
+    <p:spTree>
+      <p:nvGrpSpPr>
+        <p:cNvPr id="1" name=""/>
+        <p:cNvGrpSpPr/>
+        <p:nvPr/>
+      </p:nvGrpSpPr>
+      <p:grpSpPr>
+        <a:xfrm>
+          <a:off x="0" y="0"/>
+          <a:ext cx="0" cy="0"/>
+          <a:chOff x="0" y="0"/>
+          <a:chExt cx="0" cy="0"/>
+        </a:xfrm>
+      </p:grpSpPr>
+      <p:sp>
+        <p:nvSpPr>
+          <p:cNvPr id="2" name="Title 1">
+            <a:extLst>
+              <a:ext uri="{FF2B5EF4-FFF2-40B4-BE49-F238E27FC236}">
                 <a16:creationId xmlns:a16="http://schemas.microsoft.com/office/drawing/2014/main" id="{B0999452-FDE4-03E6-6DE1-2243BBDA0209}"/>
               </a:ext>
             </a:extLst>
@@ -3886,6 +4959,53 @@
           </a:xfrm>
         </p:spPr>
       </p:pic>
+      <p:sp>
+        <p:nvSpPr>
+          <p:cNvPr id="3" name="TextBox 2">
+            <a:extLst>
+              <a:ext uri="{FF2B5EF4-FFF2-40B4-BE49-F238E27FC236}">
+                <a16:creationId xmlns:a16="http://schemas.microsoft.com/office/drawing/2014/main" id="{08CDB3CD-C1D6-1244-343D-26DF22FF216D}"/>
+              </a:ext>
+            </a:extLst>
+          </p:cNvPr>
+          <p:cNvSpPr txBox="1"/>
+          <p:nvPr/>
+        </p:nvSpPr>
+        <p:spPr>
+          <a:xfrm>
+            <a:off x="7912100" y="6403925"/>
+            <a:ext cx="4025900" cy="369332"/>
+          </a:xfrm>
+          <a:prstGeom prst="rect">
+            <a:avLst/>
+          </a:prstGeom>
+          <a:noFill/>
+        </p:spPr>
+        <p:txBody>
+          <a:bodyPr wrap="square" rtlCol="0">
+            <a:spAutoFit/>
+          </a:bodyPr>
+          <a:lstStyle/>
+          <a:p>
+            <a:r>
+              <a:rPr lang="en-GB" dirty="0" err="1"/>
+              <a:t>GaitRec</a:t>
+            </a:r>
+            <a:r>
+              <a:rPr lang="en-GB" dirty="0"/>
+              <a:t> Dataset (</a:t>
+            </a:r>
+            <a:r>
+              <a:rPr lang="en-GB" dirty="0" err="1"/>
+              <a:t>Horsak</a:t>
+            </a:r>
+            <a:r>
+              <a:rPr lang="en-GB" dirty="0"/>
+              <a:t> et al., 2021)</a:t>
+            </a:r>
+          </a:p>
+        </p:txBody>
+      </p:sp>
     </p:spTree>
     <p:extLst>
       <p:ext uri="{BB962C8B-B14F-4D97-AF65-F5344CB8AC3E}">
@@ -3899,7 +5019,7 @@
 </p:sld>
 </file>
 
-<file path=ppt/slides/slide11.xml><?xml version="1.0" encoding="utf-8"?>
+<file path=ppt/slides/slide12.xml><?xml version="1.0" encoding="utf-8"?>
 <p:sld xmlns:a="http://schemas.openxmlformats.org/drawingml/2006/main" xmlns:r="http://schemas.openxmlformats.org/officeDocument/2006/relationships" xmlns:p="http://schemas.openxmlformats.org/presentationml/2006/main">
   <p:cSld>
     <p:spTree>
@@ -3973,6 +5093,628 @@
           </a:xfrm>
         </p:spPr>
       </p:pic>
+      <mc:AlternateContent xmlns:mc="http://schemas.openxmlformats.org/markup-compatibility/2006" xmlns:a14="http://schemas.microsoft.com/office/drawing/2010/main">
+        <mc:Choice Requires="a14">
+          <p:sp>
+            <p:nvSpPr>
+              <p:cNvPr id="3" name="TextBox 2">
+                <a:extLst>
+                  <a:ext uri="{FF2B5EF4-FFF2-40B4-BE49-F238E27FC236}">
+                    <a16:creationId xmlns:a16="http://schemas.microsoft.com/office/drawing/2014/main" id="{E077B892-716C-64F9-D768-9D0485622FC5}"/>
+                  </a:ext>
+                </a:extLst>
+              </p:cNvPr>
+              <p:cNvSpPr txBox="1"/>
+              <p:nvPr/>
+            </p:nvSpPr>
+            <p:spPr>
+              <a:xfrm>
+                <a:off x="54366" y="3255646"/>
+                <a:ext cx="2650734" cy="3139321"/>
+              </a:xfrm>
+              <a:prstGeom prst="rect">
+                <a:avLst/>
+              </a:prstGeom>
+              <a:solidFill>
+                <a:schemeClr val="accent6">
+                  <a:lumMod val="20000"/>
+                  <a:lumOff val="80000"/>
+                </a:schemeClr>
+              </a:solidFill>
+              <a:ln w="76200">
+                <a:solidFill>
+                  <a:schemeClr val="tx1"/>
+                </a:solidFill>
+              </a:ln>
+            </p:spPr>
+            <p:txBody>
+              <a:bodyPr wrap="square" rtlCol="0">
+                <a:spAutoFit/>
+              </a:bodyPr>
+              <a:lstStyle/>
+              <a:p>
+                <a:pPr algn="ctr"/>
+                <a:r>
+                  <a:rPr lang="en-GB" b="1" u="sng" dirty="0"/>
+                  <a:t>Function-on-Scalar Model</a:t>
+                </a:r>
+              </a:p>
+              <a:p>
+                <a:pPr marL="285750" indent="-285750">
+                  <a:buFont typeface="Arial" panose="020B0604020202020204" pitchFamily="34" charset="0"/>
+                  <a:buChar char="•"/>
+                </a:pPr>
+                <a14:m>
+                  <m:oMath xmlns:m="http://schemas.openxmlformats.org/officeDocument/2006/math">
+                    <m:sSub>
+                      <m:sSubPr>
+                        <m:ctrlPr>
+                          <a:rPr lang="en-IE" b="0" i="1" smtClean="0">
+                            <a:latin typeface="Cambria Math" panose="02040503050406030204" pitchFamily="18" charset="0"/>
+                          </a:rPr>
+                        </m:ctrlPr>
+                      </m:sSubPr>
+                      <m:e>
+                        <m:r>
+                          <a:rPr lang="en-IE" b="0" i="1" smtClean="0">
+                            <a:latin typeface="Cambria Math" panose="02040503050406030204" pitchFamily="18" charset="0"/>
+                          </a:rPr>
+                          <m:t>𝑥</m:t>
+                        </m:r>
+                      </m:e>
+                      <m:sub>
+                        <m:r>
+                          <a:rPr lang="en-IE" b="0" i="1" smtClean="0">
+                            <a:latin typeface="Cambria Math" panose="02040503050406030204" pitchFamily="18" charset="0"/>
+                          </a:rPr>
+                          <m:t>1</m:t>
+                        </m:r>
+                      </m:sub>
+                    </m:sSub>
+                    <m:r>
+                      <a:rPr lang="en-IE" b="0" i="1" smtClean="0">
+                        <a:latin typeface="Cambria Math" panose="02040503050406030204" pitchFamily="18" charset="0"/>
+                      </a:rPr>
+                      <m:t>,…,</m:t>
+                    </m:r>
+                    <m:sSub>
+                      <m:sSubPr>
+                        <m:ctrlPr>
+                          <a:rPr lang="en-IE" b="0" i="1" smtClean="0">
+                            <a:latin typeface="Cambria Math" panose="02040503050406030204" pitchFamily="18" charset="0"/>
+                          </a:rPr>
+                        </m:ctrlPr>
+                      </m:sSubPr>
+                      <m:e>
+                        <m:r>
+                          <a:rPr lang="en-IE" b="0" i="1" smtClean="0">
+                            <a:latin typeface="Cambria Math" panose="02040503050406030204" pitchFamily="18" charset="0"/>
+                          </a:rPr>
+                          <m:t>𝑥</m:t>
+                        </m:r>
+                      </m:e>
+                      <m:sub>
+                        <m:r>
+                          <a:rPr lang="en-IE" b="0" i="1" smtClean="0">
+                            <a:latin typeface="Cambria Math" panose="02040503050406030204" pitchFamily="18" charset="0"/>
+                          </a:rPr>
+                          <m:t>5</m:t>
+                        </m:r>
+                      </m:sub>
+                    </m:sSub>
+                  </m:oMath>
+                </a14:m>
+                <a:r>
+                  <a:rPr lang="en-GB" dirty="0"/>
+                  <a:t> dummy-coded to represent factor levels (injury impairment groups)</a:t>
+                </a:r>
+              </a:p>
+              <a:p>
+                <a:pPr marL="285750" indent="-285750">
+                  <a:buFont typeface="Arial" panose="020B0604020202020204" pitchFamily="34" charset="0"/>
+                  <a:buChar char="•"/>
+                </a:pPr>
+                <a14:m>
+                  <m:oMath xmlns:m="http://schemas.openxmlformats.org/officeDocument/2006/math">
+                    <m:sSub>
+                      <m:sSubPr>
+                        <m:ctrlPr>
+                          <a:rPr lang="en-IE" b="0" i="1" smtClean="0">
+                            <a:latin typeface="Cambria Math" panose="02040503050406030204" pitchFamily="18" charset="0"/>
+                          </a:rPr>
+                        </m:ctrlPr>
+                      </m:sSubPr>
+                      <m:e>
+                        <m:r>
+                          <a:rPr lang="en-IE" b="0" i="1" smtClean="0">
+                            <a:latin typeface="Cambria Math" panose="02040503050406030204" pitchFamily="18" charset="0"/>
+                          </a:rPr>
+                          <m:t>𝛽</m:t>
+                        </m:r>
+                      </m:e>
+                      <m:sub>
+                        <m:r>
+                          <a:rPr lang="en-IE" b="0" i="1" smtClean="0">
+                            <a:latin typeface="Cambria Math" panose="02040503050406030204" pitchFamily="18" charset="0"/>
+                          </a:rPr>
+                          <m:t>1</m:t>
+                        </m:r>
+                      </m:sub>
+                    </m:sSub>
+                    <m:d>
+                      <m:dPr>
+                        <m:ctrlPr>
+                          <a:rPr lang="en-IE" b="0" i="1" smtClean="0">
+                            <a:latin typeface="Cambria Math" panose="02040503050406030204" pitchFamily="18" charset="0"/>
+                          </a:rPr>
+                        </m:ctrlPr>
+                      </m:dPr>
+                      <m:e>
+                        <m:r>
+                          <a:rPr lang="en-IE" b="0" i="1" smtClean="0">
+                            <a:latin typeface="Cambria Math" panose="02040503050406030204" pitchFamily="18" charset="0"/>
+                          </a:rPr>
+                          <m:t>𝑡</m:t>
+                        </m:r>
+                      </m:e>
+                    </m:d>
+                    <m:r>
+                      <a:rPr lang="en-IE" b="0" i="1" smtClean="0">
+                        <a:latin typeface="Cambria Math" panose="02040503050406030204" pitchFamily="18" charset="0"/>
+                      </a:rPr>
+                      <m:t>,…,</m:t>
+                    </m:r>
+                    <m:sSub>
+                      <m:sSubPr>
+                        <m:ctrlPr>
+                          <a:rPr lang="en-IE" b="0" i="1" smtClean="0">
+                            <a:latin typeface="Cambria Math" panose="02040503050406030204" pitchFamily="18" charset="0"/>
+                          </a:rPr>
+                        </m:ctrlPr>
+                      </m:sSubPr>
+                      <m:e>
+                        <m:r>
+                          <a:rPr lang="en-IE" b="0" i="1" smtClean="0">
+                            <a:latin typeface="Cambria Math" panose="02040503050406030204" pitchFamily="18" charset="0"/>
+                          </a:rPr>
+                          <m:t>𝛽</m:t>
+                        </m:r>
+                      </m:e>
+                      <m:sub>
+                        <m:r>
+                          <a:rPr lang="en-IE" b="0" i="1" smtClean="0">
+                            <a:latin typeface="Cambria Math" panose="02040503050406030204" pitchFamily="18" charset="0"/>
+                          </a:rPr>
+                          <m:t>5</m:t>
+                        </m:r>
+                      </m:sub>
+                    </m:sSub>
+                    <m:r>
+                      <a:rPr lang="en-IE" b="0" i="1" smtClean="0">
+                        <a:latin typeface="Cambria Math" panose="02040503050406030204" pitchFamily="18" charset="0"/>
+                      </a:rPr>
+                      <m:t>(</m:t>
+                    </m:r>
+                    <m:r>
+                      <a:rPr lang="en-IE" b="0" i="1" smtClean="0">
+                        <a:latin typeface="Cambria Math" panose="02040503050406030204" pitchFamily="18" charset="0"/>
+                      </a:rPr>
+                      <m:t>𝑡</m:t>
+                    </m:r>
+                    <m:r>
+                      <a:rPr lang="en-IE" b="0" i="1" smtClean="0">
+                        <a:latin typeface="Cambria Math" panose="02040503050406030204" pitchFamily="18" charset="0"/>
+                      </a:rPr>
+                      <m:t>)</m:t>
+                    </m:r>
+                  </m:oMath>
+                </a14:m>
+                <a:r>
+                  <a:rPr lang="en-GB" dirty="0"/>
+                  <a:t> represent the deviation of each group from the overall mean. </a:t>
+                </a:r>
+              </a:p>
+            </p:txBody>
+          </p:sp>
+        </mc:Choice>
+        <mc:Fallback xmlns="">
+          <p:sp>
+            <p:nvSpPr>
+              <p:cNvPr id="3" name="TextBox 2">
+                <a:extLst>
+                  <a:ext uri="{FF2B5EF4-FFF2-40B4-BE49-F238E27FC236}">
+                    <a16:creationId xmlns:a16="http://schemas.microsoft.com/office/drawing/2014/main" id="{E077B892-716C-64F9-D768-9D0485622FC5}"/>
+                  </a:ext>
+                </a:extLst>
+              </p:cNvPr>
+              <p:cNvSpPr txBox="1">
+                <a:spLocks noRot="1" noChangeAspect="1" noMove="1" noResize="1" noEditPoints="1" noAdjustHandles="1" noChangeArrowheads="1" noChangeShapeType="1" noTextEdit="1"/>
+              </p:cNvSpPr>
+              <p:nvPr/>
+            </p:nvSpPr>
+            <p:spPr>
+              <a:xfrm>
+                <a:off x="54366" y="3255646"/>
+                <a:ext cx="2650734" cy="3139321"/>
+              </a:xfrm>
+              <a:prstGeom prst="rect">
+                <a:avLst/>
+              </a:prstGeom>
+              <a:blipFill>
+                <a:blip r:embed="rId3"/>
+                <a:stretch>
+                  <a:fillRect r="-463" b="-1181"/>
+                </a:stretch>
+              </a:blipFill>
+              <a:ln w="76200">
+                <a:solidFill>
+                  <a:schemeClr val="tx1"/>
+                </a:solidFill>
+              </a:ln>
+            </p:spPr>
+            <p:txBody>
+              <a:bodyPr/>
+              <a:lstStyle/>
+              <a:p>
+                <a:r>
+                  <a:rPr lang="en-GB">
+                    <a:noFill/>
+                  </a:rPr>
+                  <a:t> </a:t>
+                </a:r>
+              </a:p>
+            </p:txBody>
+          </p:sp>
+        </mc:Fallback>
+      </mc:AlternateContent>
+      <p:cxnSp>
+        <p:nvCxnSpPr>
+          <p:cNvPr id="4" name="Straight Arrow Connector 3">
+            <a:extLst>
+              <a:ext uri="{FF2B5EF4-FFF2-40B4-BE49-F238E27FC236}">
+                <a16:creationId xmlns:a16="http://schemas.microsoft.com/office/drawing/2014/main" id="{62A8601A-2254-1FAF-5661-7A17E682F9F6}"/>
+              </a:ext>
+            </a:extLst>
+          </p:cNvPr>
+          <p:cNvCxnSpPr>
+            <a:cxnSpLocks/>
+          </p:cNvCxnSpPr>
+          <p:nvPr/>
+        </p:nvCxnSpPr>
+        <p:spPr>
+          <a:xfrm>
+            <a:off x="4508500" y="3534229"/>
+            <a:ext cx="313539" cy="0"/>
+          </a:xfrm>
+          <a:prstGeom prst="straightConnector1">
+            <a:avLst/>
+          </a:prstGeom>
+          <a:ln w="66675">
+            <a:solidFill>
+              <a:schemeClr val="tx1"/>
+            </a:solidFill>
+            <a:tailEnd type="triangle"/>
+          </a:ln>
+        </p:spPr>
+        <p:style>
+          <a:lnRef idx="2">
+            <a:schemeClr val="accent1"/>
+          </a:lnRef>
+          <a:fillRef idx="0">
+            <a:schemeClr val="accent1"/>
+          </a:fillRef>
+          <a:effectRef idx="1">
+            <a:schemeClr val="accent1"/>
+          </a:effectRef>
+          <a:fontRef idx="minor">
+            <a:schemeClr val="tx1"/>
+          </a:fontRef>
+        </p:style>
+      </p:cxnSp>
+      <mc:AlternateContent xmlns:mc="http://schemas.openxmlformats.org/markup-compatibility/2006" xmlns:a14="http://schemas.microsoft.com/office/drawing/2010/main">
+        <mc:Choice Requires="a14">
+          <p:sp>
+            <p:nvSpPr>
+              <p:cNvPr id="9" name="TextBox 8">
+                <a:extLst>
+                  <a:ext uri="{FF2B5EF4-FFF2-40B4-BE49-F238E27FC236}">
+                    <a16:creationId xmlns:a16="http://schemas.microsoft.com/office/drawing/2014/main" id="{8C885A6B-D082-4860-82D3-B6C27D207705}"/>
+                  </a:ext>
+                </a:extLst>
+              </p:cNvPr>
+              <p:cNvSpPr txBox="1"/>
+              <p:nvPr/>
+            </p:nvSpPr>
+            <p:spPr>
+              <a:xfrm>
+                <a:off x="5350266" y="3948143"/>
+                <a:ext cx="4327134" cy="1754326"/>
+              </a:xfrm>
+              <a:prstGeom prst="rect">
+                <a:avLst/>
+              </a:prstGeom>
+              <a:solidFill>
+                <a:schemeClr val="accent6">
+                  <a:lumMod val="20000"/>
+                  <a:lumOff val="80000"/>
+                </a:schemeClr>
+              </a:solidFill>
+              <a:ln w="76200">
+                <a:solidFill>
+                  <a:schemeClr val="tx1"/>
+                </a:solidFill>
+              </a:ln>
+            </p:spPr>
+            <p:txBody>
+              <a:bodyPr wrap="square" rtlCol="0">
+                <a:spAutoFit/>
+              </a:bodyPr>
+              <a:lstStyle/>
+              <a:p>
+                <a:pPr algn="ctr"/>
+                <a:r>
+                  <a:rPr lang="en-GB" b="1" u="sng" dirty="0"/>
+                  <a:t>Interpretation of </a:t>
+                </a:r>
+                <a14:m>
+                  <m:oMath xmlns:m="http://schemas.openxmlformats.org/officeDocument/2006/math">
+                    <m:sSub>
+                      <m:sSubPr>
+                        <m:ctrlPr>
+                          <a:rPr lang="en-IE" b="1" i="1" u="sng" smtClean="0">
+                            <a:latin typeface="Cambria Math" panose="02040503050406030204" pitchFamily="18" charset="0"/>
+                          </a:rPr>
+                        </m:ctrlPr>
+                      </m:sSubPr>
+                      <m:e>
+                        <m:r>
+                          <a:rPr lang="en-IE" b="1" i="1" u="sng" smtClean="0">
+                            <a:latin typeface="Cambria Math" panose="02040503050406030204" pitchFamily="18" charset="0"/>
+                          </a:rPr>
+                          <m:t>𝜷</m:t>
+                        </m:r>
+                      </m:e>
+                      <m:sub>
+                        <m:r>
+                          <a:rPr lang="en-IE" b="1" i="1" u="sng" smtClean="0">
+                            <a:latin typeface="Cambria Math" panose="02040503050406030204" pitchFamily="18" charset="0"/>
+                          </a:rPr>
+                          <m:t>𝟏</m:t>
+                        </m:r>
+                      </m:sub>
+                    </m:sSub>
+                    <m:d>
+                      <m:dPr>
+                        <m:ctrlPr>
+                          <a:rPr lang="en-IE" b="1" i="1" u="sng" smtClean="0">
+                            <a:latin typeface="Cambria Math" panose="02040503050406030204" pitchFamily="18" charset="0"/>
+                          </a:rPr>
+                        </m:ctrlPr>
+                      </m:dPr>
+                      <m:e>
+                        <m:r>
+                          <a:rPr lang="en-IE" b="1" i="1" u="sng" smtClean="0">
+                            <a:latin typeface="Cambria Math" panose="02040503050406030204" pitchFamily="18" charset="0"/>
+                          </a:rPr>
+                          <m:t>𝒕</m:t>
+                        </m:r>
+                      </m:e>
+                    </m:d>
+                    <m:r>
+                      <a:rPr lang="en-IE" b="1" i="1" u="sng" smtClean="0">
+                        <a:latin typeface="Cambria Math" panose="02040503050406030204" pitchFamily="18" charset="0"/>
+                      </a:rPr>
+                      <m:t>:</m:t>
+                    </m:r>
+                  </m:oMath>
+                </a14:m>
+                <a:endParaRPr lang="en-IE" b="1" u="sng" dirty="0"/>
+              </a:p>
+              <a:p>
+                <a:pPr marL="285750" indent="-285750">
+                  <a:buFont typeface="Arial" panose="020B0604020202020204" pitchFamily="34" charset="0"/>
+                  <a:buChar char="•"/>
+                </a:pPr>
+                <a:r>
+                  <a:rPr lang="en-GB" dirty="0"/>
+                  <a:t>Healthy controls have a higher than average first and second peak, and a lower than average dip in the middle.</a:t>
+                </a:r>
+              </a:p>
+              <a:p>
+                <a:pPr marL="285750" indent="-285750">
+                  <a:buFont typeface="Arial" panose="020B0604020202020204" pitchFamily="34" charset="0"/>
+                  <a:buChar char="•"/>
+                </a:pPr>
+                <a:r>
+                  <a:rPr lang="en-GB" dirty="0"/>
+                  <a:t>Reflects differences seen in group means plot.</a:t>
+                </a:r>
+              </a:p>
+            </p:txBody>
+          </p:sp>
+        </mc:Choice>
+        <mc:Fallback xmlns="">
+          <p:sp>
+            <p:nvSpPr>
+              <p:cNvPr id="9" name="TextBox 8">
+                <a:extLst>
+                  <a:ext uri="{FF2B5EF4-FFF2-40B4-BE49-F238E27FC236}">
+                    <a16:creationId xmlns:a16="http://schemas.microsoft.com/office/drawing/2014/main" id="{8C885A6B-D082-4860-82D3-B6C27D207705}"/>
+                  </a:ext>
+                </a:extLst>
+              </p:cNvPr>
+              <p:cNvSpPr txBox="1">
+                <a:spLocks noRot="1" noChangeAspect="1" noMove="1" noResize="1" noEditPoints="1" noAdjustHandles="1" noChangeArrowheads="1" noChangeShapeType="1" noTextEdit="1"/>
+              </p:cNvSpPr>
+              <p:nvPr/>
+            </p:nvSpPr>
+            <p:spPr>
+              <a:xfrm>
+                <a:off x="5350266" y="3948143"/>
+                <a:ext cx="4327134" cy="1754326"/>
+              </a:xfrm>
+              <a:prstGeom prst="rect">
+                <a:avLst/>
+              </a:prstGeom>
+              <a:blipFill>
+                <a:blip r:embed="rId4"/>
+                <a:stretch>
+                  <a:fillRect b="-2069"/>
+                </a:stretch>
+              </a:blipFill>
+              <a:ln w="76200">
+                <a:solidFill>
+                  <a:schemeClr val="tx1"/>
+                </a:solidFill>
+              </a:ln>
+            </p:spPr>
+            <p:txBody>
+              <a:bodyPr/>
+              <a:lstStyle/>
+              <a:p>
+                <a:r>
+                  <a:rPr lang="en-GB">
+                    <a:noFill/>
+                  </a:rPr>
+                  <a:t> </a:t>
+                </a:r>
+              </a:p>
+            </p:txBody>
+          </p:sp>
+        </mc:Fallback>
+      </mc:AlternateContent>
+      <p:cxnSp>
+        <p:nvCxnSpPr>
+          <p:cNvPr id="11" name="Straight Arrow Connector 10">
+            <a:extLst>
+              <a:ext uri="{FF2B5EF4-FFF2-40B4-BE49-F238E27FC236}">
+                <a16:creationId xmlns:a16="http://schemas.microsoft.com/office/drawing/2014/main" id="{6C12396C-6E8A-6B3E-B683-250B4CD412DA}"/>
+              </a:ext>
+            </a:extLst>
+          </p:cNvPr>
+          <p:cNvCxnSpPr>
+            <a:cxnSpLocks/>
+          </p:cNvCxnSpPr>
+          <p:nvPr/>
+        </p:nvCxnSpPr>
+        <p:spPr>
+          <a:xfrm flipV="1">
+            <a:off x="6446902" y="3141288"/>
+            <a:ext cx="0" cy="782467"/>
+          </a:xfrm>
+          <a:prstGeom prst="straightConnector1">
+            <a:avLst/>
+          </a:prstGeom>
+          <a:ln w="57150">
+            <a:solidFill>
+              <a:schemeClr val="tx1"/>
+            </a:solidFill>
+            <a:tailEnd type="triangle"/>
+          </a:ln>
+        </p:spPr>
+        <p:style>
+          <a:lnRef idx="2">
+            <a:schemeClr val="accent1"/>
+          </a:lnRef>
+          <a:fillRef idx="0">
+            <a:schemeClr val="accent1"/>
+          </a:fillRef>
+          <a:effectRef idx="1">
+            <a:schemeClr val="accent1"/>
+          </a:effectRef>
+          <a:fontRef idx="minor">
+            <a:schemeClr val="tx1"/>
+          </a:fontRef>
+        </p:style>
+      </p:cxnSp>
+      <p:cxnSp>
+        <p:nvCxnSpPr>
+          <p:cNvPr id="12" name="Straight Arrow Connector 11">
+            <a:extLst>
+              <a:ext uri="{FF2B5EF4-FFF2-40B4-BE49-F238E27FC236}">
+                <a16:creationId xmlns:a16="http://schemas.microsoft.com/office/drawing/2014/main" id="{AE014548-8736-493A-6802-F0F63471C1DE}"/>
+              </a:ext>
+            </a:extLst>
+          </p:cNvPr>
+          <p:cNvCxnSpPr>
+            <a:cxnSpLocks/>
+          </p:cNvCxnSpPr>
+          <p:nvPr/>
+        </p:nvCxnSpPr>
+        <p:spPr>
+          <a:xfrm flipV="1">
+            <a:off x="5796570" y="2358822"/>
+            <a:ext cx="0" cy="1564933"/>
+          </a:xfrm>
+          <a:prstGeom prst="straightConnector1">
+            <a:avLst/>
+          </a:prstGeom>
+          <a:ln w="57150">
+            <a:solidFill>
+              <a:schemeClr val="tx1"/>
+            </a:solidFill>
+            <a:tailEnd type="triangle"/>
+          </a:ln>
+        </p:spPr>
+        <p:style>
+          <a:lnRef idx="2">
+            <a:schemeClr val="accent1"/>
+          </a:lnRef>
+          <a:fillRef idx="0">
+            <a:schemeClr val="accent1"/>
+          </a:fillRef>
+          <a:effectRef idx="1">
+            <a:schemeClr val="accent1"/>
+          </a:effectRef>
+          <a:fontRef idx="minor">
+            <a:schemeClr val="tx1"/>
+          </a:fontRef>
+        </p:style>
+      </p:cxnSp>
+      <p:cxnSp>
+        <p:nvCxnSpPr>
+          <p:cNvPr id="20" name="Straight Arrow Connector 19">
+            <a:extLst>
+              <a:ext uri="{FF2B5EF4-FFF2-40B4-BE49-F238E27FC236}">
+                <a16:creationId xmlns:a16="http://schemas.microsoft.com/office/drawing/2014/main" id="{7B5ED822-2691-BB95-D725-4FB4ECCD9646}"/>
+              </a:ext>
+            </a:extLst>
+          </p:cNvPr>
+          <p:cNvCxnSpPr>
+            <a:cxnSpLocks/>
+          </p:cNvCxnSpPr>
+          <p:nvPr/>
+        </p:nvCxnSpPr>
+        <p:spPr>
+          <a:xfrm flipV="1">
+            <a:off x="6967602" y="2223512"/>
+            <a:ext cx="0" cy="1700243"/>
+          </a:xfrm>
+          <a:prstGeom prst="straightConnector1">
+            <a:avLst/>
+          </a:prstGeom>
+          <a:ln w="57150">
+            <a:solidFill>
+              <a:schemeClr val="tx1"/>
+            </a:solidFill>
+            <a:tailEnd type="triangle"/>
+          </a:ln>
+        </p:spPr>
+        <p:style>
+          <a:lnRef idx="2">
+            <a:schemeClr val="accent1"/>
+          </a:lnRef>
+          <a:fillRef idx="0">
+            <a:schemeClr val="accent1"/>
+          </a:fillRef>
+          <a:effectRef idx="1">
+            <a:schemeClr val="accent1"/>
+          </a:effectRef>
+          <a:fontRef idx="minor">
+            <a:schemeClr val="tx1"/>
+          </a:fontRef>
+        </p:style>
+      </p:cxnSp>
     </p:spTree>
     <p:extLst>
       <p:ext uri="{BB962C8B-B14F-4D97-AF65-F5344CB8AC3E}">
@@ -3986,7 +5728,7 @@
 </p:sld>
 </file>
 
-<file path=ppt/slides/slide12.xml><?xml version="1.0" encoding="utf-8"?>
+<file path=ppt/slides/slide13.xml><?xml version="1.0" encoding="utf-8"?>
 <p:sld xmlns:a="http://schemas.openxmlformats.org/drawingml/2006/main" xmlns:r="http://schemas.openxmlformats.org/officeDocument/2006/relationships" xmlns:p="http://schemas.openxmlformats.org/presentationml/2006/main">
   <p:cSld>
     <p:spTree>
@@ -4073,7 +5815,7 @@
 </p:sld>
 </file>
 
-<file path=ppt/slides/slide13.xml><?xml version="1.0" encoding="utf-8"?>
+<file path=ppt/slides/slide14.xml><?xml version="1.0" encoding="utf-8"?>
 <p:sld xmlns:a="http://schemas.openxmlformats.org/drawingml/2006/main" xmlns:r="http://schemas.openxmlformats.org/officeDocument/2006/relationships" xmlns:p="http://schemas.openxmlformats.org/presentationml/2006/main">
   <p:cSld>
     <p:spTree>
@@ -4118,8 +5860,8 @@
           </a:p>
         </p:txBody>
       </p:sp>
-      <mc:AlternateContent xmlns:mc="http://schemas.openxmlformats.org/markup-compatibility/2006">
-        <mc:Choice xmlns:a14="http://schemas.microsoft.com/office/drawing/2010/main" Requires="a14">
+      <mc:AlternateContent xmlns:mc="http://schemas.openxmlformats.org/markup-compatibility/2006" xmlns:a14="http://schemas.microsoft.com/office/drawing/2010/main">
+        <mc:Choice Requires="a14">
           <p:sp>
             <p:nvSpPr>
               <p:cNvPr id="3" name="Content Placeholder 2">
@@ -4138,10 +5880,15 @@
             </p:nvSpPr>
             <p:spPr/>
             <p:txBody>
-              <a:bodyPr/>
+              <a:bodyPr>
+                <a:normAutofit fontScale="92500" lnSpcReduction="20000"/>
+              </a:bodyPr>
               <a:lstStyle/>
               <a:p>
                 <a:pPr marL="0" indent="0">
+                  <a:lnSpc>
+                    <a:spcPct val="150000"/>
+                  </a:lnSpc>
                   <a:buNone/>
                 </a:pPr>
                 <a:r>
@@ -4151,6 +5898,9 @@
               </a:p>
               <a:p>
                 <a:pPr marL="0" indent="0">
+                  <a:lnSpc>
+                    <a:spcPct val="150000"/>
+                  </a:lnSpc>
                   <a:buNone/>
                 </a:pPr>
                 <a14:m>
@@ -4315,6 +6065,9 @@
               </a:p>
               <a:p>
                 <a:pPr marL="0" indent="0">
+                  <a:lnSpc>
+                    <a:spcPct val="150000"/>
+                  </a:lnSpc>
                   <a:buNone/>
                 </a:pPr>
                 <a:r>
@@ -4352,7 +6105,7 @@
                 </a14:m>
                 <a:r>
                   <a:rPr lang="en-GB" dirty="0"/>
-                  <a:t> is a curve </a:t>
+                  <a:t> is instead a curve </a:t>
                 </a:r>
                 <a14:m>
                   <m:oMath xmlns:m="http://schemas.openxmlformats.org/officeDocument/2006/math">
@@ -4408,15 +6161,21 @@
               </a:p>
               <a:p>
                 <a:pPr marL="0" indent="0">
+                  <a:lnSpc>
+                    <a:spcPct val="150000"/>
+                  </a:lnSpc>
                   <a:buNone/>
                 </a:pPr>
                 <a:r>
                   <a:rPr lang="en-GB" dirty="0"/>
-                  <a:t>Scalar-on-function model</a:t>
+                  <a:t>Scalar-on-function linear regression model</a:t>
                 </a:r>
               </a:p>
               <a:p>
                 <a:pPr marL="0" indent="0">
+                  <a:lnSpc>
+                    <a:spcPct val="150000"/>
+                  </a:lnSpc>
                   <a:buNone/>
                 </a:pPr>
                 <a14:m>
@@ -4485,13 +6244,7 @@
                         <a:rPr lang="en-IE" b="0" i="1" smtClean="0">
                           <a:latin typeface="Cambria Math" panose="02040503050406030204" pitchFamily="18" charset="0"/>
                         </a:rPr>
-                        <m:t>+</m:t>
-                      </m:r>
-                      <m:r>
-                        <a:rPr lang="en-IE" b="0" i="1" smtClean="0">
-                          <a:latin typeface="Cambria Math" panose="02040503050406030204" pitchFamily="18" charset="0"/>
-                        </a:rPr>
-                        <m:t>∫</m:t>
+                        <m:t>+∫</m:t>
                       </m:r>
                       <m:sSub>
                         <m:sSubPr>
@@ -4636,6 +6389,9 @@
               </a:p>
               <a:p>
                 <a:pPr marL="0" indent="0">
+                  <a:lnSpc>
+                    <a:spcPct val="150000"/>
+                  </a:lnSpc>
                   <a:buNone/>
                 </a:pPr>
                 <a14:m>
@@ -4804,7 +6560,7 @@
             </p:txBody>
           </p:sp>
         </mc:Choice>
-        <mc:Fallback>
+        <mc:Fallback xmlns="">
           <p:sp>
             <p:nvSpPr>
               <p:cNvPr id="3" name="Content Placeholder 2">
@@ -4825,7 +6581,7 @@
               <a:blipFill>
                 <a:blip r:embed="rId2"/>
                 <a:stretch>
-                  <a:fillRect l="-1206" t="-2326"/>
+                  <a:fillRect l="-1086" r="-1448" b="-581"/>
                 </a:stretch>
               </a:blipFill>
             </p:spPr>
@@ -4854,10 +6610,298 @@
   <p:clrMapOvr>
     <a:masterClrMapping/>
   </p:clrMapOvr>
+  <p:timing>
+    <p:tnLst>
+      <p:par>
+        <p:cTn id="1" dur="indefinite" restart="never" nodeType="tmRoot">
+          <p:childTnLst>
+            <p:seq concurrent="1" nextAc="seek">
+              <p:cTn id="2" dur="indefinite" nodeType="mainSeq">
+                <p:childTnLst>
+                  <p:par>
+                    <p:cTn id="3" fill="hold">
+                      <p:stCondLst>
+                        <p:cond delay="indefinite"/>
+                      </p:stCondLst>
+                      <p:childTnLst>
+                        <p:par>
+                          <p:cTn id="4" fill="hold">
+                            <p:stCondLst>
+                              <p:cond delay="0"/>
+                            </p:stCondLst>
+                            <p:childTnLst>
+                              <p:par>
+                                <p:cTn id="5" presetID="1" presetClass="entr" presetSubtype="0" fill="hold" nodeType="clickEffect">
+                                  <p:stCondLst>
+                                    <p:cond delay="0"/>
+                                  </p:stCondLst>
+                                  <p:childTnLst>
+                                    <p:set>
+                                      <p:cBhvr>
+                                        <p:cTn id="6" dur="1" fill="hold">
+                                          <p:stCondLst>
+                                            <p:cond delay="0"/>
+                                          </p:stCondLst>
+                                        </p:cTn>
+                                        <p:tgtEl>
+                                          <p:spTgt spid="3">
+                                            <p:txEl>
+                                              <p:pRg st="0" end="0"/>
+                                            </p:txEl>
+                                          </p:spTgt>
+                                        </p:tgtEl>
+                                        <p:attrNameLst>
+                                          <p:attrName>style.visibility</p:attrName>
+                                        </p:attrNameLst>
+                                      </p:cBhvr>
+                                      <p:to>
+                                        <p:strVal val="visible"/>
+                                      </p:to>
+                                    </p:set>
+                                  </p:childTnLst>
+                                </p:cTn>
+                              </p:par>
+                              <p:par>
+                                <p:cTn id="7" presetID="1" presetClass="entr" presetSubtype="0" fill="hold" nodeType="withEffect">
+                                  <p:stCondLst>
+                                    <p:cond delay="0"/>
+                                  </p:stCondLst>
+                                  <p:childTnLst>
+                                    <p:set>
+                                      <p:cBhvr>
+                                        <p:cTn id="8" dur="1" fill="hold">
+                                          <p:stCondLst>
+                                            <p:cond delay="0"/>
+                                          </p:stCondLst>
+                                        </p:cTn>
+                                        <p:tgtEl>
+                                          <p:spTgt spid="3">
+                                            <p:txEl>
+                                              <p:pRg st="1" end="1"/>
+                                            </p:txEl>
+                                          </p:spTgt>
+                                        </p:tgtEl>
+                                        <p:attrNameLst>
+                                          <p:attrName>style.visibility</p:attrName>
+                                        </p:attrNameLst>
+                                      </p:cBhvr>
+                                      <p:to>
+                                        <p:strVal val="visible"/>
+                                      </p:to>
+                                    </p:set>
+                                  </p:childTnLst>
+                                </p:cTn>
+                              </p:par>
+                            </p:childTnLst>
+                          </p:cTn>
+                        </p:par>
+                      </p:childTnLst>
+                    </p:cTn>
+                  </p:par>
+                  <p:par>
+                    <p:cTn id="9" fill="hold">
+                      <p:stCondLst>
+                        <p:cond delay="indefinite"/>
+                      </p:stCondLst>
+                      <p:childTnLst>
+                        <p:par>
+                          <p:cTn id="10" fill="hold">
+                            <p:stCondLst>
+                              <p:cond delay="0"/>
+                            </p:stCondLst>
+                            <p:childTnLst>
+                              <p:par>
+                                <p:cTn id="11" presetID="1" presetClass="entr" presetSubtype="0" fill="hold" nodeType="clickEffect">
+                                  <p:stCondLst>
+                                    <p:cond delay="0"/>
+                                  </p:stCondLst>
+                                  <p:childTnLst>
+                                    <p:set>
+                                      <p:cBhvr>
+                                        <p:cTn id="12" dur="1" fill="hold">
+                                          <p:stCondLst>
+                                            <p:cond delay="0"/>
+                                          </p:stCondLst>
+                                        </p:cTn>
+                                        <p:tgtEl>
+                                          <p:spTgt spid="3">
+                                            <p:txEl>
+                                              <p:pRg st="2" end="2"/>
+                                            </p:txEl>
+                                          </p:spTgt>
+                                        </p:tgtEl>
+                                        <p:attrNameLst>
+                                          <p:attrName>style.visibility</p:attrName>
+                                        </p:attrNameLst>
+                                      </p:cBhvr>
+                                      <p:to>
+                                        <p:strVal val="visible"/>
+                                      </p:to>
+                                    </p:set>
+                                  </p:childTnLst>
+                                </p:cTn>
+                              </p:par>
+                            </p:childTnLst>
+                          </p:cTn>
+                        </p:par>
+                      </p:childTnLst>
+                    </p:cTn>
+                  </p:par>
+                  <p:par>
+                    <p:cTn id="13" fill="hold">
+                      <p:stCondLst>
+                        <p:cond delay="indefinite"/>
+                      </p:stCondLst>
+                      <p:childTnLst>
+                        <p:par>
+                          <p:cTn id="14" fill="hold">
+                            <p:stCondLst>
+                              <p:cond delay="0"/>
+                            </p:stCondLst>
+                            <p:childTnLst>
+                              <p:par>
+                                <p:cTn id="15" presetID="1" presetClass="entr" presetSubtype="0" fill="hold" nodeType="clickEffect">
+                                  <p:stCondLst>
+                                    <p:cond delay="0"/>
+                                  </p:stCondLst>
+                                  <p:childTnLst>
+                                    <p:set>
+                                      <p:cBhvr>
+                                        <p:cTn id="16" dur="1" fill="hold">
+                                          <p:stCondLst>
+                                            <p:cond delay="0"/>
+                                          </p:stCondLst>
+                                        </p:cTn>
+                                        <p:tgtEl>
+                                          <p:spTgt spid="3">
+                                            <p:txEl>
+                                              <p:pRg st="3" end="3"/>
+                                            </p:txEl>
+                                          </p:spTgt>
+                                        </p:tgtEl>
+                                        <p:attrNameLst>
+                                          <p:attrName>style.visibility</p:attrName>
+                                        </p:attrNameLst>
+                                      </p:cBhvr>
+                                      <p:to>
+                                        <p:strVal val="visible"/>
+                                      </p:to>
+                                    </p:set>
+                                  </p:childTnLst>
+                                </p:cTn>
+                              </p:par>
+                              <p:par>
+                                <p:cTn id="17" presetID="1" presetClass="entr" presetSubtype="0" fill="hold" nodeType="withEffect">
+                                  <p:stCondLst>
+                                    <p:cond delay="0"/>
+                                  </p:stCondLst>
+                                  <p:childTnLst>
+                                    <p:set>
+                                      <p:cBhvr>
+                                        <p:cTn id="18" dur="1" fill="hold">
+                                          <p:stCondLst>
+                                            <p:cond delay="0"/>
+                                          </p:stCondLst>
+                                        </p:cTn>
+                                        <p:tgtEl>
+                                          <p:spTgt spid="3">
+                                            <p:txEl>
+                                              <p:pRg st="4" end="4"/>
+                                            </p:txEl>
+                                          </p:spTgt>
+                                        </p:tgtEl>
+                                        <p:attrNameLst>
+                                          <p:attrName>style.visibility</p:attrName>
+                                        </p:attrNameLst>
+                                      </p:cBhvr>
+                                      <p:to>
+                                        <p:strVal val="visible"/>
+                                      </p:to>
+                                    </p:set>
+                                  </p:childTnLst>
+                                </p:cTn>
+                              </p:par>
+                            </p:childTnLst>
+                          </p:cTn>
+                        </p:par>
+                      </p:childTnLst>
+                    </p:cTn>
+                  </p:par>
+                  <p:par>
+                    <p:cTn id="19" fill="hold">
+                      <p:stCondLst>
+                        <p:cond delay="indefinite"/>
+                      </p:stCondLst>
+                      <p:childTnLst>
+                        <p:par>
+                          <p:cTn id="20" fill="hold">
+                            <p:stCondLst>
+                              <p:cond delay="0"/>
+                            </p:stCondLst>
+                            <p:childTnLst>
+                              <p:par>
+                                <p:cTn id="21" presetID="1" presetClass="entr" presetSubtype="0" fill="hold" nodeType="clickEffect">
+                                  <p:stCondLst>
+                                    <p:cond delay="0"/>
+                                  </p:stCondLst>
+                                  <p:childTnLst>
+                                    <p:set>
+                                      <p:cBhvr>
+                                        <p:cTn id="22" dur="1" fill="hold">
+                                          <p:stCondLst>
+                                            <p:cond delay="0"/>
+                                          </p:stCondLst>
+                                        </p:cTn>
+                                        <p:tgtEl>
+                                          <p:spTgt spid="3">
+                                            <p:txEl>
+                                              <p:pRg st="5" end="5"/>
+                                            </p:txEl>
+                                          </p:spTgt>
+                                        </p:tgtEl>
+                                        <p:attrNameLst>
+                                          <p:attrName>style.visibility</p:attrName>
+                                        </p:attrNameLst>
+                                      </p:cBhvr>
+                                      <p:to>
+                                        <p:strVal val="visible"/>
+                                      </p:to>
+                                    </p:set>
+                                  </p:childTnLst>
+                                </p:cTn>
+                              </p:par>
+                            </p:childTnLst>
+                          </p:cTn>
+                        </p:par>
+                      </p:childTnLst>
+                    </p:cTn>
+                  </p:par>
+                </p:childTnLst>
+              </p:cTn>
+              <p:prevCondLst>
+                <p:cond evt="onPrev" delay="0">
+                  <p:tgtEl>
+                    <p:sldTgt/>
+                  </p:tgtEl>
+                </p:cond>
+              </p:prevCondLst>
+              <p:nextCondLst>
+                <p:cond evt="onNext" delay="0">
+                  <p:tgtEl>
+                    <p:sldTgt/>
+                  </p:tgtEl>
+                </p:cond>
+              </p:nextCondLst>
+            </p:seq>
+          </p:childTnLst>
+        </p:cTn>
+      </p:par>
+    </p:tnLst>
+  </p:timing>
 </p:sld>
 </file>
 
-<file path=ppt/slides/slide14.xml><?xml version="1.0" encoding="utf-8"?>
+<file path=ppt/slides/slide15.xml><?xml version="1.0" encoding="utf-8"?>
 <p:sld xmlns:a="http://schemas.openxmlformats.org/drawingml/2006/main" xmlns:r="http://schemas.openxmlformats.org/officeDocument/2006/relationships" xmlns:p="http://schemas.openxmlformats.org/presentationml/2006/main">
   <p:cSld>
     <p:spTree>
@@ -4902,8 +6946,8 @@
           </a:p>
         </p:txBody>
       </p:sp>
-      <mc:AlternateContent xmlns:mc="http://schemas.openxmlformats.org/markup-compatibility/2006">
-        <mc:Choice xmlns:a14="http://schemas.microsoft.com/office/drawing/2010/main" Requires="a14">
+      <mc:AlternateContent xmlns:mc="http://schemas.openxmlformats.org/markup-compatibility/2006" xmlns:a14="http://schemas.microsoft.com/office/drawing/2010/main">
+        <mc:Choice Requires="a14">
           <p:sp>
             <p:nvSpPr>
               <p:cNvPr id="3" name="Content Placeholder 2">
@@ -4932,7 +6976,7 @@
                 </a:pPr>
                 <a:r>
                   <a:rPr lang="en-GB" dirty="0"/>
-                  <a:t>Most rudimentary approach )”F = perform FPCA on </a:t>
+                  <a:t>Most rudimentary approach = perform FPCA on </a:t>
                 </a:r>
                 <a14:m>
                   <m:oMath xmlns:m="http://schemas.openxmlformats.org/officeDocument/2006/math">
@@ -5512,7 +7556,10 @@
                     </m:d>
                   </m:oMath>
                 </a14:m>
-                <a:endParaRPr lang="en-GB" dirty="0"/>
+                <a:r>
+                  <a:rPr lang="en-GB" dirty="0"/>
+                  <a:t>.</a:t>
+                </a:r>
               </a:p>
               <a:p>
                 <a:pPr marL="0" indent="0">
@@ -5523,7 +7570,7 @@
             </p:txBody>
           </p:sp>
         </mc:Choice>
-        <mc:Fallback>
+        <mc:Fallback xmlns="">
           <p:sp>
             <p:nvSpPr>
               <p:cNvPr id="3" name="Content Placeholder 2">
@@ -5573,10 +7620,316 @@
   <p:clrMapOvr>
     <a:masterClrMapping/>
   </p:clrMapOvr>
+  <p:timing>
+    <p:tnLst>
+      <p:par>
+        <p:cTn id="1" dur="indefinite" restart="never" nodeType="tmRoot">
+          <p:childTnLst>
+            <p:seq concurrent="1" nextAc="seek">
+              <p:cTn id="2" dur="indefinite" nodeType="mainSeq">
+                <p:childTnLst>
+                  <p:par>
+                    <p:cTn id="3" fill="hold">
+                      <p:stCondLst>
+                        <p:cond delay="indefinite"/>
+                      </p:stCondLst>
+                      <p:childTnLst>
+                        <p:par>
+                          <p:cTn id="4" fill="hold">
+                            <p:stCondLst>
+                              <p:cond delay="0"/>
+                            </p:stCondLst>
+                            <p:childTnLst>
+                              <p:par>
+                                <p:cTn id="5" presetID="1" presetClass="entr" presetSubtype="0" fill="hold" nodeType="clickEffect">
+                                  <p:stCondLst>
+                                    <p:cond delay="0"/>
+                                  </p:stCondLst>
+                                  <p:childTnLst>
+                                    <p:set>
+                                      <p:cBhvr>
+                                        <p:cTn id="6" dur="1" fill="hold">
+                                          <p:stCondLst>
+                                            <p:cond delay="0"/>
+                                          </p:stCondLst>
+                                        </p:cTn>
+                                        <p:tgtEl>
+                                          <p:spTgt spid="3">
+                                            <p:txEl>
+                                              <p:pRg st="0" end="0"/>
+                                            </p:txEl>
+                                          </p:spTgt>
+                                        </p:tgtEl>
+                                        <p:attrNameLst>
+                                          <p:attrName>style.visibility</p:attrName>
+                                        </p:attrNameLst>
+                                      </p:cBhvr>
+                                      <p:to>
+                                        <p:strVal val="visible"/>
+                                      </p:to>
+                                    </p:set>
+                                  </p:childTnLst>
+                                </p:cTn>
+                              </p:par>
+                            </p:childTnLst>
+                          </p:cTn>
+                        </p:par>
+                      </p:childTnLst>
+                    </p:cTn>
+                  </p:par>
+                  <p:par>
+                    <p:cTn id="7" fill="hold">
+                      <p:stCondLst>
+                        <p:cond delay="indefinite"/>
+                      </p:stCondLst>
+                      <p:childTnLst>
+                        <p:par>
+                          <p:cTn id="8" fill="hold">
+                            <p:stCondLst>
+                              <p:cond delay="0"/>
+                            </p:stCondLst>
+                            <p:childTnLst>
+                              <p:par>
+                                <p:cTn id="9" presetID="1" presetClass="entr" presetSubtype="0" fill="hold" nodeType="clickEffect">
+                                  <p:stCondLst>
+                                    <p:cond delay="0"/>
+                                  </p:stCondLst>
+                                  <p:childTnLst>
+                                    <p:set>
+                                      <p:cBhvr>
+                                        <p:cTn id="10" dur="1" fill="hold">
+                                          <p:stCondLst>
+                                            <p:cond delay="0"/>
+                                          </p:stCondLst>
+                                        </p:cTn>
+                                        <p:tgtEl>
+                                          <p:spTgt spid="3">
+                                            <p:txEl>
+                                              <p:pRg st="1" end="1"/>
+                                            </p:txEl>
+                                          </p:spTgt>
+                                        </p:tgtEl>
+                                        <p:attrNameLst>
+                                          <p:attrName>style.visibility</p:attrName>
+                                        </p:attrNameLst>
+                                      </p:cBhvr>
+                                      <p:to>
+                                        <p:strVal val="visible"/>
+                                      </p:to>
+                                    </p:set>
+                                  </p:childTnLst>
+                                </p:cTn>
+                              </p:par>
+                            </p:childTnLst>
+                          </p:cTn>
+                        </p:par>
+                      </p:childTnLst>
+                    </p:cTn>
+                  </p:par>
+                  <p:par>
+                    <p:cTn id="11" fill="hold">
+                      <p:stCondLst>
+                        <p:cond delay="indefinite"/>
+                      </p:stCondLst>
+                      <p:childTnLst>
+                        <p:par>
+                          <p:cTn id="12" fill="hold">
+                            <p:stCondLst>
+                              <p:cond delay="0"/>
+                            </p:stCondLst>
+                            <p:childTnLst>
+                              <p:par>
+                                <p:cTn id="13" presetID="1" presetClass="entr" presetSubtype="0" fill="hold" nodeType="clickEffect">
+                                  <p:stCondLst>
+                                    <p:cond delay="0"/>
+                                  </p:stCondLst>
+                                  <p:childTnLst>
+                                    <p:set>
+                                      <p:cBhvr>
+                                        <p:cTn id="14" dur="1" fill="hold">
+                                          <p:stCondLst>
+                                            <p:cond delay="0"/>
+                                          </p:stCondLst>
+                                        </p:cTn>
+                                        <p:tgtEl>
+                                          <p:spTgt spid="3">
+                                            <p:txEl>
+                                              <p:pRg st="2" end="2"/>
+                                            </p:txEl>
+                                          </p:spTgt>
+                                        </p:tgtEl>
+                                        <p:attrNameLst>
+                                          <p:attrName>style.visibility</p:attrName>
+                                        </p:attrNameLst>
+                                      </p:cBhvr>
+                                      <p:to>
+                                        <p:strVal val="visible"/>
+                                      </p:to>
+                                    </p:set>
+                                  </p:childTnLst>
+                                </p:cTn>
+                              </p:par>
+                              <p:par>
+                                <p:cTn id="15" presetID="1" presetClass="entr" presetSubtype="0" fill="hold" nodeType="withEffect">
+                                  <p:stCondLst>
+                                    <p:cond delay="0"/>
+                                  </p:stCondLst>
+                                  <p:childTnLst>
+                                    <p:set>
+                                      <p:cBhvr>
+                                        <p:cTn id="16" dur="1" fill="hold">
+                                          <p:stCondLst>
+                                            <p:cond delay="0"/>
+                                          </p:stCondLst>
+                                        </p:cTn>
+                                        <p:tgtEl>
+                                          <p:spTgt spid="3">
+                                            <p:txEl>
+                                              <p:pRg st="3" end="3"/>
+                                            </p:txEl>
+                                          </p:spTgt>
+                                        </p:tgtEl>
+                                        <p:attrNameLst>
+                                          <p:attrName>style.visibility</p:attrName>
+                                        </p:attrNameLst>
+                                      </p:cBhvr>
+                                      <p:to>
+                                        <p:strVal val="visible"/>
+                                      </p:to>
+                                    </p:set>
+                                  </p:childTnLst>
+                                </p:cTn>
+                              </p:par>
+                            </p:childTnLst>
+                          </p:cTn>
+                        </p:par>
+                      </p:childTnLst>
+                    </p:cTn>
+                  </p:par>
+                  <p:par>
+                    <p:cTn id="17" fill="hold">
+                      <p:stCondLst>
+                        <p:cond delay="indefinite"/>
+                      </p:stCondLst>
+                      <p:childTnLst>
+                        <p:par>
+                          <p:cTn id="18" fill="hold">
+                            <p:stCondLst>
+                              <p:cond delay="0"/>
+                            </p:stCondLst>
+                            <p:childTnLst>
+                              <p:par>
+                                <p:cTn id="19" presetID="1" presetClass="entr" presetSubtype="0" fill="hold" nodeType="clickEffect">
+                                  <p:stCondLst>
+                                    <p:cond delay="0"/>
+                                  </p:stCondLst>
+                                  <p:childTnLst>
+                                    <p:set>
+                                      <p:cBhvr>
+                                        <p:cTn id="20" dur="1" fill="hold">
+                                          <p:stCondLst>
+                                            <p:cond delay="0"/>
+                                          </p:stCondLst>
+                                        </p:cTn>
+                                        <p:tgtEl>
+                                          <p:spTgt spid="3">
+                                            <p:txEl>
+                                              <p:pRg st="4" end="4"/>
+                                            </p:txEl>
+                                          </p:spTgt>
+                                        </p:tgtEl>
+                                        <p:attrNameLst>
+                                          <p:attrName>style.visibility</p:attrName>
+                                        </p:attrNameLst>
+                                      </p:cBhvr>
+                                      <p:to>
+                                        <p:strVal val="visible"/>
+                                      </p:to>
+                                    </p:set>
+                                  </p:childTnLst>
+                                </p:cTn>
+                              </p:par>
+                            </p:childTnLst>
+                          </p:cTn>
+                        </p:par>
+                      </p:childTnLst>
+                    </p:cTn>
+                  </p:par>
+                  <p:par>
+                    <p:cTn id="21" fill="hold">
+                      <p:stCondLst>
+                        <p:cond delay="indefinite"/>
+                      </p:stCondLst>
+                      <p:childTnLst>
+                        <p:par>
+                          <p:cTn id="22" fill="hold">
+                            <p:stCondLst>
+                              <p:cond delay="0"/>
+                            </p:stCondLst>
+                            <p:childTnLst>
+                              <p:par>
+                                <p:cTn id="23" presetID="1" presetClass="entr" presetSubtype="0" fill="hold" nodeType="clickEffect">
+                                  <p:stCondLst>
+                                    <p:cond delay="0"/>
+                                  </p:stCondLst>
+                                  <p:childTnLst>
+                                    <p:set>
+                                      <p:cBhvr>
+                                        <p:cTn id="24" dur="1" fill="hold">
+                                          <p:stCondLst>
+                                            <p:cond delay="0"/>
+                                          </p:stCondLst>
+                                        </p:cTn>
+                                        <p:tgtEl>
+                                          <p:spTgt spid="3">
+                                            <p:txEl>
+                                              <p:pRg st="6" end="6"/>
+                                            </p:txEl>
+                                          </p:spTgt>
+                                        </p:tgtEl>
+                                        <p:attrNameLst>
+                                          <p:attrName>style.visibility</p:attrName>
+                                        </p:attrNameLst>
+                                      </p:cBhvr>
+                                      <p:to>
+                                        <p:strVal val="visible"/>
+                                      </p:to>
+                                    </p:set>
+                                  </p:childTnLst>
+                                </p:cTn>
+                              </p:par>
+                            </p:childTnLst>
+                          </p:cTn>
+                        </p:par>
+                      </p:childTnLst>
+                    </p:cTn>
+                  </p:par>
+                </p:childTnLst>
+              </p:cTn>
+              <p:prevCondLst>
+                <p:cond evt="onPrev" delay="0">
+                  <p:tgtEl>
+                    <p:sldTgt/>
+                  </p:tgtEl>
+                </p:cond>
+              </p:prevCondLst>
+              <p:nextCondLst>
+                <p:cond evt="onNext" delay="0">
+                  <p:tgtEl>
+                    <p:sldTgt/>
+                  </p:tgtEl>
+                </p:cond>
+              </p:nextCondLst>
+            </p:seq>
+          </p:childTnLst>
+        </p:cTn>
+      </p:par>
+    </p:tnLst>
+  </p:timing>
 </p:sld>
 </file>
 
-<file path=ppt/slides/slide15.xml><?xml version="1.0" encoding="utf-8"?>
+<file path=ppt/slides/slide16.xml><?xml version="1.0" encoding="utf-8"?>
 <p:sld xmlns:a="http://schemas.openxmlformats.org/drawingml/2006/main" xmlns:r="http://schemas.openxmlformats.org/officeDocument/2006/relationships" xmlns:p="http://schemas.openxmlformats.org/presentationml/2006/main">
   <p:cSld>
     <p:spTree>
@@ -5637,7 +7990,230 @@
             <p:ph type="body" sz="half" idx="2"/>
           </p:nvPr>
         </p:nvSpPr>
+        <p:spPr>
+          <a:xfrm>
+            <a:off x="839788" y="2057400"/>
+            <a:ext cx="4493307" cy="3811588"/>
+          </a:xfrm>
+        </p:spPr>
+        <p:txBody>
+          <a:bodyPr>
+            <a:normAutofit/>
+          </a:bodyPr>
+          <a:lstStyle/>
+          <a:p>
+            <a:r>
+              <a:rPr lang="en-GB" sz="2000" dirty="0"/>
+              <a:t>Predict maximum anterior-posterior force using the full vertical ground reaction force curve.</a:t>
+            </a:r>
+          </a:p>
+        </p:txBody>
+      </p:sp>
+      <p:pic>
+        <p:nvPicPr>
+          <p:cNvPr id="8" name="Content Placeholder 7">
+            <a:extLst>
+              <a:ext uri="{FF2B5EF4-FFF2-40B4-BE49-F238E27FC236}">
+                <a16:creationId xmlns:a16="http://schemas.microsoft.com/office/drawing/2014/main" id="{6FE608B2-BCD1-F43F-7DBB-053A8FDB4520}"/>
+              </a:ext>
+            </a:extLst>
+          </p:cNvPr>
+          <p:cNvPicPr>
+            <a:picLocks noGrp="1" noChangeAspect="1"/>
+          </p:cNvPicPr>
+          <p:nvPr>
+            <p:ph idx="1"/>
+          </p:nvPr>
+        </p:nvPicPr>
+        <p:blipFill rotWithShape="1">
+          <a:blip r:embed="rId2"/>
+          <a:srcRect l="50000"/>
+          <a:stretch/>
+        </p:blipFill>
+        <p:spPr>
+          <a:xfrm>
+            <a:off x="5730876" y="824232"/>
+            <a:ext cx="4645023" cy="5574028"/>
+          </a:xfrm>
+        </p:spPr>
+      </p:pic>
+      <p:sp>
+        <p:nvSpPr>
+          <p:cNvPr id="9" name="TextBox 8">
+            <a:extLst>
+              <a:ext uri="{FF2B5EF4-FFF2-40B4-BE49-F238E27FC236}">
+                <a16:creationId xmlns:a16="http://schemas.microsoft.com/office/drawing/2014/main" id="{B7FB401D-4BE6-B758-F2FE-1A90D34969DF}"/>
+              </a:ext>
+            </a:extLst>
+          </p:cNvPr>
+          <p:cNvSpPr txBox="1"/>
+          <p:nvPr/>
+        </p:nvSpPr>
+        <p:spPr>
+          <a:xfrm>
+            <a:off x="839788" y="3611246"/>
+            <a:ext cx="3694112" cy="1200329"/>
+          </a:xfrm>
+          <a:prstGeom prst="rect">
+            <a:avLst/>
+          </a:prstGeom>
+          <a:solidFill>
+            <a:schemeClr val="accent6">
+              <a:lumMod val="20000"/>
+              <a:lumOff val="80000"/>
+            </a:schemeClr>
+          </a:solidFill>
+          <a:ln w="76200">
+            <a:solidFill>
+              <a:schemeClr val="tx1"/>
+            </a:solidFill>
+          </a:ln>
+        </p:spPr>
+        <p:txBody>
+          <a:bodyPr wrap="square" rtlCol="0">
+            <a:spAutoFit/>
+          </a:bodyPr>
+          <a:lstStyle/>
+          <a:p>
+            <a:pPr algn="ctr"/>
+            <a:r>
+              <a:rPr lang="en-GB" b="1" u="sng" dirty="0"/>
+              <a:t>Descriptive Analysis</a:t>
+            </a:r>
+          </a:p>
+          <a:p>
+            <a:pPr algn="ctr"/>
+            <a:r>
+              <a:rPr lang="en-GB" dirty="0"/>
+              <a:t>Apply FPCA to Vertical GRF curves and looked at correlation of first two FPC scores with Max. A-P force.</a:t>
+            </a:r>
+          </a:p>
+        </p:txBody>
+      </p:sp>
+      <p:cxnSp>
+        <p:nvCxnSpPr>
+          <p:cNvPr id="11" name="Straight Arrow Connector 10">
+            <a:extLst>
+              <a:ext uri="{FF2B5EF4-FFF2-40B4-BE49-F238E27FC236}">
+                <a16:creationId xmlns:a16="http://schemas.microsoft.com/office/drawing/2014/main" id="{88EA15E4-2DD1-2AA3-567C-7F4ECD1EB7FC}"/>
+              </a:ext>
+            </a:extLst>
+          </p:cNvPr>
+          <p:cNvCxnSpPr>
+            <a:stCxn id="9" idx="3"/>
+          </p:cNvCxnSpPr>
+          <p:nvPr/>
+        </p:nvCxnSpPr>
+        <p:spPr>
+          <a:xfrm flipV="1">
+            <a:off x="4533900" y="3889829"/>
+            <a:ext cx="1196976" cy="321582"/>
+          </a:xfrm>
+          <a:prstGeom prst="straightConnector1">
+            <a:avLst/>
+          </a:prstGeom>
+          <a:ln w="66675">
+            <a:solidFill>
+              <a:schemeClr val="tx1"/>
+            </a:solidFill>
+            <a:tailEnd type="triangle"/>
+          </a:ln>
+        </p:spPr>
+        <p:style>
+          <a:lnRef idx="2">
+            <a:schemeClr val="accent1"/>
+          </a:lnRef>
+          <a:fillRef idx="0">
+            <a:schemeClr val="accent1"/>
+          </a:fillRef>
+          <a:effectRef idx="1">
+            <a:schemeClr val="accent1"/>
+          </a:effectRef>
+          <a:fontRef idx="minor">
+            <a:schemeClr val="tx1"/>
+          </a:fontRef>
+        </p:style>
+      </p:cxnSp>
+    </p:spTree>
+    <p:extLst>
+      <p:ext uri="{BB962C8B-B14F-4D97-AF65-F5344CB8AC3E}">
+        <p14:creationId xmlns:p14="http://schemas.microsoft.com/office/powerpoint/2010/main" val="2762192925"/>
+      </p:ext>
+    </p:extLst>
+  </p:cSld>
+  <p:clrMapOvr>
+    <a:masterClrMapping/>
+  </p:clrMapOvr>
+</p:sld>
+</file>
+
+<file path=ppt/slides/slide17.xml><?xml version="1.0" encoding="utf-8"?>
+<p:sld xmlns:a="http://schemas.openxmlformats.org/drawingml/2006/main" xmlns:r="http://schemas.openxmlformats.org/officeDocument/2006/relationships" xmlns:p="http://schemas.openxmlformats.org/presentationml/2006/main">
+  <p:cSld>
+    <p:spTree>
+      <p:nvGrpSpPr>
+        <p:cNvPr id="1" name=""/>
+        <p:cNvGrpSpPr/>
+        <p:nvPr/>
+      </p:nvGrpSpPr>
+      <p:grpSpPr>
+        <a:xfrm>
+          <a:off x="0" y="0"/>
+          <a:ext cx="0" cy="0"/>
+          <a:chOff x="0" y="0"/>
+          <a:chExt cx="0" cy="0"/>
+        </a:xfrm>
+      </p:grpSpPr>
+      <p:sp>
+        <p:nvSpPr>
+          <p:cNvPr id="2" name="Title 1">
+            <a:extLst>
+              <a:ext uri="{FF2B5EF4-FFF2-40B4-BE49-F238E27FC236}">
+                <a16:creationId xmlns:a16="http://schemas.microsoft.com/office/drawing/2014/main" id="{20D67753-8354-90AA-A529-B231D59BA331}"/>
+              </a:ext>
+            </a:extLst>
+          </p:cNvPr>
+          <p:cNvSpPr>
+            <a:spLocks noGrp="1"/>
+          </p:cNvSpPr>
+          <p:nvPr>
+            <p:ph type="title"/>
+          </p:nvPr>
+        </p:nvSpPr>
         <p:spPr/>
+        <p:txBody>
+          <a:bodyPr/>
+          <a:lstStyle/>
+          <a:p>
+            <a:r>
+              <a:rPr lang="en-GB" dirty="0"/>
+              <a:t>Example</a:t>
+            </a:r>
+          </a:p>
+        </p:txBody>
+      </p:sp>
+      <p:sp>
+        <p:nvSpPr>
+          <p:cNvPr id="4" name="Text Placeholder 3">
+            <a:extLst>
+              <a:ext uri="{FF2B5EF4-FFF2-40B4-BE49-F238E27FC236}">
+                <a16:creationId xmlns:a16="http://schemas.microsoft.com/office/drawing/2014/main" id="{99996458-B079-1AAF-6518-9CFC0B4B71D5}"/>
+              </a:ext>
+            </a:extLst>
+          </p:cNvPr>
+          <p:cNvSpPr>
+            <a:spLocks noGrp="1"/>
+          </p:cNvSpPr>
+          <p:nvPr>
+            <p:ph type="body" sz="half" idx="2"/>
+          </p:nvPr>
+        </p:nvSpPr>
+        <p:spPr>
+          <a:xfrm>
+            <a:off x="839788" y="2057400"/>
+            <a:ext cx="4493307" cy="3811588"/>
+          </a:xfrm>
+        </p:spPr>
         <p:txBody>
           <a:bodyPr>
             <a:normAutofit/>
@@ -5680,10 +8256,1571 @@
           </a:xfrm>
         </p:spPr>
       </p:pic>
+      <mc:AlternateContent xmlns:mc="http://schemas.openxmlformats.org/markup-compatibility/2006" xmlns:a14="http://schemas.microsoft.com/office/drawing/2010/main">
+        <mc:Choice Requires="a14">
+          <p:sp>
+            <p:nvSpPr>
+              <p:cNvPr id="3" name="TextBox 2">
+                <a:extLst>
+                  <a:ext uri="{FF2B5EF4-FFF2-40B4-BE49-F238E27FC236}">
+                    <a16:creationId xmlns:a16="http://schemas.microsoft.com/office/drawing/2014/main" id="{85590756-4830-54C6-B3DA-554D250FEBDA}"/>
+                  </a:ext>
+                </a:extLst>
+              </p:cNvPr>
+              <p:cNvSpPr txBox="1"/>
+              <p:nvPr/>
+            </p:nvSpPr>
+            <p:spPr>
+              <a:xfrm>
+                <a:off x="949426" y="59019"/>
+                <a:ext cx="4155974" cy="1477328"/>
+              </a:xfrm>
+              <a:prstGeom prst="rect">
+                <a:avLst/>
+              </a:prstGeom>
+              <a:solidFill>
+                <a:schemeClr val="accent6">
+                  <a:lumMod val="20000"/>
+                  <a:lumOff val="80000"/>
+                </a:schemeClr>
+              </a:solidFill>
+              <a:ln w="76200">
+                <a:solidFill>
+                  <a:schemeClr val="tx1"/>
+                </a:solidFill>
+              </a:ln>
+            </p:spPr>
+            <p:txBody>
+              <a:bodyPr wrap="square" rtlCol="0">
+                <a:spAutoFit/>
+              </a:bodyPr>
+              <a:lstStyle/>
+              <a:p>
+                <a:pPr algn="ctr"/>
+                <a:r>
+                  <a:rPr lang="en-GB" b="1" u="sng" dirty="0"/>
+                  <a:t>FPCR</a:t>
+                </a:r>
+              </a:p>
+              <a:p>
+                <a:pPr marL="285750" indent="-285750">
+                  <a:buFont typeface="Arial" panose="020B0604020202020204" pitchFamily="34" charset="0"/>
+                  <a:buChar char="•"/>
+                </a:pPr>
+                <a:r>
+                  <a:rPr lang="en-GB" dirty="0"/>
+                  <a:t>Use FPC scores to predict maximum AP force.</a:t>
+                </a:r>
+              </a:p>
+              <a:p>
+                <a:pPr marL="285750" indent="-285750">
+                  <a:buFont typeface="Arial" panose="020B0604020202020204" pitchFamily="34" charset="0"/>
+                  <a:buChar char="•"/>
+                </a:pPr>
+                <a:r>
+                  <a:rPr lang="en-GB" dirty="0"/>
+                  <a:t>Estimate dependent on </a:t>
+                </a:r>
+                <a14:m>
+                  <m:oMath xmlns:m="http://schemas.openxmlformats.org/officeDocument/2006/math">
+                    <m:r>
+                      <a:rPr lang="en-IE" b="0" i="1" smtClean="0">
+                        <a:latin typeface="Cambria Math" panose="02040503050406030204" pitchFamily="18" charset="0"/>
+                      </a:rPr>
+                      <m:t>𝑅</m:t>
+                    </m:r>
+                  </m:oMath>
+                </a14:m>
+                <a:r>
+                  <a:rPr lang="en-GB" dirty="0"/>
+                  <a:t>.</a:t>
+                </a:r>
+              </a:p>
+              <a:p>
+                <a:pPr marL="285750" indent="-285750">
+                  <a:buFont typeface="Arial" panose="020B0604020202020204" pitchFamily="34" charset="0"/>
+                  <a:buChar char="•"/>
+                </a:pPr>
+                <a:r>
+                  <a:rPr lang="en-GB" dirty="0"/>
+                  <a:t>Choose </a:t>
+                </a:r>
+                <a14:m>
+                  <m:oMath xmlns:m="http://schemas.openxmlformats.org/officeDocument/2006/math">
+                    <m:r>
+                      <a:rPr lang="en-IE" b="0" i="1" smtClean="0">
+                        <a:latin typeface="Cambria Math" panose="02040503050406030204" pitchFamily="18" charset="0"/>
+                      </a:rPr>
+                      <m:t>𝑅</m:t>
+                    </m:r>
+                    <m:r>
+                      <a:rPr lang="en-IE" b="0" i="1" smtClean="0">
+                        <a:latin typeface="Cambria Math" panose="02040503050406030204" pitchFamily="18" charset="0"/>
+                      </a:rPr>
+                      <m:t>=11</m:t>
+                    </m:r>
+                  </m:oMath>
+                </a14:m>
+                <a:r>
+                  <a:rPr lang="en-GB" dirty="0"/>
+                  <a:t> by CV.</a:t>
+                </a:r>
+              </a:p>
+            </p:txBody>
+          </p:sp>
+        </mc:Choice>
+        <mc:Fallback xmlns="">
+          <p:sp>
+            <p:nvSpPr>
+              <p:cNvPr id="3" name="TextBox 2">
+                <a:extLst>
+                  <a:ext uri="{FF2B5EF4-FFF2-40B4-BE49-F238E27FC236}">
+                    <a16:creationId xmlns:a16="http://schemas.microsoft.com/office/drawing/2014/main" id="{85590756-4830-54C6-B3DA-554D250FEBDA}"/>
+                  </a:ext>
+                </a:extLst>
+              </p:cNvPr>
+              <p:cNvSpPr txBox="1">
+                <a:spLocks noRot="1" noChangeAspect="1" noMove="1" noResize="1" noEditPoints="1" noAdjustHandles="1" noChangeArrowheads="1" noChangeShapeType="1" noTextEdit="1"/>
+              </p:cNvSpPr>
+              <p:nvPr/>
+            </p:nvSpPr>
+            <p:spPr>
+              <a:xfrm>
+                <a:off x="949426" y="59019"/>
+                <a:ext cx="4155974" cy="1477328"/>
+              </a:xfrm>
+              <a:prstGeom prst="rect">
+                <a:avLst/>
+              </a:prstGeom>
+              <a:blipFill>
+                <a:blip r:embed="rId3"/>
+                <a:stretch>
+                  <a:fillRect l="-299" b="-2419"/>
+                </a:stretch>
+              </a:blipFill>
+              <a:ln w="76200">
+                <a:solidFill>
+                  <a:schemeClr val="tx1"/>
+                </a:solidFill>
+              </a:ln>
+            </p:spPr>
+            <p:txBody>
+              <a:bodyPr/>
+              <a:lstStyle/>
+              <a:p>
+                <a:r>
+                  <a:rPr lang="en-GB">
+                    <a:noFill/>
+                  </a:rPr>
+                  <a:t> </a:t>
+                </a:r>
+              </a:p>
+            </p:txBody>
+          </p:sp>
+        </mc:Fallback>
+      </mc:AlternateContent>
+      <p:cxnSp>
+        <p:nvCxnSpPr>
+          <p:cNvPr id="6" name="Straight Arrow Connector 5">
+            <a:extLst>
+              <a:ext uri="{FF2B5EF4-FFF2-40B4-BE49-F238E27FC236}">
+                <a16:creationId xmlns:a16="http://schemas.microsoft.com/office/drawing/2014/main" id="{DB9F879C-C538-4533-0B38-01FAEE09B3AE}"/>
+              </a:ext>
+            </a:extLst>
+          </p:cNvPr>
+          <p:cNvCxnSpPr>
+            <a:cxnSpLocks/>
+            <a:stCxn id="3" idx="3"/>
+          </p:cNvCxnSpPr>
+          <p:nvPr/>
+        </p:nvCxnSpPr>
+        <p:spPr>
+          <a:xfrm>
+            <a:off x="5105400" y="797683"/>
+            <a:ext cx="735114" cy="191329"/>
+          </a:xfrm>
+          <a:prstGeom prst="straightConnector1">
+            <a:avLst/>
+          </a:prstGeom>
+          <a:ln w="66675">
+            <a:solidFill>
+              <a:schemeClr val="tx1"/>
+            </a:solidFill>
+            <a:tailEnd type="triangle"/>
+          </a:ln>
+        </p:spPr>
+        <p:style>
+          <a:lnRef idx="2">
+            <a:schemeClr val="accent1"/>
+          </a:lnRef>
+          <a:fillRef idx="0">
+            <a:schemeClr val="accent1"/>
+          </a:fillRef>
+          <a:effectRef idx="1">
+            <a:schemeClr val="accent1"/>
+          </a:effectRef>
+          <a:fontRef idx="minor">
+            <a:schemeClr val="tx1"/>
+          </a:fontRef>
+        </p:style>
+      </p:cxnSp>
+      <mc:AlternateContent xmlns:mc="http://schemas.openxmlformats.org/markup-compatibility/2006" xmlns:a14="http://schemas.microsoft.com/office/drawing/2010/main">
+        <mc:Choice Requires="a14">
+          <p:sp>
+            <p:nvSpPr>
+              <p:cNvPr id="10" name="TextBox 9">
+                <a:extLst>
+                  <a:ext uri="{FF2B5EF4-FFF2-40B4-BE49-F238E27FC236}">
+                    <a16:creationId xmlns:a16="http://schemas.microsoft.com/office/drawing/2014/main" id="{735F26FB-CC03-EA4D-E899-E61BF0842998}"/>
+                  </a:ext>
+                </a:extLst>
+              </p:cNvPr>
+              <p:cNvSpPr txBox="1"/>
+              <p:nvPr/>
+            </p:nvSpPr>
+            <p:spPr>
+              <a:xfrm>
+                <a:off x="782739" y="2964003"/>
+                <a:ext cx="4155974" cy="1477328"/>
+              </a:xfrm>
+              <a:prstGeom prst="rect">
+                <a:avLst/>
+              </a:prstGeom>
+              <a:solidFill>
+                <a:schemeClr val="accent6">
+                  <a:lumMod val="20000"/>
+                  <a:lumOff val="80000"/>
+                </a:schemeClr>
+              </a:solidFill>
+              <a:ln w="76200">
+                <a:solidFill>
+                  <a:schemeClr val="tx1"/>
+                </a:solidFill>
+              </a:ln>
+            </p:spPr>
+            <p:txBody>
+              <a:bodyPr wrap="square" rtlCol="0">
+                <a:spAutoFit/>
+              </a:bodyPr>
+              <a:lstStyle/>
+              <a:p>
+                <a:pPr algn="ctr"/>
+                <a:r>
+                  <a:rPr lang="en-GB" b="1" u="sng" dirty="0"/>
+                  <a:t>General SOFR</a:t>
+                </a:r>
+              </a:p>
+              <a:p>
+                <a:pPr marL="285750" indent="-285750">
+                  <a:buFont typeface="Arial" panose="020B0604020202020204" pitchFamily="34" charset="0"/>
+                  <a:buChar char="•"/>
+                </a:pPr>
+                <a:r>
+                  <a:rPr lang="en-GB" dirty="0"/>
+                  <a:t>Use B-splines and roughness penalty for </a:t>
+                </a:r>
+                <a14:m>
+                  <m:oMath xmlns:m="http://schemas.openxmlformats.org/officeDocument/2006/math">
+                    <m:r>
+                      <a:rPr lang="en-IE" b="0" i="1" smtClean="0">
+                        <a:latin typeface="Cambria Math" panose="02040503050406030204" pitchFamily="18" charset="0"/>
+                      </a:rPr>
+                      <m:t>𝛽</m:t>
+                    </m:r>
+                    <m:r>
+                      <a:rPr lang="en-IE" b="0" i="1" smtClean="0">
+                        <a:latin typeface="Cambria Math" panose="02040503050406030204" pitchFamily="18" charset="0"/>
+                      </a:rPr>
+                      <m:t>(</m:t>
+                    </m:r>
+                    <m:r>
+                      <a:rPr lang="en-IE" b="0" i="1" smtClean="0">
+                        <a:latin typeface="Cambria Math" panose="02040503050406030204" pitchFamily="18" charset="0"/>
+                      </a:rPr>
+                      <m:t>𝑡</m:t>
+                    </m:r>
+                    <m:r>
+                      <a:rPr lang="en-IE" b="0" i="1" smtClean="0">
+                        <a:latin typeface="Cambria Math" panose="02040503050406030204" pitchFamily="18" charset="0"/>
+                      </a:rPr>
+                      <m:t>)</m:t>
+                    </m:r>
+                  </m:oMath>
+                </a14:m>
+                <a:r>
+                  <a:rPr lang="en-GB" dirty="0"/>
+                  <a:t>.</a:t>
+                </a:r>
+              </a:p>
+              <a:p>
+                <a:pPr marL="285750" indent="-285750">
+                  <a:buFont typeface="Arial" panose="020B0604020202020204" pitchFamily="34" charset="0"/>
+                  <a:buChar char="•"/>
+                </a:pPr>
+                <a:r>
+                  <a:rPr lang="en-IE" dirty="0"/>
+                  <a:t>Now </a:t>
+                </a:r>
+                <a14:m>
+                  <m:oMath xmlns:m="http://schemas.openxmlformats.org/officeDocument/2006/math">
+                    <m:r>
+                      <a:rPr lang="en-IE" b="0" i="1" smtClean="0">
+                        <a:latin typeface="Cambria Math" panose="02040503050406030204" pitchFamily="18" charset="0"/>
+                      </a:rPr>
+                      <m:t>𝜆</m:t>
+                    </m:r>
+                  </m:oMath>
+                </a14:m>
+                <a:r>
+                  <a:rPr lang="en-GB" dirty="0"/>
+                  <a:t> controls smoothness.</a:t>
+                </a:r>
+              </a:p>
+              <a:p>
+                <a:pPr marL="285750" indent="-285750">
+                  <a:buFont typeface="Arial" panose="020B0604020202020204" pitchFamily="34" charset="0"/>
+                  <a:buChar char="•"/>
+                </a:pPr>
+                <a:r>
+                  <a:rPr lang="en-GB" dirty="0"/>
+                  <a:t>More flexibility.</a:t>
+                </a:r>
+              </a:p>
+            </p:txBody>
+          </p:sp>
+        </mc:Choice>
+        <mc:Fallback xmlns="">
+          <p:sp>
+            <p:nvSpPr>
+              <p:cNvPr id="10" name="TextBox 9">
+                <a:extLst>
+                  <a:ext uri="{FF2B5EF4-FFF2-40B4-BE49-F238E27FC236}">
+                    <a16:creationId xmlns:a16="http://schemas.microsoft.com/office/drawing/2014/main" id="{735F26FB-CC03-EA4D-E899-E61BF0842998}"/>
+                  </a:ext>
+                </a:extLst>
+              </p:cNvPr>
+              <p:cNvSpPr txBox="1">
+                <a:spLocks noRot="1" noChangeAspect="1" noMove="1" noResize="1" noEditPoints="1" noAdjustHandles="1" noChangeArrowheads="1" noChangeShapeType="1" noTextEdit="1"/>
+              </p:cNvSpPr>
+              <p:nvPr/>
+            </p:nvSpPr>
+            <p:spPr>
+              <a:xfrm>
+                <a:off x="782739" y="2964003"/>
+                <a:ext cx="4155974" cy="1477328"/>
+              </a:xfrm>
+              <a:prstGeom prst="rect">
+                <a:avLst/>
+              </a:prstGeom>
+              <a:blipFill>
+                <a:blip r:embed="rId4"/>
+                <a:stretch>
+                  <a:fillRect b="-2419"/>
+                </a:stretch>
+              </a:blipFill>
+              <a:ln w="76200">
+                <a:solidFill>
+                  <a:schemeClr val="tx1"/>
+                </a:solidFill>
+              </a:ln>
+            </p:spPr>
+            <p:txBody>
+              <a:bodyPr/>
+              <a:lstStyle/>
+              <a:p>
+                <a:r>
+                  <a:rPr lang="en-GB">
+                    <a:noFill/>
+                  </a:rPr>
+                  <a:t> </a:t>
+                </a:r>
+              </a:p>
+            </p:txBody>
+          </p:sp>
+        </mc:Fallback>
+      </mc:AlternateContent>
+      <p:cxnSp>
+        <p:nvCxnSpPr>
+          <p:cNvPr id="11" name="Straight Arrow Connector 10">
+            <a:extLst>
+              <a:ext uri="{FF2B5EF4-FFF2-40B4-BE49-F238E27FC236}">
+                <a16:creationId xmlns:a16="http://schemas.microsoft.com/office/drawing/2014/main" id="{A7397495-2096-A102-F074-5657DC2AFC37}"/>
+              </a:ext>
+            </a:extLst>
+          </p:cNvPr>
+          <p:cNvCxnSpPr>
+            <a:cxnSpLocks/>
+            <a:stCxn id="10" idx="3"/>
+            <a:endCxn id="5" idx="1"/>
+          </p:cNvCxnSpPr>
+          <p:nvPr/>
+        </p:nvCxnSpPr>
+        <p:spPr>
+          <a:xfrm flipV="1">
+            <a:off x="4938713" y="3429000"/>
+            <a:ext cx="901801" cy="273667"/>
+          </a:xfrm>
+          <a:prstGeom prst="straightConnector1">
+            <a:avLst/>
+          </a:prstGeom>
+          <a:ln w="66675">
+            <a:solidFill>
+              <a:schemeClr val="tx1"/>
+            </a:solidFill>
+            <a:tailEnd type="triangle"/>
+          </a:ln>
+        </p:spPr>
+        <p:style>
+          <a:lnRef idx="2">
+            <a:schemeClr val="accent1"/>
+          </a:lnRef>
+          <a:fillRef idx="0">
+            <a:schemeClr val="accent1"/>
+          </a:fillRef>
+          <a:effectRef idx="1">
+            <a:schemeClr val="accent1"/>
+          </a:effectRef>
+          <a:fontRef idx="minor">
+            <a:schemeClr val="tx1"/>
+          </a:fontRef>
+        </p:style>
+      </p:cxnSp>
+      <mc:AlternateContent xmlns:mc="http://schemas.openxmlformats.org/markup-compatibility/2006" xmlns:a14="http://schemas.microsoft.com/office/drawing/2010/main">
+        <mc:Choice Requires="a14">
+          <p:sp>
+            <p:nvSpPr>
+              <p:cNvPr id="13" name="TextBox 12">
+                <a:extLst>
+                  <a:ext uri="{FF2B5EF4-FFF2-40B4-BE49-F238E27FC236}">
+                    <a16:creationId xmlns:a16="http://schemas.microsoft.com/office/drawing/2014/main" id="{54818ACF-3D0E-9F78-56F0-B416D6E0D542}"/>
+                  </a:ext>
+                </a:extLst>
+              </p:cNvPr>
+              <p:cNvSpPr txBox="1"/>
+              <p:nvPr/>
+            </p:nvSpPr>
+            <p:spPr>
+              <a:xfrm>
+                <a:off x="843406" y="4792703"/>
+                <a:ext cx="4155974" cy="2031325"/>
+              </a:xfrm>
+              <a:prstGeom prst="rect">
+                <a:avLst/>
+              </a:prstGeom>
+              <a:solidFill>
+                <a:schemeClr val="accent6">
+                  <a:lumMod val="20000"/>
+                  <a:lumOff val="80000"/>
+                </a:schemeClr>
+              </a:solidFill>
+              <a:ln w="76200">
+                <a:solidFill>
+                  <a:schemeClr val="tx1"/>
+                </a:solidFill>
+              </a:ln>
+            </p:spPr>
+            <p:txBody>
+              <a:bodyPr wrap="square" rtlCol="0">
+                <a:spAutoFit/>
+              </a:bodyPr>
+              <a:lstStyle/>
+              <a:p>
+                <a:pPr algn="ctr"/>
+                <a:r>
+                  <a:rPr lang="en-GB" b="1" u="sng" dirty="0"/>
+                  <a:t>Comparisons of Final Estimates</a:t>
+                </a:r>
+              </a:p>
+              <a:p>
+                <a:pPr marL="285750" indent="-285750">
+                  <a:buFont typeface="Arial" panose="020B0604020202020204" pitchFamily="34" charset="0"/>
+                  <a:buChar char="•"/>
+                </a:pPr>
+                <a:r>
+                  <a:rPr lang="en-GB" dirty="0"/>
+                  <a:t>Chose </a:t>
+                </a:r>
+                <a14:m>
+                  <m:oMath xmlns:m="http://schemas.openxmlformats.org/officeDocument/2006/math">
+                    <m:r>
+                      <a:rPr lang="en-IE" i="1">
+                        <a:latin typeface="Cambria Math" panose="02040503050406030204" pitchFamily="18" charset="0"/>
+                      </a:rPr>
+                      <m:t>𝑅</m:t>
+                    </m:r>
+                    <m:r>
+                      <a:rPr lang="en-IE" i="1">
+                        <a:latin typeface="Cambria Math" panose="02040503050406030204" pitchFamily="18" charset="0"/>
+                      </a:rPr>
+                      <m:t>=11</m:t>
+                    </m:r>
+                  </m:oMath>
+                </a14:m>
+                <a:r>
+                  <a:rPr lang="en-GB" dirty="0"/>
+                  <a:t> by CV for FPCR.</a:t>
+                </a:r>
+              </a:p>
+              <a:p>
+                <a:pPr marL="285750" indent="-285750">
+                  <a:buFont typeface="Arial" panose="020B0604020202020204" pitchFamily="34" charset="0"/>
+                  <a:buChar char="•"/>
+                </a:pPr>
+                <a:r>
+                  <a:rPr lang="en-GB" dirty="0"/>
+                  <a:t>Chose </a:t>
+                </a:r>
+                <a:r>
+                  <a:rPr lang="en-IE" dirty="0"/>
+                  <a:t> </a:t>
+                </a:r>
+                <a14:m>
+                  <m:oMath xmlns:m="http://schemas.openxmlformats.org/officeDocument/2006/math">
+                    <m:r>
+                      <a:rPr lang="en-IE" b="0" i="1" smtClean="0">
+                        <a:latin typeface="Cambria Math" panose="02040503050406030204" pitchFamily="18" charset="0"/>
+                      </a:rPr>
+                      <m:t>𝜆</m:t>
+                    </m:r>
+                  </m:oMath>
+                </a14:m>
+                <a:r>
+                  <a:rPr lang="en-GB" dirty="0"/>
+                  <a:t> by CV/ REML for other approaches.</a:t>
+                </a:r>
+              </a:p>
+              <a:p>
+                <a:pPr marL="285750" indent="-285750">
+                  <a:buFont typeface="Arial" panose="020B0604020202020204" pitchFamily="34" charset="0"/>
+                  <a:buChar char="•"/>
+                </a:pPr>
+                <a:r>
+                  <a:rPr lang="en-GB" dirty="0"/>
+                  <a:t>Estimates and model fits similar.</a:t>
+                </a:r>
+              </a:p>
+              <a:p>
+                <a:pPr marL="285750" indent="-285750">
+                  <a:buFont typeface="Arial" panose="020B0604020202020204" pitchFamily="34" charset="0"/>
+                  <a:buChar char="•"/>
+                </a:pPr>
+                <a:r>
+                  <a:rPr lang="en-GB" dirty="0"/>
+                  <a:t>Basis expansion approach smoother – more interpretable?</a:t>
+                </a:r>
+              </a:p>
+            </p:txBody>
+          </p:sp>
+        </mc:Choice>
+        <mc:Fallback xmlns="">
+          <p:sp>
+            <p:nvSpPr>
+              <p:cNvPr id="13" name="TextBox 12">
+                <a:extLst>
+                  <a:ext uri="{FF2B5EF4-FFF2-40B4-BE49-F238E27FC236}">
+                    <a16:creationId xmlns:a16="http://schemas.microsoft.com/office/drawing/2014/main" id="{54818ACF-3D0E-9F78-56F0-B416D6E0D542}"/>
+                  </a:ext>
+                </a:extLst>
+              </p:cNvPr>
+              <p:cNvSpPr txBox="1">
+                <a:spLocks noRot="1" noChangeAspect="1" noMove="1" noResize="1" noEditPoints="1" noAdjustHandles="1" noChangeArrowheads="1" noChangeShapeType="1" noTextEdit="1"/>
+              </p:cNvSpPr>
+              <p:nvPr/>
+            </p:nvSpPr>
+            <p:spPr>
+              <a:xfrm>
+                <a:off x="843406" y="4792703"/>
+                <a:ext cx="4155974" cy="2031325"/>
+              </a:xfrm>
+              <a:prstGeom prst="rect">
+                <a:avLst/>
+              </a:prstGeom>
+              <a:blipFill>
+                <a:blip r:embed="rId5"/>
+                <a:stretch>
+                  <a:fillRect b="-1796"/>
+                </a:stretch>
+              </a:blipFill>
+              <a:ln w="76200">
+                <a:solidFill>
+                  <a:schemeClr val="tx1"/>
+                </a:solidFill>
+              </a:ln>
+            </p:spPr>
+            <p:txBody>
+              <a:bodyPr/>
+              <a:lstStyle/>
+              <a:p>
+                <a:r>
+                  <a:rPr lang="en-GB">
+                    <a:noFill/>
+                  </a:rPr>
+                  <a:t> </a:t>
+                </a:r>
+              </a:p>
+            </p:txBody>
+          </p:sp>
+        </mc:Fallback>
+      </mc:AlternateContent>
+      <p:cxnSp>
+        <p:nvCxnSpPr>
+          <p:cNvPr id="14" name="Straight Arrow Connector 13">
+            <a:extLst>
+              <a:ext uri="{FF2B5EF4-FFF2-40B4-BE49-F238E27FC236}">
+                <a16:creationId xmlns:a16="http://schemas.microsoft.com/office/drawing/2014/main" id="{0A4FA858-358E-2C2C-7927-252272E75C4A}"/>
+              </a:ext>
+            </a:extLst>
+          </p:cNvPr>
+          <p:cNvCxnSpPr>
+            <a:cxnSpLocks/>
+          </p:cNvCxnSpPr>
+          <p:nvPr/>
+        </p:nvCxnSpPr>
+        <p:spPr>
+          <a:xfrm>
+            <a:off x="4999380" y="5636373"/>
+            <a:ext cx="841134" cy="0"/>
+          </a:xfrm>
+          <a:prstGeom prst="straightConnector1">
+            <a:avLst/>
+          </a:prstGeom>
+          <a:ln w="66675">
+            <a:solidFill>
+              <a:schemeClr val="tx1"/>
+            </a:solidFill>
+            <a:tailEnd type="triangle"/>
+          </a:ln>
+        </p:spPr>
+        <p:style>
+          <a:lnRef idx="2">
+            <a:schemeClr val="accent1"/>
+          </a:lnRef>
+          <a:fillRef idx="0">
+            <a:schemeClr val="accent1"/>
+          </a:fillRef>
+          <a:effectRef idx="1">
+            <a:schemeClr val="accent1"/>
+          </a:effectRef>
+          <a:fontRef idx="minor">
+            <a:schemeClr val="tx1"/>
+          </a:fontRef>
+        </p:style>
+      </p:cxnSp>
+      <p:sp>
+        <p:nvSpPr>
+          <p:cNvPr id="16" name="Rectangle 15">
+            <a:extLst>
+              <a:ext uri="{FF2B5EF4-FFF2-40B4-BE49-F238E27FC236}">
+                <a16:creationId xmlns:a16="http://schemas.microsoft.com/office/drawing/2014/main" id="{412638B2-CA8C-8659-C26E-F67167C67774}"/>
+              </a:ext>
+            </a:extLst>
+          </p:cNvPr>
+          <p:cNvSpPr/>
+          <p:nvPr/>
+        </p:nvSpPr>
+        <p:spPr>
+          <a:xfrm>
+            <a:off x="5840514" y="2297512"/>
+            <a:ext cx="4696646" cy="2262973"/>
+          </a:xfrm>
+          <a:prstGeom prst="rect">
+            <a:avLst/>
+          </a:prstGeom>
+          <a:solidFill>
+            <a:schemeClr val="bg1"/>
+          </a:solidFill>
+          <a:ln>
+            <a:noFill/>
+          </a:ln>
+        </p:spPr>
+        <p:style>
+          <a:lnRef idx="2">
+            <a:schemeClr val="accent1">
+              <a:shade val="15000"/>
+            </a:schemeClr>
+          </a:lnRef>
+          <a:fillRef idx="1">
+            <a:schemeClr val="accent1"/>
+          </a:fillRef>
+          <a:effectRef idx="0">
+            <a:schemeClr val="accent1"/>
+          </a:effectRef>
+          <a:fontRef idx="minor">
+            <a:schemeClr val="lt1"/>
+          </a:fontRef>
+        </p:style>
+        <p:txBody>
+          <a:bodyPr rtlCol="0" anchor="ctr"/>
+          <a:lstStyle/>
+          <a:p>
+            <a:pPr algn="ctr"/>
+            <a:endParaRPr lang="en-GB"/>
+          </a:p>
+        </p:txBody>
+      </p:sp>
+      <p:sp>
+        <p:nvSpPr>
+          <p:cNvPr id="17" name="Rectangle 16">
+            <a:extLst>
+              <a:ext uri="{FF2B5EF4-FFF2-40B4-BE49-F238E27FC236}">
+                <a16:creationId xmlns:a16="http://schemas.microsoft.com/office/drawing/2014/main" id="{15B8682F-D2A2-AB90-78D1-257A02293DE7}"/>
+              </a:ext>
+            </a:extLst>
+          </p:cNvPr>
+          <p:cNvSpPr/>
+          <p:nvPr/>
+        </p:nvSpPr>
+        <p:spPr>
+          <a:xfrm>
+            <a:off x="5840514" y="4595027"/>
+            <a:ext cx="4696646" cy="2262973"/>
+          </a:xfrm>
+          <a:prstGeom prst="rect">
+            <a:avLst/>
+          </a:prstGeom>
+          <a:solidFill>
+            <a:schemeClr val="bg1"/>
+          </a:solidFill>
+          <a:ln>
+            <a:noFill/>
+          </a:ln>
+        </p:spPr>
+        <p:style>
+          <a:lnRef idx="2">
+            <a:schemeClr val="accent1">
+              <a:shade val="15000"/>
+            </a:schemeClr>
+          </a:lnRef>
+          <a:fillRef idx="1">
+            <a:schemeClr val="accent1"/>
+          </a:fillRef>
+          <a:effectRef idx="0">
+            <a:schemeClr val="accent1"/>
+          </a:effectRef>
+          <a:fontRef idx="minor">
+            <a:schemeClr val="lt1"/>
+          </a:fontRef>
+        </p:style>
+        <p:txBody>
+          <a:bodyPr rtlCol="0" anchor="ctr"/>
+          <a:lstStyle/>
+          <a:p>
+            <a:pPr algn="ctr"/>
+            <a:endParaRPr lang="en-GB"/>
+          </a:p>
+        </p:txBody>
+      </p:sp>
     </p:spTree>
     <p:extLst>
       <p:ext uri="{BB962C8B-B14F-4D97-AF65-F5344CB8AC3E}">
-        <p14:creationId xmlns:p14="http://schemas.microsoft.com/office/powerpoint/2010/main" val="2762192925"/>
+        <p14:creationId xmlns:p14="http://schemas.microsoft.com/office/powerpoint/2010/main" val="656844714"/>
+      </p:ext>
+    </p:extLst>
+  </p:cSld>
+  <p:clrMapOvr>
+    <a:masterClrMapping/>
+  </p:clrMapOvr>
+  <p:timing>
+    <p:tnLst>
+      <p:par>
+        <p:cTn id="1" dur="indefinite" restart="never" nodeType="tmRoot">
+          <p:childTnLst>
+            <p:seq concurrent="1" nextAc="seek">
+              <p:cTn id="2" dur="indefinite" nodeType="mainSeq">
+                <p:childTnLst>
+                  <p:par>
+                    <p:cTn id="3" fill="hold">
+                      <p:stCondLst>
+                        <p:cond delay="indefinite"/>
+                      </p:stCondLst>
+                      <p:childTnLst>
+                        <p:par>
+                          <p:cTn id="4" fill="hold">
+                            <p:stCondLst>
+                              <p:cond delay="0"/>
+                            </p:stCondLst>
+                            <p:childTnLst>
+                              <p:par>
+                                <p:cTn id="5" presetID="1" presetClass="entr" presetSubtype="0" fill="hold" grpId="0" nodeType="clickEffect">
+                                  <p:stCondLst>
+                                    <p:cond delay="0"/>
+                                  </p:stCondLst>
+                                  <p:childTnLst>
+                                    <p:set>
+                                      <p:cBhvr>
+                                        <p:cTn id="6" dur="1" fill="hold">
+                                          <p:stCondLst>
+                                            <p:cond delay="0"/>
+                                          </p:stCondLst>
+                                        </p:cTn>
+                                        <p:tgtEl>
+                                          <p:spTgt spid="3"/>
+                                        </p:tgtEl>
+                                        <p:attrNameLst>
+                                          <p:attrName>style.visibility</p:attrName>
+                                        </p:attrNameLst>
+                                      </p:cBhvr>
+                                      <p:to>
+                                        <p:strVal val="visible"/>
+                                      </p:to>
+                                    </p:set>
+                                  </p:childTnLst>
+                                </p:cTn>
+                              </p:par>
+                              <p:par>
+                                <p:cTn id="7" presetID="1" presetClass="entr" presetSubtype="0" fill="hold" nodeType="withEffect">
+                                  <p:stCondLst>
+                                    <p:cond delay="0"/>
+                                  </p:stCondLst>
+                                  <p:childTnLst>
+                                    <p:set>
+                                      <p:cBhvr>
+                                        <p:cTn id="8" dur="1" fill="hold">
+                                          <p:stCondLst>
+                                            <p:cond delay="0"/>
+                                          </p:stCondLst>
+                                        </p:cTn>
+                                        <p:tgtEl>
+                                          <p:spTgt spid="6"/>
+                                        </p:tgtEl>
+                                        <p:attrNameLst>
+                                          <p:attrName>style.visibility</p:attrName>
+                                        </p:attrNameLst>
+                                      </p:cBhvr>
+                                      <p:to>
+                                        <p:strVal val="visible"/>
+                                      </p:to>
+                                    </p:set>
+                                  </p:childTnLst>
+                                </p:cTn>
+                              </p:par>
+                            </p:childTnLst>
+                          </p:cTn>
+                        </p:par>
+                      </p:childTnLst>
+                    </p:cTn>
+                  </p:par>
+                  <p:par>
+                    <p:cTn id="9" fill="hold">
+                      <p:stCondLst>
+                        <p:cond delay="indefinite"/>
+                      </p:stCondLst>
+                      <p:childTnLst>
+                        <p:par>
+                          <p:cTn id="10" fill="hold">
+                            <p:stCondLst>
+                              <p:cond delay="0"/>
+                            </p:stCondLst>
+                            <p:childTnLst>
+                              <p:par>
+                                <p:cTn id="11" presetID="1" presetClass="exit" presetSubtype="0" fill="hold" grpId="1" nodeType="clickEffect">
+                                  <p:stCondLst>
+                                    <p:cond delay="0"/>
+                                  </p:stCondLst>
+                                  <p:childTnLst>
+                                    <p:set>
+                                      <p:cBhvr>
+                                        <p:cTn id="12" dur="1" fill="hold">
+                                          <p:stCondLst>
+                                            <p:cond delay="0"/>
+                                          </p:stCondLst>
+                                        </p:cTn>
+                                        <p:tgtEl>
+                                          <p:spTgt spid="3"/>
+                                        </p:tgtEl>
+                                        <p:attrNameLst>
+                                          <p:attrName>style.visibility</p:attrName>
+                                        </p:attrNameLst>
+                                      </p:cBhvr>
+                                      <p:to>
+                                        <p:strVal val="hidden"/>
+                                      </p:to>
+                                    </p:set>
+                                  </p:childTnLst>
+                                </p:cTn>
+                              </p:par>
+                              <p:par>
+                                <p:cTn id="13" presetID="1" presetClass="exit" presetSubtype="0" fill="hold" nodeType="withEffect">
+                                  <p:stCondLst>
+                                    <p:cond delay="0"/>
+                                  </p:stCondLst>
+                                  <p:childTnLst>
+                                    <p:set>
+                                      <p:cBhvr>
+                                        <p:cTn id="14" dur="1" fill="hold">
+                                          <p:stCondLst>
+                                            <p:cond delay="0"/>
+                                          </p:stCondLst>
+                                        </p:cTn>
+                                        <p:tgtEl>
+                                          <p:spTgt spid="6"/>
+                                        </p:tgtEl>
+                                        <p:attrNameLst>
+                                          <p:attrName>style.visibility</p:attrName>
+                                        </p:attrNameLst>
+                                      </p:cBhvr>
+                                      <p:to>
+                                        <p:strVal val="hidden"/>
+                                      </p:to>
+                                    </p:set>
+                                  </p:childTnLst>
+                                </p:cTn>
+                              </p:par>
+                            </p:childTnLst>
+                          </p:cTn>
+                        </p:par>
+                      </p:childTnLst>
+                    </p:cTn>
+                  </p:par>
+                  <p:par>
+                    <p:cTn id="15" fill="hold">
+                      <p:stCondLst>
+                        <p:cond delay="indefinite"/>
+                      </p:stCondLst>
+                      <p:childTnLst>
+                        <p:par>
+                          <p:cTn id="16" fill="hold">
+                            <p:stCondLst>
+                              <p:cond delay="0"/>
+                            </p:stCondLst>
+                            <p:childTnLst>
+                              <p:par>
+                                <p:cTn id="17" presetID="1" presetClass="exit" presetSubtype="0" fill="hold" grpId="0" nodeType="clickEffect">
+                                  <p:stCondLst>
+                                    <p:cond delay="0"/>
+                                  </p:stCondLst>
+                                  <p:childTnLst>
+                                    <p:set>
+                                      <p:cBhvr>
+                                        <p:cTn id="18" dur="1" fill="hold">
+                                          <p:stCondLst>
+                                            <p:cond delay="0"/>
+                                          </p:stCondLst>
+                                        </p:cTn>
+                                        <p:tgtEl>
+                                          <p:spTgt spid="16"/>
+                                        </p:tgtEl>
+                                        <p:attrNameLst>
+                                          <p:attrName>style.visibility</p:attrName>
+                                        </p:attrNameLst>
+                                      </p:cBhvr>
+                                      <p:to>
+                                        <p:strVal val="hidden"/>
+                                      </p:to>
+                                    </p:set>
+                                  </p:childTnLst>
+                                </p:cTn>
+                              </p:par>
+                            </p:childTnLst>
+                          </p:cTn>
+                        </p:par>
+                      </p:childTnLst>
+                    </p:cTn>
+                  </p:par>
+                  <p:par>
+                    <p:cTn id="19" fill="hold">
+                      <p:stCondLst>
+                        <p:cond delay="indefinite"/>
+                      </p:stCondLst>
+                      <p:childTnLst>
+                        <p:par>
+                          <p:cTn id="20" fill="hold">
+                            <p:stCondLst>
+                              <p:cond delay="0"/>
+                            </p:stCondLst>
+                            <p:childTnLst>
+                              <p:par>
+                                <p:cTn id="21" presetID="1" presetClass="entr" presetSubtype="0" fill="hold" grpId="0" nodeType="clickEffect">
+                                  <p:stCondLst>
+                                    <p:cond delay="0"/>
+                                  </p:stCondLst>
+                                  <p:childTnLst>
+                                    <p:set>
+                                      <p:cBhvr>
+                                        <p:cTn id="22" dur="1" fill="hold">
+                                          <p:stCondLst>
+                                            <p:cond delay="0"/>
+                                          </p:stCondLst>
+                                        </p:cTn>
+                                        <p:tgtEl>
+                                          <p:spTgt spid="10"/>
+                                        </p:tgtEl>
+                                        <p:attrNameLst>
+                                          <p:attrName>style.visibility</p:attrName>
+                                        </p:attrNameLst>
+                                      </p:cBhvr>
+                                      <p:to>
+                                        <p:strVal val="visible"/>
+                                      </p:to>
+                                    </p:set>
+                                  </p:childTnLst>
+                                </p:cTn>
+                              </p:par>
+                              <p:par>
+                                <p:cTn id="23" presetID="1" presetClass="entr" presetSubtype="0" fill="hold" nodeType="withEffect">
+                                  <p:stCondLst>
+                                    <p:cond delay="0"/>
+                                  </p:stCondLst>
+                                  <p:childTnLst>
+                                    <p:set>
+                                      <p:cBhvr>
+                                        <p:cTn id="24" dur="1" fill="hold">
+                                          <p:stCondLst>
+                                            <p:cond delay="0"/>
+                                          </p:stCondLst>
+                                        </p:cTn>
+                                        <p:tgtEl>
+                                          <p:spTgt spid="11"/>
+                                        </p:tgtEl>
+                                        <p:attrNameLst>
+                                          <p:attrName>style.visibility</p:attrName>
+                                        </p:attrNameLst>
+                                      </p:cBhvr>
+                                      <p:to>
+                                        <p:strVal val="visible"/>
+                                      </p:to>
+                                    </p:set>
+                                  </p:childTnLst>
+                                </p:cTn>
+                              </p:par>
+                            </p:childTnLst>
+                          </p:cTn>
+                        </p:par>
+                      </p:childTnLst>
+                    </p:cTn>
+                  </p:par>
+                  <p:par>
+                    <p:cTn id="25" fill="hold">
+                      <p:stCondLst>
+                        <p:cond delay="indefinite"/>
+                      </p:stCondLst>
+                      <p:childTnLst>
+                        <p:par>
+                          <p:cTn id="26" fill="hold">
+                            <p:stCondLst>
+                              <p:cond delay="0"/>
+                            </p:stCondLst>
+                            <p:childTnLst>
+                              <p:par>
+                                <p:cTn id="27" presetID="1" presetClass="exit" presetSubtype="0" fill="hold" grpId="1" nodeType="clickEffect">
+                                  <p:stCondLst>
+                                    <p:cond delay="0"/>
+                                  </p:stCondLst>
+                                  <p:childTnLst>
+                                    <p:set>
+                                      <p:cBhvr>
+                                        <p:cTn id="28" dur="1" fill="hold">
+                                          <p:stCondLst>
+                                            <p:cond delay="0"/>
+                                          </p:stCondLst>
+                                        </p:cTn>
+                                        <p:tgtEl>
+                                          <p:spTgt spid="10"/>
+                                        </p:tgtEl>
+                                        <p:attrNameLst>
+                                          <p:attrName>style.visibility</p:attrName>
+                                        </p:attrNameLst>
+                                      </p:cBhvr>
+                                      <p:to>
+                                        <p:strVal val="hidden"/>
+                                      </p:to>
+                                    </p:set>
+                                  </p:childTnLst>
+                                </p:cTn>
+                              </p:par>
+                              <p:par>
+                                <p:cTn id="29" presetID="1" presetClass="exit" presetSubtype="0" fill="hold" nodeType="withEffect">
+                                  <p:stCondLst>
+                                    <p:cond delay="0"/>
+                                  </p:stCondLst>
+                                  <p:childTnLst>
+                                    <p:set>
+                                      <p:cBhvr>
+                                        <p:cTn id="30" dur="1" fill="hold">
+                                          <p:stCondLst>
+                                            <p:cond delay="0"/>
+                                          </p:stCondLst>
+                                        </p:cTn>
+                                        <p:tgtEl>
+                                          <p:spTgt spid="11"/>
+                                        </p:tgtEl>
+                                        <p:attrNameLst>
+                                          <p:attrName>style.visibility</p:attrName>
+                                        </p:attrNameLst>
+                                      </p:cBhvr>
+                                      <p:to>
+                                        <p:strVal val="hidden"/>
+                                      </p:to>
+                                    </p:set>
+                                  </p:childTnLst>
+                                </p:cTn>
+                              </p:par>
+                            </p:childTnLst>
+                          </p:cTn>
+                        </p:par>
+                      </p:childTnLst>
+                    </p:cTn>
+                  </p:par>
+                  <p:par>
+                    <p:cTn id="31" fill="hold">
+                      <p:stCondLst>
+                        <p:cond delay="indefinite"/>
+                      </p:stCondLst>
+                      <p:childTnLst>
+                        <p:par>
+                          <p:cTn id="32" fill="hold">
+                            <p:stCondLst>
+                              <p:cond delay="0"/>
+                            </p:stCondLst>
+                            <p:childTnLst>
+                              <p:par>
+                                <p:cTn id="33" presetID="1" presetClass="exit" presetSubtype="0" fill="hold" grpId="0" nodeType="clickEffect">
+                                  <p:stCondLst>
+                                    <p:cond delay="0"/>
+                                  </p:stCondLst>
+                                  <p:childTnLst>
+                                    <p:set>
+                                      <p:cBhvr>
+                                        <p:cTn id="34" dur="1" fill="hold">
+                                          <p:stCondLst>
+                                            <p:cond delay="0"/>
+                                          </p:stCondLst>
+                                        </p:cTn>
+                                        <p:tgtEl>
+                                          <p:spTgt spid="17"/>
+                                        </p:tgtEl>
+                                        <p:attrNameLst>
+                                          <p:attrName>style.visibility</p:attrName>
+                                        </p:attrNameLst>
+                                      </p:cBhvr>
+                                      <p:to>
+                                        <p:strVal val="hidden"/>
+                                      </p:to>
+                                    </p:set>
+                                  </p:childTnLst>
+                                </p:cTn>
+                              </p:par>
+                            </p:childTnLst>
+                          </p:cTn>
+                        </p:par>
+                      </p:childTnLst>
+                    </p:cTn>
+                  </p:par>
+                  <p:par>
+                    <p:cTn id="35" fill="hold">
+                      <p:stCondLst>
+                        <p:cond delay="indefinite"/>
+                      </p:stCondLst>
+                      <p:childTnLst>
+                        <p:par>
+                          <p:cTn id="36" fill="hold">
+                            <p:stCondLst>
+                              <p:cond delay="0"/>
+                            </p:stCondLst>
+                            <p:childTnLst>
+                              <p:par>
+                                <p:cTn id="37" presetID="1" presetClass="entr" presetSubtype="0" fill="hold" grpId="0" nodeType="clickEffect">
+                                  <p:stCondLst>
+                                    <p:cond delay="0"/>
+                                  </p:stCondLst>
+                                  <p:childTnLst>
+                                    <p:set>
+                                      <p:cBhvr>
+                                        <p:cTn id="38" dur="1" fill="hold">
+                                          <p:stCondLst>
+                                            <p:cond delay="0"/>
+                                          </p:stCondLst>
+                                        </p:cTn>
+                                        <p:tgtEl>
+                                          <p:spTgt spid="13"/>
+                                        </p:tgtEl>
+                                        <p:attrNameLst>
+                                          <p:attrName>style.visibility</p:attrName>
+                                        </p:attrNameLst>
+                                      </p:cBhvr>
+                                      <p:to>
+                                        <p:strVal val="visible"/>
+                                      </p:to>
+                                    </p:set>
+                                  </p:childTnLst>
+                                </p:cTn>
+                              </p:par>
+                              <p:par>
+                                <p:cTn id="39" presetID="1" presetClass="entr" presetSubtype="0" fill="hold" nodeType="withEffect">
+                                  <p:stCondLst>
+                                    <p:cond delay="0"/>
+                                  </p:stCondLst>
+                                  <p:childTnLst>
+                                    <p:set>
+                                      <p:cBhvr>
+                                        <p:cTn id="40" dur="1" fill="hold">
+                                          <p:stCondLst>
+                                            <p:cond delay="0"/>
+                                          </p:stCondLst>
+                                        </p:cTn>
+                                        <p:tgtEl>
+                                          <p:spTgt spid="14"/>
+                                        </p:tgtEl>
+                                        <p:attrNameLst>
+                                          <p:attrName>style.visibility</p:attrName>
+                                        </p:attrNameLst>
+                                      </p:cBhvr>
+                                      <p:to>
+                                        <p:strVal val="visible"/>
+                                      </p:to>
+                                    </p:set>
+                                  </p:childTnLst>
+                                </p:cTn>
+                              </p:par>
+                            </p:childTnLst>
+                          </p:cTn>
+                        </p:par>
+                      </p:childTnLst>
+                    </p:cTn>
+                  </p:par>
+                </p:childTnLst>
+              </p:cTn>
+              <p:prevCondLst>
+                <p:cond evt="onPrev" delay="0">
+                  <p:tgtEl>
+                    <p:sldTgt/>
+                  </p:tgtEl>
+                </p:cond>
+              </p:prevCondLst>
+              <p:nextCondLst>
+                <p:cond evt="onNext" delay="0">
+                  <p:tgtEl>
+                    <p:sldTgt/>
+                  </p:tgtEl>
+                </p:cond>
+              </p:nextCondLst>
+            </p:seq>
+          </p:childTnLst>
+        </p:cTn>
+      </p:par>
+    </p:tnLst>
+    <p:bldLst>
+      <p:bldP spid="3" grpId="0" animBg="1"/>
+      <p:bldP spid="3" grpId="1" animBg="1"/>
+      <p:bldP spid="10" grpId="0" animBg="1"/>
+      <p:bldP spid="10" grpId="1" animBg="1"/>
+      <p:bldP spid="13" grpId="0" animBg="1"/>
+      <p:bldP spid="16" grpId="0" animBg="1"/>
+      <p:bldP spid="17" grpId="0" animBg="1"/>
+    </p:bldLst>
+  </p:timing>
+</p:sld>
+</file>
+
+<file path=ppt/slides/slide18.xml><?xml version="1.0" encoding="utf-8"?>
+<p:sld xmlns:a="http://schemas.openxmlformats.org/drawingml/2006/main" xmlns:r="http://schemas.openxmlformats.org/officeDocument/2006/relationships" xmlns:p="http://schemas.openxmlformats.org/presentationml/2006/main">
+  <p:cSld>
+    <p:spTree>
+      <p:nvGrpSpPr>
+        <p:cNvPr id="1" name=""/>
+        <p:cNvGrpSpPr/>
+        <p:nvPr/>
+      </p:nvGrpSpPr>
+      <p:grpSpPr>
+        <a:xfrm>
+          <a:off x="0" y="0"/>
+          <a:ext cx="0" cy="0"/>
+          <a:chOff x="0" y="0"/>
+          <a:chExt cx="0" cy="0"/>
+        </a:xfrm>
+      </p:grpSpPr>
+      <p:sp>
+        <p:nvSpPr>
+          <p:cNvPr id="2" name="Title 1">
+            <a:extLst>
+              <a:ext uri="{FF2B5EF4-FFF2-40B4-BE49-F238E27FC236}">
+                <a16:creationId xmlns:a16="http://schemas.microsoft.com/office/drawing/2014/main" id="{78C424A2-ACA4-C608-5CD4-89B22324DE85}"/>
+              </a:ext>
+            </a:extLst>
+          </p:cNvPr>
+          <p:cNvSpPr>
+            <a:spLocks noGrp="1"/>
+          </p:cNvSpPr>
+          <p:nvPr>
+            <p:ph type="title"/>
+          </p:nvPr>
+        </p:nvSpPr>
+        <p:spPr/>
+        <p:txBody>
+          <a:bodyPr/>
+          <a:lstStyle/>
+          <a:p>
+            <a:r>
+              <a:rPr lang="en-GB" dirty="0"/>
+              <a:t>References</a:t>
+            </a:r>
+          </a:p>
+        </p:txBody>
+      </p:sp>
+      <p:sp>
+        <p:nvSpPr>
+          <p:cNvPr id="3" name="Content Placeholder 2">
+            <a:extLst>
+              <a:ext uri="{FF2B5EF4-FFF2-40B4-BE49-F238E27FC236}">
+                <a16:creationId xmlns:a16="http://schemas.microsoft.com/office/drawing/2014/main" id="{CD282C6D-D1FA-C8D5-583D-C2ACDA79DE68}"/>
+              </a:ext>
+            </a:extLst>
+          </p:cNvPr>
+          <p:cNvSpPr>
+            <a:spLocks noGrp="1"/>
+          </p:cNvSpPr>
+          <p:nvPr>
+            <p:ph idx="1"/>
+          </p:nvPr>
+        </p:nvSpPr>
+        <p:spPr/>
+        <p:txBody>
+          <a:bodyPr>
+            <a:normAutofit fontScale="92500" lnSpcReduction="10000"/>
+          </a:bodyPr>
+          <a:lstStyle/>
+          <a:p>
+            <a:r>
+              <a:rPr lang="en-GB" b="1" dirty="0"/>
+              <a:t>Chapters 12-16 </a:t>
+            </a:r>
+            <a:r>
+              <a:rPr lang="en-GB" dirty="0"/>
+              <a:t>of </a:t>
+            </a:r>
+            <a:r>
+              <a:rPr lang="en-IE" dirty="0">
+                <a:effectLst/>
+              </a:rPr>
+              <a:t>Ramsay, J. O., Hooker, G., &amp; Graves, S. (2009). </a:t>
+            </a:r>
+            <a:r>
+              <a:rPr lang="en-IE" i="1" dirty="0">
+                <a:effectLst/>
+              </a:rPr>
+              <a:t>Functional Data Analysis with R and MATLAB</a:t>
+            </a:r>
+            <a:r>
+              <a:rPr lang="en-IE" dirty="0">
+                <a:effectLst/>
+              </a:rPr>
+              <a:t>. Springer-Verlag. </a:t>
+            </a:r>
+            <a:r>
+              <a:rPr lang="en-IE" dirty="0">
+                <a:effectLst/>
+                <a:hlinkClick r:id="rId2"/>
+              </a:rPr>
+              <a:t>https://doi.org/10.1007/978-0-387-98185-7</a:t>
+            </a:r>
+            <a:endParaRPr lang="en-IE" dirty="0">
+              <a:effectLst/>
+            </a:endParaRPr>
+          </a:p>
+          <a:p>
+            <a:r>
+              <a:rPr lang="en-GB" b="1" dirty="0"/>
+              <a:t>Chapters 9 and 10 </a:t>
+            </a:r>
+            <a:r>
+              <a:rPr lang="en-GB" dirty="0"/>
+              <a:t>of </a:t>
+            </a:r>
+            <a:r>
+              <a:rPr lang="en-IE" dirty="0">
+                <a:effectLst/>
+              </a:rPr>
+              <a:t>Ramsay, J. O., &amp; Silverman, B. W. (2005). </a:t>
+            </a:r>
+            <a:r>
+              <a:rPr lang="en-IE" i="1" dirty="0">
+                <a:effectLst/>
+              </a:rPr>
+              <a:t>Functional Data Analysis</a:t>
+            </a:r>
+            <a:r>
+              <a:rPr lang="en-IE" dirty="0">
+                <a:effectLst/>
+              </a:rPr>
+              <a:t> (2nd ed.). Springer-Verlag. </a:t>
+            </a:r>
+            <a:r>
+              <a:rPr lang="en-IE" dirty="0">
+                <a:effectLst/>
+                <a:hlinkClick r:id="rId3"/>
+              </a:rPr>
+              <a:t>https://doi.org/10.1007/b98888</a:t>
+            </a:r>
+            <a:endParaRPr lang="en-IE" dirty="0">
+              <a:effectLst/>
+            </a:endParaRPr>
+          </a:p>
+          <a:p>
+            <a:r>
+              <a:rPr lang="en-IE" dirty="0">
+                <a:effectLst/>
+              </a:rPr>
+              <a:t>Morris, J. S. (2015). Functional Regression. </a:t>
+            </a:r>
+            <a:r>
+              <a:rPr lang="en-IE" i="1" dirty="0">
+                <a:effectLst/>
+              </a:rPr>
+              <a:t>Annual Review of Statistics and Its Application</a:t>
+            </a:r>
+            <a:r>
+              <a:rPr lang="en-IE" dirty="0">
+                <a:effectLst/>
+              </a:rPr>
+              <a:t>, </a:t>
+            </a:r>
+            <a:r>
+              <a:rPr lang="en-IE" i="1" dirty="0">
+                <a:effectLst/>
+              </a:rPr>
+              <a:t>2</a:t>
+            </a:r>
+            <a:r>
+              <a:rPr lang="en-IE" dirty="0">
+                <a:effectLst/>
+              </a:rPr>
+              <a:t>, 321–359.</a:t>
+            </a:r>
+          </a:p>
+          <a:p>
+            <a:r>
+              <a:rPr lang="en-IE" b="1" dirty="0" err="1">
+                <a:effectLst/>
+              </a:rPr>
+              <a:t>GaitRec</a:t>
+            </a:r>
+            <a:r>
+              <a:rPr lang="en-IE" b="1" dirty="0">
+                <a:effectLst/>
+              </a:rPr>
+              <a:t> Dataset: </a:t>
+            </a:r>
+            <a:r>
+              <a:rPr lang="en-IE" dirty="0" err="1">
+                <a:effectLst/>
+              </a:rPr>
+              <a:t>Horsak</a:t>
+            </a:r>
+            <a:r>
+              <a:rPr lang="en-IE" dirty="0">
+                <a:effectLst/>
+              </a:rPr>
+              <a:t>, B., </a:t>
+            </a:r>
+            <a:r>
+              <a:rPr lang="en-IE" dirty="0" err="1">
+                <a:effectLst/>
+              </a:rPr>
+              <a:t>Slijepcevic</a:t>
+            </a:r>
+            <a:r>
+              <a:rPr lang="en-IE" dirty="0">
+                <a:effectLst/>
+              </a:rPr>
+              <a:t>, D., </a:t>
+            </a:r>
+            <a:r>
+              <a:rPr lang="en-IE" dirty="0" err="1">
+                <a:effectLst/>
+              </a:rPr>
+              <a:t>Raberger</a:t>
+            </a:r>
+            <a:r>
+              <a:rPr lang="en-IE" dirty="0">
+                <a:effectLst/>
+              </a:rPr>
+              <a:t>, A.-M., Schwab, C., </a:t>
+            </a:r>
+            <a:r>
+              <a:rPr lang="en-IE" dirty="0" err="1">
+                <a:effectLst/>
+              </a:rPr>
+              <a:t>Worisch</a:t>
+            </a:r>
+            <a:r>
+              <a:rPr lang="en-IE" dirty="0">
+                <a:effectLst/>
+              </a:rPr>
+              <a:t>, M., &amp; </a:t>
+            </a:r>
+            <a:r>
+              <a:rPr lang="en-IE" dirty="0" err="1">
+                <a:effectLst/>
+              </a:rPr>
+              <a:t>Zeppelzauer</a:t>
+            </a:r>
+            <a:r>
+              <a:rPr lang="en-IE" dirty="0">
+                <a:effectLst/>
+              </a:rPr>
+              <a:t>, M. (2020). </a:t>
+            </a:r>
+            <a:r>
+              <a:rPr lang="en-IE" dirty="0" err="1">
+                <a:effectLst/>
+              </a:rPr>
+              <a:t>GaitRec</a:t>
+            </a:r>
+            <a:r>
+              <a:rPr lang="en-IE" dirty="0">
+                <a:effectLst/>
+              </a:rPr>
+              <a:t>, a large-scale ground reaction force dataset of healthy and impaired gait. </a:t>
+            </a:r>
+            <a:r>
+              <a:rPr lang="en-IE" i="1" dirty="0">
+                <a:effectLst/>
+              </a:rPr>
+              <a:t>Scientific Data</a:t>
+            </a:r>
+            <a:r>
+              <a:rPr lang="en-IE" dirty="0">
+                <a:effectLst/>
+              </a:rPr>
+              <a:t>, </a:t>
+            </a:r>
+            <a:r>
+              <a:rPr lang="en-IE" i="1" dirty="0">
+                <a:effectLst/>
+              </a:rPr>
+              <a:t>7</a:t>
+            </a:r>
+            <a:r>
+              <a:rPr lang="en-IE" dirty="0">
+                <a:effectLst/>
+              </a:rPr>
+              <a:t>(1), Article 1. </a:t>
+            </a:r>
+            <a:r>
+              <a:rPr lang="en-IE" dirty="0">
+                <a:effectLst/>
+                <a:hlinkClick r:id="rId4"/>
+              </a:rPr>
+              <a:t>https://doi.org/10.1038/s41597-020-0481-z</a:t>
+            </a:r>
+            <a:endParaRPr lang="en-IE" dirty="0">
+              <a:effectLst/>
+            </a:endParaRPr>
+          </a:p>
+          <a:p>
+            <a:endParaRPr lang="en-IE" dirty="0">
+              <a:effectLst/>
+            </a:endParaRPr>
+          </a:p>
+          <a:p>
+            <a:endParaRPr lang="en-GB" dirty="0"/>
+          </a:p>
+        </p:txBody>
+      </p:sp>
+    </p:spTree>
+    <p:extLst>
+      <p:ext uri="{BB962C8B-B14F-4D97-AF65-F5344CB8AC3E}">
+        <p14:creationId xmlns:p14="http://schemas.microsoft.com/office/powerpoint/2010/main" val="3543768501"/>
       </p:ext>
     </p:extLst>
   </p:cSld>
@@ -5733,13 +9870,13 @@
           <a:p>
             <a:r>
               <a:rPr lang="en-GB" dirty="0"/>
-              <a:t>Regression</a:t>
+              <a:t>Functional Regression</a:t>
             </a:r>
           </a:p>
         </p:txBody>
       </p:sp>
-      <mc:AlternateContent xmlns:mc="http://schemas.openxmlformats.org/markup-compatibility/2006" xmlns:a14="http://schemas.microsoft.com/office/drawing/2010/main">
-        <mc:Choice Requires="a14">
+      <mc:AlternateContent xmlns:mc="http://schemas.openxmlformats.org/markup-compatibility/2006">
+        <mc:Choice xmlns:a14="http://schemas.microsoft.com/office/drawing/2010/main" Requires="a14">
           <p:sp>
             <p:nvSpPr>
               <p:cNvPr id="3" name="Content Placeholder 2">
@@ -5758,15 +9895,21 @@
             </p:nvSpPr>
             <p:spPr/>
             <p:txBody>
-              <a:bodyPr/>
+              <a:bodyPr>
+                <a:normAutofit lnSpcReduction="10000"/>
+              </a:bodyPr>
               <a:lstStyle/>
               <a:p>
                 <a:pPr marL="0" indent="0">
                   <a:buNone/>
                 </a:pPr>
                 <a:r>
+                  <a:rPr lang="en-GB" b="1" u="sng" dirty="0"/>
+                  <a:t>Classical Regression:</a:t>
+                </a:r>
+                <a:r>
                   <a:rPr lang="en-GB" dirty="0"/>
-                  <a:t>Model the association between a response variable </a:t>
+                  <a:t> Model the association between a scalar response variable </a:t>
                 </a:r>
                 <a14:m>
                   <m:oMath xmlns:m="http://schemas.openxmlformats.org/officeDocument/2006/math">
@@ -5780,7 +9923,7 @@
                 </a14:m>
                 <a:r>
                   <a:rPr lang="en-GB" dirty="0"/>
-                  <a:t> and predictors (or covariates) </a:t>
+                  <a:t> and scalar predictors (or covariates) </a:t>
                 </a:r>
                 <a14:m>
                   <m:oMath xmlns:m="http://schemas.openxmlformats.org/officeDocument/2006/math">
@@ -6010,7 +10153,7 @@
                 </a14:m>
                 <a:r>
                   <a:rPr lang="en-GB" sz="2800" dirty="0"/>
-                  <a:t>” (ANOVA, t-test etc., can be written as a linear regression model.</a:t>
+                  <a:t>” (ANOVA, t-test etc., can be written as a linear regression model).</a:t>
                 </a:r>
               </a:p>
               <a:p>
@@ -6022,7 +10165,7 @@
                   <a:buNone/>
                 </a:pPr>
                 <a:r>
-                  <a:rPr lang="en-GB" sz="3200" b="1" i="1" u="sng" dirty="0"/>
+                  <a:rPr lang="en-GB" sz="3200" b="1" u="sng" dirty="0"/>
                   <a:t>Functional Regression </a:t>
                 </a:r>
                 <a:r>
@@ -6034,7 +10177,7 @@
             </p:txBody>
           </p:sp>
         </mc:Choice>
-        <mc:Fallback xmlns="">
+        <mc:Fallback>
           <p:sp>
             <p:nvSpPr>
               <p:cNvPr id="3" name="Content Placeholder 2">
@@ -6055,7 +10198,7 @@
               <a:blipFill>
                 <a:blip r:embed="rId2"/>
                 <a:stretch>
-                  <a:fillRect l="-1568" t="-2326" r="-1206"/>
+                  <a:fillRect l="-1568" t="-3198" r="-1086"/>
                 </a:stretch>
               </a:blipFill>
             </p:spPr>
@@ -7472,7 +11615,7 @@
                 </a:pPr>
                 <a:r>
                   <a:rPr lang="en-GB" dirty="0"/>
-                  <a:t>Linear regression model</a:t>
+                  <a:t>Function-on-scalar linear regression model</a:t>
                 </a:r>
               </a:p>
               <a:p>
@@ -8009,7 +12152,7 @@
                 </a14:m>
                 <a:r>
                   <a:rPr lang="en-GB" dirty="0"/>
-                  <a:t> represent factor levels we have Functional ANOVA/ t-test.</a:t>
+                  <a:t> are dummy-coded to represent factor levels we have Functional ANOVA/ t-test.</a:t>
                 </a:r>
               </a:p>
             </p:txBody>
@@ -8065,10 +12208,275 @@
   <p:clrMapOvr>
     <a:masterClrMapping/>
   </p:clrMapOvr>
+  <p:timing>
+    <p:tnLst>
+      <p:par>
+        <p:cTn id="1" dur="indefinite" restart="never" nodeType="tmRoot">
+          <p:childTnLst>
+            <p:seq concurrent="1" nextAc="seek">
+              <p:cTn id="2" dur="indefinite" nodeType="mainSeq">
+                <p:childTnLst>
+                  <p:par>
+                    <p:cTn id="3" fill="hold">
+                      <p:stCondLst>
+                        <p:cond delay="indefinite"/>
+                      </p:stCondLst>
+                      <p:childTnLst>
+                        <p:par>
+                          <p:cTn id="4" fill="hold">
+                            <p:stCondLst>
+                              <p:cond delay="0"/>
+                            </p:stCondLst>
+                            <p:childTnLst>
+                              <p:par>
+                                <p:cTn id="5" presetID="1" presetClass="entr" presetSubtype="0" fill="hold" nodeType="clickEffect">
+                                  <p:stCondLst>
+                                    <p:cond delay="0"/>
+                                  </p:stCondLst>
+                                  <p:childTnLst>
+                                    <p:set>
+                                      <p:cBhvr>
+                                        <p:cTn id="6" dur="1" fill="hold">
+                                          <p:stCondLst>
+                                            <p:cond delay="0"/>
+                                          </p:stCondLst>
+                                        </p:cTn>
+                                        <p:tgtEl>
+                                          <p:spTgt spid="3">
+                                            <p:txEl>
+                                              <p:pRg st="2" end="2"/>
+                                            </p:txEl>
+                                          </p:spTgt>
+                                        </p:tgtEl>
+                                        <p:attrNameLst>
+                                          <p:attrName>style.visibility</p:attrName>
+                                        </p:attrNameLst>
+                                      </p:cBhvr>
+                                      <p:to>
+                                        <p:strVal val="visible"/>
+                                      </p:to>
+                                    </p:set>
+                                  </p:childTnLst>
+                                </p:cTn>
+                              </p:par>
+                            </p:childTnLst>
+                          </p:cTn>
+                        </p:par>
+                      </p:childTnLst>
+                    </p:cTn>
+                  </p:par>
+                  <p:par>
+                    <p:cTn id="7" fill="hold">
+                      <p:stCondLst>
+                        <p:cond delay="indefinite"/>
+                      </p:stCondLst>
+                      <p:childTnLst>
+                        <p:par>
+                          <p:cTn id="8" fill="hold">
+                            <p:stCondLst>
+                              <p:cond delay="0"/>
+                            </p:stCondLst>
+                            <p:childTnLst>
+                              <p:par>
+                                <p:cTn id="9" presetID="1" presetClass="entr" presetSubtype="0" fill="hold" nodeType="clickEffect">
+                                  <p:stCondLst>
+                                    <p:cond delay="0"/>
+                                  </p:stCondLst>
+                                  <p:childTnLst>
+                                    <p:set>
+                                      <p:cBhvr>
+                                        <p:cTn id="10" dur="1" fill="hold">
+                                          <p:stCondLst>
+                                            <p:cond delay="0"/>
+                                          </p:stCondLst>
+                                        </p:cTn>
+                                        <p:tgtEl>
+                                          <p:spTgt spid="3">
+                                            <p:txEl>
+                                              <p:pRg st="3" end="3"/>
+                                            </p:txEl>
+                                          </p:spTgt>
+                                        </p:tgtEl>
+                                        <p:attrNameLst>
+                                          <p:attrName>style.visibility</p:attrName>
+                                        </p:attrNameLst>
+                                      </p:cBhvr>
+                                      <p:to>
+                                        <p:strVal val="visible"/>
+                                      </p:to>
+                                    </p:set>
+                                  </p:childTnLst>
+                                </p:cTn>
+                              </p:par>
+                            </p:childTnLst>
+                          </p:cTn>
+                        </p:par>
+                      </p:childTnLst>
+                    </p:cTn>
+                  </p:par>
+                  <p:par>
+                    <p:cTn id="11" fill="hold">
+                      <p:stCondLst>
+                        <p:cond delay="indefinite"/>
+                      </p:stCondLst>
+                      <p:childTnLst>
+                        <p:par>
+                          <p:cTn id="12" fill="hold">
+                            <p:stCondLst>
+                              <p:cond delay="0"/>
+                            </p:stCondLst>
+                            <p:childTnLst>
+                              <p:par>
+                                <p:cTn id="13" presetID="1" presetClass="entr" presetSubtype="0" fill="hold" nodeType="clickEffect">
+                                  <p:stCondLst>
+                                    <p:cond delay="0"/>
+                                  </p:stCondLst>
+                                  <p:childTnLst>
+                                    <p:set>
+                                      <p:cBhvr>
+                                        <p:cTn id="14" dur="1" fill="hold">
+                                          <p:stCondLst>
+                                            <p:cond delay="0"/>
+                                          </p:stCondLst>
+                                        </p:cTn>
+                                        <p:tgtEl>
+                                          <p:spTgt spid="3">
+                                            <p:txEl>
+                                              <p:pRg st="4" end="4"/>
+                                            </p:txEl>
+                                          </p:spTgt>
+                                        </p:tgtEl>
+                                        <p:attrNameLst>
+                                          <p:attrName>style.visibility</p:attrName>
+                                        </p:attrNameLst>
+                                      </p:cBhvr>
+                                      <p:to>
+                                        <p:strVal val="visible"/>
+                                      </p:to>
+                                    </p:set>
+                                  </p:childTnLst>
+                                </p:cTn>
+                              </p:par>
+                            </p:childTnLst>
+                          </p:cTn>
+                        </p:par>
+                      </p:childTnLst>
+                    </p:cTn>
+                  </p:par>
+                </p:childTnLst>
+              </p:cTn>
+              <p:prevCondLst>
+                <p:cond evt="onPrev" delay="0">
+                  <p:tgtEl>
+                    <p:sldTgt/>
+                  </p:tgtEl>
+                </p:cond>
+              </p:prevCondLst>
+              <p:nextCondLst>
+                <p:cond evt="onNext" delay="0">
+                  <p:tgtEl>
+                    <p:sldTgt/>
+                  </p:tgtEl>
+                </p:cond>
+              </p:nextCondLst>
+            </p:seq>
+          </p:childTnLst>
+        </p:cTn>
+      </p:par>
+    </p:tnLst>
+  </p:timing>
 </p:sld>
 </file>
 
 <file path=ppt/slides/slide6.xml><?xml version="1.0" encoding="utf-8"?>
+<p:sld xmlns:a="http://schemas.openxmlformats.org/drawingml/2006/main" xmlns:r="http://schemas.openxmlformats.org/officeDocument/2006/relationships" xmlns:p="http://schemas.openxmlformats.org/presentationml/2006/main">
+  <p:cSld>
+    <p:spTree>
+      <p:nvGrpSpPr>
+        <p:cNvPr id="1" name=""/>
+        <p:cNvGrpSpPr/>
+        <p:nvPr/>
+      </p:nvGrpSpPr>
+      <p:grpSpPr>
+        <a:xfrm>
+          <a:off x="0" y="0"/>
+          <a:ext cx="0" cy="0"/>
+          <a:chOff x="0" y="0"/>
+          <a:chExt cx="0" cy="0"/>
+        </a:xfrm>
+      </p:grpSpPr>
+      <p:sp>
+        <p:nvSpPr>
+          <p:cNvPr id="2" name="Title 1">
+            <a:extLst>
+              <a:ext uri="{FF2B5EF4-FFF2-40B4-BE49-F238E27FC236}">
+                <a16:creationId xmlns:a16="http://schemas.microsoft.com/office/drawing/2014/main" id="{C45931C6-2FDC-CC85-4CBE-CA9523ACB4FC}"/>
+              </a:ext>
+            </a:extLst>
+          </p:cNvPr>
+          <p:cNvSpPr>
+            <a:spLocks noGrp="1"/>
+          </p:cNvSpPr>
+          <p:nvPr>
+            <p:ph type="title"/>
+          </p:nvPr>
+        </p:nvSpPr>
+        <p:spPr/>
+        <p:txBody>
+          <a:bodyPr/>
+          <a:lstStyle/>
+          <a:p>
+            <a:r>
+              <a:rPr lang="en-GB" dirty="0"/>
+              <a:t>Function-on-Scalar Regression</a:t>
+            </a:r>
+          </a:p>
+        </p:txBody>
+      </p:sp>
+      <p:pic>
+        <p:nvPicPr>
+          <p:cNvPr id="4" name="Picture 3">
+            <a:extLst>
+              <a:ext uri="{FF2B5EF4-FFF2-40B4-BE49-F238E27FC236}">
+                <a16:creationId xmlns:a16="http://schemas.microsoft.com/office/drawing/2014/main" id="{9FD9185F-D109-AD3E-73B6-32129D2F94F6}"/>
+              </a:ext>
+            </a:extLst>
+          </p:cNvPr>
+          <p:cNvPicPr>
+            <a:picLocks noChangeAspect="1"/>
+          </p:cNvPicPr>
+          <p:nvPr/>
+        </p:nvPicPr>
+        <p:blipFill>
+          <a:blip r:embed="rId2"/>
+          <a:stretch>
+            <a:fillRect/>
+          </a:stretch>
+        </p:blipFill>
+        <p:spPr>
+          <a:xfrm>
+            <a:off x="838200" y="1574800"/>
+            <a:ext cx="9805573" cy="4754550"/>
+          </a:xfrm>
+          <a:prstGeom prst="rect">
+            <a:avLst/>
+          </a:prstGeom>
+        </p:spPr>
+      </p:pic>
+    </p:spTree>
+    <p:extLst>
+      <p:ext uri="{BB962C8B-B14F-4D97-AF65-F5344CB8AC3E}">
+        <p14:creationId xmlns:p14="http://schemas.microsoft.com/office/powerpoint/2010/main" val="3049710137"/>
+      </p:ext>
+    </p:extLst>
+  </p:cSld>
+  <p:clrMapOvr>
+    <a:masterClrMapping/>
+  </p:clrMapOvr>
+</p:sld>
+</file>
+
+<file path=ppt/slides/slide7.xml><?xml version="1.0" encoding="utf-8"?>
 <p:sld xmlns:a="http://schemas.openxmlformats.org/drawingml/2006/main" xmlns:r="http://schemas.openxmlformats.org/officeDocument/2006/relationships" xmlns:p="http://schemas.openxmlformats.org/presentationml/2006/main">
   <p:cSld>
     <p:spTree>
@@ -8601,7 +13009,7 @@
 </p:sld>
 </file>
 
-<file path=ppt/slides/slide7.xml><?xml version="1.0" encoding="utf-8"?>
+<file path=ppt/slides/slide8.xml><?xml version="1.0" encoding="utf-8"?>
 <p:sld xmlns:a="http://schemas.openxmlformats.org/drawingml/2006/main" xmlns:r="http://schemas.openxmlformats.org/officeDocument/2006/relationships" xmlns:p="http://schemas.openxmlformats.org/presentationml/2006/main">
   <p:cSld>
     <p:spTree>
@@ -8667,7 +13075,7 @@
             <p:spPr/>
             <p:txBody>
               <a:bodyPr>
-                <a:normAutofit lnSpcReduction="10000"/>
+                <a:normAutofit fontScale="92500" lnSpcReduction="10000"/>
               </a:bodyPr>
               <a:lstStyle/>
               <a:p>
@@ -8676,7 +13084,7 @@
                 </a:pPr>
                 <a:r>
                   <a:rPr lang="en-GB" dirty="0"/>
-                  <a:t>Classical regression, we construct a confidence interval</a:t>
+                  <a:t>In classical regression, we construct a confidence interval</a:t>
                 </a:r>
               </a:p>
               <a:p>
@@ -8852,7 +13260,7 @@
                     <m:d>
                       <m:dPr>
                         <m:ctrlPr>
-                          <a:rPr lang="en-IE" b="0" i="0" smtClean="0">
+                          <a:rPr lang="en-IE" b="0" i="1" smtClean="0">
                             <a:latin typeface="Cambria Math" panose="02040503050406030204" pitchFamily="18" charset="0"/>
                           </a:rPr>
                         </m:ctrlPr>
@@ -8903,6 +13311,12 @@
                 <a:pPr marL="0" indent="0">
                   <a:buNone/>
                 </a:pPr>
+                <a:endParaRPr lang="en-GB" dirty="0"/>
+              </a:p>
+              <a:p>
+                <a:pPr marL="0" indent="0">
+                  <a:buNone/>
+                </a:pPr>
                 <a:r>
                   <a:rPr lang="en-GB" dirty="0"/>
                   <a:t>However, in the functional case, constructing this interval at each </a:t>
@@ -8936,14 +13350,6 @@
                 <a:pPr marL="0" indent="0">
                   <a:buNone/>
                 </a:pPr>
-                <a:r>
-                  <a:rPr lang="en-GB" b="1" dirty="0"/>
-                  <a:t>Solution:</a:t>
-                </a:r>
-                <a:r>
-                  <a:rPr lang="en-GB" dirty="0"/>
-                  <a:t> </a:t>
-                </a:r>
                 <a:r>
                   <a:rPr lang="en-GB" b="1" u="sng" dirty="0"/>
                   <a:t>Simultaneous Confidence Bands</a:t>
@@ -9043,7 +13449,7 @@
               <a:blipFill>
                 <a:blip r:embed="rId3"/>
                 <a:stretch>
-                  <a:fillRect l="-1206" t="-3198"/>
+                  <a:fillRect l="-1086" t="-2616" b="-291"/>
                 </a:stretch>
               </a:blipFill>
             </p:spPr>
@@ -9072,10 +13478,298 @@
   <p:clrMapOvr>
     <a:masterClrMapping/>
   </p:clrMapOvr>
+  <p:timing>
+    <p:tnLst>
+      <p:par>
+        <p:cTn id="1" dur="indefinite" restart="never" nodeType="tmRoot">
+          <p:childTnLst>
+            <p:seq concurrent="1" nextAc="seek">
+              <p:cTn id="2" dur="indefinite" nodeType="mainSeq">
+                <p:childTnLst>
+                  <p:par>
+                    <p:cTn id="3" fill="hold">
+                      <p:stCondLst>
+                        <p:cond delay="indefinite"/>
+                      </p:stCondLst>
+                      <p:childTnLst>
+                        <p:par>
+                          <p:cTn id="4" fill="hold">
+                            <p:stCondLst>
+                              <p:cond delay="0"/>
+                            </p:stCondLst>
+                            <p:childTnLst>
+                              <p:par>
+                                <p:cTn id="5" presetID="1" presetClass="entr" presetSubtype="0" fill="hold" nodeType="clickEffect">
+                                  <p:stCondLst>
+                                    <p:cond delay="0"/>
+                                  </p:stCondLst>
+                                  <p:childTnLst>
+                                    <p:set>
+                                      <p:cBhvr>
+                                        <p:cTn id="6" dur="1" fill="hold">
+                                          <p:stCondLst>
+                                            <p:cond delay="0"/>
+                                          </p:stCondLst>
+                                        </p:cTn>
+                                        <p:tgtEl>
+                                          <p:spTgt spid="3">
+                                            <p:txEl>
+                                              <p:pRg st="0" end="0"/>
+                                            </p:txEl>
+                                          </p:spTgt>
+                                        </p:tgtEl>
+                                        <p:attrNameLst>
+                                          <p:attrName>style.visibility</p:attrName>
+                                        </p:attrNameLst>
+                                      </p:cBhvr>
+                                      <p:to>
+                                        <p:strVal val="visible"/>
+                                      </p:to>
+                                    </p:set>
+                                  </p:childTnLst>
+                                </p:cTn>
+                              </p:par>
+                              <p:par>
+                                <p:cTn id="7" presetID="1" presetClass="entr" presetSubtype="0" fill="hold" nodeType="withEffect">
+                                  <p:stCondLst>
+                                    <p:cond delay="0"/>
+                                  </p:stCondLst>
+                                  <p:childTnLst>
+                                    <p:set>
+                                      <p:cBhvr>
+                                        <p:cTn id="8" dur="1" fill="hold">
+                                          <p:stCondLst>
+                                            <p:cond delay="0"/>
+                                          </p:stCondLst>
+                                        </p:cTn>
+                                        <p:tgtEl>
+                                          <p:spTgt spid="3">
+                                            <p:txEl>
+                                              <p:pRg st="1" end="1"/>
+                                            </p:txEl>
+                                          </p:spTgt>
+                                        </p:tgtEl>
+                                        <p:attrNameLst>
+                                          <p:attrName>style.visibility</p:attrName>
+                                        </p:attrNameLst>
+                                      </p:cBhvr>
+                                      <p:to>
+                                        <p:strVal val="visible"/>
+                                      </p:to>
+                                    </p:set>
+                                  </p:childTnLst>
+                                </p:cTn>
+                              </p:par>
+                              <p:par>
+                                <p:cTn id="9" presetID="1" presetClass="entr" presetSubtype="0" fill="hold" nodeType="withEffect">
+                                  <p:stCondLst>
+                                    <p:cond delay="0"/>
+                                  </p:stCondLst>
+                                  <p:childTnLst>
+                                    <p:set>
+                                      <p:cBhvr>
+                                        <p:cTn id="10" dur="1" fill="hold">
+                                          <p:stCondLst>
+                                            <p:cond delay="0"/>
+                                          </p:stCondLst>
+                                        </p:cTn>
+                                        <p:tgtEl>
+                                          <p:spTgt spid="3">
+                                            <p:txEl>
+                                              <p:pRg st="2" end="2"/>
+                                            </p:txEl>
+                                          </p:spTgt>
+                                        </p:tgtEl>
+                                        <p:attrNameLst>
+                                          <p:attrName>style.visibility</p:attrName>
+                                        </p:attrNameLst>
+                                      </p:cBhvr>
+                                      <p:to>
+                                        <p:strVal val="visible"/>
+                                      </p:to>
+                                    </p:set>
+                                  </p:childTnLst>
+                                </p:cTn>
+                              </p:par>
+                            </p:childTnLst>
+                          </p:cTn>
+                        </p:par>
+                      </p:childTnLst>
+                    </p:cTn>
+                  </p:par>
+                  <p:par>
+                    <p:cTn id="11" fill="hold">
+                      <p:stCondLst>
+                        <p:cond delay="indefinite"/>
+                      </p:stCondLst>
+                      <p:childTnLst>
+                        <p:par>
+                          <p:cTn id="12" fill="hold">
+                            <p:stCondLst>
+                              <p:cond delay="0"/>
+                            </p:stCondLst>
+                            <p:childTnLst>
+                              <p:par>
+                                <p:cTn id="13" presetID="1" presetClass="entr" presetSubtype="0" fill="hold" nodeType="clickEffect">
+                                  <p:stCondLst>
+                                    <p:cond delay="0"/>
+                                  </p:stCondLst>
+                                  <p:childTnLst>
+                                    <p:set>
+                                      <p:cBhvr>
+                                        <p:cTn id="14" dur="1" fill="hold">
+                                          <p:stCondLst>
+                                            <p:cond delay="0"/>
+                                          </p:stCondLst>
+                                        </p:cTn>
+                                        <p:tgtEl>
+                                          <p:spTgt spid="3">
+                                            <p:txEl>
+                                              <p:pRg st="4" end="4"/>
+                                            </p:txEl>
+                                          </p:spTgt>
+                                        </p:tgtEl>
+                                        <p:attrNameLst>
+                                          <p:attrName>style.visibility</p:attrName>
+                                        </p:attrNameLst>
+                                      </p:cBhvr>
+                                      <p:to>
+                                        <p:strVal val="visible"/>
+                                      </p:to>
+                                    </p:set>
+                                  </p:childTnLst>
+                                </p:cTn>
+                              </p:par>
+                            </p:childTnLst>
+                          </p:cTn>
+                        </p:par>
+                      </p:childTnLst>
+                    </p:cTn>
+                  </p:par>
+                  <p:par>
+                    <p:cTn id="15" fill="hold">
+                      <p:stCondLst>
+                        <p:cond delay="indefinite"/>
+                      </p:stCondLst>
+                      <p:childTnLst>
+                        <p:par>
+                          <p:cTn id="16" fill="hold">
+                            <p:stCondLst>
+                              <p:cond delay="0"/>
+                            </p:stCondLst>
+                            <p:childTnLst>
+                              <p:par>
+                                <p:cTn id="17" presetID="1" presetClass="entr" presetSubtype="0" fill="hold" nodeType="clickEffect">
+                                  <p:stCondLst>
+                                    <p:cond delay="0"/>
+                                  </p:stCondLst>
+                                  <p:childTnLst>
+                                    <p:set>
+                                      <p:cBhvr>
+                                        <p:cTn id="18" dur="1" fill="hold">
+                                          <p:stCondLst>
+                                            <p:cond delay="0"/>
+                                          </p:stCondLst>
+                                        </p:cTn>
+                                        <p:tgtEl>
+                                          <p:spTgt spid="3">
+                                            <p:txEl>
+                                              <p:pRg st="6" end="6"/>
+                                            </p:txEl>
+                                          </p:spTgt>
+                                        </p:tgtEl>
+                                        <p:attrNameLst>
+                                          <p:attrName>style.visibility</p:attrName>
+                                        </p:attrNameLst>
+                                      </p:cBhvr>
+                                      <p:to>
+                                        <p:strVal val="visible"/>
+                                      </p:to>
+                                    </p:set>
+                                  </p:childTnLst>
+                                </p:cTn>
+                              </p:par>
+                            </p:childTnLst>
+                          </p:cTn>
+                        </p:par>
+                      </p:childTnLst>
+                    </p:cTn>
+                  </p:par>
+                  <p:par>
+                    <p:cTn id="19" fill="hold">
+                      <p:stCondLst>
+                        <p:cond delay="indefinite"/>
+                      </p:stCondLst>
+                      <p:childTnLst>
+                        <p:par>
+                          <p:cTn id="20" fill="hold">
+                            <p:stCondLst>
+                              <p:cond delay="0"/>
+                            </p:stCondLst>
+                            <p:childTnLst>
+                              <p:par>
+                                <p:cTn id="21" presetID="1" presetClass="entr" presetSubtype="0" fill="hold" nodeType="clickEffect">
+                                  <p:stCondLst>
+                                    <p:cond delay="0"/>
+                                  </p:stCondLst>
+                                  <p:childTnLst>
+                                    <p:set>
+                                      <p:cBhvr>
+                                        <p:cTn id="22" dur="1" fill="hold">
+                                          <p:stCondLst>
+                                            <p:cond delay="0"/>
+                                          </p:stCondLst>
+                                        </p:cTn>
+                                        <p:tgtEl>
+                                          <p:spTgt spid="3">
+                                            <p:txEl>
+                                              <p:pRg st="7" end="7"/>
+                                            </p:txEl>
+                                          </p:spTgt>
+                                        </p:tgtEl>
+                                        <p:attrNameLst>
+                                          <p:attrName>style.visibility</p:attrName>
+                                        </p:attrNameLst>
+                                      </p:cBhvr>
+                                      <p:to>
+                                        <p:strVal val="visible"/>
+                                      </p:to>
+                                    </p:set>
+                                  </p:childTnLst>
+                                </p:cTn>
+                              </p:par>
+                            </p:childTnLst>
+                          </p:cTn>
+                        </p:par>
+                      </p:childTnLst>
+                    </p:cTn>
+                  </p:par>
+                </p:childTnLst>
+              </p:cTn>
+              <p:prevCondLst>
+                <p:cond evt="onPrev" delay="0">
+                  <p:tgtEl>
+                    <p:sldTgt/>
+                  </p:tgtEl>
+                </p:cond>
+              </p:prevCondLst>
+              <p:nextCondLst>
+                <p:cond evt="onNext" delay="0">
+                  <p:tgtEl>
+                    <p:sldTgt/>
+                  </p:tgtEl>
+                </p:cond>
+              </p:nextCondLst>
+            </p:seq>
+          </p:childTnLst>
+        </p:cTn>
+      </p:par>
+    </p:tnLst>
+  </p:timing>
 </p:sld>
 </file>
 
-<file path=ppt/slides/slide8.xml><?xml version="1.0" encoding="utf-8"?>
+<file path=ppt/slides/slide9.xml><?xml version="1.0" encoding="utf-8"?>
 <p:sld xmlns:a="http://schemas.openxmlformats.org/drawingml/2006/main" xmlns:r="http://schemas.openxmlformats.org/officeDocument/2006/relationships" xmlns:p="http://schemas.openxmlformats.org/presentationml/2006/main">
   <p:cSld>
     <p:spTree>
@@ -9147,8 +13841,12 @@
                   <a:buNone/>
                 </a:pPr>
                 <a:r>
+                  <a:rPr lang="en-GB" b="1" dirty="0"/>
+                  <a:t>Example: </a:t>
+                </a:r>
+                <a:r>
                   <a:rPr lang="en-GB" dirty="0"/>
-                  <a:t>Example: Effect of running speed and sex on knee angle kinematics</a:t>
+                  <a:t>Effect of running speed and sex on knee angle kinematics.</a:t>
                 </a:r>
               </a:p>
               <a:p>
@@ -9215,7 +13913,7 @@
                 </a14:m>
                 <a:r>
                   <a:rPr lang="en-GB" dirty="0"/>
-                  <a:t>”</a:t>
+                  <a:t>”.</a:t>
                 </a:r>
               </a:p>
             </p:txBody>
@@ -9242,7 +13940,7 @@
               <a:blipFill>
                 <a:blip r:embed="rId2"/>
                 <a:stretch>
-                  <a:fillRect l="-1206" t="-2326" r="-121"/>
+                  <a:fillRect l="-1206" t="-2326" b="-3198"/>
                 </a:stretch>
               </a:blipFill>
             </p:spPr>
@@ -9301,610 +13999,179 @@
   <p:clrMapOvr>
     <a:masterClrMapping/>
   </p:clrMapOvr>
-</p:sld>
-</file>
-
-<file path=ppt/slides/slide9.xml><?xml version="1.0" encoding="utf-8"?>
-<p:sld xmlns:a="http://schemas.openxmlformats.org/drawingml/2006/main" xmlns:r="http://schemas.openxmlformats.org/officeDocument/2006/relationships" xmlns:p="http://schemas.openxmlformats.org/presentationml/2006/main">
-  <p:cSld>
-    <p:spTree>
-      <p:nvGrpSpPr>
-        <p:cNvPr id="1" name=""/>
-        <p:cNvGrpSpPr/>
-        <p:nvPr/>
-      </p:nvGrpSpPr>
-      <p:grpSpPr>
-        <a:xfrm>
-          <a:off x="0" y="0"/>
-          <a:ext cx="0" cy="0"/>
-          <a:chOff x="0" y="0"/>
-          <a:chExt cx="0" cy="0"/>
-        </a:xfrm>
-      </p:grpSpPr>
-      <p:sp>
-        <p:nvSpPr>
-          <p:cNvPr id="2" name="Title 1">
-            <a:extLst>
-              <a:ext uri="{FF2B5EF4-FFF2-40B4-BE49-F238E27FC236}">
-                <a16:creationId xmlns:a16="http://schemas.microsoft.com/office/drawing/2014/main" id="{9E61D58F-42DA-B2B2-741E-22FDD51BDBB3}"/>
-              </a:ext>
-            </a:extLst>
-          </p:cNvPr>
-          <p:cNvSpPr>
-            <a:spLocks noGrp="1"/>
-          </p:cNvSpPr>
-          <p:nvPr>
-            <p:ph type="title"/>
-          </p:nvPr>
-        </p:nvSpPr>
-        <p:spPr/>
-        <p:txBody>
-          <a:bodyPr/>
-          <a:lstStyle/>
-          <a:p>
-            <a:r>
-              <a:rPr lang="en-GB" dirty="0"/>
-              <a:t>Inference</a:t>
-            </a:r>
-          </a:p>
-        </p:txBody>
-      </p:sp>
-      <mc:AlternateContent xmlns:mc="http://schemas.openxmlformats.org/markup-compatibility/2006">
-        <mc:Choice xmlns:a14="http://schemas.microsoft.com/office/drawing/2010/main" Requires="a14">
-          <p:sp>
-            <p:nvSpPr>
-              <p:cNvPr id="3" name="Content Placeholder 2">
-                <a:extLst>
-                  <a:ext uri="{FF2B5EF4-FFF2-40B4-BE49-F238E27FC236}">
-                    <a16:creationId xmlns:a16="http://schemas.microsoft.com/office/drawing/2014/main" id="{B759C73D-7C02-2F9E-6491-A58AF57F009C}"/>
-                  </a:ext>
-                </a:extLst>
-              </p:cNvPr>
-              <p:cNvSpPr>
-                <a:spLocks noGrp="1"/>
-              </p:cNvSpPr>
-              <p:nvPr>
-                <p:ph idx="1"/>
-              </p:nvPr>
-            </p:nvSpPr>
-            <p:spPr/>
-            <p:txBody>
-              <a:bodyPr/>
-              <a:lstStyle/>
-              <a:p>
-                <a:pPr marL="0" indent="0">
-                  <a:buNone/>
-                </a:pPr>
-                <a:r>
-                  <a:rPr lang="en-IE" dirty="0"/>
-                  <a:t>Likewise, in classical regression we test</a:t>
-                </a:r>
-              </a:p>
-              <a:p>
-                <a:pPr marL="0" indent="0" algn="ctr">
-                  <a:buNone/>
-                </a:pPr>
-                <a14:m>
-                  <m:oMath xmlns:m="http://schemas.openxmlformats.org/officeDocument/2006/math">
-                    <m:sSub>
-                      <m:sSubPr>
-                        <m:ctrlPr>
-                          <a:rPr lang="en-IE" b="0" i="1" smtClean="0">
-                            <a:latin typeface="Cambria Math" panose="02040503050406030204" pitchFamily="18" charset="0"/>
-                          </a:rPr>
-                        </m:ctrlPr>
-                      </m:sSubPr>
-                      <m:e>
-                        <m:r>
-                          <a:rPr lang="en-IE" b="0" i="1" smtClean="0">
-                            <a:latin typeface="Cambria Math" panose="02040503050406030204" pitchFamily="18" charset="0"/>
-                          </a:rPr>
-                          <m:t>𝐻</m:t>
-                        </m:r>
-                      </m:e>
-                      <m:sub>
-                        <m:r>
-                          <a:rPr lang="en-IE" b="0" i="1" smtClean="0">
-                            <a:latin typeface="Cambria Math" panose="02040503050406030204" pitchFamily="18" charset="0"/>
-                          </a:rPr>
-                          <m:t>0</m:t>
-                        </m:r>
-                      </m:sub>
-                    </m:sSub>
-                    <m:r>
-                      <a:rPr lang="en-IE" b="0" i="1" smtClean="0">
-                        <a:latin typeface="Cambria Math" panose="02040503050406030204" pitchFamily="18" charset="0"/>
-                      </a:rPr>
-                      <m:t>:</m:t>
-                    </m:r>
-                    <m:sSub>
-                      <m:sSubPr>
-                        <m:ctrlPr>
-                          <a:rPr lang="en-IE" b="0" i="1" smtClean="0">
-                            <a:latin typeface="Cambria Math" panose="02040503050406030204" pitchFamily="18" charset="0"/>
-                          </a:rPr>
-                        </m:ctrlPr>
-                      </m:sSubPr>
-                      <m:e>
-                        <m:r>
-                          <a:rPr lang="en-IE" b="0" i="1" smtClean="0">
-                            <a:latin typeface="Cambria Math" panose="02040503050406030204" pitchFamily="18" charset="0"/>
-                          </a:rPr>
-                          <m:t>𝛽</m:t>
-                        </m:r>
-                      </m:e>
-                      <m:sub>
-                        <m:r>
-                          <a:rPr lang="en-IE" b="0" i="1" smtClean="0">
-                            <a:latin typeface="Cambria Math" panose="02040503050406030204" pitchFamily="18" charset="0"/>
-                          </a:rPr>
-                          <m:t>𝑎</m:t>
-                        </m:r>
-                      </m:sub>
-                    </m:sSub>
-                    <m:r>
-                      <a:rPr lang="en-IE" b="0" i="1" smtClean="0">
-                        <a:latin typeface="Cambria Math" panose="02040503050406030204" pitchFamily="18" charset="0"/>
-                      </a:rPr>
-                      <m:t>=0</m:t>
-                    </m:r>
-                  </m:oMath>
-                </a14:m>
-                <a:r>
-                  <a:rPr lang="en-GB" dirty="0"/>
-                  <a:t> vs. </a:t>
-                </a:r>
-                <a14:m>
-                  <m:oMath xmlns:m="http://schemas.openxmlformats.org/officeDocument/2006/math">
-                    <m:sSub>
-                      <m:sSubPr>
-                        <m:ctrlPr>
-                          <a:rPr lang="en-IE" i="1">
-                            <a:latin typeface="Cambria Math" panose="02040503050406030204" pitchFamily="18" charset="0"/>
-                          </a:rPr>
-                        </m:ctrlPr>
-                      </m:sSubPr>
-                      <m:e>
-                        <m:r>
-                          <a:rPr lang="en-IE" i="1">
-                            <a:latin typeface="Cambria Math" panose="02040503050406030204" pitchFamily="18" charset="0"/>
-                          </a:rPr>
-                          <m:t>𝐻</m:t>
-                        </m:r>
-                      </m:e>
-                      <m:sub>
-                        <m:r>
-                          <a:rPr lang="en-IE" b="0" i="1" smtClean="0">
-                            <a:latin typeface="Cambria Math" panose="02040503050406030204" pitchFamily="18" charset="0"/>
-                          </a:rPr>
-                          <m:t>𝐴</m:t>
-                        </m:r>
-                      </m:sub>
-                    </m:sSub>
-                    <m:r>
-                      <a:rPr lang="en-IE" i="1">
-                        <a:latin typeface="Cambria Math" panose="02040503050406030204" pitchFamily="18" charset="0"/>
-                      </a:rPr>
-                      <m:t>:</m:t>
-                    </m:r>
-                    <m:sSub>
-                      <m:sSubPr>
-                        <m:ctrlPr>
-                          <a:rPr lang="en-IE" i="1">
-                            <a:latin typeface="Cambria Math" panose="02040503050406030204" pitchFamily="18" charset="0"/>
-                          </a:rPr>
-                        </m:ctrlPr>
-                      </m:sSubPr>
-                      <m:e>
-                        <m:r>
-                          <a:rPr lang="en-IE" i="1">
-                            <a:latin typeface="Cambria Math" panose="02040503050406030204" pitchFamily="18" charset="0"/>
-                          </a:rPr>
-                          <m:t>𝛽</m:t>
-                        </m:r>
-                      </m:e>
-                      <m:sub>
-                        <m:r>
-                          <a:rPr lang="en-IE" i="1">
-                            <a:latin typeface="Cambria Math" panose="02040503050406030204" pitchFamily="18" charset="0"/>
-                          </a:rPr>
-                          <m:t>𝑎</m:t>
-                        </m:r>
-                      </m:sub>
-                    </m:sSub>
-                    <m:r>
-                      <a:rPr lang="en-IE" b="0" i="1" smtClean="0">
-                        <a:latin typeface="Cambria Math" panose="02040503050406030204" pitchFamily="18" charset="0"/>
-                      </a:rPr>
-                      <m:t>≠</m:t>
-                    </m:r>
-                    <m:r>
-                      <a:rPr lang="en-IE" i="1">
-                        <a:latin typeface="Cambria Math" panose="02040503050406030204" pitchFamily="18" charset="0"/>
-                      </a:rPr>
-                      <m:t>0</m:t>
-                    </m:r>
-                  </m:oMath>
-                </a14:m>
-                <a:r>
-                  <a:rPr lang="en-GB" dirty="0"/>
-                  <a:t> </a:t>
-                </a:r>
-              </a:p>
-              <a:p>
-                <a:pPr marL="0" indent="0">
-                  <a:buNone/>
-                </a:pPr>
-                <a:r>
-                  <a:rPr lang="en-GB" dirty="0"/>
-                  <a:t>but, for function-on-scalar regression, constructing these tests at each point would lead to an inflated type I error.</a:t>
-                </a:r>
-              </a:p>
-              <a:p>
-                <a:pPr marL="0" indent="0">
-                  <a:buNone/>
-                </a:pPr>
-                <a:r>
-                  <a:rPr lang="en-GB" dirty="0"/>
-                  <a:t>Instead, simultaneous inference focuses on tests of the form</a:t>
-                </a:r>
-              </a:p>
-              <a:p>
-                <a:pPr marL="0" indent="0">
-                  <a:buNone/>
-                </a:pPr>
-                <a14:m>
-                  <m:oMathPara xmlns:m="http://schemas.openxmlformats.org/officeDocument/2006/math">
-                    <m:oMathParaPr>
-                      <m:jc m:val="centerGroup"/>
-                    </m:oMathParaPr>
-                    <m:oMath xmlns:m="http://schemas.openxmlformats.org/officeDocument/2006/math">
-                      <m:sSub>
-                        <m:sSubPr>
-                          <m:ctrlPr>
-                            <a:rPr lang="en-IE" b="0" i="1" smtClean="0">
-                              <a:latin typeface="Cambria Math" panose="02040503050406030204" pitchFamily="18" charset="0"/>
-                            </a:rPr>
-                          </m:ctrlPr>
-                        </m:sSubPr>
-                        <m:e>
-                          <m:r>
-                            <a:rPr lang="en-IE" b="0" i="1" smtClean="0">
-                              <a:latin typeface="Cambria Math" panose="02040503050406030204" pitchFamily="18" charset="0"/>
-                            </a:rPr>
-                            <m:t>𝐻</m:t>
-                          </m:r>
-                        </m:e>
-                        <m:sub>
-                          <m:r>
-                            <a:rPr lang="en-IE" b="0" i="1" smtClean="0">
-                              <a:latin typeface="Cambria Math" panose="02040503050406030204" pitchFamily="18" charset="0"/>
-                            </a:rPr>
-                            <m:t>0</m:t>
-                          </m:r>
-                        </m:sub>
-                      </m:sSub>
-                      <m:r>
-                        <a:rPr lang="en-IE" b="0" i="1" smtClean="0">
-                          <a:latin typeface="Cambria Math" panose="02040503050406030204" pitchFamily="18" charset="0"/>
-                        </a:rPr>
-                        <m:t>:</m:t>
-                      </m:r>
-                      <m:sSub>
-                        <m:sSubPr>
-                          <m:ctrlPr>
-                            <a:rPr lang="en-IE" b="0" i="1" smtClean="0">
-                              <a:latin typeface="Cambria Math" panose="02040503050406030204" pitchFamily="18" charset="0"/>
-                            </a:rPr>
-                          </m:ctrlPr>
-                        </m:sSubPr>
-                        <m:e>
-                          <m:r>
-                            <a:rPr lang="en-IE" b="0" i="1" smtClean="0">
-                              <a:latin typeface="Cambria Math" panose="02040503050406030204" pitchFamily="18" charset="0"/>
-                            </a:rPr>
-                            <m:t>𝛽</m:t>
-                          </m:r>
-                        </m:e>
-                        <m:sub>
-                          <m:r>
-                            <a:rPr lang="en-IE" b="0" i="1" smtClean="0">
-                              <a:latin typeface="Cambria Math" panose="02040503050406030204" pitchFamily="18" charset="0"/>
-                            </a:rPr>
-                            <m:t>𝑎</m:t>
-                          </m:r>
-                        </m:sub>
-                      </m:sSub>
-                      <m:d>
-                        <m:dPr>
-                          <m:ctrlPr>
-                            <a:rPr lang="en-IE" b="0" i="1" smtClean="0">
-                              <a:latin typeface="Cambria Math" panose="02040503050406030204" pitchFamily="18" charset="0"/>
-                            </a:rPr>
-                          </m:ctrlPr>
-                        </m:dPr>
-                        <m:e>
-                          <m:r>
-                            <a:rPr lang="en-IE" b="0" i="1" smtClean="0">
-                              <a:latin typeface="Cambria Math" panose="02040503050406030204" pitchFamily="18" charset="0"/>
-                            </a:rPr>
-                            <m:t>𝑡</m:t>
-                          </m:r>
-                        </m:e>
-                      </m:d>
-                      <m:r>
-                        <a:rPr lang="en-IE" b="0" i="1" smtClean="0">
-                          <a:latin typeface="Cambria Math" panose="02040503050406030204" pitchFamily="18" charset="0"/>
-                        </a:rPr>
-                        <m:t>=0 ∀ </m:t>
-                      </m:r>
-                      <m:r>
-                        <a:rPr lang="en-IE" b="0" i="1" smtClean="0">
-                          <a:latin typeface="Cambria Math" panose="02040503050406030204" pitchFamily="18" charset="0"/>
-                        </a:rPr>
-                        <m:t>𝑡</m:t>
-                      </m:r>
-                      <m:r>
-                        <a:rPr lang="en-IE" b="0" i="1" smtClean="0">
-                          <a:latin typeface="Cambria Math" panose="02040503050406030204" pitchFamily="18" charset="0"/>
-                        </a:rPr>
-                        <m:t>∈[0, </m:t>
-                      </m:r>
-                      <m:r>
-                        <a:rPr lang="en-IE" b="0" i="1" smtClean="0">
-                          <a:latin typeface="Cambria Math" panose="02040503050406030204" pitchFamily="18" charset="0"/>
-                        </a:rPr>
-                        <m:t>𝑇</m:t>
-                      </m:r>
-                      <m:r>
-                        <a:rPr lang="en-IE" b="0" i="1" smtClean="0">
-                          <a:latin typeface="Cambria Math" panose="02040503050406030204" pitchFamily="18" charset="0"/>
-                        </a:rPr>
-                        <m:t>]</m:t>
-                      </m:r>
-                    </m:oMath>
-                  </m:oMathPara>
-                </a14:m>
-                <a:endParaRPr lang="en-GB" dirty="0"/>
-              </a:p>
-              <a:p>
-                <a:pPr marL="0" indent="0" algn="ctr">
-                  <a:buNone/>
-                </a:pPr>
-                <a14:m>
-                  <m:oMath xmlns:m="http://schemas.openxmlformats.org/officeDocument/2006/math">
-                    <m:sSub>
-                      <m:sSubPr>
-                        <m:ctrlPr>
-                          <a:rPr lang="en-IE" b="0" i="1" smtClean="0">
-                            <a:latin typeface="Cambria Math" panose="02040503050406030204" pitchFamily="18" charset="0"/>
-                          </a:rPr>
-                        </m:ctrlPr>
-                      </m:sSubPr>
-                      <m:e>
-                        <m:r>
-                          <a:rPr lang="en-IE" b="0" i="1" smtClean="0">
-                            <a:latin typeface="Cambria Math" panose="02040503050406030204" pitchFamily="18" charset="0"/>
-                          </a:rPr>
-                          <m:t>𝐻</m:t>
-                        </m:r>
-                      </m:e>
-                      <m:sub>
-                        <m:r>
-                          <a:rPr lang="en-IE" b="0" i="1" smtClean="0">
-                            <a:latin typeface="Cambria Math" panose="02040503050406030204" pitchFamily="18" charset="0"/>
-                          </a:rPr>
-                          <m:t>𝐴</m:t>
-                        </m:r>
-                      </m:sub>
-                    </m:sSub>
-                    <m:r>
-                      <a:rPr lang="en-IE" b="0" i="1" smtClean="0">
-                        <a:latin typeface="Cambria Math" panose="02040503050406030204" pitchFamily="18" charset="0"/>
-                      </a:rPr>
-                      <m:t>:</m:t>
-                    </m:r>
-                  </m:oMath>
-                </a14:m>
-                <a:r>
-                  <a:rPr lang="en-GB" dirty="0"/>
-                  <a:t> There exists some </a:t>
-                </a:r>
-                <a14:m>
-                  <m:oMath xmlns:m="http://schemas.openxmlformats.org/officeDocument/2006/math">
-                    <m:r>
-                      <a:rPr lang="en-IE" i="1">
-                        <a:latin typeface="Cambria Math" panose="02040503050406030204" pitchFamily="18" charset="0"/>
-                      </a:rPr>
-                      <m:t>𝑡</m:t>
-                    </m:r>
-                    <m:r>
-                      <a:rPr lang="en-IE" i="1">
-                        <a:latin typeface="Cambria Math" panose="02040503050406030204" pitchFamily="18" charset="0"/>
-                      </a:rPr>
-                      <m:t>∈[0, </m:t>
-                    </m:r>
-                    <m:r>
-                      <a:rPr lang="en-IE" i="1">
-                        <a:latin typeface="Cambria Math" panose="02040503050406030204" pitchFamily="18" charset="0"/>
-                      </a:rPr>
-                      <m:t>𝑇</m:t>
-                    </m:r>
-                    <m:r>
-                      <a:rPr lang="en-IE" i="1">
-                        <a:latin typeface="Cambria Math" panose="02040503050406030204" pitchFamily="18" charset="0"/>
-                      </a:rPr>
-                      <m:t>]</m:t>
-                    </m:r>
-                  </m:oMath>
-                </a14:m>
-                <a:r>
-                  <a:rPr lang="en-GB" dirty="0"/>
-                  <a:t> </a:t>
-                </a:r>
-                <a:r>
-                  <a:rPr lang="en-GB" dirty="0" err="1"/>
-                  <a:t>s.t.</a:t>
-                </a:r>
-                <a:r>
-                  <a:rPr lang="en-GB" dirty="0"/>
-                  <a:t> </a:t>
-                </a:r>
-                <a14:m>
-                  <m:oMath xmlns:m="http://schemas.openxmlformats.org/officeDocument/2006/math">
-                    <m:sSub>
-                      <m:sSubPr>
-                        <m:ctrlPr>
-                          <a:rPr lang="en-IE" i="1">
-                            <a:latin typeface="Cambria Math" panose="02040503050406030204" pitchFamily="18" charset="0"/>
-                          </a:rPr>
-                        </m:ctrlPr>
-                      </m:sSubPr>
-                      <m:e>
-                        <m:r>
-                          <a:rPr lang="en-IE" i="1">
-                            <a:latin typeface="Cambria Math" panose="02040503050406030204" pitchFamily="18" charset="0"/>
-                          </a:rPr>
-                          <m:t>𝛽</m:t>
-                        </m:r>
-                      </m:e>
-                      <m:sub>
-                        <m:r>
-                          <a:rPr lang="en-IE" i="1">
-                            <a:latin typeface="Cambria Math" panose="02040503050406030204" pitchFamily="18" charset="0"/>
-                          </a:rPr>
-                          <m:t>𝑎</m:t>
-                        </m:r>
-                      </m:sub>
-                    </m:sSub>
-                    <m:d>
-                      <m:dPr>
-                        <m:ctrlPr>
-                          <a:rPr lang="en-IE" i="1">
-                            <a:latin typeface="Cambria Math" panose="02040503050406030204" pitchFamily="18" charset="0"/>
-                          </a:rPr>
-                        </m:ctrlPr>
-                      </m:dPr>
-                      <m:e>
-                        <m:r>
-                          <a:rPr lang="en-IE" i="1">
-                            <a:latin typeface="Cambria Math" panose="02040503050406030204" pitchFamily="18" charset="0"/>
-                          </a:rPr>
-                          <m:t>𝑡</m:t>
-                        </m:r>
-                      </m:e>
-                    </m:d>
-                    <m:r>
-                      <a:rPr lang="en-IE" b="0" i="1" smtClean="0">
-                        <a:latin typeface="Cambria Math" panose="02040503050406030204" pitchFamily="18" charset="0"/>
-                      </a:rPr>
-                      <m:t>≠</m:t>
-                    </m:r>
-                    <m:r>
-                      <a:rPr lang="en-IE" i="1">
-                        <a:latin typeface="Cambria Math" panose="02040503050406030204" pitchFamily="18" charset="0"/>
-                      </a:rPr>
-                      <m:t>0</m:t>
-                    </m:r>
-                  </m:oMath>
-                </a14:m>
-                <a:endParaRPr lang="en-GB" dirty="0"/>
-              </a:p>
-              <a:p>
-                <a:pPr marL="0" indent="0">
-                  <a:buNone/>
-                </a:pPr>
-                <a:r>
-                  <a:rPr lang="en-GB" dirty="0"/>
-                  <a:t>Typically achieved by choosing a suitable test statistic and approximating its distribution under </a:t>
-                </a:r>
-                <a14:m>
-                  <m:oMath xmlns:m="http://schemas.openxmlformats.org/officeDocument/2006/math">
-                    <m:sSub>
-                      <m:sSubPr>
-                        <m:ctrlPr>
-                          <a:rPr lang="en-IE" b="0" i="1" smtClean="0">
-                            <a:latin typeface="Cambria Math" panose="02040503050406030204" pitchFamily="18" charset="0"/>
-                          </a:rPr>
-                        </m:ctrlPr>
-                      </m:sSubPr>
-                      <m:e>
-                        <m:r>
-                          <a:rPr lang="en-IE" b="0" i="1" smtClean="0">
-                            <a:latin typeface="Cambria Math" panose="02040503050406030204" pitchFamily="18" charset="0"/>
-                          </a:rPr>
-                          <m:t>𝐻</m:t>
-                        </m:r>
-                      </m:e>
-                      <m:sub>
-                        <m:r>
-                          <a:rPr lang="en-IE" b="0" i="1" smtClean="0">
-                            <a:latin typeface="Cambria Math" panose="02040503050406030204" pitchFamily="18" charset="0"/>
-                          </a:rPr>
-                          <m:t>0</m:t>
-                        </m:r>
-                      </m:sub>
-                    </m:sSub>
-                  </m:oMath>
-                </a14:m>
-                <a:r>
-                  <a:rPr lang="en-GB" dirty="0"/>
-                  <a:t> by simulation.</a:t>
-                </a:r>
-              </a:p>
-            </p:txBody>
-          </p:sp>
-        </mc:Choice>
-        <mc:Fallback>
-          <p:sp>
-            <p:nvSpPr>
-              <p:cNvPr id="3" name="Content Placeholder 2">
-                <a:extLst>
-                  <a:ext uri="{FF2B5EF4-FFF2-40B4-BE49-F238E27FC236}">
-                    <a16:creationId xmlns:a16="http://schemas.microsoft.com/office/drawing/2014/main" id="{B759C73D-7C02-2F9E-6491-A58AF57F009C}"/>
-                  </a:ext>
-                </a:extLst>
-              </p:cNvPr>
-              <p:cNvSpPr>
-                <a:spLocks noGrp="1" noRot="1" noChangeAspect="1" noMove="1" noResize="1" noEditPoints="1" noAdjustHandles="1" noChangeArrowheads="1" noChangeShapeType="1" noTextEdit="1"/>
-              </p:cNvSpPr>
-              <p:nvPr>
-                <p:ph idx="1"/>
-              </p:nvPr>
-            </p:nvSpPr>
-            <p:spPr>
-              <a:blipFill>
-                <a:blip r:embed="rId3"/>
-                <a:stretch>
-                  <a:fillRect l="-1206" t="-2326" b="-291"/>
-                </a:stretch>
-              </a:blipFill>
-            </p:spPr>
-            <p:txBody>
-              <a:bodyPr/>
-              <a:lstStyle/>
-              <a:p>
-                <a:r>
-                  <a:rPr lang="en-GB">
-                    <a:noFill/>
-                  </a:rPr>
-                  <a:t> </a:t>
-                </a:r>
-              </a:p>
-            </p:txBody>
-          </p:sp>
-        </mc:Fallback>
-      </mc:AlternateContent>
-    </p:spTree>
-    <p:extLst>
-      <p:ext uri="{BB962C8B-B14F-4D97-AF65-F5344CB8AC3E}">
-        <p14:creationId xmlns:p14="http://schemas.microsoft.com/office/powerpoint/2010/main" val="861362999"/>
-      </p:ext>
-    </p:extLst>
-  </p:cSld>
-  <p:clrMapOvr>
-    <a:masterClrMapping/>
-  </p:clrMapOvr>
+  <p:timing>
+    <p:tnLst>
+      <p:par>
+        <p:cTn id="1" dur="indefinite" restart="never" nodeType="tmRoot">
+          <p:childTnLst>
+            <p:seq concurrent="1" nextAc="seek">
+              <p:cTn id="2" dur="indefinite" nodeType="mainSeq">
+                <p:childTnLst>
+                  <p:par>
+                    <p:cTn id="3" fill="hold">
+                      <p:stCondLst>
+                        <p:cond delay="indefinite"/>
+                      </p:stCondLst>
+                      <p:childTnLst>
+                        <p:par>
+                          <p:cTn id="4" fill="hold">
+                            <p:stCondLst>
+                              <p:cond delay="0"/>
+                            </p:stCondLst>
+                            <p:childTnLst>
+                              <p:par>
+                                <p:cTn id="5" presetID="1" presetClass="entr" presetSubtype="0" fill="hold" nodeType="clickEffect">
+                                  <p:stCondLst>
+                                    <p:cond delay="0"/>
+                                  </p:stCondLst>
+                                  <p:childTnLst>
+                                    <p:set>
+                                      <p:cBhvr>
+                                        <p:cTn id="6" dur="1" fill="hold">
+                                          <p:stCondLst>
+                                            <p:cond delay="0"/>
+                                          </p:stCondLst>
+                                        </p:cTn>
+                                        <p:tgtEl>
+                                          <p:spTgt spid="3">
+                                            <p:txEl>
+                                              <p:pRg st="0" end="0"/>
+                                            </p:txEl>
+                                          </p:spTgt>
+                                        </p:tgtEl>
+                                        <p:attrNameLst>
+                                          <p:attrName>style.visibility</p:attrName>
+                                        </p:attrNameLst>
+                                      </p:cBhvr>
+                                      <p:to>
+                                        <p:strVal val="visible"/>
+                                      </p:to>
+                                    </p:set>
+                                  </p:childTnLst>
+                                </p:cTn>
+                              </p:par>
+                            </p:childTnLst>
+                          </p:cTn>
+                        </p:par>
+                      </p:childTnLst>
+                    </p:cTn>
+                  </p:par>
+                  <p:par>
+                    <p:cTn id="7" fill="hold">
+                      <p:stCondLst>
+                        <p:cond delay="indefinite"/>
+                      </p:stCondLst>
+                      <p:childTnLst>
+                        <p:par>
+                          <p:cTn id="8" fill="hold">
+                            <p:stCondLst>
+                              <p:cond delay="0"/>
+                            </p:stCondLst>
+                            <p:childTnLst>
+                              <p:par>
+                                <p:cTn id="9" presetID="1" presetClass="entr" presetSubtype="0" fill="hold" nodeType="clickEffect">
+                                  <p:stCondLst>
+                                    <p:cond delay="0"/>
+                                  </p:stCondLst>
+                                  <p:childTnLst>
+                                    <p:set>
+                                      <p:cBhvr>
+                                        <p:cTn id="10" dur="1" fill="hold">
+                                          <p:stCondLst>
+                                            <p:cond delay="0"/>
+                                          </p:stCondLst>
+                                        </p:cTn>
+                                        <p:tgtEl>
+                                          <p:spTgt spid="5"/>
+                                        </p:tgtEl>
+                                        <p:attrNameLst>
+                                          <p:attrName>style.visibility</p:attrName>
+                                        </p:attrNameLst>
+                                      </p:cBhvr>
+                                      <p:to>
+                                        <p:strVal val="visible"/>
+                                      </p:to>
+                                    </p:set>
+                                  </p:childTnLst>
+                                </p:cTn>
+                              </p:par>
+                            </p:childTnLst>
+                          </p:cTn>
+                        </p:par>
+                      </p:childTnLst>
+                    </p:cTn>
+                  </p:par>
+                  <p:par>
+                    <p:cTn id="11" fill="hold">
+                      <p:stCondLst>
+                        <p:cond delay="indefinite"/>
+                      </p:stCondLst>
+                      <p:childTnLst>
+                        <p:par>
+                          <p:cTn id="12" fill="hold">
+                            <p:stCondLst>
+                              <p:cond delay="0"/>
+                            </p:stCondLst>
+                            <p:childTnLst>
+                              <p:par>
+                                <p:cTn id="13" presetID="1" presetClass="entr" presetSubtype="0" fill="hold" nodeType="clickEffect">
+                                  <p:stCondLst>
+                                    <p:cond delay="0"/>
+                                  </p:stCondLst>
+                                  <p:childTnLst>
+                                    <p:set>
+                                      <p:cBhvr>
+                                        <p:cTn id="14" dur="1" fill="hold">
+                                          <p:stCondLst>
+                                            <p:cond delay="0"/>
+                                          </p:stCondLst>
+                                        </p:cTn>
+                                        <p:tgtEl>
+                                          <p:spTgt spid="3">
+                                            <p:txEl>
+                                              <p:pRg st="6" end="6"/>
+                                            </p:txEl>
+                                          </p:spTgt>
+                                        </p:tgtEl>
+                                        <p:attrNameLst>
+                                          <p:attrName>style.visibility</p:attrName>
+                                        </p:attrNameLst>
+                                      </p:cBhvr>
+                                      <p:to>
+                                        <p:strVal val="visible"/>
+                                      </p:to>
+                                    </p:set>
+                                  </p:childTnLst>
+                                </p:cTn>
+                              </p:par>
+                            </p:childTnLst>
+                          </p:cTn>
+                        </p:par>
+                      </p:childTnLst>
+                    </p:cTn>
+                  </p:par>
+                </p:childTnLst>
+              </p:cTn>
+              <p:prevCondLst>
+                <p:cond evt="onPrev" delay="0">
+                  <p:tgtEl>
+                    <p:sldTgt/>
+                  </p:tgtEl>
+                </p:cond>
+              </p:prevCondLst>
+              <p:nextCondLst>
+                <p:cond evt="onNext" delay="0">
+                  <p:tgtEl>
+                    <p:sldTgt/>
+                  </p:tgtEl>
+                </p:cond>
+              </p:nextCondLst>
+            </p:seq>
+          </p:childTnLst>
+        </p:cTn>
+      </p:par>
+    </p:tnLst>
+  </p:timing>
 </p:sld>
 </file>
 

--- a/slides/05-fregression.pptx
+++ b/slides/05-fregression.pptx
@@ -214,7 +214,7 @@
           <a:p>
             <a:fld id="{C3BDFCC3-9444-904F-8BDC-F0A1FF6E28DC}" type="datetimeFigureOut">
               <a:rPr lang="en-GB" smtClean="0"/>
-              <a:t>14/07/2024</a:t>
+              <a:t>15/07/2024</a:t>
             </a:fld>
             <a:endParaRPr lang="en-GB"/>
           </a:p>
@@ -864,7 +864,7 @@
           <a:p>
             <a:fld id="{C6CF10CA-94B3-504B-A812-19B0C18E6A91}" type="datetimeFigureOut">
               <a:rPr lang="en-GB" smtClean="0"/>
-              <a:t>14/07/2024</a:t>
+              <a:t>15/07/2024</a:t>
             </a:fld>
             <a:endParaRPr lang="en-GB"/>
           </a:p>
@@ -1034,7 +1034,7 @@
           <a:p>
             <a:fld id="{C6CF10CA-94B3-504B-A812-19B0C18E6A91}" type="datetimeFigureOut">
               <a:rPr lang="en-GB" smtClean="0"/>
-              <a:t>14/07/2024</a:t>
+              <a:t>15/07/2024</a:t>
             </a:fld>
             <a:endParaRPr lang="en-GB"/>
           </a:p>
@@ -1214,7 +1214,7 @@
           <a:p>
             <a:fld id="{C6CF10CA-94B3-504B-A812-19B0C18E6A91}" type="datetimeFigureOut">
               <a:rPr lang="en-GB" smtClean="0"/>
-              <a:t>14/07/2024</a:t>
+              <a:t>15/07/2024</a:t>
             </a:fld>
             <a:endParaRPr lang="en-GB"/>
           </a:p>
@@ -1384,7 +1384,7 @@
           <a:p>
             <a:fld id="{C6CF10CA-94B3-504B-A812-19B0C18E6A91}" type="datetimeFigureOut">
               <a:rPr lang="en-GB" smtClean="0"/>
-              <a:t>14/07/2024</a:t>
+              <a:t>15/07/2024</a:t>
             </a:fld>
             <a:endParaRPr lang="en-GB"/>
           </a:p>
@@ -1630,7 +1630,7 @@
           <a:p>
             <a:fld id="{C6CF10CA-94B3-504B-A812-19B0C18E6A91}" type="datetimeFigureOut">
               <a:rPr lang="en-GB" smtClean="0"/>
-              <a:t>14/07/2024</a:t>
+              <a:t>15/07/2024</a:t>
             </a:fld>
             <a:endParaRPr lang="en-GB"/>
           </a:p>
@@ -1862,7 +1862,7 @@
           <a:p>
             <a:fld id="{C6CF10CA-94B3-504B-A812-19B0C18E6A91}" type="datetimeFigureOut">
               <a:rPr lang="en-GB" smtClean="0"/>
-              <a:t>14/07/2024</a:t>
+              <a:t>15/07/2024</a:t>
             </a:fld>
             <a:endParaRPr lang="en-GB"/>
           </a:p>
@@ -2229,7 +2229,7 @@
           <a:p>
             <a:fld id="{C6CF10CA-94B3-504B-A812-19B0C18E6A91}" type="datetimeFigureOut">
               <a:rPr lang="en-GB" smtClean="0"/>
-              <a:t>14/07/2024</a:t>
+              <a:t>15/07/2024</a:t>
             </a:fld>
             <a:endParaRPr lang="en-GB"/>
           </a:p>
@@ -2347,7 +2347,7 @@
           <a:p>
             <a:fld id="{C6CF10CA-94B3-504B-A812-19B0C18E6A91}" type="datetimeFigureOut">
               <a:rPr lang="en-GB" smtClean="0"/>
-              <a:t>14/07/2024</a:t>
+              <a:t>15/07/2024</a:t>
             </a:fld>
             <a:endParaRPr lang="en-GB"/>
           </a:p>
@@ -2442,7 +2442,7 @@
           <a:p>
             <a:fld id="{C6CF10CA-94B3-504B-A812-19B0C18E6A91}" type="datetimeFigureOut">
               <a:rPr lang="en-GB" smtClean="0"/>
-              <a:t>14/07/2024</a:t>
+              <a:t>15/07/2024</a:t>
             </a:fld>
             <a:endParaRPr lang="en-GB"/>
           </a:p>
@@ -2719,7 +2719,7 @@
           <a:p>
             <a:fld id="{C6CF10CA-94B3-504B-A812-19B0C18E6A91}" type="datetimeFigureOut">
               <a:rPr lang="en-GB" smtClean="0"/>
-              <a:t>14/07/2024</a:t>
+              <a:t>15/07/2024</a:t>
             </a:fld>
             <a:endParaRPr lang="en-GB"/>
           </a:p>
@@ -2976,7 +2976,7 @@
           <a:p>
             <a:fld id="{C6CF10CA-94B3-504B-A812-19B0C18E6A91}" type="datetimeFigureOut">
               <a:rPr lang="en-GB" smtClean="0"/>
-              <a:t>14/07/2024</a:t>
+              <a:t>15/07/2024</a:t>
             </a:fld>
             <a:endParaRPr lang="en-GB"/>
           </a:p>
@@ -3189,7 +3189,7 @@
           <a:p>
             <a:fld id="{C6CF10CA-94B3-504B-A812-19B0C18E6A91}" type="datetimeFigureOut">
               <a:rPr lang="en-GB" smtClean="0"/>
-              <a:t>14/07/2024</a:t>
+              <a:t>15/07/2024</a:t>
             </a:fld>
             <a:endParaRPr lang="en-GB"/>
           </a:p>
@@ -9875,8 +9875,8 @@
           </a:p>
         </p:txBody>
       </p:sp>
-      <mc:AlternateContent xmlns:mc="http://schemas.openxmlformats.org/markup-compatibility/2006">
-        <mc:Choice xmlns:a14="http://schemas.microsoft.com/office/drawing/2010/main" Requires="a14">
+      <mc:AlternateContent xmlns:mc="http://schemas.openxmlformats.org/markup-compatibility/2006" xmlns:a14="http://schemas.microsoft.com/office/drawing/2010/main">
+        <mc:Choice Requires="a14">
           <p:sp>
             <p:nvSpPr>
               <p:cNvPr id="3" name="Content Placeholder 2">
@@ -10177,7 +10177,7 @@
             </p:txBody>
           </p:sp>
         </mc:Choice>
-        <mc:Fallback>
+        <mc:Fallback xmlns="">
           <p:sp>
             <p:nvSpPr>
               <p:cNvPr id="3" name="Content Placeholder 2">
@@ -13054,8 +13054,8 @@
           </a:p>
         </p:txBody>
       </p:sp>
-      <mc:AlternateContent xmlns:mc="http://schemas.openxmlformats.org/markup-compatibility/2006">
-        <mc:Choice xmlns:a14="http://schemas.microsoft.com/office/drawing/2010/main" Requires="a14">
+      <mc:AlternateContent xmlns:mc="http://schemas.openxmlformats.org/markup-compatibility/2006" xmlns:a14="http://schemas.microsoft.com/office/drawing/2010/main">
+        <mc:Choice Requires="a14">
           <p:sp>
             <p:nvSpPr>
               <p:cNvPr id="3" name="Content Placeholder 2">
@@ -13428,7 +13428,7 @@
             </p:txBody>
           </p:sp>
         </mc:Choice>
-        <mc:Fallback>
+        <mc:Fallback xmlns="">
           <p:sp>
             <p:nvSpPr>
               <p:cNvPr id="3" name="Content Placeholder 2">
@@ -13846,7 +13846,7 @@
                 </a:r>
                 <a:r>
                   <a:rPr lang="en-GB" dirty="0"/>
-                  <a:t>Effect of running speed and sex on knee angle kinematics.</a:t>
+                  <a:t>Effect of running speed and sex on hip angle kinematics.</a:t>
                 </a:r>
               </a:p>
               <a:p>
@@ -13940,7 +13940,7 @@
               <a:blipFill>
                 <a:blip r:embed="rId2"/>
                 <a:stretch>
-                  <a:fillRect l="-1206" t="-2326" b="-3198"/>
+                  <a:fillRect l="-1206" t="-2326"/>
                 </a:stretch>
               </a:blipFill>
             </p:spPr>
@@ -13949,7 +13949,7 @@
               <a:lstStyle/>
               <a:p>
                 <a:r>
-                  <a:rPr lang="en-GB">
+                  <a:rPr lang="en-US">
                     <a:noFill/>
                   </a:rPr>
                   <a:t> </a:t>
